--- a/unit_03/slides/02 MongoDB & Node.pptx
+++ b/unit_03/slides/02 MongoDB & Node.pptx
@@ -7,19 +7,27 @@
   <p:sldIdLst>
     <p:sldId id="257" r:id="rId5"/>
     <p:sldId id="258" r:id="rId6"/>
-    <p:sldId id="288" r:id="rId7"/>
-    <p:sldId id="268" r:id="rId8"/>
-    <p:sldId id="291" r:id="rId9"/>
-    <p:sldId id="294" r:id="rId10"/>
-    <p:sldId id="292" r:id="rId11"/>
-    <p:sldId id="293" r:id="rId12"/>
-    <p:sldId id="295" r:id="rId13"/>
-    <p:sldId id="296" r:id="rId14"/>
-    <p:sldId id="297" r:id="rId15"/>
-    <p:sldId id="298" r:id="rId16"/>
-    <p:sldId id="299" r:id="rId17"/>
-    <p:sldId id="290" r:id="rId18"/>
-    <p:sldId id="289" r:id="rId19"/>
+    <p:sldId id="300" r:id="rId7"/>
+    <p:sldId id="301" r:id="rId8"/>
+    <p:sldId id="302" r:id="rId9"/>
+    <p:sldId id="291" r:id="rId10"/>
+    <p:sldId id="304" r:id="rId11"/>
+    <p:sldId id="305" r:id="rId12"/>
+    <p:sldId id="306" r:id="rId13"/>
+    <p:sldId id="307" r:id="rId14"/>
+    <p:sldId id="303" r:id="rId15"/>
+    <p:sldId id="294" r:id="rId16"/>
+    <p:sldId id="288" r:id="rId17"/>
+    <p:sldId id="268" r:id="rId18"/>
+    <p:sldId id="292" r:id="rId19"/>
+    <p:sldId id="293" r:id="rId20"/>
+    <p:sldId id="295" r:id="rId21"/>
+    <p:sldId id="296" r:id="rId22"/>
+    <p:sldId id="297" r:id="rId23"/>
+    <p:sldId id="298" r:id="rId24"/>
+    <p:sldId id="299" r:id="rId25"/>
+    <p:sldId id="290" r:id="rId26"/>
+    <p:sldId id="289" r:id="rId27"/>
   </p:sldIdLst>
   <p:sldSz cx="12192000" cy="6858000"/>
   <p:notesSz cx="6858000" cy="9144000"/>
@@ -4310,13 +4318,18 @@
         </p:nvSpPr>
         <p:spPr/>
         <p:txBody>
-          <a:bodyPr/>
+          <a:bodyPr>
+            <a:normAutofit/>
+          </a:bodyPr>
           <a:lstStyle/>
           <a:p>
             <a:r>
-              <a:rPr lang="en-US"/>
-              <a:t>Example: Inserting Documents</a:t>
-            </a:r>
+              <a:rPr lang="en-US" sz="3200" b="1">
+                <a:latin typeface="Consolas" panose="020B0609020204030204" pitchFamily="49" charset="0"/>
+              </a:rPr>
+              <a:t>production.json</a:t>
+            </a:r>
+            <a:endParaRPr lang="en-US" sz="3200"/>
           </a:p>
         </p:txBody>
       </p:sp>
@@ -4339,18 +4352,45 @@
         <p:spPr/>
         <p:txBody>
           <a:bodyPr>
-            <a:normAutofit/>
+            <a:noAutofit/>
           </a:bodyPr>
           <a:lstStyle/>
           <a:p>
-            <a:endParaRPr lang="en-US" sz="2000"/>
+            <a:pPr marL="0" indent="0">
+              <a:buNone/>
+            </a:pPr>
+            <a:r>
+              <a:rPr lang="en-US" sz="1800" b="1"/>
+              <a:t>This file is used to specify configuration parameters for your production environment.</a:t>
+            </a:r>
+          </a:p>
+          <a:p>
+            <a:pPr marL="0" indent="0">
+              <a:buNone/>
+            </a:pPr>
+            <a:r>
+              <a:rPr lang="en-US" sz="1800" b="1"/>
+              <a:t>Add the code below to the file.</a:t>
+            </a:r>
+          </a:p>
+          <a:p>
+            <a:pPr marL="0" indent="0">
+              <a:buNone/>
+            </a:pPr>
+            <a:r>
+              <a:rPr lang="en-US" sz="1800"/>
+              <a:t>{}</a:t>
+            </a:r>
+            <a:endParaRPr lang="en-US" sz="1800">
+              <a:latin typeface="Consolas" panose="020B0609020204030204" pitchFamily="49" charset="0"/>
+            </a:endParaRPr>
           </a:p>
         </p:txBody>
       </p:sp>
     </p:spTree>
     <p:extLst>
       <p:ext uri="{BB962C8B-B14F-4D97-AF65-F5344CB8AC3E}">
-        <p14:creationId xmlns:p14="http://schemas.microsoft.com/office/powerpoint/2010/main" val="2229891312"/>
+        <p14:creationId xmlns:p14="http://schemas.microsoft.com/office/powerpoint/2010/main" val="3758122308"/>
       </p:ext>
     </p:extLst>
   </p:cSld>
@@ -4395,12 +4435,24 @@
         </p:nvSpPr>
         <p:spPr/>
         <p:txBody>
-          <a:bodyPr/>
+          <a:bodyPr>
+            <a:normAutofit/>
+          </a:bodyPr>
           <a:lstStyle/>
           <a:p>
             <a:r>
-              <a:rPr lang="en-US"/>
-              <a:t>Example: Updating Documents</a:t>
+              <a:rPr lang="en-US" sz="3200"/>
+              <a:t>Using </a:t>
+            </a:r>
+            <a:r>
+              <a:rPr lang="en-US" sz="3200" b="1">
+                <a:latin typeface="Consolas" panose="020B0609020204030204" pitchFamily="49" charset="0"/>
+              </a:rPr>
+              <a:t>config</a:t>
+            </a:r>
+            <a:r>
+              <a:rPr lang="en-US" sz="3200"/>
+              <a:t> to retrieve the connection string</a:t>
             </a:r>
           </a:p>
         </p:txBody>
@@ -4421,21 +4473,82 @@
             <p:ph idx="1"/>
           </p:nvPr>
         </p:nvSpPr>
-        <p:spPr/>
-        <p:txBody>
-          <a:bodyPr>
-            <a:normAutofit/>
+        <p:spPr>
+          <a:xfrm>
+            <a:off x="1066800" y="2353417"/>
+            <a:ext cx="6795278" cy="1846659"/>
+          </a:xfrm>
+          <a:solidFill>
+            <a:schemeClr val="bg1"/>
+          </a:solidFill>
+          <a:ln w="12700">
+            <a:solidFill>
+              <a:schemeClr val="tx1"/>
+            </a:solidFill>
+          </a:ln>
+        </p:spPr>
+        <p:txBody>
+          <a:bodyPr wrap="square" lIns="457200" tIns="457200" rIns="457200" bIns="457200">
+            <a:spAutoFit/>
           </a:bodyPr>
           <a:lstStyle/>
           <a:p>
-            <a:endParaRPr lang="en-US" sz="2000"/>
+            <a:pPr marL="0" indent="0">
+              <a:lnSpc>
+                <a:spcPct val="100000"/>
+              </a:lnSpc>
+              <a:spcBef>
+                <a:spcPts val="0"/>
+              </a:spcBef>
+              <a:buNone/>
+            </a:pPr>
+            <a:r>
+              <a:rPr lang="en-US" sz="2000">
+                <a:latin typeface="Consolas" panose="020B0609020204030204" pitchFamily="49" charset="0"/>
+              </a:rPr>
+              <a:t>const config = require('config');</a:t>
+            </a:r>
+          </a:p>
+          <a:p>
+            <a:pPr marL="0" indent="0">
+              <a:lnSpc>
+                <a:spcPct val="100000"/>
+              </a:lnSpc>
+              <a:spcBef>
+                <a:spcPts val="0"/>
+              </a:spcBef>
+              <a:buNone/>
+            </a:pPr>
+            <a:r>
+              <a:rPr lang="en-US" sz="2000">
+                <a:latin typeface="Consolas" panose="020B0609020204030204" pitchFamily="49" charset="0"/>
+              </a:rPr>
+              <a:t>const DB_NAME = config.get('db.name');</a:t>
+            </a:r>
+          </a:p>
+          <a:p>
+            <a:pPr marL="0" indent="0">
+              <a:lnSpc>
+                <a:spcPct val="100000"/>
+              </a:lnSpc>
+              <a:spcBef>
+                <a:spcPts val="0"/>
+              </a:spcBef>
+              <a:buNone/>
+            </a:pPr>
+            <a:r>
+              <a:rPr lang="en-US" sz="2000">
+                <a:latin typeface="Consolas" panose="020B0609020204030204" pitchFamily="49" charset="0"/>
+              </a:rPr>
+              <a:t>const DB_URI = config.get('db.uri');</a:t>
+            </a:r>
           </a:p>
         </p:txBody>
       </p:sp>
     </p:spTree>
     <p:extLst>
       <p:ext uri="{BB962C8B-B14F-4D97-AF65-F5344CB8AC3E}">
-        <p14:creationId xmlns:p14="http://schemas.microsoft.com/office/powerpoint/2010/main" val="2405577913"/>
+        <p14:creationId xmlns:p14="http://schemas.microsoft.com/office/powerpoint/2010/main" val="1005112416"/>
       </p:ext>
     </p:extLst>
   </p:cSld>
@@ -4478,24 +4591,29 @@
             <p:ph type="title"/>
           </p:nvPr>
         </p:nvSpPr>
-        <p:spPr/>
+        <p:spPr>
+          <a:xfrm>
+            <a:off x="1066800" y="340936"/>
+            <a:ext cx="10058400" cy="1371600"/>
+          </a:xfrm>
+        </p:spPr>
         <p:txBody>
           <a:bodyPr/>
           <a:lstStyle/>
           <a:p>
             <a:r>
               <a:rPr lang="en-US"/>
-              <a:t>Example: Upsert</a:t>
-            </a:r>
-          </a:p>
-        </p:txBody>
-      </p:sp>
-      <p:sp>
-        <p:nvSpPr>
-          <p:cNvPr id="3" name="Content Placeholder 2">
+              <a:t>Connecting to the database</a:t>
+            </a:r>
+          </a:p>
+        </p:txBody>
+      </p:sp>
+      <p:sp>
+        <p:nvSpPr>
+          <p:cNvPr id="4" name="Content Placeholder 2">
             <a:extLst>
               <a:ext uri="{FF2B5EF4-FFF2-40B4-BE49-F238E27FC236}">
-                <a16:creationId xmlns:a16="http://schemas.microsoft.com/office/drawing/2014/main" id="{D04995EB-1AA3-43AF-A1AF-57A3BB47576F}"/>
+                <a16:creationId xmlns:a16="http://schemas.microsoft.com/office/drawing/2014/main" id="{BF2E54A1-3B6B-4BCC-8529-17E542F5A824}"/>
               </a:ext>
             </a:extLst>
           </p:cNvPr>
@@ -4506,21 +4624,308 @@
             <p:ph idx="1"/>
           </p:nvPr>
         </p:nvSpPr>
-        <p:spPr/>
-        <p:txBody>
-          <a:bodyPr>
-            <a:normAutofit/>
+        <p:spPr>
+          <a:xfrm>
+            <a:off x="1066801" y="1533690"/>
+            <a:ext cx="8237456" cy="4678204"/>
+          </a:xfrm>
+          <a:solidFill>
+            <a:schemeClr val="bg1"/>
+          </a:solidFill>
+          <a:ln w="12700">
+            <a:solidFill>
+              <a:schemeClr val="tx1"/>
+            </a:solidFill>
+          </a:ln>
+        </p:spPr>
+        <p:txBody>
+          <a:bodyPr wrap="square" lIns="182880" tIns="182880" rIns="182880" bIns="182880">
+            <a:spAutoFit/>
           </a:bodyPr>
           <a:lstStyle/>
           <a:p>
-            <a:endParaRPr lang="en-US" sz="2000"/>
+            <a:pPr marL="0" indent="0">
+              <a:lnSpc>
+                <a:spcPct val="100000"/>
+              </a:lnSpc>
+              <a:spcBef>
+                <a:spcPts val="0"/>
+              </a:spcBef>
+              <a:buNone/>
+            </a:pPr>
+            <a:r>
+              <a:rPr lang="en-US" sz="2000">
+                <a:latin typeface="Consolas" panose="020B0609020204030204" pitchFamily="49" charset="0"/>
+              </a:rPr>
+              <a:t>let databaseConnection = null;</a:t>
+            </a:r>
+          </a:p>
+          <a:p>
+            <a:pPr marL="0" indent="0">
+              <a:lnSpc>
+                <a:spcPct val="100000"/>
+              </a:lnSpc>
+              <a:spcBef>
+                <a:spcPts val="0"/>
+              </a:spcBef>
+              <a:buNone/>
+            </a:pPr>
+            <a:r>
+              <a:rPr lang="en-US" sz="2000" b="1">
+                <a:highlight>
+                  <a:srgbClr val="FFFF00"/>
+                </a:highlight>
+                <a:latin typeface="Consolas" panose="020B0609020204030204" pitchFamily="49" charset="0"/>
+              </a:rPr>
+              <a:t>async</a:t>
+            </a:r>
+            <a:r>
+              <a:rPr lang="en-US" sz="2000">
+                <a:latin typeface="Consolas" panose="020B0609020204030204" pitchFamily="49" charset="0"/>
+              </a:rPr>
+              <a:t> function connect() {</a:t>
+            </a:r>
+          </a:p>
+          <a:p>
+            <a:pPr marL="0" indent="0">
+              <a:lnSpc>
+                <a:spcPct val="100000"/>
+              </a:lnSpc>
+              <a:spcBef>
+                <a:spcPts val="0"/>
+              </a:spcBef>
+              <a:buNone/>
+            </a:pPr>
+            <a:r>
+              <a:rPr lang="en-US" sz="2000">
+                <a:latin typeface="Consolas" panose="020B0609020204030204" pitchFamily="49" charset="0"/>
+              </a:rPr>
+              <a:t>  if (!databaseConnection) {</a:t>
+            </a:r>
+          </a:p>
+          <a:p>
+            <a:pPr marL="0" indent="0">
+              <a:lnSpc>
+                <a:spcPct val="100000"/>
+              </a:lnSpc>
+              <a:spcBef>
+                <a:spcPts val="0"/>
+              </a:spcBef>
+              <a:buNone/>
+            </a:pPr>
+            <a:r>
+              <a:rPr lang="en-US" sz="2000">
+                <a:latin typeface="Consolas" panose="020B0609020204030204" pitchFamily="49" charset="0"/>
+              </a:rPr>
+              <a:t>    debug('connecting to database...');</a:t>
+            </a:r>
+          </a:p>
+          <a:p>
+            <a:pPr marL="0" indent="0">
+              <a:lnSpc>
+                <a:spcPct val="100000"/>
+              </a:lnSpc>
+              <a:spcBef>
+                <a:spcPts val="0"/>
+              </a:spcBef>
+              <a:buNone/>
+            </a:pPr>
+            <a:r>
+              <a:rPr lang="en-US" sz="2000" b="1">
+                <a:latin typeface="Consolas" panose="020B0609020204030204" pitchFamily="49" charset="0"/>
+              </a:rPr>
+              <a:t>    const client = await MongoClient.connect(</a:t>
+            </a:r>
+            <a:r>
+              <a:rPr lang="en-US" sz="2000" b="1">
+                <a:highlight>
+                  <a:srgbClr val="FFFF00"/>
+                </a:highlight>
+                <a:latin typeface="Consolas" panose="020B0609020204030204" pitchFamily="49" charset="0"/>
+              </a:rPr>
+              <a:t>DB_URI</a:t>
+            </a:r>
+            <a:r>
+              <a:rPr lang="en-US" sz="2000" b="1">
+                <a:latin typeface="Consolas" panose="020B0609020204030204" pitchFamily="49" charset="0"/>
+              </a:rPr>
+              <a:t>, {</a:t>
+            </a:r>
+          </a:p>
+          <a:p>
+            <a:pPr marL="0" indent="0">
+              <a:lnSpc>
+                <a:spcPct val="100000"/>
+              </a:lnSpc>
+              <a:spcBef>
+                <a:spcPts val="0"/>
+              </a:spcBef>
+              <a:buNone/>
+            </a:pPr>
+            <a:r>
+              <a:rPr lang="en-US" sz="2000" b="1">
+                <a:latin typeface="Consolas" panose="020B0609020204030204" pitchFamily="49" charset="0"/>
+              </a:rPr>
+              <a:t>      useNewUrlParser: true,</a:t>
+            </a:r>
+          </a:p>
+          <a:p>
+            <a:pPr marL="0" indent="0">
+              <a:lnSpc>
+                <a:spcPct val="100000"/>
+              </a:lnSpc>
+              <a:spcBef>
+                <a:spcPts val="0"/>
+              </a:spcBef>
+              <a:buNone/>
+            </a:pPr>
+            <a:r>
+              <a:rPr lang="en-US" sz="2000" b="1">
+                <a:latin typeface="Consolas" panose="020B0609020204030204" pitchFamily="49" charset="0"/>
+              </a:rPr>
+              <a:t>      useUnifiedTopology: true,</a:t>
+            </a:r>
+          </a:p>
+          <a:p>
+            <a:pPr marL="0" indent="0">
+              <a:lnSpc>
+                <a:spcPct val="100000"/>
+              </a:lnSpc>
+              <a:spcBef>
+                <a:spcPts val="0"/>
+              </a:spcBef>
+              <a:buNone/>
+            </a:pPr>
+            <a:r>
+              <a:rPr lang="en-US" sz="2000" b="1">
+                <a:latin typeface="Consolas" panose="020B0609020204030204" pitchFamily="49" charset="0"/>
+              </a:rPr>
+              <a:t>      poolSize: 10,</a:t>
+            </a:r>
+          </a:p>
+          <a:p>
+            <a:pPr marL="0" indent="0">
+              <a:lnSpc>
+                <a:spcPct val="100000"/>
+              </a:lnSpc>
+              <a:spcBef>
+                <a:spcPts val="0"/>
+              </a:spcBef>
+              <a:buNone/>
+            </a:pPr>
+            <a:r>
+              <a:rPr lang="en-US" sz="2000" b="1">
+                <a:latin typeface="Consolas" panose="020B0609020204030204" pitchFamily="49" charset="0"/>
+              </a:rPr>
+              <a:t>    });</a:t>
+            </a:r>
+          </a:p>
+          <a:p>
+            <a:pPr marL="0" indent="0">
+              <a:lnSpc>
+                <a:spcPct val="100000"/>
+              </a:lnSpc>
+              <a:spcBef>
+                <a:spcPts val="0"/>
+              </a:spcBef>
+              <a:buNone/>
+            </a:pPr>
+            <a:r>
+              <a:rPr lang="en-US" sz="2000" b="1">
+                <a:latin typeface="Consolas" panose="020B0609020204030204" pitchFamily="49" charset="0"/>
+              </a:rPr>
+              <a:t>    databaseConnection = client.db(</a:t>
+            </a:r>
+            <a:r>
+              <a:rPr lang="en-US" sz="2000" b="1">
+                <a:highlight>
+                  <a:srgbClr val="FFFF00"/>
+                </a:highlight>
+                <a:latin typeface="Consolas" panose="020B0609020204030204" pitchFamily="49" charset="0"/>
+              </a:rPr>
+              <a:t>DB_NAME</a:t>
+            </a:r>
+            <a:r>
+              <a:rPr lang="en-US" sz="2000" b="1">
+                <a:latin typeface="Consolas" panose="020B0609020204030204" pitchFamily="49" charset="0"/>
+              </a:rPr>
+              <a:t>);</a:t>
+            </a:r>
+          </a:p>
+          <a:p>
+            <a:pPr marL="0" indent="0">
+              <a:lnSpc>
+                <a:spcPct val="100000"/>
+              </a:lnSpc>
+              <a:spcBef>
+                <a:spcPts val="0"/>
+              </a:spcBef>
+              <a:buNone/>
+            </a:pPr>
+            <a:r>
+              <a:rPr lang="en-US" sz="2000">
+                <a:latin typeface="Consolas" panose="020B0609020204030204" pitchFamily="49" charset="0"/>
+              </a:rPr>
+              <a:t>    debug('connected.');</a:t>
+            </a:r>
+          </a:p>
+          <a:p>
+            <a:pPr marL="0" indent="0">
+              <a:lnSpc>
+                <a:spcPct val="100000"/>
+              </a:lnSpc>
+              <a:spcBef>
+                <a:spcPts val="0"/>
+              </a:spcBef>
+              <a:buNone/>
+            </a:pPr>
+            <a:r>
+              <a:rPr lang="en-US" sz="2000">
+                <a:latin typeface="Consolas" panose="020B0609020204030204" pitchFamily="49" charset="0"/>
+              </a:rPr>
+              <a:t>  }</a:t>
+            </a:r>
+          </a:p>
+          <a:p>
+            <a:pPr marL="0" indent="0">
+              <a:lnSpc>
+                <a:spcPct val="100000"/>
+              </a:lnSpc>
+              <a:spcBef>
+                <a:spcPts val="0"/>
+              </a:spcBef>
+              <a:buNone/>
+            </a:pPr>
+            <a:r>
+              <a:rPr lang="en-US" sz="2000">
+                <a:latin typeface="Consolas" panose="020B0609020204030204" pitchFamily="49" charset="0"/>
+              </a:rPr>
+              <a:t>  return databaseConnection;</a:t>
+            </a:r>
+          </a:p>
+          <a:p>
+            <a:pPr marL="0" indent="0">
+              <a:lnSpc>
+                <a:spcPct val="100000"/>
+              </a:lnSpc>
+              <a:spcBef>
+                <a:spcPts val="0"/>
+              </a:spcBef>
+              <a:buNone/>
+            </a:pPr>
+            <a:r>
+              <a:rPr lang="en-US" sz="2000">
+                <a:latin typeface="Consolas" panose="020B0609020204030204" pitchFamily="49" charset="0"/>
+              </a:rPr>
+              <a:t>}</a:t>
+            </a:r>
           </a:p>
         </p:txBody>
       </p:sp>
     </p:spTree>
     <p:extLst>
       <p:ext uri="{BB962C8B-B14F-4D97-AF65-F5344CB8AC3E}">
-        <p14:creationId xmlns:p14="http://schemas.microsoft.com/office/powerpoint/2010/main" val="3419159743"/>
+        <p14:creationId xmlns:p14="http://schemas.microsoft.com/office/powerpoint/2010/main" val="4181882923"/>
       </p:ext>
     </p:extLst>
   </p:cSld>
@@ -4531,1106 +4936,6 @@
 </file>
 
 <file path=ppt/slides/slide13.xml><?xml version="1.0" encoding="utf-8"?>
-<p:sld xmlns:a="http://schemas.openxmlformats.org/drawingml/2006/main" xmlns:r="http://schemas.openxmlformats.org/officeDocument/2006/relationships" xmlns:p="http://schemas.openxmlformats.org/presentationml/2006/main">
-  <p:cSld>
-    <p:spTree>
-      <p:nvGrpSpPr>
-        <p:cNvPr id="1" name=""/>
-        <p:cNvGrpSpPr/>
-        <p:nvPr/>
-      </p:nvGrpSpPr>
-      <p:grpSpPr>
-        <a:xfrm>
-          <a:off x="0" y="0"/>
-          <a:ext cx="0" cy="0"/>
-          <a:chOff x="0" y="0"/>
-          <a:chExt cx="0" cy="0"/>
-        </a:xfrm>
-      </p:grpSpPr>
-      <p:sp>
-        <p:nvSpPr>
-          <p:cNvPr id="2" name="Title 1">
-            <a:extLst>
-              <a:ext uri="{FF2B5EF4-FFF2-40B4-BE49-F238E27FC236}">
-                <a16:creationId xmlns:a16="http://schemas.microsoft.com/office/drawing/2014/main" id="{7BBC9961-4BF0-445F-9AD3-90DE00185188}"/>
-              </a:ext>
-            </a:extLst>
-          </p:cNvPr>
-          <p:cNvSpPr>
-            <a:spLocks noGrp="1"/>
-          </p:cNvSpPr>
-          <p:nvPr>
-            <p:ph type="title"/>
-          </p:nvPr>
-        </p:nvSpPr>
-        <p:spPr/>
-        <p:txBody>
-          <a:bodyPr/>
-          <a:lstStyle/>
-          <a:p>
-            <a:r>
-              <a:rPr lang="en-US"/>
-              <a:t>Example: Deleting Documents</a:t>
-            </a:r>
-          </a:p>
-        </p:txBody>
-      </p:sp>
-      <p:sp>
-        <p:nvSpPr>
-          <p:cNvPr id="3" name="Content Placeholder 2">
-            <a:extLst>
-              <a:ext uri="{FF2B5EF4-FFF2-40B4-BE49-F238E27FC236}">
-                <a16:creationId xmlns:a16="http://schemas.microsoft.com/office/drawing/2014/main" id="{D04995EB-1AA3-43AF-A1AF-57A3BB47576F}"/>
-              </a:ext>
-            </a:extLst>
-          </p:cNvPr>
-          <p:cNvSpPr>
-            <a:spLocks noGrp="1"/>
-          </p:cNvSpPr>
-          <p:nvPr>
-            <p:ph idx="1"/>
-          </p:nvPr>
-        </p:nvSpPr>
-        <p:spPr/>
-        <p:txBody>
-          <a:bodyPr>
-            <a:normAutofit/>
-          </a:bodyPr>
-          <a:lstStyle/>
-          <a:p>
-            <a:endParaRPr lang="en-US" sz="2000"/>
-          </a:p>
-        </p:txBody>
-      </p:sp>
-    </p:spTree>
-    <p:extLst>
-      <p:ext uri="{BB962C8B-B14F-4D97-AF65-F5344CB8AC3E}">
-        <p14:creationId xmlns:p14="http://schemas.microsoft.com/office/powerpoint/2010/main" val="2419962055"/>
-      </p:ext>
-    </p:extLst>
-  </p:cSld>
-  <p:clrMapOvr>
-    <a:masterClrMapping/>
-  </p:clrMapOvr>
-</p:sld>
-</file>
-
-<file path=ppt/slides/slide14.xml><?xml version="1.0" encoding="utf-8"?>
-<p:sld xmlns:a="http://schemas.openxmlformats.org/drawingml/2006/main" xmlns:r="http://schemas.openxmlformats.org/officeDocument/2006/relationships" xmlns:p="http://schemas.openxmlformats.org/presentationml/2006/main">
-  <p:cSld>
-    <p:bg>
-      <p:bgPr>
-        <a:solidFill>
-          <a:schemeClr val="bg1"/>
-        </a:solidFill>
-        <a:effectLst/>
-      </p:bgPr>
-    </p:bg>
-    <p:spTree>
-      <p:nvGrpSpPr>
-        <p:cNvPr id="1" name=""/>
-        <p:cNvGrpSpPr/>
-        <p:nvPr/>
-      </p:nvGrpSpPr>
-      <p:grpSpPr>
-        <a:xfrm>
-          <a:off x="0" y="0"/>
-          <a:ext cx="0" cy="0"/>
-          <a:chOff x="0" y="0"/>
-          <a:chExt cx="0" cy="0"/>
-        </a:xfrm>
-      </p:grpSpPr>
-      <p:sp>
-        <p:nvSpPr>
-          <p:cNvPr id="9" name="Rectangle 8">
-            <a:extLst>
-              <a:ext uri="{FF2B5EF4-FFF2-40B4-BE49-F238E27FC236}">
-                <a16:creationId xmlns:a16="http://schemas.microsoft.com/office/drawing/2014/main" id="{904DB13E-F722-4ED6-BB00-556651E95281}"/>
-              </a:ext>
-              <a:ext uri="{C183D7F6-B498-43B3-948B-1728B52AA6E4}">
-                <adec:decorative xmlns:adec="http://schemas.microsoft.com/office/drawing/2017/decorative" val="1"/>
-              </a:ext>
-            </a:extLst>
-          </p:cNvPr>
-          <p:cNvSpPr>
-            <a:spLocks noGrp="1" noRot="1" noChangeAspect="1" noMove="1" noResize="1" noEditPoints="1" noAdjustHandles="1" noChangeArrowheads="1" noChangeShapeType="1" noTextEdit="1"/>
-          </p:cNvSpPr>
-          <p:nvPr>
-            <p:extLst>
-              <p:ext uri="{386F3935-93C4-4BCD-93E2-E3B085C9AB24}">
-                <p16:designElem xmlns:p16="http://schemas.microsoft.com/office/powerpoint/2015/main" val="1"/>
-              </p:ext>
-            </p:extLst>
-          </p:nvPr>
-        </p:nvSpPr>
-        <p:spPr>
-          <a:xfrm>
-            <a:off x="0" y="0"/>
-            <a:ext cx="12192000" cy="6858000"/>
-          </a:xfrm>
-          <a:prstGeom prst="rect">
-            <a:avLst/>
-          </a:prstGeom>
-          <a:solidFill>
-            <a:schemeClr val="tx1">
-              <a:lumMod val="65000"/>
-              <a:lumOff val="35000"/>
-            </a:schemeClr>
-          </a:solidFill>
-          <a:ln>
-            <a:noFill/>
-          </a:ln>
-        </p:spPr>
-        <p:style>
-          <a:lnRef idx="2">
-            <a:schemeClr val="accent1">
-              <a:shade val="50000"/>
-            </a:schemeClr>
-          </a:lnRef>
-          <a:fillRef idx="1">
-            <a:schemeClr val="accent1"/>
-          </a:fillRef>
-          <a:effectRef idx="0">
-            <a:schemeClr val="accent1"/>
-          </a:effectRef>
-          <a:fontRef idx="minor">
-            <a:schemeClr val="lt1"/>
-          </a:fontRef>
-        </p:style>
-        <p:txBody>
-          <a:bodyPr rtlCol="0" anchor="ctr"/>
-          <a:lstStyle/>
-          <a:p>
-            <a:pPr algn="ctr"/>
-            <a:endParaRPr lang="en-US"/>
-          </a:p>
-        </p:txBody>
-      </p:sp>
-      <p:sp useBgFill="1">
-        <p:nvSpPr>
-          <p:cNvPr id="11" name="Rectangle 10">
-            <a:extLst>
-              <a:ext uri="{FF2B5EF4-FFF2-40B4-BE49-F238E27FC236}">
-                <a16:creationId xmlns:a16="http://schemas.microsoft.com/office/drawing/2014/main" id="{7B58A187-A4B1-42EB-A4C7-8635BA507BCE}"/>
-              </a:ext>
-              <a:ext uri="{C183D7F6-B498-43B3-948B-1728B52AA6E4}">
-                <adec:decorative xmlns:adec="http://schemas.microsoft.com/office/drawing/2017/decorative" val="1"/>
-              </a:ext>
-            </a:extLst>
-          </p:cNvPr>
-          <p:cNvSpPr>
-            <a:spLocks noGrp="1" noRot="1" noChangeAspect="1" noMove="1" noResize="1" noEditPoints="1" noAdjustHandles="1" noChangeArrowheads="1" noChangeShapeType="1" noTextEdit="1"/>
-          </p:cNvSpPr>
-          <p:nvPr>
-            <p:extLst>
-              <p:ext uri="{386F3935-93C4-4BCD-93E2-E3B085C9AB24}">
-                <p16:designElem xmlns:p16="http://schemas.microsoft.com/office/powerpoint/2015/main" val="1"/>
-              </p:ext>
-            </p:extLst>
-          </p:nvPr>
-        </p:nvSpPr>
-        <p:spPr>
-          <a:xfrm>
-            <a:off x="1307870" y="1267730"/>
-            <a:ext cx="9576262" cy="4307950"/>
-          </a:xfrm>
-          <a:prstGeom prst="rect">
-            <a:avLst/>
-          </a:prstGeom>
-          <a:ln w="6350" cap="flat" cmpd="sng" algn="ctr">
-            <a:noFill/>
-            <a:prstDash val="solid"/>
-          </a:ln>
-          <a:effectLst>
-            <a:outerShdw blurRad="50800" algn="ctr" rotWithShape="0">
-              <a:prstClr val="black">
-                <a:alpha val="66000"/>
-              </a:prstClr>
-            </a:outerShdw>
-            <a:softEdge rad="0"/>
-          </a:effectLst>
-        </p:spPr>
-      </p:sp>
-      <p:sp>
-        <p:nvSpPr>
-          <p:cNvPr id="13" name="Rectangle 12">
-            <a:extLst>
-              <a:ext uri="{FF2B5EF4-FFF2-40B4-BE49-F238E27FC236}">
-                <a16:creationId xmlns:a16="http://schemas.microsoft.com/office/drawing/2014/main" id="{37F14E7F-3054-458C-ACF9-A8DA1757C65C}"/>
-              </a:ext>
-              <a:ext uri="{C183D7F6-B498-43B3-948B-1728B52AA6E4}">
-                <adec:decorative xmlns:adec="http://schemas.microsoft.com/office/drawing/2017/decorative" val="1"/>
-              </a:ext>
-            </a:extLst>
-          </p:cNvPr>
-          <p:cNvSpPr>
-            <a:spLocks noGrp="1" noRot="1" noChangeAspect="1" noMove="1" noResize="1" noEditPoints="1" noAdjustHandles="1" noChangeArrowheads="1" noChangeShapeType="1" noTextEdit="1"/>
-          </p:cNvSpPr>
-          <p:nvPr>
-            <p:extLst>
-              <p:ext uri="{386F3935-93C4-4BCD-93E2-E3B085C9AB24}">
-                <p16:designElem xmlns:p16="http://schemas.microsoft.com/office/powerpoint/2015/main" val="1"/>
-              </p:ext>
-            </p:extLst>
-          </p:nvPr>
-        </p:nvSpPr>
-        <p:spPr>
-          <a:xfrm>
-            <a:off x="1447801" y="1411615"/>
-            <a:ext cx="9296400" cy="4034770"/>
-          </a:xfrm>
-          <a:prstGeom prst="rect">
-            <a:avLst/>
-          </a:prstGeom>
-          <a:noFill/>
-          <a:ln w="6350" cap="sq" cmpd="sng" algn="ctr">
-            <a:solidFill>
-              <a:schemeClr val="tx1">
-                <a:lumMod val="75000"/>
-                <a:lumOff val="25000"/>
-              </a:schemeClr>
-            </a:solidFill>
-            <a:prstDash val="solid"/>
-            <a:miter lim="800000"/>
-          </a:ln>
-          <a:effectLst/>
-        </p:spPr>
-      </p:sp>
-      <p:sp>
-        <p:nvSpPr>
-          <p:cNvPr id="15" name="Rectangle 14">
-            <a:extLst>
-              <a:ext uri="{FF2B5EF4-FFF2-40B4-BE49-F238E27FC236}">
-                <a16:creationId xmlns:a16="http://schemas.microsoft.com/office/drawing/2014/main" id="{93747C1C-97FC-4D70-A6C8-A01FBCF5A9DC}"/>
-              </a:ext>
-              <a:ext uri="{C183D7F6-B498-43B3-948B-1728B52AA6E4}">
-                <adec:decorative xmlns:adec="http://schemas.microsoft.com/office/drawing/2017/decorative" val="1"/>
-              </a:ext>
-            </a:extLst>
-          </p:cNvPr>
-          <p:cNvSpPr>
-            <a:spLocks noGrp="1" noRot="1" noChangeAspect="1" noMove="1" noResize="1" noEditPoints="1" noAdjustHandles="1" noChangeArrowheads="1" noChangeShapeType="1" noTextEdit="1"/>
-          </p:cNvSpPr>
-          <p:nvPr>
-            <p:extLst>
-              <p:ext uri="{386F3935-93C4-4BCD-93E2-E3B085C9AB24}">
-                <p16:designElem xmlns:p16="http://schemas.microsoft.com/office/powerpoint/2015/main" val="1"/>
-              </p:ext>
-            </p:extLst>
-          </p:nvPr>
-        </p:nvSpPr>
-        <p:spPr>
-          <a:xfrm>
-            <a:off x="5135880" y="1267730"/>
-            <a:ext cx="1920240" cy="731520"/>
-          </a:xfrm>
-          <a:prstGeom prst="rect">
-            <a:avLst/>
-          </a:prstGeom>
-          <a:solidFill>
-            <a:schemeClr val="accent1"/>
-          </a:solidFill>
-          <a:ln>
-            <a:noFill/>
-          </a:ln>
-        </p:spPr>
-        <p:style>
-          <a:lnRef idx="2">
-            <a:schemeClr val="accent1">
-              <a:shade val="50000"/>
-            </a:schemeClr>
-          </a:lnRef>
-          <a:fillRef idx="1">
-            <a:schemeClr val="accent1"/>
-          </a:fillRef>
-          <a:effectRef idx="0">
-            <a:schemeClr val="accent1"/>
-          </a:effectRef>
-          <a:fontRef idx="minor">
-            <a:schemeClr val="lt1"/>
-          </a:fontRef>
-        </p:style>
-      </p:sp>
-      <p:grpSp>
-        <p:nvGrpSpPr>
-          <p:cNvPr id="17" name="Group 16">
-            <a:extLst>
-              <a:ext uri="{FF2B5EF4-FFF2-40B4-BE49-F238E27FC236}">
-                <a16:creationId xmlns:a16="http://schemas.microsoft.com/office/drawing/2014/main" id="{E26428D7-C6F3-473D-A360-A3F5C3E8728C}"/>
-              </a:ext>
-              <a:ext uri="{C183D7F6-B498-43B3-948B-1728B52AA6E4}">
-                <adec:decorative xmlns:adec="http://schemas.microsoft.com/office/drawing/2017/decorative" val="1"/>
-              </a:ext>
-            </a:extLst>
-          </p:cNvPr>
-          <p:cNvGrpSpPr>
-            <a:grpSpLocks noGrp="1" noUngrp="1" noRot="1" noChangeAspect="1" noMove="1" noResize="1"/>
-          </p:cNvGrpSpPr>
-          <p:nvPr>
-            <p:extLst>
-              <p:ext uri="{386F3935-93C4-4BCD-93E2-E3B085C9AB24}">
-                <p16:designElem xmlns:p16="http://schemas.microsoft.com/office/powerpoint/2015/main" val="1"/>
-              </p:ext>
-            </p:extLst>
-          </p:nvPr>
-        </p:nvGrpSpPr>
-        <p:grpSpPr>
-          <a:xfrm>
-            <a:off x="5250180" y="1267730"/>
-            <a:ext cx="1691640" cy="615934"/>
-            <a:chOff x="5250180" y="1267730"/>
-            <a:chExt cx="1691640" cy="615934"/>
-          </a:xfrm>
-        </p:grpSpPr>
-        <p:cxnSp>
-          <p:nvCxnSpPr>
-            <p:cNvPr id="18" name="Straight Connector 17">
-              <a:extLst>
-                <a:ext uri="{FF2B5EF4-FFF2-40B4-BE49-F238E27FC236}">
-                  <a16:creationId xmlns:a16="http://schemas.microsoft.com/office/drawing/2014/main" id="{05CDC370-AE44-4300-98BA-FE204E881765}"/>
-                </a:ext>
-                <a:ext uri="{C183D7F6-B498-43B3-948B-1728B52AA6E4}">
-                  <adec:decorative xmlns:adec="http://schemas.microsoft.com/office/drawing/2017/decorative" val="1"/>
-                </a:ext>
-              </a:extLst>
-            </p:cNvPr>
-            <p:cNvCxnSpPr/>
-            <p:nvPr>
-              <p:extLst>
-                <p:ext uri="{386F3935-93C4-4BCD-93E2-E3B085C9AB24}">
-                  <p16:designElem xmlns:p16="http://schemas.microsoft.com/office/powerpoint/2015/main" val="1"/>
-                </p:ext>
-              </p:extLst>
-            </p:nvPr>
-          </p:nvCxnSpPr>
-          <p:spPr>
-            <a:xfrm>
-              <a:off x="5250180" y="1267730"/>
-              <a:ext cx="0" cy="612648"/>
-            </a:xfrm>
-            <a:prstGeom prst="line">
-              <a:avLst/>
-            </a:prstGeom>
-            <a:solidFill>
-              <a:schemeClr val="tx1">
-                <a:lumMod val="85000"/>
-                <a:lumOff val="15000"/>
-              </a:schemeClr>
-            </a:solidFill>
-            <a:ln>
-              <a:solidFill>
-                <a:srgbClr val="FFFFFF"/>
-              </a:solidFill>
-              <a:miter lim="800000"/>
-            </a:ln>
-          </p:spPr>
-          <p:style>
-            <a:lnRef idx="1">
-              <a:schemeClr val="accent1"/>
-            </a:lnRef>
-            <a:fillRef idx="0">
-              <a:schemeClr val="accent1"/>
-            </a:fillRef>
-            <a:effectRef idx="0">
-              <a:schemeClr val="accent1"/>
-            </a:effectRef>
-            <a:fontRef idx="minor">
-              <a:schemeClr val="tx1"/>
-            </a:fontRef>
-          </p:style>
-        </p:cxnSp>
-        <p:cxnSp>
-          <p:nvCxnSpPr>
-            <p:cNvPr id="19" name="Straight Connector 18">
-              <a:extLst>
-                <a:ext uri="{FF2B5EF4-FFF2-40B4-BE49-F238E27FC236}">
-                  <a16:creationId xmlns:a16="http://schemas.microsoft.com/office/drawing/2014/main" id="{47B15501-CB9A-4642-80EE-2876EF039EB8}"/>
-                </a:ext>
-                <a:ext uri="{C183D7F6-B498-43B3-948B-1728B52AA6E4}">
-                  <adec:decorative xmlns:adec="http://schemas.microsoft.com/office/drawing/2017/decorative" val="1"/>
-                </a:ext>
-              </a:extLst>
-            </p:cNvPr>
-            <p:cNvCxnSpPr/>
-            <p:nvPr>
-              <p:extLst>
-                <p:ext uri="{386F3935-93C4-4BCD-93E2-E3B085C9AB24}">
-                  <p16:designElem xmlns:p16="http://schemas.microsoft.com/office/powerpoint/2015/main" val="1"/>
-                </p:ext>
-              </p:extLst>
-            </p:nvPr>
-          </p:nvCxnSpPr>
-          <p:spPr>
-            <a:xfrm>
-              <a:off x="6941820" y="1267730"/>
-              <a:ext cx="0" cy="612648"/>
-            </a:xfrm>
-            <a:prstGeom prst="line">
-              <a:avLst/>
-            </a:prstGeom>
-            <a:solidFill>
-              <a:schemeClr val="tx1">
-                <a:lumMod val="85000"/>
-                <a:lumOff val="15000"/>
-              </a:schemeClr>
-            </a:solidFill>
-            <a:ln>
-              <a:solidFill>
-                <a:srgbClr val="FFFFFF"/>
-              </a:solidFill>
-              <a:miter lim="800000"/>
-            </a:ln>
-          </p:spPr>
-          <p:style>
-            <a:lnRef idx="1">
-              <a:schemeClr val="accent1"/>
-            </a:lnRef>
-            <a:fillRef idx="0">
-              <a:schemeClr val="accent1"/>
-            </a:fillRef>
-            <a:effectRef idx="0">
-              <a:schemeClr val="accent1"/>
-            </a:effectRef>
-            <a:fontRef idx="minor">
-              <a:schemeClr val="tx1"/>
-            </a:fontRef>
-          </p:style>
-        </p:cxnSp>
-        <p:cxnSp>
-          <p:nvCxnSpPr>
-            <p:cNvPr id="20" name="Straight Connector 19">
-              <a:extLst>
-                <a:ext uri="{FF2B5EF4-FFF2-40B4-BE49-F238E27FC236}">
-                  <a16:creationId xmlns:a16="http://schemas.microsoft.com/office/drawing/2014/main" id="{6AFF9525-325F-47B3-A63C-93C12253AD76}"/>
-                </a:ext>
-                <a:ext uri="{C183D7F6-B498-43B3-948B-1728B52AA6E4}">
-                  <adec:decorative xmlns:adec="http://schemas.microsoft.com/office/drawing/2017/decorative" val="1"/>
-                </a:ext>
-              </a:extLst>
-            </p:cNvPr>
-            <p:cNvCxnSpPr/>
-            <p:nvPr>
-              <p:extLst>
-                <p:ext uri="{386F3935-93C4-4BCD-93E2-E3B085C9AB24}">
-                  <p16:designElem xmlns:p16="http://schemas.microsoft.com/office/powerpoint/2015/main" val="1"/>
-                </p:ext>
-              </p:extLst>
-            </p:nvPr>
-          </p:nvCxnSpPr>
-          <p:spPr>
-            <a:xfrm>
-              <a:off x="5250180" y="1883664"/>
-              <a:ext cx="1691640" cy="0"/>
-            </a:xfrm>
-            <a:prstGeom prst="line">
-              <a:avLst/>
-            </a:prstGeom>
-            <a:solidFill>
-              <a:schemeClr val="tx1">
-                <a:lumMod val="85000"/>
-                <a:lumOff val="15000"/>
-              </a:schemeClr>
-            </a:solidFill>
-            <a:ln>
-              <a:solidFill>
-                <a:srgbClr val="FFFFFF"/>
-              </a:solidFill>
-              <a:miter lim="800000"/>
-            </a:ln>
-          </p:spPr>
-          <p:style>
-            <a:lnRef idx="1">
-              <a:schemeClr val="accent1"/>
-            </a:lnRef>
-            <a:fillRef idx="0">
-              <a:schemeClr val="accent1"/>
-            </a:fillRef>
-            <a:effectRef idx="0">
-              <a:schemeClr val="accent1"/>
-            </a:effectRef>
-            <a:fontRef idx="minor">
-              <a:schemeClr val="tx1"/>
-            </a:fontRef>
-          </p:style>
-        </p:cxnSp>
-      </p:grpSp>
-      <p:sp>
-        <p:nvSpPr>
-          <p:cNvPr id="22" name="Rectangle 21">
-            <a:extLst>
-              <a:ext uri="{FF2B5EF4-FFF2-40B4-BE49-F238E27FC236}">
-                <a16:creationId xmlns:a16="http://schemas.microsoft.com/office/drawing/2014/main" id="{B66F8A2C-B8CF-4B20-9A73-2ADCF6302755}"/>
-              </a:ext>
-              <a:ext uri="{C183D7F6-B498-43B3-948B-1728B52AA6E4}">
-                <adec:decorative xmlns:adec="http://schemas.microsoft.com/office/drawing/2017/decorative" val="1"/>
-              </a:ext>
-            </a:extLst>
-          </p:cNvPr>
-          <p:cNvSpPr>
-            <a:spLocks noGrp="1" noRot="1" noChangeAspect="1" noMove="1" noResize="1" noEditPoints="1" noAdjustHandles="1" noChangeArrowheads="1" noChangeShapeType="1" noTextEdit="1"/>
-          </p:cNvSpPr>
-          <p:nvPr>
-            <p:extLst>
-              <p:ext uri="{386F3935-93C4-4BCD-93E2-E3B085C9AB24}">
-                <p16:designElem xmlns:p16="http://schemas.microsoft.com/office/powerpoint/2015/main" val="1"/>
-              </p:ext>
-            </p:extLst>
-          </p:nvPr>
-        </p:nvSpPr>
-        <p:spPr>
-          <a:xfrm>
-            <a:off x="0" y="0"/>
-            <a:ext cx="12192001" cy="6858000"/>
-          </a:xfrm>
-          <a:prstGeom prst="rect">
-            <a:avLst/>
-          </a:prstGeom>
-          <a:solidFill>
-            <a:schemeClr val="tx1">
-              <a:lumMod val="85000"/>
-            </a:schemeClr>
-          </a:solidFill>
-          <a:ln>
-            <a:noFill/>
-          </a:ln>
-        </p:spPr>
-        <p:style>
-          <a:lnRef idx="2">
-            <a:schemeClr val="accent1">
-              <a:shade val="50000"/>
-            </a:schemeClr>
-          </a:lnRef>
-          <a:fillRef idx="1">
-            <a:schemeClr val="accent1"/>
-          </a:fillRef>
-          <a:effectRef idx="0">
-            <a:schemeClr val="accent1"/>
-          </a:effectRef>
-          <a:fontRef idx="minor">
-            <a:schemeClr val="lt1"/>
-          </a:fontRef>
-        </p:style>
-        <p:txBody>
-          <a:bodyPr rot="0" spcFirstLastPara="0" vert="horz" wrap="square" lIns="91440" tIns="45720" rIns="91440" bIns="45720" numCol="1" spcCol="0" rtlCol="0" fromWordArt="0" anchor="ctr" anchorCtr="0" forceAA="0" compatLnSpc="1">
-            <a:prstTxWarp prst="textNoShape">
-              <a:avLst/>
-            </a:prstTxWarp>
-            <a:noAutofit/>
-          </a:bodyPr>
-          <a:lstStyle>
-            <a:defPPr>
-              <a:defRPr lang="en-US"/>
-            </a:defPPr>
-            <a:lvl1pPr marL="0" algn="l" defTabSz="914400" rtl="0" eaLnBrk="1" latinLnBrk="0" hangingPunct="1">
-              <a:defRPr sz="1800" kern="1200">
-                <a:solidFill>
-                  <a:schemeClr val="lt1"/>
-                </a:solidFill>
-                <a:latin typeface="+mn-lt"/>
-                <a:ea typeface="+mn-ea"/>
-                <a:cs typeface="+mn-cs"/>
-              </a:defRPr>
-            </a:lvl1pPr>
-            <a:lvl2pPr marL="457200" algn="l" defTabSz="914400" rtl="0" eaLnBrk="1" latinLnBrk="0" hangingPunct="1">
-              <a:defRPr sz="1800" kern="1200">
-                <a:solidFill>
-                  <a:schemeClr val="lt1"/>
-                </a:solidFill>
-                <a:latin typeface="+mn-lt"/>
-                <a:ea typeface="+mn-ea"/>
-                <a:cs typeface="+mn-cs"/>
-              </a:defRPr>
-            </a:lvl2pPr>
-            <a:lvl3pPr marL="914400" algn="l" defTabSz="914400" rtl="0" eaLnBrk="1" latinLnBrk="0" hangingPunct="1">
-              <a:defRPr sz="1800" kern="1200">
-                <a:solidFill>
-                  <a:schemeClr val="lt1"/>
-                </a:solidFill>
-                <a:latin typeface="+mn-lt"/>
-                <a:ea typeface="+mn-ea"/>
-                <a:cs typeface="+mn-cs"/>
-              </a:defRPr>
-            </a:lvl3pPr>
-            <a:lvl4pPr marL="1371600" algn="l" defTabSz="914400" rtl="0" eaLnBrk="1" latinLnBrk="0" hangingPunct="1">
-              <a:defRPr sz="1800" kern="1200">
-                <a:solidFill>
-                  <a:schemeClr val="lt1"/>
-                </a:solidFill>
-                <a:latin typeface="+mn-lt"/>
-                <a:ea typeface="+mn-ea"/>
-                <a:cs typeface="+mn-cs"/>
-              </a:defRPr>
-            </a:lvl4pPr>
-            <a:lvl5pPr marL="1828800" algn="l" defTabSz="914400" rtl="0" eaLnBrk="1" latinLnBrk="0" hangingPunct="1">
-              <a:defRPr sz="1800" kern="1200">
-                <a:solidFill>
-                  <a:schemeClr val="lt1"/>
-                </a:solidFill>
-                <a:latin typeface="+mn-lt"/>
-                <a:ea typeface="+mn-ea"/>
-                <a:cs typeface="+mn-cs"/>
-              </a:defRPr>
-            </a:lvl5pPr>
-            <a:lvl6pPr marL="2286000" algn="l" defTabSz="914400" rtl="0" eaLnBrk="1" latinLnBrk="0" hangingPunct="1">
-              <a:defRPr sz="1800" kern="1200">
-                <a:solidFill>
-                  <a:schemeClr val="lt1"/>
-                </a:solidFill>
-                <a:latin typeface="+mn-lt"/>
-                <a:ea typeface="+mn-ea"/>
-                <a:cs typeface="+mn-cs"/>
-              </a:defRPr>
-            </a:lvl6pPr>
-            <a:lvl7pPr marL="2743200" algn="l" defTabSz="914400" rtl="0" eaLnBrk="1" latinLnBrk="0" hangingPunct="1">
-              <a:defRPr sz="1800" kern="1200">
-                <a:solidFill>
-                  <a:schemeClr val="lt1"/>
-                </a:solidFill>
-                <a:latin typeface="+mn-lt"/>
-                <a:ea typeface="+mn-ea"/>
-                <a:cs typeface="+mn-cs"/>
-              </a:defRPr>
-            </a:lvl7pPr>
-            <a:lvl8pPr marL="3200400" algn="l" defTabSz="914400" rtl="0" eaLnBrk="1" latinLnBrk="0" hangingPunct="1">
-              <a:defRPr sz="1800" kern="1200">
-                <a:solidFill>
-                  <a:schemeClr val="lt1"/>
-                </a:solidFill>
-                <a:latin typeface="+mn-lt"/>
-                <a:ea typeface="+mn-ea"/>
-                <a:cs typeface="+mn-cs"/>
-              </a:defRPr>
-            </a:lvl8pPr>
-            <a:lvl9pPr marL="3657600" algn="l" defTabSz="914400" rtl="0" eaLnBrk="1" latinLnBrk="0" hangingPunct="1">
-              <a:defRPr sz="1800" kern="1200">
-                <a:solidFill>
-                  <a:schemeClr val="lt1"/>
-                </a:solidFill>
-                <a:latin typeface="+mn-lt"/>
-                <a:ea typeface="+mn-ea"/>
-                <a:cs typeface="+mn-cs"/>
-              </a:defRPr>
-            </a:lvl9pPr>
-          </a:lstStyle>
-          <a:p>
-            <a:pPr algn="ctr"/>
-            <a:endParaRPr lang="en-US"/>
-          </a:p>
-        </p:txBody>
-      </p:sp>
-      <p:sp>
-        <p:nvSpPr>
-          <p:cNvPr id="24" name="Rectangle 23">
-            <a:extLst>
-              <a:ext uri="{FF2B5EF4-FFF2-40B4-BE49-F238E27FC236}">
-                <a16:creationId xmlns:a16="http://schemas.microsoft.com/office/drawing/2014/main" id="{B5DD78E9-DE0D-47AF-A0DB-F475221E3DC7}"/>
-              </a:ext>
-              <a:ext uri="{C183D7F6-B498-43B3-948B-1728B52AA6E4}">
-                <adec:decorative xmlns:adec="http://schemas.microsoft.com/office/drawing/2017/decorative" val="1"/>
-              </a:ext>
-            </a:extLst>
-          </p:cNvPr>
-          <p:cNvSpPr>
-            <a:spLocks noGrp="1" noRot="1" noChangeAspect="1" noMove="1" noResize="1" noEditPoints="1" noAdjustHandles="1" noChangeArrowheads="1" noChangeShapeType="1" noTextEdit="1"/>
-          </p:cNvSpPr>
-          <p:nvPr>
-            <p:extLst>
-              <p:ext uri="{386F3935-93C4-4BCD-93E2-E3B085C9AB24}">
-                <p16:designElem xmlns:p16="http://schemas.microsoft.com/office/powerpoint/2015/main" val="1"/>
-              </p:ext>
-            </p:extLst>
-          </p:nvPr>
-        </p:nvSpPr>
-        <p:spPr>
-          <a:xfrm>
-            <a:off x="632108" y="610955"/>
-            <a:ext cx="10927784" cy="5636090"/>
-          </a:xfrm>
-          <a:prstGeom prst="rect">
-            <a:avLst/>
-          </a:prstGeom>
-          <a:solidFill>
-            <a:srgbClr val="FFFFFF"/>
-          </a:solidFill>
-          <a:ln w="6350" cap="flat" cmpd="sng" algn="ctr">
-            <a:noFill/>
-            <a:prstDash val="solid"/>
-          </a:ln>
-          <a:effectLst>
-            <a:outerShdw blurRad="50800" algn="ctr" rotWithShape="0">
-              <a:prstClr val="black">
-                <a:alpha val="66000"/>
-              </a:prstClr>
-            </a:outerShdw>
-            <a:softEdge rad="0"/>
-          </a:effectLst>
-        </p:spPr>
-      </p:sp>
-      <p:sp>
-        <p:nvSpPr>
-          <p:cNvPr id="26" name="Rectangle 25">
-            <a:extLst>
-              <a:ext uri="{FF2B5EF4-FFF2-40B4-BE49-F238E27FC236}">
-                <a16:creationId xmlns:a16="http://schemas.microsoft.com/office/drawing/2014/main" id="{A118D329-2010-4A15-B57C-429FFAE35B11}"/>
-              </a:ext>
-              <a:ext uri="{C183D7F6-B498-43B3-948B-1728B52AA6E4}">
-                <adec:decorative xmlns:adec="http://schemas.microsoft.com/office/drawing/2017/decorative" val="1"/>
-              </a:ext>
-            </a:extLst>
-          </p:cNvPr>
-          <p:cNvSpPr>
-            <a:spLocks noGrp="1" noRot="1" noChangeAspect="1" noMove="1" noResize="1" noEditPoints="1" noAdjustHandles="1" noChangeArrowheads="1" noChangeShapeType="1" noTextEdit="1"/>
-          </p:cNvSpPr>
-          <p:nvPr>
-            <p:extLst>
-              <p:ext uri="{386F3935-93C4-4BCD-93E2-E3B085C9AB24}">
-                <p16:designElem xmlns:p16="http://schemas.microsoft.com/office/powerpoint/2015/main" val="1"/>
-              </p:ext>
-            </p:extLst>
-          </p:nvPr>
-        </p:nvSpPr>
-        <p:spPr>
-          <a:xfrm>
-            <a:off x="797052" y="777240"/>
-            <a:ext cx="10597896" cy="5303520"/>
-          </a:xfrm>
-          <a:prstGeom prst="rect">
-            <a:avLst/>
-          </a:prstGeom>
-          <a:solidFill>
-            <a:schemeClr val="bg1">
-              <a:lumMod val="85000"/>
-              <a:lumOff val="15000"/>
-            </a:schemeClr>
-          </a:solidFill>
-          <a:ln w="6350" cap="sq" cmpd="sng" algn="ctr">
-            <a:solidFill>
-              <a:schemeClr val="tx1"/>
-            </a:solidFill>
-            <a:prstDash val="solid"/>
-            <a:miter lim="800000"/>
-          </a:ln>
-          <a:effectLst/>
-        </p:spPr>
-      </p:sp>
-      <p:sp>
-        <p:nvSpPr>
-          <p:cNvPr id="2" name="Title 1">
-            <a:extLst>
-              <a:ext uri="{FF2B5EF4-FFF2-40B4-BE49-F238E27FC236}">
-                <a16:creationId xmlns:a16="http://schemas.microsoft.com/office/drawing/2014/main" id="{C15CF090-FF60-4CB5-8C3D-B615F2EC104A}"/>
-              </a:ext>
-            </a:extLst>
-          </p:cNvPr>
-          <p:cNvSpPr>
-            <a:spLocks noGrp="1"/>
-          </p:cNvSpPr>
-          <p:nvPr>
-            <p:ph type="title"/>
-          </p:nvPr>
-        </p:nvSpPr>
-        <p:spPr>
-          <a:xfrm>
-            <a:off x="1263520" y="1272800"/>
-            <a:ext cx="6544620" cy="4312402"/>
-          </a:xfrm>
-        </p:spPr>
-        <p:txBody>
-          <a:bodyPr vert="horz" lIns="91440" tIns="45720" rIns="91440" bIns="45720" rtlCol="0" anchor="ctr">
-            <a:normAutofit/>
-          </a:bodyPr>
-          <a:lstStyle/>
-          <a:p>
-            <a:pPr algn="r"/>
-            <a:r>
-              <a:rPr lang="en-US">
-                <a:solidFill>
-                  <a:schemeClr val="tx1"/>
-                </a:solidFill>
-              </a:rPr>
-              <a:t>Conclusion</a:t>
-            </a:r>
-          </a:p>
-        </p:txBody>
-      </p:sp>
-      <p:sp>
-        <p:nvSpPr>
-          <p:cNvPr id="4" name="Text Placeholder 3">
-            <a:extLst>
-              <a:ext uri="{FF2B5EF4-FFF2-40B4-BE49-F238E27FC236}">
-                <a16:creationId xmlns:a16="http://schemas.microsoft.com/office/drawing/2014/main" id="{158B88A5-4A82-458B-BF9F-018EE5C1E167}"/>
-              </a:ext>
-            </a:extLst>
-          </p:cNvPr>
-          <p:cNvSpPr>
-            <a:spLocks noGrp="1"/>
-          </p:cNvSpPr>
-          <p:nvPr>
-            <p:ph type="body" idx="1"/>
-          </p:nvPr>
-        </p:nvSpPr>
-        <p:spPr>
-          <a:xfrm>
-            <a:off x="8473440" y="1272800"/>
-            <a:ext cx="2481307" cy="4312402"/>
-          </a:xfrm>
-        </p:spPr>
-        <p:txBody>
-          <a:bodyPr vert="horz" lIns="91440" tIns="45720" rIns="91440" bIns="45720" rtlCol="0" anchor="ctr">
-            <a:normAutofit/>
-          </a:bodyPr>
-          <a:lstStyle/>
-          <a:p>
-            <a:pPr algn="l">
-              <a:lnSpc>
-                <a:spcPct val="100000"/>
-              </a:lnSpc>
-              <a:spcBef>
-                <a:spcPts val="0"/>
-              </a:spcBef>
-            </a:pPr>
-            <a:r>
-              <a:rPr lang="en-US" sz="2000" spc="80"/>
-              <a:t>What did we learn today?</a:t>
-            </a:r>
-          </a:p>
-        </p:txBody>
-      </p:sp>
-      <p:cxnSp>
-        <p:nvCxnSpPr>
-          <p:cNvPr id="28" name="Straight Connector 27">
-            <a:extLst>
-              <a:ext uri="{FF2B5EF4-FFF2-40B4-BE49-F238E27FC236}">
-                <a16:creationId xmlns:a16="http://schemas.microsoft.com/office/drawing/2014/main" id="{994262BC-EE98-4BD6-82DB-4955E8DCC290}"/>
-              </a:ext>
-              <a:ext uri="{C183D7F6-B498-43B3-948B-1728B52AA6E4}">
-                <adec:decorative xmlns:adec="http://schemas.microsoft.com/office/drawing/2017/decorative" val="1"/>
-              </a:ext>
-            </a:extLst>
-          </p:cNvPr>
-          <p:cNvCxnSpPr>
-            <a:cxnSpLocks noGrp="1" noRot="1" noChangeAspect="1" noMove="1" noResize="1" noEditPoints="1" noAdjustHandles="1" noChangeArrowheads="1" noChangeShapeType="1"/>
-          </p:cNvCxnSpPr>
-          <p:nvPr>
-            <p:extLst>
-              <p:ext uri="{386F3935-93C4-4BCD-93E2-E3B085C9AB24}">
-                <p16:designElem xmlns:p16="http://schemas.microsoft.com/office/powerpoint/2015/main" val="1"/>
-              </p:ext>
-            </p:extLst>
-          </p:nvPr>
-        </p:nvCxnSpPr>
-        <p:spPr>
-          <a:xfrm>
-            <a:off x="8129872" y="2057401"/>
-            <a:ext cx="0" cy="2743200"/>
-          </a:xfrm>
-          <a:prstGeom prst="line">
-            <a:avLst/>
-          </a:prstGeom>
-          <a:ln w="12700">
-            <a:solidFill>
-              <a:schemeClr val="tx1">
-                <a:lumMod val="75000"/>
-                <a:lumOff val="25000"/>
-              </a:schemeClr>
-            </a:solidFill>
-          </a:ln>
-        </p:spPr>
-        <p:style>
-          <a:lnRef idx="1">
-            <a:schemeClr val="accent1"/>
-          </a:lnRef>
-          <a:fillRef idx="0">
-            <a:schemeClr val="accent1"/>
-          </a:fillRef>
-          <a:effectRef idx="0">
-            <a:schemeClr val="accent1"/>
-          </a:effectRef>
-          <a:fontRef idx="minor">
-            <a:schemeClr val="tx1"/>
-          </a:fontRef>
-        </p:style>
-      </p:cxnSp>
-    </p:spTree>
-    <p:extLst>
-      <p:ext uri="{BB962C8B-B14F-4D97-AF65-F5344CB8AC3E}">
-        <p14:creationId xmlns:p14="http://schemas.microsoft.com/office/powerpoint/2010/main" val="1167367935"/>
-      </p:ext>
-    </p:extLst>
-  </p:cSld>
-  <p:clrMapOvr>
-    <a:overrideClrMapping bg1="dk1" tx1="lt1" bg2="dk2" tx2="lt2" accent1="accent1" accent2="accent2" accent3="accent3" accent4="accent4" accent5="accent5" accent6="accent6" hlink="hlink" folHlink="folHlink"/>
-  </p:clrMapOvr>
-</p:sld>
-</file>
-
-<file path=ppt/slides/slide15.xml><?xml version="1.0" encoding="utf-8"?>
-<p:sld xmlns:a="http://schemas.openxmlformats.org/drawingml/2006/main" xmlns:r="http://schemas.openxmlformats.org/officeDocument/2006/relationships" xmlns:p="http://schemas.openxmlformats.org/presentationml/2006/main">
-  <p:cSld>
-    <p:spTree>
-      <p:nvGrpSpPr>
-        <p:cNvPr id="1" name=""/>
-        <p:cNvGrpSpPr/>
-        <p:nvPr/>
-      </p:nvGrpSpPr>
-      <p:grpSpPr>
-        <a:xfrm>
-          <a:off x="0" y="0"/>
-          <a:ext cx="0" cy="0"/>
-          <a:chOff x="0" y="0"/>
-          <a:chExt cx="0" cy="0"/>
-        </a:xfrm>
-      </p:grpSpPr>
-      <p:sp>
-        <p:nvSpPr>
-          <p:cNvPr id="2" name="Title 1">
-            <a:extLst>
-              <a:ext uri="{FF2B5EF4-FFF2-40B4-BE49-F238E27FC236}">
-                <a16:creationId xmlns:a16="http://schemas.microsoft.com/office/drawing/2014/main" id="{AF66DAA9-AB0D-4659-AA02-427CB215E0DF}"/>
-              </a:ext>
-            </a:extLst>
-          </p:cNvPr>
-          <p:cNvSpPr>
-            <a:spLocks noGrp="1"/>
-          </p:cNvSpPr>
-          <p:nvPr>
-            <p:ph type="title"/>
-          </p:nvPr>
-        </p:nvSpPr>
-        <p:spPr/>
-        <p:txBody>
-          <a:bodyPr/>
-          <a:lstStyle/>
-          <a:p>
-            <a:r>
-              <a:rPr lang="en-US" dirty="0"/>
-              <a:t>Objectives</a:t>
-            </a:r>
-          </a:p>
-        </p:txBody>
-      </p:sp>
-      <p:sp>
-        <p:nvSpPr>
-          <p:cNvPr id="3" name="Content Placeholder 2">
-            <a:extLst>
-              <a:ext uri="{FF2B5EF4-FFF2-40B4-BE49-F238E27FC236}">
-                <a16:creationId xmlns:a16="http://schemas.microsoft.com/office/drawing/2014/main" id="{6EFA213A-49DF-4025-B7F2-79F44572F242}"/>
-              </a:ext>
-            </a:extLst>
-          </p:cNvPr>
-          <p:cNvSpPr>
-            <a:spLocks noGrp="1"/>
-          </p:cNvSpPr>
-          <p:nvPr>
-            <p:ph idx="1"/>
-          </p:nvPr>
-        </p:nvSpPr>
-        <p:spPr/>
-        <p:txBody>
-          <a:bodyPr/>
-          <a:lstStyle/>
-          <a:p>
-            <a:endParaRPr lang="en-US" dirty="0"/>
-          </a:p>
-        </p:txBody>
-      </p:sp>
-    </p:spTree>
-    <p:extLst>
-      <p:ext uri="{BB962C8B-B14F-4D97-AF65-F5344CB8AC3E}">
-        <p14:creationId xmlns:p14="http://schemas.microsoft.com/office/powerpoint/2010/main" val="923578432"/>
-      </p:ext>
-    </p:extLst>
-  </p:cSld>
-  <p:clrMapOvr>
-    <a:masterClrMapping/>
-  </p:clrMapOvr>
-</p:sld>
-</file>
-
-<file path=ppt/slides/slide2.xml><?xml version="1.0" encoding="utf-8"?>
-<p:sld xmlns:a="http://schemas.openxmlformats.org/drawingml/2006/main" xmlns:r="http://schemas.openxmlformats.org/officeDocument/2006/relationships" xmlns:p="http://schemas.openxmlformats.org/presentationml/2006/main">
-  <p:cSld>
-    <p:spTree>
-      <p:nvGrpSpPr>
-        <p:cNvPr id="1" name=""/>
-        <p:cNvGrpSpPr/>
-        <p:nvPr/>
-      </p:nvGrpSpPr>
-      <p:grpSpPr>
-        <a:xfrm>
-          <a:off x="0" y="0"/>
-          <a:ext cx="0" cy="0"/>
-          <a:chOff x="0" y="0"/>
-          <a:chExt cx="0" cy="0"/>
-        </a:xfrm>
-      </p:grpSpPr>
-      <p:sp>
-        <p:nvSpPr>
-          <p:cNvPr id="2" name="Title 1">
-            <a:extLst>
-              <a:ext uri="{FF2B5EF4-FFF2-40B4-BE49-F238E27FC236}">
-                <a16:creationId xmlns:a16="http://schemas.microsoft.com/office/drawing/2014/main" id="{AF66DAA9-AB0D-4659-AA02-427CB215E0DF}"/>
-              </a:ext>
-            </a:extLst>
-          </p:cNvPr>
-          <p:cNvSpPr>
-            <a:spLocks noGrp="1"/>
-          </p:cNvSpPr>
-          <p:nvPr>
-            <p:ph type="title"/>
-          </p:nvPr>
-        </p:nvSpPr>
-        <p:spPr/>
-        <p:txBody>
-          <a:bodyPr/>
-          <a:lstStyle/>
-          <a:p>
-            <a:r>
-              <a:rPr lang="en-US" dirty="0"/>
-              <a:t>Objectives</a:t>
-            </a:r>
-          </a:p>
-        </p:txBody>
-      </p:sp>
-      <p:sp>
-        <p:nvSpPr>
-          <p:cNvPr id="3" name="Content Placeholder 2">
-            <a:extLst>
-              <a:ext uri="{FF2B5EF4-FFF2-40B4-BE49-F238E27FC236}">
-                <a16:creationId xmlns:a16="http://schemas.microsoft.com/office/drawing/2014/main" id="{6EFA213A-49DF-4025-B7F2-79F44572F242}"/>
-              </a:ext>
-            </a:extLst>
-          </p:cNvPr>
-          <p:cNvSpPr>
-            <a:spLocks noGrp="1"/>
-          </p:cNvSpPr>
-          <p:nvPr>
-            <p:ph idx="1"/>
-          </p:nvPr>
-        </p:nvSpPr>
-        <p:spPr/>
-        <p:txBody>
-          <a:bodyPr/>
-          <a:lstStyle/>
-          <a:p>
-            <a:endParaRPr lang="en-US" dirty="0"/>
-          </a:p>
-        </p:txBody>
-      </p:sp>
-    </p:spTree>
-    <p:extLst>
-      <p:ext uri="{BB962C8B-B14F-4D97-AF65-F5344CB8AC3E}">
-        <p14:creationId xmlns:p14="http://schemas.microsoft.com/office/powerpoint/2010/main" val="3068257606"/>
-      </p:ext>
-    </p:extLst>
-  </p:cSld>
-  <p:clrMapOvr>
-    <a:masterClrMapping/>
-  </p:clrMapOvr>
-</p:sld>
-</file>
-
-<file path=ppt/slides/slide3.xml><?xml version="1.0" encoding="utf-8"?>
 <p:sld xmlns:a="http://schemas.openxmlformats.org/drawingml/2006/main" xmlns:r="http://schemas.openxmlformats.org/officeDocument/2006/relationships" xmlns:p="http://schemas.openxmlformats.org/presentationml/2006/main">
   <p:cSld>
     <p:bg>
@@ -6479,7 +5784,7 @@
 </p:sld>
 </file>
 
-<file path=ppt/slides/slide4.xml><?xml version="1.0" encoding="utf-8"?>
+<file path=ppt/slides/slide14.xml><?xml version="1.0" encoding="utf-8"?>
 <p:sld xmlns:a="http://schemas.openxmlformats.org/drawingml/2006/main" xmlns:r="http://schemas.openxmlformats.org/officeDocument/2006/relationships" xmlns:p="http://schemas.openxmlformats.org/presentationml/2006/main">
   <p:cSld>
     <p:spTree>
@@ -6980,6 +6285,2686 @@
 </p:sld>
 </file>
 
+<file path=ppt/slides/slide15.xml><?xml version="1.0" encoding="utf-8"?>
+<p:sld xmlns:a="http://schemas.openxmlformats.org/drawingml/2006/main" xmlns:r="http://schemas.openxmlformats.org/officeDocument/2006/relationships" xmlns:p="http://schemas.openxmlformats.org/presentationml/2006/main">
+  <p:cSld>
+    <p:spTree>
+      <p:nvGrpSpPr>
+        <p:cNvPr id="1" name=""/>
+        <p:cNvGrpSpPr/>
+        <p:nvPr/>
+      </p:nvGrpSpPr>
+      <p:grpSpPr>
+        <a:xfrm>
+          <a:off x="0" y="0"/>
+          <a:ext cx="0" cy="0"/>
+          <a:chOff x="0" y="0"/>
+          <a:chExt cx="0" cy="0"/>
+        </a:xfrm>
+      </p:grpSpPr>
+      <p:sp>
+        <p:nvSpPr>
+          <p:cNvPr id="2" name="Title 1">
+            <a:extLst>
+              <a:ext uri="{FF2B5EF4-FFF2-40B4-BE49-F238E27FC236}">
+                <a16:creationId xmlns:a16="http://schemas.microsoft.com/office/drawing/2014/main" id="{7BBC9961-4BF0-445F-9AD3-90DE00185188}"/>
+              </a:ext>
+            </a:extLst>
+          </p:cNvPr>
+          <p:cNvSpPr>
+            <a:spLocks noGrp="1"/>
+          </p:cNvSpPr>
+          <p:nvPr>
+            <p:ph type="title"/>
+          </p:nvPr>
+        </p:nvSpPr>
+        <p:spPr/>
+        <p:txBody>
+          <a:bodyPr/>
+          <a:lstStyle/>
+          <a:p>
+            <a:r>
+              <a:rPr lang="en-US"/>
+              <a:t>Example: Getting all documents in a collection</a:t>
+            </a:r>
+          </a:p>
+        </p:txBody>
+      </p:sp>
+      <p:sp>
+        <p:nvSpPr>
+          <p:cNvPr id="3" name="Content Placeholder 2">
+            <a:extLst>
+              <a:ext uri="{FF2B5EF4-FFF2-40B4-BE49-F238E27FC236}">
+                <a16:creationId xmlns:a16="http://schemas.microsoft.com/office/drawing/2014/main" id="{D04995EB-1AA3-43AF-A1AF-57A3BB47576F}"/>
+              </a:ext>
+            </a:extLst>
+          </p:cNvPr>
+          <p:cNvSpPr>
+            <a:spLocks noGrp="1"/>
+          </p:cNvSpPr>
+          <p:nvPr>
+            <p:ph idx="1"/>
+          </p:nvPr>
+        </p:nvSpPr>
+        <p:spPr/>
+        <p:txBody>
+          <a:bodyPr>
+            <a:normAutofit/>
+          </a:bodyPr>
+          <a:lstStyle/>
+          <a:p>
+            <a:endParaRPr lang="en-US" sz="2000"/>
+          </a:p>
+        </p:txBody>
+      </p:sp>
+    </p:spTree>
+    <p:extLst>
+      <p:ext uri="{BB962C8B-B14F-4D97-AF65-F5344CB8AC3E}">
+        <p14:creationId xmlns:p14="http://schemas.microsoft.com/office/powerpoint/2010/main" val="2305014259"/>
+      </p:ext>
+    </p:extLst>
+  </p:cSld>
+  <p:clrMapOvr>
+    <a:masterClrMapping/>
+  </p:clrMapOvr>
+</p:sld>
+</file>
+
+<file path=ppt/slides/slide16.xml><?xml version="1.0" encoding="utf-8"?>
+<p:sld xmlns:a="http://schemas.openxmlformats.org/drawingml/2006/main" xmlns:r="http://schemas.openxmlformats.org/officeDocument/2006/relationships" xmlns:p="http://schemas.openxmlformats.org/presentationml/2006/main">
+  <p:cSld>
+    <p:spTree>
+      <p:nvGrpSpPr>
+        <p:cNvPr id="1" name=""/>
+        <p:cNvGrpSpPr/>
+        <p:nvPr/>
+      </p:nvGrpSpPr>
+      <p:grpSpPr>
+        <a:xfrm>
+          <a:off x="0" y="0"/>
+          <a:ext cx="0" cy="0"/>
+          <a:chOff x="0" y="0"/>
+          <a:chExt cx="0" cy="0"/>
+        </a:xfrm>
+      </p:grpSpPr>
+      <p:sp>
+        <p:nvSpPr>
+          <p:cNvPr id="2" name="Title 1">
+            <a:extLst>
+              <a:ext uri="{FF2B5EF4-FFF2-40B4-BE49-F238E27FC236}">
+                <a16:creationId xmlns:a16="http://schemas.microsoft.com/office/drawing/2014/main" id="{7BBC9961-4BF0-445F-9AD3-90DE00185188}"/>
+              </a:ext>
+            </a:extLst>
+          </p:cNvPr>
+          <p:cNvSpPr>
+            <a:spLocks noGrp="1"/>
+          </p:cNvSpPr>
+          <p:nvPr>
+            <p:ph type="title"/>
+          </p:nvPr>
+        </p:nvSpPr>
+        <p:spPr/>
+        <p:txBody>
+          <a:bodyPr/>
+          <a:lstStyle/>
+          <a:p>
+            <a:r>
+              <a:rPr lang="en-US"/>
+              <a:t>Example: Getting some documents from a collection</a:t>
+            </a:r>
+          </a:p>
+        </p:txBody>
+      </p:sp>
+      <p:sp>
+        <p:nvSpPr>
+          <p:cNvPr id="3" name="Content Placeholder 2">
+            <a:extLst>
+              <a:ext uri="{FF2B5EF4-FFF2-40B4-BE49-F238E27FC236}">
+                <a16:creationId xmlns:a16="http://schemas.microsoft.com/office/drawing/2014/main" id="{D04995EB-1AA3-43AF-A1AF-57A3BB47576F}"/>
+              </a:ext>
+            </a:extLst>
+          </p:cNvPr>
+          <p:cNvSpPr>
+            <a:spLocks noGrp="1"/>
+          </p:cNvSpPr>
+          <p:nvPr>
+            <p:ph idx="1"/>
+          </p:nvPr>
+        </p:nvSpPr>
+        <p:spPr/>
+        <p:txBody>
+          <a:bodyPr>
+            <a:normAutofit/>
+          </a:bodyPr>
+          <a:lstStyle/>
+          <a:p>
+            <a:endParaRPr lang="en-US" sz="2000"/>
+          </a:p>
+        </p:txBody>
+      </p:sp>
+    </p:spTree>
+    <p:extLst>
+      <p:ext uri="{BB962C8B-B14F-4D97-AF65-F5344CB8AC3E}">
+        <p14:creationId xmlns:p14="http://schemas.microsoft.com/office/powerpoint/2010/main" val="3432616808"/>
+      </p:ext>
+    </p:extLst>
+  </p:cSld>
+  <p:clrMapOvr>
+    <a:masterClrMapping/>
+  </p:clrMapOvr>
+</p:sld>
+</file>
+
+<file path=ppt/slides/slide17.xml><?xml version="1.0" encoding="utf-8"?>
+<p:sld xmlns:a="http://schemas.openxmlformats.org/drawingml/2006/main" xmlns:r="http://schemas.openxmlformats.org/officeDocument/2006/relationships" xmlns:p="http://schemas.openxmlformats.org/presentationml/2006/main">
+  <p:cSld>
+    <p:spTree>
+      <p:nvGrpSpPr>
+        <p:cNvPr id="1" name=""/>
+        <p:cNvGrpSpPr/>
+        <p:nvPr/>
+      </p:nvGrpSpPr>
+      <p:grpSpPr>
+        <a:xfrm>
+          <a:off x="0" y="0"/>
+          <a:ext cx="0" cy="0"/>
+          <a:chOff x="0" y="0"/>
+          <a:chExt cx="0" cy="0"/>
+        </a:xfrm>
+      </p:grpSpPr>
+      <p:sp>
+        <p:nvSpPr>
+          <p:cNvPr id="2" name="Title 1">
+            <a:extLst>
+              <a:ext uri="{FF2B5EF4-FFF2-40B4-BE49-F238E27FC236}">
+                <a16:creationId xmlns:a16="http://schemas.microsoft.com/office/drawing/2014/main" id="{7BBC9961-4BF0-445F-9AD3-90DE00185188}"/>
+              </a:ext>
+            </a:extLst>
+          </p:cNvPr>
+          <p:cNvSpPr>
+            <a:spLocks noGrp="1"/>
+          </p:cNvSpPr>
+          <p:nvPr>
+            <p:ph type="title"/>
+          </p:nvPr>
+        </p:nvSpPr>
+        <p:spPr/>
+        <p:txBody>
+          <a:bodyPr/>
+          <a:lstStyle/>
+          <a:p>
+            <a:r>
+              <a:rPr lang="en-US"/>
+              <a:t>Example: Getting one document from a collection</a:t>
+            </a:r>
+          </a:p>
+        </p:txBody>
+      </p:sp>
+      <p:sp>
+        <p:nvSpPr>
+          <p:cNvPr id="3" name="Content Placeholder 2">
+            <a:extLst>
+              <a:ext uri="{FF2B5EF4-FFF2-40B4-BE49-F238E27FC236}">
+                <a16:creationId xmlns:a16="http://schemas.microsoft.com/office/drawing/2014/main" id="{D04995EB-1AA3-43AF-A1AF-57A3BB47576F}"/>
+              </a:ext>
+            </a:extLst>
+          </p:cNvPr>
+          <p:cNvSpPr>
+            <a:spLocks noGrp="1"/>
+          </p:cNvSpPr>
+          <p:nvPr>
+            <p:ph idx="1"/>
+          </p:nvPr>
+        </p:nvSpPr>
+        <p:spPr/>
+        <p:txBody>
+          <a:bodyPr>
+            <a:normAutofit/>
+          </a:bodyPr>
+          <a:lstStyle/>
+          <a:p>
+            <a:endParaRPr lang="en-US" sz="2000"/>
+          </a:p>
+        </p:txBody>
+      </p:sp>
+    </p:spTree>
+    <p:extLst>
+      <p:ext uri="{BB962C8B-B14F-4D97-AF65-F5344CB8AC3E}">
+        <p14:creationId xmlns:p14="http://schemas.microsoft.com/office/powerpoint/2010/main" val="3266463990"/>
+      </p:ext>
+    </p:extLst>
+  </p:cSld>
+  <p:clrMapOvr>
+    <a:masterClrMapping/>
+  </p:clrMapOvr>
+</p:sld>
+</file>
+
+<file path=ppt/slides/slide18.xml><?xml version="1.0" encoding="utf-8"?>
+<p:sld xmlns:a="http://schemas.openxmlformats.org/drawingml/2006/main" xmlns:r="http://schemas.openxmlformats.org/officeDocument/2006/relationships" xmlns:p="http://schemas.openxmlformats.org/presentationml/2006/main">
+  <p:cSld>
+    <p:spTree>
+      <p:nvGrpSpPr>
+        <p:cNvPr id="1" name=""/>
+        <p:cNvGrpSpPr/>
+        <p:nvPr/>
+      </p:nvGrpSpPr>
+      <p:grpSpPr>
+        <a:xfrm>
+          <a:off x="0" y="0"/>
+          <a:ext cx="0" cy="0"/>
+          <a:chOff x="0" y="0"/>
+          <a:chExt cx="0" cy="0"/>
+        </a:xfrm>
+      </p:grpSpPr>
+      <p:sp>
+        <p:nvSpPr>
+          <p:cNvPr id="2" name="Title 1">
+            <a:extLst>
+              <a:ext uri="{FF2B5EF4-FFF2-40B4-BE49-F238E27FC236}">
+                <a16:creationId xmlns:a16="http://schemas.microsoft.com/office/drawing/2014/main" id="{7BBC9961-4BF0-445F-9AD3-90DE00185188}"/>
+              </a:ext>
+            </a:extLst>
+          </p:cNvPr>
+          <p:cNvSpPr>
+            <a:spLocks noGrp="1"/>
+          </p:cNvSpPr>
+          <p:nvPr>
+            <p:ph type="title"/>
+          </p:nvPr>
+        </p:nvSpPr>
+        <p:spPr/>
+        <p:txBody>
+          <a:bodyPr/>
+          <a:lstStyle/>
+          <a:p>
+            <a:r>
+              <a:rPr lang="en-US"/>
+              <a:t>Example: Inserting Documents</a:t>
+            </a:r>
+          </a:p>
+        </p:txBody>
+      </p:sp>
+      <p:sp>
+        <p:nvSpPr>
+          <p:cNvPr id="3" name="Content Placeholder 2">
+            <a:extLst>
+              <a:ext uri="{FF2B5EF4-FFF2-40B4-BE49-F238E27FC236}">
+                <a16:creationId xmlns:a16="http://schemas.microsoft.com/office/drawing/2014/main" id="{D04995EB-1AA3-43AF-A1AF-57A3BB47576F}"/>
+              </a:ext>
+            </a:extLst>
+          </p:cNvPr>
+          <p:cNvSpPr>
+            <a:spLocks noGrp="1"/>
+          </p:cNvSpPr>
+          <p:nvPr>
+            <p:ph idx="1"/>
+          </p:nvPr>
+        </p:nvSpPr>
+        <p:spPr/>
+        <p:txBody>
+          <a:bodyPr>
+            <a:normAutofit/>
+          </a:bodyPr>
+          <a:lstStyle/>
+          <a:p>
+            <a:endParaRPr lang="en-US" sz="2000"/>
+          </a:p>
+        </p:txBody>
+      </p:sp>
+    </p:spTree>
+    <p:extLst>
+      <p:ext uri="{BB962C8B-B14F-4D97-AF65-F5344CB8AC3E}">
+        <p14:creationId xmlns:p14="http://schemas.microsoft.com/office/powerpoint/2010/main" val="2229891312"/>
+      </p:ext>
+    </p:extLst>
+  </p:cSld>
+  <p:clrMapOvr>
+    <a:masterClrMapping/>
+  </p:clrMapOvr>
+</p:sld>
+</file>
+
+<file path=ppt/slides/slide19.xml><?xml version="1.0" encoding="utf-8"?>
+<p:sld xmlns:a="http://schemas.openxmlformats.org/drawingml/2006/main" xmlns:r="http://schemas.openxmlformats.org/officeDocument/2006/relationships" xmlns:p="http://schemas.openxmlformats.org/presentationml/2006/main">
+  <p:cSld>
+    <p:spTree>
+      <p:nvGrpSpPr>
+        <p:cNvPr id="1" name=""/>
+        <p:cNvGrpSpPr/>
+        <p:nvPr/>
+      </p:nvGrpSpPr>
+      <p:grpSpPr>
+        <a:xfrm>
+          <a:off x="0" y="0"/>
+          <a:ext cx="0" cy="0"/>
+          <a:chOff x="0" y="0"/>
+          <a:chExt cx="0" cy="0"/>
+        </a:xfrm>
+      </p:grpSpPr>
+      <p:sp>
+        <p:nvSpPr>
+          <p:cNvPr id="2" name="Title 1">
+            <a:extLst>
+              <a:ext uri="{FF2B5EF4-FFF2-40B4-BE49-F238E27FC236}">
+                <a16:creationId xmlns:a16="http://schemas.microsoft.com/office/drawing/2014/main" id="{7BBC9961-4BF0-445F-9AD3-90DE00185188}"/>
+              </a:ext>
+            </a:extLst>
+          </p:cNvPr>
+          <p:cNvSpPr>
+            <a:spLocks noGrp="1"/>
+          </p:cNvSpPr>
+          <p:nvPr>
+            <p:ph type="title"/>
+          </p:nvPr>
+        </p:nvSpPr>
+        <p:spPr/>
+        <p:txBody>
+          <a:bodyPr/>
+          <a:lstStyle/>
+          <a:p>
+            <a:r>
+              <a:rPr lang="en-US"/>
+              <a:t>Example: Updating Documents</a:t>
+            </a:r>
+          </a:p>
+        </p:txBody>
+      </p:sp>
+      <p:sp>
+        <p:nvSpPr>
+          <p:cNvPr id="3" name="Content Placeholder 2">
+            <a:extLst>
+              <a:ext uri="{FF2B5EF4-FFF2-40B4-BE49-F238E27FC236}">
+                <a16:creationId xmlns:a16="http://schemas.microsoft.com/office/drawing/2014/main" id="{D04995EB-1AA3-43AF-A1AF-57A3BB47576F}"/>
+              </a:ext>
+            </a:extLst>
+          </p:cNvPr>
+          <p:cNvSpPr>
+            <a:spLocks noGrp="1"/>
+          </p:cNvSpPr>
+          <p:nvPr>
+            <p:ph idx="1"/>
+          </p:nvPr>
+        </p:nvSpPr>
+        <p:spPr/>
+        <p:txBody>
+          <a:bodyPr>
+            <a:normAutofit/>
+          </a:bodyPr>
+          <a:lstStyle/>
+          <a:p>
+            <a:endParaRPr lang="en-US" sz="2000"/>
+          </a:p>
+        </p:txBody>
+      </p:sp>
+    </p:spTree>
+    <p:extLst>
+      <p:ext uri="{BB962C8B-B14F-4D97-AF65-F5344CB8AC3E}">
+        <p14:creationId xmlns:p14="http://schemas.microsoft.com/office/powerpoint/2010/main" val="2405577913"/>
+      </p:ext>
+    </p:extLst>
+  </p:cSld>
+  <p:clrMapOvr>
+    <a:masterClrMapping/>
+  </p:clrMapOvr>
+</p:sld>
+</file>
+
+<file path=ppt/slides/slide2.xml><?xml version="1.0" encoding="utf-8"?>
+<p:sld xmlns:a="http://schemas.openxmlformats.org/drawingml/2006/main" xmlns:r="http://schemas.openxmlformats.org/officeDocument/2006/relationships" xmlns:p="http://schemas.openxmlformats.org/presentationml/2006/main">
+  <p:cSld>
+    <p:spTree>
+      <p:nvGrpSpPr>
+        <p:cNvPr id="1" name=""/>
+        <p:cNvGrpSpPr/>
+        <p:nvPr/>
+      </p:nvGrpSpPr>
+      <p:grpSpPr>
+        <a:xfrm>
+          <a:off x="0" y="0"/>
+          <a:ext cx="0" cy="0"/>
+          <a:chOff x="0" y="0"/>
+          <a:chExt cx="0" cy="0"/>
+        </a:xfrm>
+      </p:grpSpPr>
+      <p:sp>
+        <p:nvSpPr>
+          <p:cNvPr id="2" name="Title 1">
+            <a:extLst>
+              <a:ext uri="{FF2B5EF4-FFF2-40B4-BE49-F238E27FC236}">
+                <a16:creationId xmlns:a16="http://schemas.microsoft.com/office/drawing/2014/main" id="{AF66DAA9-AB0D-4659-AA02-427CB215E0DF}"/>
+              </a:ext>
+            </a:extLst>
+          </p:cNvPr>
+          <p:cNvSpPr>
+            <a:spLocks noGrp="1"/>
+          </p:cNvSpPr>
+          <p:nvPr>
+            <p:ph type="title"/>
+          </p:nvPr>
+        </p:nvSpPr>
+        <p:spPr/>
+        <p:txBody>
+          <a:bodyPr/>
+          <a:lstStyle/>
+          <a:p>
+            <a:r>
+              <a:rPr lang="en-US" dirty="0"/>
+              <a:t>Objectives</a:t>
+            </a:r>
+          </a:p>
+        </p:txBody>
+      </p:sp>
+      <p:sp>
+        <p:nvSpPr>
+          <p:cNvPr id="3" name="Content Placeholder 2">
+            <a:extLst>
+              <a:ext uri="{FF2B5EF4-FFF2-40B4-BE49-F238E27FC236}">
+                <a16:creationId xmlns:a16="http://schemas.microsoft.com/office/drawing/2014/main" id="{6EFA213A-49DF-4025-B7F2-79F44572F242}"/>
+              </a:ext>
+            </a:extLst>
+          </p:cNvPr>
+          <p:cNvSpPr>
+            <a:spLocks noGrp="1"/>
+          </p:cNvSpPr>
+          <p:nvPr>
+            <p:ph idx="1"/>
+          </p:nvPr>
+        </p:nvSpPr>
+        <p:spPr/>
+        <p:txBody>
+          <a:bodyPr/>
+          <a:lstStyle/>
+          <a:p>
+            <a:endParaRPr lang="en-US" dirty="0"/>
+          </a:p>
+        </p:txBody>
+      </p:sp>
+    </p:spTree>
+    <p:extLst>
+      <p:ext uri="{BB962C8B-B14F-4D97-AF65-F5344CB8AC3E}">
+        <p14:creationId xmlns:p14="http://schemas.microsoft.com/office/powerpoint/2010/main" val="3068257606"/>
+      </p:ext>
+    </p:extLst>
+  </p:cSld>
+  <p:clrMapOvr>
+    <a:masterClrMapping/>
+  </p:clrMapOvr>
+</p:sld>
+</file>
+
+<file path=ppt/slides/slide20.xml><?xml version="1.0" encoding="utf-8"?>
+<p:sld xmlns:a="http://schemas.openxmlformats.org/drawingml/2006/main" xmlns:r="http://schemas.openxmlformats.org/officeDocument/2006/relationships" xmlns:p="http://schemas.openxmlformats.org/presentationml/2006/main">
+  <p:cSld>
+    <p:spTree>
+      <p:nvGrpSpPr>
+        <p:cNvPr id="1" name=""/>
+        <p:cNvGrpSpPr/>
+        <p:nvPr/>
+      </p:nvGrpSpPr>
+      <p:grpSpPr>
+        <a:xfrm>
+          <a:off x="0" y="0"/>
+          <a:ext cx="0" cy="0"/>
+          <a:chOff x="0" y="0"/>
+          <a:chExt cx="0" cy="0"/>
+        </a:xfrm>
+      </p:grpSpPr>
+      <p:sp>
+        <p:nvSpPr>
+          <p:cNvPr id="2" name="Title 1">
+            <a:extLst>
+              <a:ext uri="{FF2B5EF4-FFF2-40B4-BE49-F238E27FC236}">
+                <a16:creationId xmlns:a16="http://schemas.microsoft.com/office/drawing/2014/main" id="{7BBC9961-4BF0-445F-9AD3-90DE00185188}"/>
+              </a:ext>
+            </a:extLst>
+          </p:cNvPr>
+          <p:cNvSpPr>
+            <a:spLocks noGrp="1"/>
+          </p:cNvSpPr>
+          <p:nvPr>
+            <p:ph type="title"/>
+          </p:nvPr>
+        </p:nvSpPr>
+        <p:spPr/>
+        <p:txBody>
+          <a:bodyPr/>
+          <a:lstStyle/>
+          <a:p>
+            <a:r>
+              <a:rPr lang="en-US"/>
+              <a:t>Example: Upsert</a:t>
+            </a:r>
+          </a:p>
+        </p:txBody>
+      </p:sp>
+      <p:sp>
+        <p:nvSpPr>
+          <p:cNvPr id="3" name="Content Placeholder 2">
+            <a:extLst>
+              <a:ext uri="{FF2B5EF4-FFF2-40B4-BE49-F238E27FC236}">
+                <a16:creationId xmlns:a16="http://schemas.microsoft.com/office/drawing/2014/main" id="{D04995EB-1AA3-43AF-A1AF-57A3BB47576F}"/>
+              </a:ext>
+            </a:extLst>
+          </p:cNvPr>
+          <p:cNvSpPr>
+            <a:spLocks noGrp="1"/>
+          </p:cNvSpPr>
+          <p:nvPr>
+            <p:ph idx="1"/>
+          </p:nvPr>
+        </p:nvSpPr>
+        <p:spPr/>
+        <p:txBody>
+          <a:bodyPr>
+            <a:normAutofit/>
+          </a:bodyPr>
+          <a:lstStyle/>
+          <a:p>
+            <a:endParaRPr lang="en-US" sz="2000"/>
+          </a:p>
+        </p:txBody>
+      </p:sp>
+    </p:spTree>
+    <p:extLst>
+      <p:ext uri="{BB962C8B-B14F-4D97-AF65-F5344CB8AC3E}">
+        <p14:creationId xmlns:p14="http://schemas.microsoft.com/office/powerpoint/2010/main" val="3419159743"/>
+      </p:ext>
+    </p:extLst>
+  </p:cSld>
+  <p:clrMapOvr>
+    <a:masterClrMapping/>
+  </p:clrMapOvr>
+</p:sld>
+</file>
+
+<file path=ppt/slides/slide21.xml><?xml version="1.0" encoding="utf-8"?>
+<p:sld xmlns:a="http://schemas.openxmlformats.org/drawingml/2006/main" xmlns:r="http://schemas.openxmlformats.org/officeDocument/2006/relationships" xmlns:p="http://schemas.openxmlformats.org/presentationml/2006/main">
+  <p:cSld>
+    <p:spTree>
+      <p:nvGrpSpPr>
+        <p:cNvPr id="1" name=""/>
+        <p:cNvGrpSpPr/>
+        <p:nvPr/>
+      </p:nvGrpSpPr>
+      <p:grpSpPr>
+        <a:xfrm>
+          <a:off x="0" y="0"/>
+          <a:ext cx="0" cy="0"/>
+          <a:chOff x="0" y="0"/>
+          <a:chExt cx="0" cy="0"/>
+        </a:xfrm>
+      </p:grpSpPr>
+      <p:sp>
+        <p:nvSpPr>
+          <p:cNvPr id="2" name="Title 1">
+            <a:extLst>
+              <a:ext uri="{FF2B5EF4-FFF2-40B4-BE49-F238E27FC236}">
+                <a16:creationId xmlns:a16="http://schemas.microsoft.com/office/drawing/2014/main" id="{7BBC9961-4BF0-445F-9AD3-90DE00185188}"/>
+              </a:ext>
+            </a:extLst>
+          </p:cNvPr>
+          <p:cNvSpPr>
+            <a:spLocks noGrp="1"/>
+          </p:cNvSpPr>
+          <p:nvPr>
+            <p:ph type="title"/>
+          </p:nvPr>
+        </p:nvSpPr>
+        <p:spPr/>
+        <p:txBody>
+          <a:bodyPr/>
+          <a:lstStyle/>
+          <a:p>
+            <a:r>
+              <a:rPr lang="en-US"/>
+              <a:t>Example: Deleting Documents</a:t>
+            </a:r>
+          </a:p>
+        </p:txBody>
+      </p:sp>
+      <p:sp>
+        <p:nvSpPr>
+          <p:cNvPr id="3" name="Content Placeholder 2">
+            <a:extLst>
+              <a:ext uri="{FF2B5EF4-FFF2-40B4-BE49-F238E27FC236}">
+                <a16:creationId xmlns:a16="http://schemas.microsoft.com/office/drawing/2014/main" id="{D04995EB-1AA3-43AF-A1AF-57A3BB47576F}"/>
+              </a:ext>
+            </a:extLst>
+          </p:cNvPr>
+          <p:cNvSpPr>
+            <a:spLocks noGrp="1"/>
+          </p:cNvSpPr>
+          <p:nvPr>
+            <p:ph idx="1"/>
+          </p:nvPr>
+        </p:nvSpPr>
+        <p:spPr/>
+        <p:txBody>
+          <a:bodyPr>
+            <a:normAutofit/>
+          </a:bodyPr>
+          <a:lstStyle/>
+          <a:p>
+            <a:endParaRPr lang="en-US" sz="2000"/>
+          </a:p>
+        </p:txBody>
+      </p:sp>
+    </p:spTree>
+    <p:extLst>
+      <p:ext uri="{BB962C8B-B14F-4D97-AF65-F5344CB8AC3E}">
+        <p14:creationId xmlns:p14="http://schemas.microsoft.com/office/powerpoint/2010/main" val="2419962055"/>
+      </p:ext>
+    </p:extLst>
+  </p:cSld>
+  <p:clrMapOvr>
+    <a:masterClrMapping/>
+  </p:clrMapOvr>
+</p:sld>
+</file>
+
+<file path=ppt/slides/slide22.xml><?xml version="1.0" encoding="utf-8"?>
+<p:sld xmlns:a="http://schemas.openxmlformats.org/drawingml/2006/main" xmlns:r="http://schemas.openxmlformats.org/officeDocument/2006/relationships" xmlns:p="http://schemas.openxmlformats.org/presentationml/2006/main">
+  <p:cSld>
+    <p:bg>
+      <p:bgPr>
+        <a:solidFill>
+          <a:schemeClr val="bg1"/>
+        </a:solidFill>
+        <a:effectLst/>
+      </p:bgPr>
+    </p:bg>
+    <p:spTree>
+      <p:nvGrpSpPr>
+        <p:cNvPr id="1" name=""/>
+        <p:cNvGrpSpPr/>
+        <p:nvPr/>
+      </p:nvGrpSpPr>
+      <p:grpSpPr>
+        <a:xfrm>
+          <a:off x="0" y="0"/>
+          <a:ext cx="0" cy="0"/>
+          <a:chOff x="0" y="0"/>
+          <a:chExt cx="0" cy="0"/>
+        </a:xfrm>
+      </p:grpSpPr>
+      <p:sp>
+        <p:nvSpPr>
+          <p:cNvPr id="9" name="Rectangle 8">
+            <a:extLst>
+              <a:ext uri="{FF2B5EF4-FFF2-40B4-BE49-F238E27FC236}">
+                <a16:creationId xmlns:a16="http://schemas.microsoft.com/office/drawing/2014/main" id="{904DB13E-F722-4ED6-BB00-556651E95281}"/>
+              </a:ext>
+              <a:ext uri="{C183D7F6-B498-43B3-948B-1728B52AA6E4}">
+                <adec:decorative xmlns:adec="http://schemas.microsoft.com/office/drawing/2017/decorative" val="1"/>
+              </a:ext>
+            </a:extLst>
+          </p:cNvPr>
+          <p:cNvSpPr>
+            <a:spLocks noGrp="1" noRot="1" noChangeAspect="1" noMove="1" noResize="1" noEditPoints="1" noAdjustHandles="1" noChangeArrowheads="1" noChangeShapeType="1" noTextEdit="1"/>
+          </p:cNvSpPr>
+          <p:nvPr>
+            <p:extLst>
+              <p:ext uri="{386F3935-93C4-4BCD-93E2-E3B085C9AB24}">
+                <p16:designElem xmlns:p16="http://schemas.microsoft.com/office/powerpoint/2015/main" val="1"/>
+              </p:ext>
+            </p:extLst>
+          </p:nvPr>
+        </p:nvSpPr>
+        <p:spPr>
+          <a:xfrm>
+            <a:off x="0" y="0"/>
+            <a:ext cx="12192000" cy="6858000"/>
+          </a:xfrm>
+          <a:prstGeom prst="rect">
+            <a:avLst/>
+          </a:prstGeom>
+          <a:solidFill>
+            <a:schemeClr val="tx1">
+              <a:lumMod val="65000"/>
+              <a:lumOff val="35000"/>
+            </a:schemeClr>
+          </a:solidFill>
+          <a:ln>
+            <a:noFill/>
+          </a:ln>
+        </p:spPr>
+        <p:style>
+          <a:lnRef idx="2">
+            <a:schemeClr val="accent1">
+              <a:shade val="50000"/>
+            </a:schemeClr>
+          </a:lnRef>
+          <a:fillRef idx="1">
+            <a:schemeClr val="accent1"/>
+          </a:fillRef>
+          <a:effectRef idx="0">
+            <a:schemeClr val="accent1"/>
+          </a:effectRef>
+          <a:fontRef idx="minor">
+            <a:schemeClr val="lt1"/>
+          </a:fontRef>
+        </p:style>
+        <p:txBody>
+          <a:bodyPr rtlCol="0" anchor="ctr"/>
+          <a:lstStyle/>
+          <a:p>
+            <a:pPr algn="ctr"/>
+            <a:endParaRPr lang="en-US"/>
+          </a:p>
+        </p:txBody>
+      </p:sp>
+      <p:sp useBgFill="1">
+        <p:nvSpPr>
+          <p:cNvPr id="11" name="Rectangle 10">
+            <a:extLst>
+              <a:ext uri="{FF2B5EF4-FFF2-40B4-BE49-F238E27FC236}">
+                <a16:creationId xmlns:a16="http://schemas.microsoft.com/office/drawing/2014/main" id="{7B58A187-A4B1-42EB-A4C7-8635BA507BCE}"/>
+              </a:ext>
+              <a:ext uri="{C183D7F6-B498-43B3-948B-1728B52AA6E4}">
+                <adec:decorative xmlns:adec="http://schemas.microsoft.com/office/drawing/2017/decorative" val="1"/>
+              </a:ext>
+            </a:extLst>
+          </p:cNvPr>
+          <p:cNvSpPr>
+            <a:spLocks noGrp="1" noRot="1" noChangeAspect="1" noMove="1" noResize="1" noEditPoints="1" noAdjustHandles="1" noChangeArrowheads="1" noChangeShapeType="1" noTextEdit="1"/>
+          </p:cNvSpPr>
+          <p:nvPr>
+            <p:extLst>
+              <p:ext uri="{386F3935-93C4-4BCD-93E2-E3B085C9AB24}">
+                <p16:designElem xmlns:p16="http://schemas.microsoft.com/office/powerpoint/2015/main" val="1"/>
+              </p:ext>
+            </p:extLst>
+          </p:nvPr>
+        </p:nvSpPr>
+        <p:spPr>
+          <a:xfrm>
+            <a:off x="1307870" y="1267730"/>
+            <a:ext cx="9576262" cy="4307950"/>
+          </a:xfrm>
+          <a:prstGeom prst="rect">
+            <a:avLst/>
+          </a:prstGeom>
+          <a:ln w="6350" cap="flat" cmpd="sng" algn="ctr">
+            <a:noFill/>
+            <a:prstDash val="solid"/>
+          </a:ln>
+          <a:effectLst>
+            <a:outerShdw blurRad="50800" algn="ctr" rotWithShape="0">
+              <a:prstClr val="black">
+                <a:alpha val="66000"/>
+              </a:prstClr>
+            </a:outerShdw>
+            <a:softEdge rad="0"/>
+          </a:effectLst>
+        </p:spPr>
+      </p:sp>
+      <p:sp>
+        <p:nvSpPr>
+          <p:cNvPr id="13" name="Rectangle 12">
+            <a:extLst>
+              <a:ext uri="{FF2B5EF4-FFF2-40B4-BE49-F238E27FC236}">
+                <a16:creationId xmlns:a16="http://schemas.microsoft.com/office/drawing/2014/main" id="{37F14E7F-3054-458C-ACF9-A8DA1757C65C}"/>
+              </a:ext>
+              <a:ext uri="{C183D7F6-B498-43B3-948B-1728B52AA6E4}">
+                <adec:decorative xmlns:adec="http://schemas.microsoft.com/office/drawing/2017/decorative" val="1"/>
+              </a:ext>
+            </a:extLst>
+          </p:cNvPr>
+          <p:cNvSpPr>
+            <a:spLocks noGrp="1" noRot="1" noChangeAspect="1" noMove="1" noResize="1" noEditPoints="1" noAdjustHandles="1" noChangeArrowheads="1" noChangeShapeType="1" noTextEdit="1"/>
+          </p:cNvSpPr>
+          <p:nvPr>
+            <p:extLst>
+              <p:ext uri="{386F3935-93C4-4BCD-93E2-E3B085C9AB24}">
+                <p16:designElem xmlns:p16="http://schemas.microsoft.com/office/powerpoint/2015/main" val="1"/>
+              </p:ext>
+            </p:extLst>
+          </p:nvPr>
+        </p:nvSpPr>
+        <p:spPr>
+          <a:xfrm>
+            <a:off x="1447801" y="1411615"/>
+            <a:ext cx="9296400" cy="4034770"/>
+          </a:xfrm>
+          <a:prstGeom prst="rect">
+            <a:avLst/>
+          </a:prstGeom>
+          <a:noFill/>
+          <a:ln w="6350" cap="sq" cmpd="sng" algn="ctr">
+            <a:solidFill>
+              <a:schemeClr val="tx1">
+                <a:lumMod val="75000"/>
+                <a:lumOff val="25000"/>
+              </a:schemeClr>
+            </a:solidFill>
+            <a:prstDash val="solid"/>
+            <a:miter lim="800000"/>
+          </a:ln>
+          <a:effectLst/>
+        </p:spPr>
+      </p:sp>
+      <p:sp>
+        <p:nvSpPr>
+          <p:cNvPr id="15" name="Rectangle 14">
+            <a:extLst>
+              <a:ext uri="{FF2B5EF4-FFF2-40B4-BE49-F238E27FC236}">
+                <a16:creationId xmlns:a16="http://schemas.microsoft.com/office/drawing/2014/main" id="{93747C1C-97FC-4D70-A6C8-A01FBCF5A9DC}"/>
+              </a:ext>
+              <a:ext uri="{C183D7F6-B498-43B3-948B-1728B52AA6E4}">
+                <adec:decorative xmlns:adec="http://schemas.microsoft.com/office/drawing/2017/decorative" val="1"/>
+              </a:ext>
+            </a:extLst>
+          </p:cNvPr>
+          <p:cNvSpPr>
+            <a:spLocks noGrp="1" noRot="1" noChangeAspect="1" noMove="1" noResize="1" noEditPoints="1" noAdjustHandles="1" noChangeArrowheads="1" noChangeShapeType="1" noTextEdit="1"/>
+          </p:cNvSpPr>
+          <p:nvPr>
+            <p:extLst>
+              <p:ext uri="{386F3935-93C4-4BCD-93E2-E3B085C9AB24}">
+                <p16:designElem xmlns:p16="http://schemas.microsoft.com/office/powerpoint/2015/main" val="1"/>
+              </p:ext>
+            </p:extLst>
+          </p:nvPr>
+        </p:nvSpPr>
+        <p:spPr>
+          <a:xfrm>
+            <a:off x="5135880" y="1267730"/>
+            <a:ext cx="1920240" cy="731520"/>
+          </a:xfrm>
+          <a:prstGeom prst="rect">
+            <a:avLst/>
+          </a:prstGeom>
+          <a:solidFill>
+            <a:schemeClr val="accent1"/>
+          </a:solidFill>
+          <a:ln>
+            <a:noFill/>
+          </a:ln>
+        </p:spPr>
+        <p:style>
+          <a:lnRef idx="2">
+            <a:schemeClr val="accent1">
+              <a:shade val="50000"/>
+            </a:schemeClr>
+          </a:lnRef>
+          <a:fillRef idx="1">
+            <a:schemeClr val="accent1"/>
+          </a:fillRef>
+          <a:effectRef idx="0">
+            <a:schemeClr val="accent1"/>
+          </a:effectRef>
+          <a:fontRef idx="minor">
+            <a:schemeClr val="lt1"/>
+          </a:fontRef>
+        </p:style>
+      </p:sp>
+      <p:grpSp>
+        <p:nvGrpSpPr>
+          <p:cNvPr id="17" name="Group 16">
+            <a:extLst>
+              <a:ext uri="{FF2B5EF4-FFF2-40B4-BE49-F238E27FC236}">
+                <a16:creationId xmlns:a16="http://schemas.microsoft.com/office/drawing/2014/main" id="{E26428D7-C6F3-473D-A360-A3F5C3E8728C}"/>
+              </a:ext>
+              <a:ext uri="{C183D7F6-B498-43B3-948B-1728B52AA6E4}">
+                <adec:decorative xmlns:adec="http://schemas.microsoft.com/office/drawing/2017/decorative" val="1"/>
+              </a:ext>
+            </a:extLst>
+          </p:cNvPr>
+          <p:cNvGrpSpPr>
+            <a:grpSpLocks noGrp="1" noUngrp="1" noRot="1" noChangeAspect="1" noMove="1" noResize="1"/>
+          </p:cNvGrpSpPr>
+          <p:nvPr>
+            <p:extLst>
+              <p:ext uri="{386F3935-93C4-4BCD-93E2-E3B085C9AB24}">
+                <p16:designElem xmlns:p16="http://schemas.microsoft.com/office/powerpoint/2015/main" val="1"/>
+              </p:ext>
+            </p:extLst>
+          </p:nvPr>
+        </p:nvGrpSpPr>
+        <p:grpSpPr>
+          <a:xfrm>
+            <a:off x="5250180" y="1267730"/>
+            <a:ext cx="1691640" cy="615934"/>
+            <a:chOff x="5250180" y="1267730"/>
+            <a:chExt cx="1691640" cy="615934"/>
+          </a:xfrm>
+        </p:grpSpPr>
+        <p:cxnSp>
+          <p:nvCxnSpPr>
+            <p:cNvPr id="18" name="Straight Connector 17">
+              <a:extLst>
+                <a:ext uri="{FF2B5EF4-FFF2-40B4-BE49-F238E27FC236}">
+                  <a16:creationId xmlns:a16="http://schemas.microsoft.com/office/drawing/2014/main" id="{05CDC370-AE44-4300-98BA-FE204E881765}"/>
+                </a:ext>
+                <a:ext uri="{C183D7F6-B498-43B3-948B-1728B52AA6E4}">
+                  <adec:decorative xmlns:adec="http://schemas.microsoft.com/office/drawing/2017/decorative" val="1"/>
+                </a:ext>
+              </a:extLst>
+            </p:cNvPr>
+            <p:cNvCxnSpPr/>
+            <p:nvPr>
+              <p:extLst>
+                <p:ext uri="{386F3935-93C4-4BCD-93E2-E3B085C9AB24}">
+                  <p16:designElem xmlns:p16="http://schemas.microsoft.com/office/powerpoint/2015/main" val="1"/>
+                </p:ext>
+              </p:extLst>
+            </p:nvPr>
+          </p:nvCxnSpPr>
+          <p:spPr>
+            <a:xfrm>
+              <a:off x="5250180" y="1267730"/>
+              <a:ext cx="0" cy="612648"/>
+            </a:xfrm>
+            <a:prstGeom prst="line">
+              <a:avLst/>
+            </a:prstGeom>
+            <a:solidFill>
+              <a:schemeClr val="tx1">
+                <a:lumMod val="85000"/>
+                <a:lumOff val="15000"/>
+              </a:schemeClr>
+            </a:solidFill>
+            <a:ln>
+              <a:solidFill>
+                <a:srgbClr val="FFFFFF"/>
+              </a:solidFill>
+              <a:miter lim="800000"/>
+            </a:ln>
+          </p:spPr>
+          <p:style>
+            <a:lnRef idx="1">
+              <a:schemeClr val="accent1"/>
+            </a:lnRef>
+            <a:fillRef idx="0">
+              <a:schemeClr val="accent1"/>
+            </a:fillRef>
+            <a:effectRef idx="0">
+              <a:schemeClr val="accent1"/>
+            </a:effectRef>
+            <a:fontRef idx="minor">
+              <a:schemeClr val="tx1"/>
+            </a:fontRef>
+          </p:style>
+        </p:cxnSp>
+        <p:cxnSp>
+          <p:nvCxnSpPr>
+            <p:cNvPr id="19" name="Straight Connector 18">
+              <a:extLst>
+                <a:ext uri="{FF2B5EF4-FFF2-40B4-BE49-F238E27FC236}">
+                  <a16:creationId xmlns:a16="http://schemas.microsoft.com/office/drawing/2014/main" id="{47B15501-CB9A-4642-80EE-2876EF039EB8}"/>
+                </a:ext>
+                <a:ext uri="{C183D7F6-B498-43B3-948B-1728B52AA6E4}">
+                  <adec:decorative xmlns:adec="http://schemas.microsoft.com/office/drawing/2017/decorative" val="1"/>
+                </a:ext>
+              </a:extLst>
+            </p:cNvPr>
+            <p:cNvCxnSpPr/>
+            <p:nvPr>
+              <p:extLst>
+                <p:ext uri="{386F3935-93C4-4BCD-93E2-E3B085C9AB24}">
+                  <p16:designElem xmlns:p16="http://schemas.microsoft.com/office/powerpoint/2015/main" val="1"/>
+                </p:ext>
+              </p:extLst>
+            </p:nvPr>
+          </p:nvCxnSpPr>
+          <p:spPr>
+            <a:xfrm>
+              <a:off x="6941820" y="1267730"/>
+              <a:ext cx="0" cy="612648"/>
+            </a:xfrm>
+            <a:prstGeom prst="line">
+              <a:avLst/>
+            </a:prstGeom>
+            <a:solidFill>
+              <a:schemeClr val="tx1">
+                <a:lumMod val="85000"/>
+                <a:lumOff val="15000"/>
+              </a:schemeClr>
+            </a:solidFill>
+            <a:ln>
+              <a:solidFill>
+                <a:srgbClr val="FFFFFF"/>
+              </a:solidFill>
+              <a:miter lim="800000"/>
+            </a:ln>
+          </p:spPr>
+          <p:style>
+            <a:lnRef idx="1">
+              <a:schemeClr val="accent1"/>
+            </a:lnRef>
+            <a:fillRef idx="0">
+              <a:schemeClr val="accent1"/>
+            </a:fillRef>
+            <a:effectRef idx="0">
+              <a:schemeClr val="accent1"/>
+            </a:effectRef>
+            <a:fontRef idx="minor">
+              <a:schemeClr val="tx1"/>
+            </a:fontRef>
+          </p:style>
+        </p:cxnSp>
+        <p:cxnSp>
+          <p:nvCxnSpPr>
+            <p:cNvPr id="20" name="Straight Connector 19">
+              <a:extLst>
+                <a:ext uri="{FF2B5EF4-FFF2-40B4-BE49-F238E27FC236}">
+                  <a16:creationId xmlns:a16="http://schemas.microsoft.com/office/drawing/2014/main" id="{6AFF9525-325F-47B3-A63C-93C12253AD76}"/>
+                </a:ext>
+                <a:ext uri="{C183D7F6-B498-43B3-948B-1728B52AA6E4}">
+                  <adec:decorative xmlns:adec="http://schemas.microsoft.com/office/drawing/2017/decorative" val="1"/>
+                </a:ext>
+              </a:extLst>
+            </p:cNvPr>
+            <p:cNvCxnSpPr/>
+            <p:nvPr>
+              <p:extLst>
+                <p:ext uri="{386F3935-93C4-4BCD-93E2-E3B085C9AB24}">
+                  <p16:designElem xmlns:p16="http://schemas.microsoft.com/office/powerpoint/2015/main" val="1"/>
+                </p:ext>
+              </p:extLst>
+            </p:nvPr>
+          </p:nvCxnSpPr>
+          <p:spPr>
+            <a:xfrm>
+              <a:off x="5250180" y="1883664"/>
+              <a:ext cx="1691640" cy="0"/>
+            </a:xfrm>
+            <a:prstGeom prst="line">
+              <a:avLst/>
+            </a:prstGeom>
+            <a:solidFill>
+              <a:schemeClr val="tx1">
+                <a:lumMod val="85000"/>
+                <a:lumOff val="15000"/>
+              </a:schemeClr>
+            </a:solidFill>
+            <a:ln>
+              <a:solidFill>
+                <a:srgbClr val="FFFFFF"/>
+              </a:solidFill>
+              <a:miter lim="800000"/>
+            </a:ln>
+          </p:spPr>
+          <p:style>
+            <a:lnRef idx="1">
+              <a:schemeClr val="accent1"/>
+            </a:lnRef>
+            <a:fillRef idx="0">
+              <a:schemeClr val="accent1"/>
+            </a:fillRef>
+            <a:effectRef idx="0">
+              <a:schemeClr val="accent1"/>
+            </a:effectRef>
+            <a:fontRef idx="minor">
+              <a:schemeClr val="tx1"/>
+            </a:fontRef>
+          </p:style>
+        </p:cxnSp>
+      </p:grpSp>
+      <p:sp>
+        <p:nvSpPr>
+          <p:cNvPr id="22" name="Rectangle 21">
+            <a:extLst>
+              <a:ext uri="{FF2B5EF4-FFF2-40B4-BE49-F238E27FC236}">
+                <a16:creationId xmlns:a16="http://schemas.microsoft.com/office/drawing/2014/main" id="{B66F8A2C-B8CF-4B20-9A73-2ADCF6302755}"/>
+              </a:ext>
+              <a:ext uri="{C183D7F6-B498-43B3-948B-1728B52AA6E4}">
+                <adec:decorative xmlns:adec="http://schemas.microsoft.com/office/drawing/2017/decorative" val="1"/>
+              </a:ext>
+            </a:extLst>
+          </p:cNvPr>
+          <p:cNvSpPr>
+            <a:spLocks noGrp="1" noRot="1" noChangeAspect="1" noMove="1" noResize="1" noEditPoints="1" noAdjustHandles="1" noChangeArrowheads="1" noChangeShapeType="1" noTextEdit="1"/>
+          </p:cNvSpPr>
+          <p:nvPr>
+            <p:extLst>
+              <p:ext uri="{386F3935-93C4-4BCD-93E2-E3B085C9AB24}">
+                <p16:designElem xmlns:p16="http://schemas.microsoft.com/office/powerpoint/2015/main" val="1"/>
+              </p:ext>
+            </p:extLst>
+          </p:nvPr>
+        </p:nvSpPr>
+        <p:spPr>
+          <a:xfrm>
+            <a:off x="0" y="0"/>
+            <a:ext cx="12192001" cy="6858000"/>
+          </a:xfrm>
+          <a:prstGeom prst="rect">
+            <a:avLst/>
+          </a:prstGeom>
+          <a:solidFill>
+            <a:schemeClr val="tx1">
+              <a:lumMod val="85000"/>
+            </a:schemeClr>
+          </a:solidFill>
+          <a:ln>
+            <a:noFill/>
+          </a:ln>
+        </p:spPr>
+        <p:style>
+          <a:lnRef idx="2">
+            <a:schemeClr val="accent1">
+              <a:shade val="50000"/>
+            </a:schemeClr>
+          </a:lnRef>
+          <a:fillRef idx="1">
+            <a:schemeClr val="accent1"/>
+          </a:fillRef>
+          <a:effectRef idx="0">
+            <a:schemeClr val="accent1"/>
+          </a:effectRef>
+          <a:fontRef idx="minor">
+            <a:schemeClr val="lt1"/>
+          </a:fontRef>
+        </p:style>
+        <p:txBody>
+          <a:bodyPr rot="0" spcFirstLastPara="0" vert="horz" wrap="square" lIns="91440" tIns="45720" rIns="91440" bIns="45720" numCol="1" spcCol="0" rtlCol="0" fromWordArt="0" anchor="ctr" anchorCtr="0" forceAA="0" compatLnSpc="1">
+            <a:prstTxWarp prst="textNoShape">
+              <a:avLst/>
+            </a:prstTxWarp>
+            <a:noAutofit/>
+          </a:bodyPr>
+          <a:lstStyle>
+            <a:defPPr>
+              <a:defRPr lang="en-US"/>
+            </a:defPPr>
+            <a:lvl1pPr marL="0" algn="l" defTabSz="914400" rtl="0" eaLnBrk="1" latinLnBrk="0" hangingPunct="1">
+              <a:defRPr sz="1800" kern="1200">
+                <a:solidFill>
+                  <a:schemeClr val="lt1"/>
+                </a:solidFill>
+                <a:latin typeface="+mn-lt"/>
+                <a:ea typeface="+mn-ea"/>
+                <a:cs typeface="+mn-cs"/>
+              </a:defRPr>
+            </a:lvl1pPr>
+            <a:lvl2pPr marL="457200" algn="l" defTabSz="914400" rtl="0" eaLnBrk="1" latinLnBrk="0" hangingPunct="1">
+              <a:defRPr sz="1800" kern="1200">
+                <a:solidFill>
+                  <a:schemeClr val="lt1"/>
+                </a:solidFill>
+                <a:latin typeface="+mn-lt"/>
+                <a:ea typeface="+mn-ea"/>
+                <a:cs typeface="+mn-cs"/>
+              </a:defRPr>
+            </a:lvl2pPr>
+            <a:lvl3pPr marL="914400" algn="l" defTabSz="914400" rtl="0" eaLnBrk="1" latinLnBrk="0" hangingPunct="1">
+              <a:defRPr sz="1800" kern="1200">
+                <a:solidFill>
+                  <a:schemeClr val="lt1"/>
+                </a:solidFill>
+                <a:latin typeface="+mn-lt"/>
+                <a:ea typeface="+mn-ea"/>
+                <a:cs typeface="+mn-cs"/>
+              </a:defRPr>
+            </a:lvl3pPr>
+            <a:lvl4pPr marL="1371600" algn="l" defTabSz="914400" rtl="0" eaLnBrk="1" latinLnBrk="0" hangingPunct="1">
+              <a:defRPr sz="1800" kern="1200">
+                <a:solidFill>
+                  <a:schemeClr val="lt1"/>
+                </a:solidFill>
+                <a:latin typeface="+mn-lt"/>
+                <a:ea typeface="+mn-ea"/>
+                <a:cs typeface="+mn-cs"/>
+              </a:defRPr>
+            </a:lvl4pPr>
+            <a:lvl5pPr marL="1828800" algn="l" defTabSz="914400" rtl="0" eaLnBrk="1" latinLnBrk="0" hangingPunct="1">
+              <a:defRPr sz="1800" kern="1200">
+                <a:solidFill>
+                  <a:schemeClr val="lt1"/>
+                </a:solidFill>
+                <a:latin typeface="+mn-lt"/>
+                <a:ea typeface="+mn-ea"/>
+                <a:cs typeface="+mn-cs"/>
+              </a:defRPr>
+            </a:lvl5pPr>
+            <a:lvl6pPr marL="2286000" algn="l" defTabSz="914400" rtl="0" eaLnBrk="1" latinLnBrk="0" hangingPunct="1">
+              <a:defRPr sz="1800" kern="1200">
+                <a:solidFill>
+                  <a:schemeClr val="lt1"/>
+                </a:solidFill>
+                <a:latin typeface="+mn-lt"/>
+                <a:ea typeface="+mn-ea"/>
+                <a:cs typeface="+mn-cs"/>
+              </a:defRPr>
+            </a:lvl6pPr>
+            <a:lvl7pPr marL="2743200" algn="l" defTabSz="914400" rtl="0" eaLnBrk="1" latinLnBrk="0" hangingPunct="1">
+              <a:defRPr sz="1800" kern="1200">
+                <a:solidFill>
+                  <a:schemeClr val="lt1"/>
+                </a:solidFill>
+                <a:latin typeface="+mn-lt"/>
+                <a:ea typeface="+mn-ea"/>
+                <a:cs typeface="+mn-cs"/>
+              </a:defRPr>
+            </a:lvl7pPr>
+            <a:lvl8pPr marL="3200400" algn="l" defTabSz="914400" rtl="0" eaLnBrk="1" latinLnBrk="0" hangingPunct="1">
+              <a:defRPr sz="1800" kern="1200">
+                <a:solidFill>
+                  <a:schemeClr val="lt1"/>
+                </a:solidFill>
+                <a:latin typeface="+mn-lt"/>
+                <a:ea typeface="+mn-ea"/>
+                <a:cs typeface="+mn-cs"/>
+              </a:defRPr>
+            </a:lvl8pPr>
+            <a:lvl9pPr marL="3657600" algn="l" defTabSz="914400" rtl="0" eaLnBrk="1" latinLnBrk="0" hangingPunct="1">
+              <a:defRPr sz="1800" kern="1200">
+                <a:solidFill>
+                  <a:schemeClr val="lt1"/>
+                </a:solidFill>
+                <a:latin typeface="+mn-lt"/>
+                <a:ea typeface="+mn-ea"/>
+                <a:cs typeface="+mn-cs"/>
+              </a:defRPr>
+            </a:lvl9pPr>
+          </a:lstStyle>
+          <a:p>
+            <a:pPr algn="ctr"/>
+            <a:endParaRPr lang="en-US"/>
+          </a:p>
+        </p:txBody>
+      </p:sp>
+      <p:sp>
+        <p:nvSpPr>
+          <p:cNvPr id="24" name="Rectangle 23">
+            <a:extLst>
+              <a:ext uri="{FF2B5EF4-FFF2-40B4-BE49-F238E27FC236}">
+                <a16:creationId xmlns:a16="http://schemas.microsoft.com/office/drawing/2014/main" id="{B5DD78E9-DE0D-47AF-A0DB-F475221E3DC7}"/>
+              </a:ext>
+              <a:ext uri="{C183D7F6-B498-43B3-948B-1728B52AA6E4}">
+                <adec:decorative xmlns:adec="http://schemas.microsoft.com/office/drawing/2017/decorative" val="1"/>
+              </a:ext>
+            </a:extLst>
+          </p:cNvPr>
+          <p:cNvSpPr>
+            <a:spLocks noGrp="1" noRot="1" noChangeAspect="1" noMove="1" noResize="1" noEditPoints="1" noAdjustHandles="1" noChangeArrowheads="1" noChangeShapeType="1" noTextEdit="1"/>
+          </p:cNvSpPr>
+          <p:nvPr>
+            <p:extLst>
+              <p:ext uri="{386F3935-93C4-4BCD-93E2-E3B085C9AB24}">
+                <p16:designElem xmlns:p16="http://schemas.microsoft.com/office/powerpoint/2015/main" val="1"/>
+              </p:ext>
+            </p:extLst>
+          </p:nvPr>
+        </p:nvSpPr>
+        <p:spPr>
+          <a:xfrm>
+            <a:off x="632108" y="610955"/>
+            <a:ext cx="10927784" cy="5636090"/>
+          </a:xfrm>
+          <a:prstGeom prst="rect">
+            <a:avLst/>
+          </a:prstGeom>
+          <a:solidFill>
+            <a:srgbClr val="FFFFFF"/>
+          </a:solidFill>
+          <a:ln w="6350" cap="flat" cmpd="sng" algn="ctr">
+            <a:noFill/>
+            <a:prstDash val="solid"/>
+          </a:ln>
+          <a:effectLst>
+            <a:outerShdw blurRad="50800" algn="ctr" rotWithShape="0">
+              <a:prstClr val="black">
+                <a:alpha val="66000"/>
+              </a:prstClr>
+            </a:outerShdw>
+            <a:softEdge rad="0"/>
+          </a:effectLst>
+        </p:spPr>
+      </p:sp>
+      <p:sp>
+        <p:nvSpPr>
+          <p:cNvPr id="26" name="Rectangle 25">
+            <a:extLst>
+              <a:ext uri="{FF2B5EF4-FFF2-40B4-BE49-F238E27FC236}">
+                <a16:creationId xmlns:a16="http://schemas.microsoft.com/office/drawing/2014/main" id="{A118D329-2010-4A15-B57C-429FFAE35B11}"/>
+              </a:ext>
+              <a:ext uri="{C183D7F6-B498-43B3-948B-1728B52AA6E4}">
+                <adec:decorative xmlns:adec="http://schemas.microsoft.com/office/drawing/2017/decorative" val="1"/>
+              </a:ext>
+            </a:extLst>
+          </p:cNvPr>
+          <p:cNvSpPr>
+            <a:spLocks noGrp="1" noRot="1" noChangeAspect="1" noMove="1" noResize="1" noEditPoints="1" noAdjustHandles="1" noChangeArrowheads="1" noChangeShapeType="1" noTextEdit="1"/>
+          </p:cNvSpPr>
+          <p:nvPr>
+            <p:extLst>
+              <p:ext uri="{386F3935-93C4-4BCD-93E2-E3B085C9AB24}">
+                <p16:designElem xmlns:p16="http://schemas.microsoft.com/office/powerpoint/2015/main" val="1"/>
+              </p:ext>
+            </p:extLst>
+          </p:nvPr>
+        </p:nvSpPr>
+        <p:spPr>
+          <a:xfrm>
+            <a:off x="797052" y="777240"/>
+            <a:ext cx="10597896" cy="5303520"/>
+          </a:xfrm>
+          <a:prstGeom prst="rect">
+            <a:avLst/>
+          </a:prstGeom>
+          <a:solidFill>
+            <a:schemeClr val="bg1">
+              <a:lumMod val="85000"/>
+              <a:lumOff val="15000"/>
+            </a:schemeClr>
+          </a:solidFill>
+          <a:ln w="6350" cap="sq" cmpd="sng" algn="ctr">
+            <a:solidFill>
+              <a:schemeClr val="tx1"/>
+            </a:solidFill>
+            <a:prstDash val="solid"/>
+            <a:miter lim="800000"/>
+          </a:ln>
+          <a:effectLst/>
+        </p:spPr>
+      </p:sp>
+      <p:sp>
+        <p:nvSpPr>
+          <p:cNvPr id="2" name="Title 1">
+            <a:extLst>
+              <a:ext uri="{FF2B5EF4-FFF2-40B4-BE49-F238E27FC236}">
+                <a16:creationId xmlns:a16="http://schemas.microsoft.com/office/drawing/2014/main" id="{C15CF090-FF60-4CB5-8C3D-B615F2EC104A}"/>
+              </a:ext>
+            </a:extLst>
+          </p:cNvPr>
+          <p:cNvSpPr>
+            <a:spLocks noGrp="1"/>
+          </p:cNvSpPr>
+          <p:nvPr>
+            <p:ph type="title"/>
+          </p:nvPr>
+        </p:nvSpPr>
+        <p:spPr>
+          <a:xfrm>
+            <a:off x="1263520" y="1272800"/>
+            <a:ext cx="6544620" cy="4312402"/>
+          </a:xfrm>
+        </p:spPr>
+        <p:txBody>
+          <a:bodyPr vert="horz" lIns="91440" tIns="45720" rIns="91440" bIns="45720" rtlCol="0" anchor="ctr">
+            <a:normAutofit/>
+          </a:bodyPr>
+          <a:lstStyle/>
+          <a:p>
+            <a:pPr algn="r"/>
+            <a:r>
+              <a:rPr lang="en-US">
+                <a:solidFill>
+                  <a:schemeClr val="tx1"/>
+                </a:solidFill>
+              </a:rPr>
+              <a:t>Conclusion</a:t>
+            </a:r>
+          </a:p>
+        </p:txBody>
+      </p:sp>
+      <p:sp>
+        <p:nvSpPr>
+          <p:cNvPr id="4" name="Text Placeholder 3">
+            <a:extLst>
+              <a:ext uri="{FF2B5EF4-FFF2-40B4-BE49-F238E27FC236}">
+                <a16:creationId xmlns:a16="http://schemas.microsoft.com/office/drawing/2014/main" id="{158B88A5-4A82-458B-BF9F-018EE5C1E167}"/>
+              </a:ext>
+            </a:extLst>
+          </p:cNvPr>
+          <p:cNvSpPr>
+            <a:spLocks noGrp="1"/>
+          </p:cNvSpPr>
+          <p:nvPr>
+            <p:ph type="body" idx="1"/>
+          </p:nvPr>
+        </p:nvSpPr>
+        <p:spPr>
+          <a:xfrm>
+            <a:off x="8473440" y="1272800"/>
+            <a:ext cx="2481307" cy="4312402"/>
+          </a:xfrm>
+        </p:spPr>
+        <p:txBody>
+          <a:bodyPr vert="horz" lIns="91440" tIns="45720" rIns="91440" bIns="45720" rtlCol="0" anchor="ctr">
+            <a:normAutofit/>
+          </a:bodyPr>
+          <a:lstStyle/>
+          <a:p>
+            <a:pPr algn="l">
+              <a:lnSpc>
+                <a:spcPct val="100000"/>
+              </a:lnSpc>
+              <a:spcBef>
+                <a:spcPts val="0"/>
+              </a:spcBef>
+            </a:pPr>
+            <a:r>
+              <a:rPr lang="en-US" sz="2000" spc="80"/>
+              <a:t>What did we learn today?</a:t>
+            </a:r>
+          </a:p>
+        </p:txBody>
+      </p:sp>
+      <p:cxnSp>
+        <p:nvCxnSpPr>
+          <p:cNvPr id="28" name="Straight Connector 27">
+            <a:extLst>
+              <a:ext uri="{FF2B5EF4-FFF2-40B4-BE49-F238E27FC236}">
+                <a16:creationId xmlns:a16="http://schemas.microsoft.com/office/drawing/2014/main" id="{994262BC-EE98-4BD6-82DB-4955E8DCC290}"/>
+              </a:ext>
+              <a:ext uri="{C183D7F6-B498-43B3-948B-1728B52AA6E4}">
+                <adec:decorative xmlns:adec="http://schemas.microsoft.com/office/drawing/2017/decorative" val="1"/>
+              </a:ext>
+            </a:extLst>
+          </p:cNvPr>
+          <p:cNvCxnSpPr>
+            <a:cxnSpLocks noGrp="1" noRot="1" noChangeAspect="1" noMove="1" noResize="1" noEditPoints="1" noAdjustHandles="1" noChangeArrowheads="1" noChangeShapeType="1"/>
+          </p:cNvCxnSpPr>
+          <p:nvPr>
+            <p:extLst>
+              <p:ext uri="{386F3935-93C4-4BCD-93E2-E3B085C9AB24}">
+                <p16:designElem xmlns:p16="http://schemas.microsoft.com/office/powerpoint/2015/main" val="1"/>
+              </p:ext>
+            </p:extLst>
+          </p:nvPr>
+        </p:nvCxnSpPr>
+        <p:spPr>
+          <a:xfrm>
+            <a:off x="8129872" y="2057401"/>
+            <a:ext cx="0" cy="2743200"/>
+          </a:xfrm>
+          <a:prstGeom prst="line">
+            <a:avLst/>
+          </a:prstGeom>
+          <a:ln w="12700">
+            <a:solidFill>
+              <a:schemeClr val="tx1">
+                <a:lumMod val="75000"/>
+                <a:lumOff val="25000"/>
+              </a:schemeClr>
+            </a:solidFill>
+          </a:ln>
+        </p:spPr>
+        <p:style>
+          <a:lnRef idx="1">
+            <a:schemeClr val="accent1"/>
+          </a:lnRef>
+          <a:fillRef idx="0">
+            <a:schemeClr val="accent1"/>
+          </a:fillRef>
+          <a:effectRef idx="0">
+            <a:schemeClr val="accent1"/>
+          </a:effectRef>
+          <a:fontRef idx="minor">
+            <a:schemeClr val="tx1"/>
+          </a:fontRef>
+        </p:style>
+      </p:cxnSp>
+    </p:spTree>
+    <p:extLst>
+      <p:ext uri="{BB962C8B-B14F-4D97-AF65-F5344CB8AC3E}">
+        <p14:creationId xmlns:p14="http://schemas.microsoft.com/office/powerpoint/2010/main" val="1167367935"/>
+      </p:ext>
+    </p:extLst>
+  </p:cSld>
+  <p:clrMapOvr>
+    <a:overrideClrMapping bg1="dk1" tx1="lt1" bg2="dk2" tx2="lt2" accent1="accent1" accent2="accent2" accent3="accent3" accent4="accent4" accent5="accent5" accent6="accent6" hlink="hlink" folHlink="folHlink"/>
+  </p:clrMapOvr>
+</p:sld>
+</file>
+
+<file path=ppt/slides/slide23.xml><?xml version="1.0" encoding="utf-8"?>
+<p:sld xmlns:a="http://schemas.openxmlformats.org/drawingml/2006/main" xmlns:r="http://schemas.openxmlformats.org/officeDocument/2006/relationships" xmlns:p="http://schemas.openxmlformats.org/presentationml/2006/main">
+  <p:cSld>
+    <p:spTree>
+      <p:nvGrpSpPr>
+        <p:cNvPr id="1" name=""/>
+        <p:cNvGrpSpPr/>
+        <p:nvPr/>
+      </p:nvGrpSpPr>
+      <p:grpSpPr>
+        <a:xfrm>
+          <a:off x="0" y="0"/>
+          <a:ext cx="0" cy="0"/>
+          <a:chOff x="0" y="0"/>
+          <a:chExt cx="0" cy="0"/>
+        </a:xfrm>
+      </p:grpSpPr>
+      <p:sp>
+        <p:nvSpPr>
+          <p:cNvPr id="2" name="Title 1">
+            <a:extLst>
+              <a:ext uri="{FF2B5EF4-FFF2-40B4-BE49-F238E27FC236}">
+                <a16:creationId xmlns:a16="http://schemas.microsoft.com/office/drawing/2014/main" id="{AF66DAA9-AB0D-4659-AA02-427CB215E0DF}"/>
+              </a:ext>
+            </a:extLst>
+          </p:cNvPr>
+          <p:cNvSpPr>
+            <a:spLocks noGrp="1"/>
+          </p:cNvSpPr>
+          <p:nvPr>
+            <p:ph type="title"/>
+          </p:nvPr>
+        </p:nvSpPr>
+        <p:spPr/>
+        <p:txBody>
+          <a:bodyPr/>
+          <a:lstStyle/>
+          <a:p>
+            <a:r>
+              <a:rPr lang="en-US" dirty="0"/>
+              <a:t>Objectives</a:t>
+            </a:r>
+          </a:p>
+        </p:txBody>
+      </p:sp>
+      <p:sp>
+        <p:nvSpPr>
+          <p:cNvPr id="3" name="Content Placeholder 2">
+            <a:extLst>
+              <a:ext uri="{FF2B5EF4-FFF2-40B4-BE49-F238E27FC236}">
+                <a16:creationId xmlns:a16="http://schemas.microsoft.com/office/drawing/2014/main" id="{6EFA213A-49DF-4025-B7F2-79F44572F242}"/>
+              </a:ext>
+            </a:extLst>
+          </p:cNvPr>
+          <p:cNvSpPr>
+            <a:spLocks noGrp="1"/>
+          </p:cNvSpPr>
+          <p:nvPr>
+            <p:ph idx="1"/>
+          </p:nvPr>
+        </p:nvSpPr>
+        <p:spPr/>
+        <p:txBody>
+          <a:bodyPr/>
+          <a:lstStyle/>
+          <a:p>
+            <a:endParaRPr lang="en-US" dirty="0"/>
+          </a:p>
+        </p:txBody>
+      </p:sp>
+    </p:spTree>
+    <p:extLst>
+      <p:ext uri="{BB962C8B-B14F-4D97-AF65-F5344CB8AC3E}">
+        <p14:creationId xmlns:p14="http://schemas.microsoft.com/office/powerpoint/2010/main" val="923578432"/>
+      </p:ext>
+    </p:extLst>
+  </p:cSld>
+  <p:clrMapOvr>
+    <a:masterClrMapping/>
+  </p:clrMapOvr>
+</p:sld>
+</file>
+
+<file path=ppt/slides/slide3.xml><?xml version="1.0" encoding="utf-8"?>
+<p:sld xmlns:a="http://schemas.openxmlformats.org/drawingml/2006/main" xmlns:r="http://schemas.openxmlformats.org/officeDocument/2006/relationships" xmlns:p="http://schemas.openxmlformats.org/presentationml/2006/main">
+  <p:cSld>
+    <p:bg>
+      <p:bgPr>
+        <a:solidFill>
+          <a:schemeClr val="bg1"/>
+        </a:solidFill>
+        <a:effectLst/>
+      </p:bgPr>
+    </p:bg>
+    <p:spTree>
+      <p:nvGrpSpPr>
+        <p:cNvPr id="1" name=""/>
+        <p:cNvGrpSpPr/>
+        <p:nvPr/>
+      </p:nvGrpSpPr>
+      <p:grpSpPr>
+        <a:xfrm>
+          <a:off x="0" y="0"/>
+          <a:ext cx="0" cy="0"/>
+          <a:chOff x="0" y="0"/>
+          <a:chExt cx="0" cy="0"/>
+        </a:xfrm>
+      </p:grpSpPr>
+      <p:sp>
+        <p:nvSpPr>
+          <p:cNvPr id="10" name="Rectangle 9">
+            <a:extLst>
+              <a:ext uri="{FF2B5EF4-FFF2-40B4-BE49-F238E27FC236}">
+                <a16:creationId xmlns:a16="http://schemas.microsoft.com/office/drawing/2014/main" id="{904DB13E-F722-4ED6-BB00-556651E95281}"/>
+              </a:ext>
+              <a:ext uri="{C183D7F6-B498-43B3-948B-1728B52AA6E4}">
+                <adec:decorative xmlns:adec="http://schemas.microsoft.com/office/drawing/2017/decorative" val="1"/>
+              </a:ext>
+            </a:extLst>
+          </p:cNvPr>
+          <p:cNvSpPr>
+            <a:spLocks noGrp="1" noRot="1" noChangeAspect="1" noMove="1" noResize="1" noEditPoints="1" noAdjustHandles="1" noChangeArrowheads="1" noChangeShapeType="1" noTextEdit="1"/>
+          </p:cNvSpPr>
+          <p:nvPr>
+            <p:extLst>
+              <p:ext uri="{386F3935-93C4-4BCD-93E2-E3B085C9AB24}">
+                <p16:designElem xmlns:p16="http://schemas.microsoft.com/office/powerpoint/2015/main" val="1"/>
+              </p:ext>
+            </p:extLst>
+          </p:nvPr>
+        </p:nvSpPr>
+        <p:spPr>
+          <a:xfrm>
+            <a:off x="0" y="0"/>
+            <a:ext cx="12192000" cy="6858000"/>
+          </a:xfrm>
+          <a:prstGeom prst="rect">
+            <a:avLst/>
+          </a:prstGeom>
+          <a:solidFill>
+            <a:schemeClr val="tx1">
+              <a:lumMod val="65000"/>
+              <a:lumOff val="35000"/>
+            </a:schemeClr>
+          </a:solidFill>
+          <a:ln>
+            <a:noFill/>
+          </a:ln>
+        </p:spPr>
+        <p:style>
+          <a:lnRef idx="2">
+            <a:schemeClr val="accent1">
+              <a:shade val="50000"/>
+            </a:schemeClr>
+          </a:lnRef>
+          <a:fillRef idx="1">
+            <a:schemeClr val="accent1"/>
+          </a:fillRef>
+          <a:effectRef idx="0">
+            <a:schemeClr val="accent1"/>
+          </a:effectRef>
+          <a:fontRef idx="minor">
+            <a:schemeClr val="lt1"/>
+          </a:fontRef>
+        </p:style>
+        <p:txBody>
+          <a:bodyPr rtlCol="0" anchor="ctr"/>
+          <a:lstStyle/>
+          <a:p>
+            <a:pPr algn="ctr"/>
+            <a:endParaRPr lang="en-US"/>
+          </a:p>
+        </p:txBody>
+      </p:sp>
+      <p:sp useBgFill="1">
+        <p:nvSpPr>
+          <p:cNvPr id="12" name="Rectangle 11">
+            <a:extLst>
+              <a:ext uri="{FF2B5EF4-FFF2-40B4-BE49-F238E27FC236}">
+                <a16:creationId xmlns:a16="http://schemas.microsoft.com/office/drawing/2014/main" id="{7B58A187-A4B1-42EB-A4C7-8635BA507BCE}"/>
+              </a:ext>
+              <a:ext uri="{C183D7F6-B498-43B3-948B-1728B52AA6E4}">
+                <adec:decorative xmlns:adec="http://schemas.microsoft.com/office/drawing/2017/decorative" val="1"/>
+              </a:ext>
+            </a:extLst>
+          </p:cNvPr>
+          <p:cNvSpPr>
+            <a:spLocks noGrp="1" noRot="1" noChangeAspect="1" noMove="1" noResize="1" noEditPoints="1" noAdjustHandles="1" noChangeArrowheads="1" noChangeShapeType="1" noTextEdit="1"/>
+          </p:cNvSpPr>
+          <p:nvPr>
+            <p:extLst>
+              <p:ext uri="{386F3935-93C4-4BCD-93E2-E3B085C9AB24}">
+                <p16:designElem xmlns:p16="http://schemas.microsoft.com/office/powerpoint/2015/main" val="1"/>
+              </p:ext>
+            </p:extLst>
+          </p:nvPr>
+        </p:nvSpPr>
+        <p:spPr>
+          <a:xfrm>
+            <a:off x="1307870" y="1267730"/>
+            <a:ext cx="9576262" cy="4307950"/>
+          </a:xfrm>
+          <a:prstGeom prst="rect">
+            <a:avLst/>
+          </a:prstGeom>
+          <a:ln w="6350" cap="flat" cmpd="sng" algn="ctr">
+            <a:noFill/>
+            <a:prstDash val="solid"/>
+          </a:ln>
+          <a:effectLst>
+            <a:outerShdw blurRad="50800" algn="ctr" rotWithShape="0">
+              <a:prstClr val="black">
+                <a:alpha val="66000"/>
+              </a:prstClr>
+            </a:outerShdw>
+            <a:softEdge rad="0"/>
+          </a:effectLst>
+        </p:spPr>
+      </p:sp>
+      <p:sp>
+        <p:nvSpPr>
+          <p:cNvPr id="14" name="Rectangle 13">
+            <a:extLst>
+              <a:ext uri="{FF2B5EF4-FFF2-40B4-BE49-F238E27FC236}">
+                <a16:creationId xmlns:a16="http://schemas.microsoft.com/office/drawing/2014/main" id="{37F14E7F-3054-458C-ACF9-A8DA1757C65C}"/>
+              </a:ext>
+              <a:ext uri="{C183D7F6-B498-43B3-948B-1728B52AA6E4}">
+                <adec:decorative xmlns:adec="http://schemas.microsoft.com/office/drawing/2017/decorative" val="1"/>
+              </a:ext>
+            </a:extLst>
+          </p:cNvPr>
+          <p:cNvSpPr>
+            <a:spLocks noGrp="1" noRot="1" noChangeAspect="1" noMove="1" noResize="1" noEditPoints="1" noAdjustHandles="1" noChangeArrowheads="1" noChangeShapeType="1" noTextEdit="1"/>
+          </p:cNvSpPr>
+          <p:nvPr>
+            <p:extLst>
+              <p:ext uri="{386F3935-93C4-4BCD-93E2-E3B085C9AB24}">
+                <p16:designElem xmlns:p16="http://schemas.microsoft.com/office/powerpoint/2015/main" val="1"/>
+              </p:ext>
+            </p:extLst>
+          </p:nvPr>
+        </p:nvSpPr>
+        <p:spPr>
+          <a:xfrm>
+            <a:off x="1447801" y="1411615"/>
+            <a:ext cx="9296400" cy="4034770"/>
+          </a:xfrm>
+          <a:prstGeom prst="rect">
+            <a:avLst/>
+          </a:prstGeom>
+          <a:noFill/>
+          <a:ln w="6350" cap="sq" cmpd="sng" algn="ctr">
+            <a:solidFill>
+              <a:schemeClr val="tx1">
+                <a:lumMod val="75000"/>
+                <a:lumOff val="25000"/>
+              </a:schemeClr>
+            </a:solidFill>
+            <a:prstDash val="solid"/>
+            <a:miter lim="800000"/>
+          </a:ln>
+          <a:effectLst/>
+        </p:spPr>
+      </p:sp>
+      <p:sp>
+        <p:nvSpPr>
+          <p:cNvPr id="16" name="Rectangle 15">
+            <a:extLst>
+              <a:ext uri="{FF2B5EF4-FFF2-40B4-BE49-F238E27FC236}">
+                <a16:creationId xmlns:a16="http://schemas.microsoft.com/office/drawing/2014/main" id="{93747C1C-97FC-4D70-A6C8-A01FBCF5A9DC}"/>
+              </a:ext>
+              <a:ext uri="{C183D7F6-B498-43B3-948B-1728B52AA6E4}">
+                <adec:decorative xmlns:adec="http://schemas.microsoft.com/office/drawing/2017/decorative" val="1"/>
+              </a:ext>
+            </a:extLst>
+          </p:cNvPr>
+          <p:cNvSpPr>
+            <a:spLocks noGrp="1" noRot="1" noChangeAspect="1" noMove="1" noResize="1" noEditPoints="1" noAdjustHandles="1" noChangeArrowheads="1" noChangeShapeType="1" noTextEdit="1"/>
+          </p:cNvSpPr>
+          <p:nvPr>
+            <p:extLst>
+              <p:ext uri="{386F3935-93C4-4BCD-93E2-E3B085C9AB24}">
+                <p16:designElem xmlns:p16="http://schemas.microsoft.com/office/powerpoint/2015/main" val="1"/>
+              </p:ext>
+            </p:extLst>
+          </p:nvPr>
+        </p:nvSpPr>
+        <p:spPr>
+          <a:xfrm>
+            <a:off x="5135880" y="1267730"/>
+            <a:ext cx="1920240" cy="731520"/>
+          </a:xfrm>
+          <a:prstGeom prst="rect">
+            <a:avLst/>
+          </a:prstGeom>
+          <a:solidFill>
+            <a:schemeClr val="accent1"/>
+          </a:solidFill>
+          <a:ln>
+            <a:noFill/>
+          </a:ln>
+        </p:spPr>
+        <p:style>
+          <a:lnRef idx="2">
+            <a:schemeClr val="accent1">
+              <a:shade val="50000"/>
+            </a:schemeClr>
+          </a:lnRef>
+          <a:fillRef idx="1">
+            <a:schemeClr val="accent1"/>
+          </a:fillRef>
+          <a:effectRef idx="0">
+            <a:schemeClr val="accent1"/>
+          </a:effectRef>
+          <a:fontRef idx="minor">
+            <a:schemeClr val="lt1"/>
+          </a:fontRef>
+        </p:style>
+      </p:sp>
+      <p:grpSp>
+        <p:nvGrpSpPr>
+          <p:cNvPr id="18" name="Group 17">
+            <a:extLst>
+              <a:ext uri="{FF2B5EF4-FFF2-40B4-BE49-F238E27FC236}">
+                <a16:creationId xmlns:a16="http://schemas.microsoft.com/office/drawing/2014/main" id="{E26428D7-C6F3-473D-A360-A3F5C3E8728C}"/>
+              </a:ext>
+              <a:ext uri="{C183D7F6-B498-43B3-948B-1728B52AA6E4}">
+                <adec:decorative xmlns:adec="http://schemas.microsoft.com/office/drawing/2017/decorative" val="1"/>
+              </a:ext>
+            </a:extLst>
+          </p:cNvPr>
+          <p:cNvGrpSpPr>
+            <a:grpSpLocks noGrp="1" noUngrp="1" noRot="1" noChangeAspect="1" noMove="1" noResize="1"/>
+          </p:cNvGrpSpPr>
+          <p:nvPr>
+            <p:extLst>
+              <p:ext uri="{386F3935-93C4-4BCD-93E2-E3B085C9AB24}">
+                <p16:designElem xmlns:p16="http://schemas.microsoft.com/office/powerpoint/2015/main" val="1"/>
+              </p:ext>
+            </p:extLst>
+          </p:nvPr>
+        </p:nvGrpSpPr>
+        <p:grpSpPr>
+          <a:xfrm>
+            <a:off x="5250180" y="1267730"/>
+            <a:ext cx="1691640" cy="615934"/>
+            <a:chOff x="5250180" y="1267730"/>
+            <a:chExt cx="1691640" cy="615934"/>
+          </a:xfrm>
+        </p:grpSpPr>
+        <p:cxnSp>
+          <p:nvCxnSpPr>
+            <p:cNvPr id="19" name="Straight Connector 18">
+              <a:extLst>
+                <a:ext uri="{FF2B5EF4-FFF2-40B4-BE49-F238E27FC236}">
+                  <a16:creationId xmlns:a16="http://schemas.microsoft.com/office/drawing/2014/main" id="{05CDC370-AE44-4300-98BA-FE204E881765}"/>
+                </a:ext>
+                <a:ext uri="{C183D7F6-B498-43B3-948B-1728B52AA6E4}">
+                  <adec:decorative xmlns:adec="http://schemas.microsoft.com/office/drawing/2017/decorative" val="1"/>
+                </a:ext>
+              </a:extLst>
+            </p:cNvPr>
+            <p:cNvCxnSpPr/>
+            <p:nvPr>
+              <p:extLst>
+                <p:ext uri="{386F3935-93C4-4BCD-93E2-E3B085C9AB24}">
+                  <p16:designElem xmlns:p16="http://schemas.microsoft.com/office/powerpoint/2015/main" val="1"/>
+                </p:ext>
+              </p:extLst>
+            </p:nvPr>
+          </p:nvCxnSpPr>
+          <p:spPr>
+            <a:xfrm>
+              <a:off x="5250180" y="1267730"/>
+              <a:ext cx="0" cy="612648"/>
+            </a:xfrm>
+            <a:prstGeom prst="line">
+              <a:avLst/>
+            </a:prstGeom>
+            <a:solidFill>
+              <a:schemeClr val="tx1">
+                <a:lumMod val="85000"/>
+                <a:lumOff val="15000"/>
+              </a:schemeClr>
+            </a:solidFill>
+            <a:ln>
+              <a:solidFill>
+                <a:srgbClr val="FFFFFF"/>
+              </a:solidFill>
+              <a:miter lim="800000"/>
+            </a:ln>
+          </p:spPr>
+          <p:style>
+            <a:lnRef idx="1">
+              <a:schemeClr val="accent1"/>
+            </a:lnRef>
+            <a:fillRef idx="0">
+              <a:schemeClr val="accent1"/>
+            </a:fillRef>
+            <a:effectRef idx="0">
+              <a:schemeClr val="accent1"/>
+            </a:effectRef>
+            <a:fontRef idx="minor">
+              <a:schemeClr val="tx1"/>
+            </a:fontRef>
+          </p:style>
+        </p:cxnSp>
+        <p:cxnSp>
+          <p:nvCxnSpPr>
+            <p:cNvPr id="20" name="Straight Connector 19">
+              <a:extLst>
+                <a:ext uri="{FF2B5EF4-FFF2-40B4-BE49-F238E27FC236}">
+                  <a16:creationId xmlns:a16="http://schemas.microsoft.com/office/drawing/2014/main" id="{47B15501-CB9A-4642-80EE-2876EF039EB8}"/>
+                </a:ext>
+                <a:ext uri="{C183D7F6-B498-43B3-948B-1728B52AA6E4}">
+                  <adec:decorative xmlns:adec="http://schemas.microsoft.com/office/drawing/2017/decorative" val="1"/>
+                </a:ext>
+              </a:extLst>
+            </p:cNvPr>
+            <p:cNvCxnSpPr/>
+            <p:nvPr>
+              <p:extLst>
+                <p:ext uri="{386F3935-93C4-4BCD-93E2-E3B085C9AB24}">
+                  <p16:designElem xmlns:p16="http://schemas.microsoft.com/office/powerpoint/2015/main" val="1"/>
+                </p:ext>
+              </p:extLst>
+            </p:nvPr>
+          </p:nvCxnSpPr>
+          <p:spPr>
+            <a:xfrm>
+              <a:off x="6941820" y="1267730"/>
+              <a:ext cx="0" cy="612648"/>
+            </a:xfrm>
+            <a:prstGeom prst="line">
+              <a:avLst/>
+            </a:prstGeom>
+            <a:solidFill>
+              <a:schemeClr val="tx1">
+                <a:lumMod val="85000"/>
+                <a:lumOff val="15000"/>
+              </a:schemeClr>
+            </a:solidFill>
+            <a:ln>
+              <a:solidFill>
+                <a:srgbClr val="FFFFFF"/>
+              </a:solidFill>
+              <a:miter lim="800000"/>
+            </a:ln>
+          </p:spPr>
+          <p:style>
+            <a:lnRef idx="1">
+              <a:schemeClr val="accent1"/>
+            </a:lnRef>
+            <a:fillRef idx="0">
+              <a:schemeClr val="accent1"/>
+            </a:fillRef>
+            <a:effectRef idx="0">
+              <a:schemeClr val="accent1"/>
+            </a:effectRef>
+            <a:fontRef idx="minor">
+              <a:schemeClr val="tx1"/>
+            </a:fontRef>
+          </p:style>
+        </p:cxnSp>
+        <p:cxnSp>
+          <p:nvCxnSpPr>
+            <p:cNvPr id="21" name="Straight Connector 20">
+              <a:extLst>
+                <a:ext uri="{FF2B5EF4-FFF2-40B4-BE49-F238E27FC236}">
+                  <a16:creationId xmlns:a16="http://schemas.microsoft.com/office/drawing/2014/main" id="{6AFF9525-325F-47B3-A63C-93C12253AD76}"/>
+                </a:ext>
+                <a:ext uri="{C183D7F6-B498-43B3-948B-1728B52AA6E4}">
+                  <adec:decorative xmlns:adec="http://schemas.microsoft.com/office/drawing/2017/decorative" val="1"/>
+                </a:ext>
+              </a:extLst>
+            </p:cNvPr>
+            <p:cNvCxnSpPr/>
+            <p:nvPr>
+              <p:extLst>
+                <p:ext uri="{386F3935-93C4-4BCD-93E2-E3B085C9AB24}">
+                  <p16:designElem xmlns:p16="http://schemas.microsoft.com/office/powerpoint/2015/main" val="1"/>
+                </p:ext>
+              </p:extLst>
+            </p:nvPr>
+          </p:nvCxnSpPr>
+          <p:spPr>
+            <a:xfrm>
+              <a:off x="5250180" y="1883664"/>
+              <a:ext cx="1691640" cy="0"/>
+            </a:xfrm>
+            <a:prstGeom prst="line">
+              <a:avLst/>
+            </a:prstGeom>
+            <a:solidFill>
+              <a:schemeClr val="tx1">
+                <a:lumMod val="85000"/>
+                <a:lumOff val="15000"/>
+              </a:schemeClr>
+            </a:solidFill>
+            <a:ln>
+              <a:solidFill>
+                <a:srgbClr val="FFFFFF"/>
+              </a:solidFill>
+              <a:miter lim="800000"/>
+            </a:ln>
+          </p:spPr>
+          <p:style>
+            <a:lnRef idx="1">
+              <a:schemeClr val="accent1"/>
+            </a:lnRef>
+            <a:fillRef idx="0">
+              <a:schemeClr val="accent1"/>
+            </a:fillRef>
+            <a:effectRef idx="0">
+              <a:schemeClr val="accent1"/>
+            </a:effectRef>
+            <a:fontRef idx="minor">
+              <a:schemeClr val="tx1"/>
+            </a:fontRef>
+          </p:style>
+        </p:cxnSp>
+      </p:grpSp>
+      <p:sp>
+        <p:nvSpPr>
+          <p:cNvPr id="23" name="Rectangle 22">
+            <a:extLst>
+              <a:ext uri="{FF2B5EF4-FFF2-40B4-BE49-F238E27FC236}">
+                <a16:creationId xmlns:a16="http://schemas.microsoft.com/office/drawing/2014/main" id="{B66F8A2C-B8CF-4B20-9A73-2ADCF6302755}"/>
+              </a:ext>
+              <a:ext uri="{C183D7F6-B498-43B3-948B-1728B52AA6E4}">
+                <adec:decorative xmlns:adec="http://schemas.microsoft.com/office/drawing/2017/decorative" val="1"/>
+              </a:ext>
+            </a:extLst>
+          </p:cNvPr>
+          <p:cNvSpPr>
+            <a:spLocks noGrp="1" noRot="1" noChangeAspect="1" noMove="1" noResize="1" noEditPoints="1" noAdjustHandles="1" noChangeArrowheads="1" noChangeShapeType="1" noTextEdit="1"/>
+          </p:cNvSpPr>
+          <p:nvPr>
+            <p:extLst>
+              <p:ext uri="{386F3935-93C4-4BCD-93E2-E3B085C9AB24}">
+                <p16:designElem xmlns:p16="http://schemas.microsoft.com/office/powerpoint/2015/main" val="1"/>
+              </p:ext>
+            </p:extLst>
+          </p:nvPr>
+        </p:nvSpPr>
+        <p:spPr>
+          <a:xfrm>
+            <a:off x="0" y="0"/>
+            <a:ext cx="12192001" cy="6858000"/>
+          </a:xfrm>
+          <a:prstGeom prst="rect">
+            <a:avLst/>
+          </a:prstGeom>
+          <a:solidFill>
+            <a:schemeClr val="tx1">
+              <a:lumMod val="85000"/>
+            </a:schemeClr>
+          </a:solidFill>
+          <a:ln>
+            <a:noFill/>
+          </a:ln>
+        </p:spPr>
+        <p:style>
+          <a:lnRef idx="2">
+            <a:schemeClr val="accent1">
+              <a:shade val="50000"/>
+            </a:schemeClr>
+          </a:lnRef>
+          <a:fillRef idx="1">
+            <a:schemeClr val="accent1"/>
+          </a:fillRef>
+          <a:effectRef idx="0">
+            <a:schemeClr val="accent1"/>
+          </a:effectRef>
+          <a:fontRef idx="minor">
+            <a:schemeClr val="lt1"/>
+          </a:fontRef>
+        </p:style>
+        <p:txBody>
+          <a:bodyPr rot="0" spcFirstLastPara="0" vert="horz" wrap="square" lIns="91440" tIns="45720" rIns="91440" bIns="45720" numCol="1" spcCol="0" rtlCol="0" fromWordArt="0" anchor="ctr" anchorCtr="0" forceAA="0" compatLnSpc="1">
+            <a:prstTxWarp prst="textNoShape">
+              <a:avLst/>
+            </a:prstTxWarp>
+            <a:noAutofit/>
+          </a:bodyPr>
+          <a:lstStyle>
+            <a:defPPr>
+              <a:defRPr lang="en-US"/>
+            </a:defPPr>
+            <a:lvl1pPr marL="0" algn="l" defTabSz="914400" rtl="0" eaLnBrk="1" latinLnBrk="0" hangingPunct="1">
+              <a:defRPr sz="1800" kern="1200">
+                <a:solidFill>
+                  <a:schemeClr val="lt1"/>
+                </a:solidFill>
+                <a:latin typeface="+mn-lt"/>
+                <a:ea typeface="+mn-ea"/>
+                <a:cs typeface="+mn-cs"/>
+              </a:defRPr>
+            </a:lvl1pPr>
+            <a:lvl2pPr marL="457200" algn="l" defTabSz="914400" rtl="0" eaLnBrk="1" latinLnBrk="0" hangingPunct="1">
+              <a:defRPr sz="1800" kern="1200">
+                <a:solidFill>
+                  <a:schemeClr val="lt1"/>
+                </a:solidFill>
+                <a:latin typeface="+mn-lt"/>
+                <a:ea typeface="+mn-ea"/>
+                <a:cs typeface="+mn-cs"/>
+              </a:defRPr>
+            </a:lvl2pPr>
+            <a:lvl3pPr marL="914400" algn="l" defTabSz="914400" rtl="0" eaLnBrk="1" latinLnBrk="0" hangingPunct="1">
+              <a:defRPr sz="1800" kern="1200">
+                <a:solidFill>
+                  <a:schemeClr val="lt1"/>
+                </a:solidFill>
+                <a:latin typeface="+mn-lt"/>
+                <a:ea typeface="+mn-ea"/>
+                <a:cs typeface="+mn-cs"/>
+              </a:defRPr>
+            </a:lvl3pPr>
+            <a:lvl4pPr marL="1371600" algn="l" defTabSz="914400" rtl="0" eaLnBrk="1" latinLnBrk="0" hangingPunct="1">
+              <a:defRPr sz="1800" kern="1200">
+                <a:solidFill>
+                  <a:schemeClr val="lt1"/>
+                </a:solidFill>
+                <a:latin typeface="+mn-lt"/>
+                <a:ea typeface="+mn-ea"/>
+                <a:cs typeface="+mn-cs"/>
+              </a:defRPr>
+            </a:lvl4pPr>
+            <a:lvl5pPr marL="1828800" algn="l" defTabSz="914400" rtl="0" eaLnBrk="1" latinLnBrk="0" hangingPunct="1">
+              <a:defRPr sz="1800" kern="1200">
+                <a:solidFill>
+                  <a:schemeClr val="lt1"/>
+                </a:solidFill>
+                <a:latin typeface="+mn-lt"/>
+                <a:ea typeface="+mn-ea"/>
+                <a:cs typeface="+mn-cs"/>
+              </a:defRPr>
+            </a:lvl5pPr>
+            <a:lvl6pPr marL="2286000" algn="l" defTabSz="914400" rtl="0" eaLnBrk="1" latinLnBrk="0" hangingPunct="1">
+              <a:defRPr sz="1800" kern="1200">
+                <a:solidFill>
+                  <a:schemeClr val="lt1"/>
+                </a:solidFill>
+                <a:latin typeface="+mn-lt"/>
+                <a:ea typeface="+mn-ea"/>
+                <a:cs typeface="+mn-cs"/>
+              </a:defRPr>
+            </a:lvl6pPr>
+            <a:lvl7pPr marL="2743200" algn="l" defTabSz="914400" rtl="0" eaLnBrk="1" latinLnBrk="0" hangingPunct="1">
+              <a:defRPr sz="1800" kern="1200">
+                <a:solidFill>
+                  <a:schemeClr val="lt1"/>
+                </a:solidFill>
+                <a:latin typeface="+mn-lt"/>
+                <a:ea typeface="+mn-ea"/>
+                <a:cs typeface="+mn-cs"/>
+              </a:defRPr>
+            </a:lvl7pPr>
+            <a:lvl8pPr marL="3200400" algn="l" defTabSz="914400" rtl="0" eaLnBrk="1" latinLnBrk="0" hangingPunct="1">
+              <a:defRPr sz="1800" kern="1200">
+                <a:solidFill>
+                  <a:schemeClr val="lt1"/>
+                </a:solidFill>
+                <a:latin typeface="+mn-lt"/>
+                <a:ea typeface="+mn-ea"/>
+                <a:cs typeface="+mn-cs"/>
+              </a:defRPr>
+            </a:lvl8pPr>
+            <a:lvl9pPr marL="3657600" algn="l" defTabSz="914400" rtl="0" eaLnBrk="1" latinLnBrk="0" hangingPunct="1">
+              <a:defRPr sz="1800" kern="1200">
+                <a:solidFill>
+                  <a:schemeClr val="lt1"/>
+                </a:solidFill>
+                <a:latin typeface="+mn-lt"/>
+                <a:ea typeface="+mn-ea"/>
+                <a:cs typeface="+mn-cs"/>
+              </a:defRPr>
+            </a:lvl9pPr>
+          </a:lstStyle>
+          <a:p>
+            <a:pPr algn="ctr"/>
+            <a:endParaRPr lang="en-US"/>
+          </a:p>
+        </p:txBody>
+      </p:sp>
+      <p:sp>
+        <p:nvSpPr>
+          <p:cNvPr id="25" name="Rectangle 24">
+            <a:extLst>
+              <a:ext uri="{FF2B5EF4-FFF2-40B4-BE49-F238E27FC236}">
+                <a16:creationId xmlns:a16="http://schemas.microsoft.com/office/drawing/2014/main" id="{B5DD78E9-DE0D-47AF-A0DB-F475221E3DC7}"/>
+              </a:ext>
+              <a:ext uri="{C183D7F6-B498-43B3-948B-1728B52AA6E4}">
+                <adec:decorative xmlns:adec="http://schemas.microsoft.com/office/drawing/2017/decorative" val="1"/>
+              </a:ext>
+            </a:extLst>
+          </p:cNvPr>
+          <p:cNvSpPr>
+            <a:spLocks noGrp="1" noRot="1" noChangeAspect="1" noMove="1" noResize="1" noEditPoints="1" noAdjustHandles="1" noChangeArrowheads="1" noChangeShapeType="1" noTextEdit="1"/>
+          </p:cNvSpPr>
+          <p:nvPr>
+            <p:extLst>
+              <p:ext uri="{386F3935-93C4-4BCD-93E2-E3B085C9AB24}">
+                <p16:designElem xmlns:p16="http://schemas.microsoft.com/office/powerpoint/2015/main" val="1"/>
+              </p:ext>
+            </p:extLst>
+          </p:nvPr>
+        </p:nvSpPr>
+        <p:spPr>
+          <a:xfrm>
+            <a:off x="632108" y="610955"/>
+            <a:ext cx="10927784" cy="5636090"/>
+          </a:xfrm>
+          <a:prstGeom prst="rect">
+            <a:avLst/>
+          </a:prstGeom>
+          <a:solidFill>
+            <a:srgbClr val="FFFFFF"/>
+          </a:solidFill>
+          <a:ln w="6350" cap="flat" cmpd="sng" algn="ctr">
+            <a:noFill/>
+            <a:prstDash val="solid"/>
+          </a:ln>
+          <a:effectLst>
+            <a:outerShdw blurRad="50800" algn="ctr" rotWithShape="0">
+              <a:prstClr val="black">
+                <a:alpha val="66000"/>
+              </a:prstClr>
+            </a:outerShdw>
+            <a:softEdge rad="0"/>
+          </a:effectLst>
+        </p:spPr>
+      </p:sp>
+      <p:sp>
+        <p:nvSpPr>
+          <p:cNvPr id="27" name="Rectangle 26">
+            <a:extLst>
+              <a:ext uri="{FF2B5EF4-FFF2-40B4-BE49-F238E27FC236}">
+                <a16:creationId xmlns:a16="http://schemas.microsoft.com/office/drawing/2014/main" id="{A118D329-2010-4A15-B57C-429FFAE35B11}"/>
+              </a:ext>
+              <a:ext uri="{C183D7F6-B498-43B3-948B-1728B52AA6E4}">
+                <adec:decorative xmlns:adec="http://schemas.microsoft.com/office/drawing/2017/decorative" val="1"/>
+              </a:ext>
+            </a:extLst>
+          </p:cNvPr>
+          <p:cNvSpPr>
+            <a:spLocks noGrp="1" noRot="1" noChangeAspect="1" noMove="1" noResize="1" noEditPoints="1" noAdjustHandles="1" noChangeArrowheads="1" noChangeShapeType="1" noTextEdit="1"/>
+          </p:cNvSpPr>
+          <p:nvPr>
+            <p:extLst>
+              <p:ext uri="{386F3935-93C4-4BCD-93E2-E3B085C9AB24}">
+                <p16:designElem xmlns:p16="http://schemas.microsoft.com/office/powerpoint/2015/main" val="1"/>
+              </p:ext>
+            </p:extLst>
+          </p:nvPr>
+        </p:nvSpPr>
+        <p:spPr>
+          <a:xfrm>
+            <a:off x="797052" y="777240"/>
+            <a:ext cx="10597896" cy="5303520"/>
+          </a:xfrm>
+          <a:prstGeom prst="rect">
+            <a:avLst/>
+          </a:prstGeom>
+          <a:solidFill>
+            <a:schemeClr val="bg1">
+              <a:lumMod val="85000"/>
+              <a:lumOff val="15000"/>
+            </a:schemeClr>
+          </a:solidFill>
+          <a:ln w="6350" cap="sq" cmpd="sng" algn="ctr">
+            <a:solidFill>
+              <a:schemeClr val="tx1"/>
+            </a:solidFill>
+            <a:prstDash val="solid"/>
+            <a:miter lim="800000"/>
+          </a:ln>
+          <a:effectLst/>
+        </p:spPr>
+      </p:sp>
+      <p:sp>
+        <p:nvSpPr>
+          <p:cNvPr id="4" name="Title 3">
+            <a:extLst>
+              <a:ext uri="{FF2B5EF4-FFF2-40B4-BE49-F238E27FC236}">
+                <a16:creationId xmlns:a16="http://schemas.microsoft.com/office/drawing/2014/main" id="{B0047F3A-D6AD-4322-A07D-376EAF0FFE65}"/>
+              </a:ext>
+            </a:extLst>
+          </p:cNvPr>
+          <p:cNvSpPr>
+            <a:spLocks noGrp="1"/>
+          </p:cNvSpPr>
+          <p:nvPr>
+            <p:ph type="title"/>
+          </p:nvPr>
+        </p:nvSpPr>
+        <p:spPr>
+          <a:xfrm>
+            <a:off x="1263520" y="1272800"/>
+            <a:ext cx="6544620" cy="4312402"/>
+          </a:xfrm>
+        </p:spPr>
+        <p:txBody>
+          <a:bodyPr vert="horz" lIns="91440" tIns="45720" rIns="91440" bIns="45720" rtlCol="0" anchor="ctr">
+            <a:normAutofit/>
+          </a:bodyPr>
+          <a:lstStyle/>
+          <a:p>
+            <a:pPr algn="r"/>
+            <a:r>
+              <a:rPr lang="en-US">
+                <a:solidFill>
+                  <a:schemeClr val="tx1"/>
+                </a:solidFill>
+              </a:rPr>
+              <a:t>Setup</a:t>
+            </a:r>
+          </a:p>
+        </p:txBody>
+      </p:sp>
+      <p:sp>
+        <p:nvSpPr>
+          <p:cNvPr id="5" name="Text Placeholder 4">
+            <a:extLst>
+              <a:ext uri="{FF2B5EF4-FFF2-40B4-BE49-F238E27FC236}">
+                <a16:creationId xmlns:a16="http://schemas.microsoft.com/office/drawing/2014/main" id="{FD3D6BD7-20D5-4AF3-A018-79B01D13FD8A}"/>
+              </a:ext>
+            </a:extLst>
+          </p:cNvPr>
+          <p:cNvSpPr>
+            <a:spLocks noGrp="1"/>
+          </p:cNvSpPr>
+          <p:nvPr>
+            <p:ph type="body" idx="1"/>
+          </p:nvPr>
+        </p:nvSpPr>
+        <p:spPr>
+          <a:xfrm>
+            <a:off x="8473440" y="1272800"/>
+            <a:ext cx="2902864" cy="4312402"/>
+          </a:xfrm>
+        </p:spPr>
+        <p:txBody>
+          <a:bodyPr vert="horz" lIns="91440" tIns="45720" rIns="91440" bIns="45720" rtlCol="0" anchor="ctr">
+            <a:normAutofit/>
+          </a:bodyPr>
+          <a:lstStyle/>
+          <a:p>
+            <a:pPr marL="342900" indent="-342900" algn="l">
+              <a:lnSpc>
+                <a:spcPct val="100000"/>
+              </a:lnSpc>
+              <a:spcBef>
+                <a:spcPts val="0"/>
+              </a:spcBef>
+              <a:buFont typeface="Arial" panose="020B0604020202020204" pitchFamily="34" charset="0"/>
+              <a:buChar char="•"/>
+            </a:pPr>
+            <a:r>
+              <a:rPr lang="en-US" spc="80"/>
+              <a:t>npm mongodb</a:t>
+            </a:r>
+          </a:p>
+          <a:p>
+            <a:pPr marL="342900" indent="-342900" algn="l">
+              <a:lnSpc>
+                <a:spcPct val="100000"/>
+              </a:lnSpc>
+              <a:spcBef>
+                <a:spcPts val="0"/>
+              </a:spcBef>
+              <a:buFont typeface="Arial" panose="020B0604020202020204" pitchFamily="34" charset="0"/>
+              <a:buChar char="•"/>
+            </a:pPr>
+            <a:r>
+              <a:rPr lang="en-US" spc="80"/>
+              <a:t>npm config</a:t>
+            </a:r>
+          </a:p>
+          <a:p>
+            <a:pPr marL="342900" indent="-342900" algn="l">
+              <a:lnSpc>
+                <a:spcPct val="100000"/>
+              </a:lnSpc>
+              <a:spcBef>
+                <a:spcPts val="0"/>
+              </a:spcBef>
+              <a:buFont typeface="Arial" panose="020B0604020202020204" pitchFamily="34" charset="0"/>
+              <a:buChar char="•"/>
+            </a:pPr>
+            <a:r>
+              <a:rPr lang="en-US" spc="80"/>
+              <a:t>connecting</a:t>
+            </a:r>
+          </a:p>
+        </p:txBody>
+      </p:sp>
+      <p:cxnSp>
+        <p:nvCxnSpPr>
+          <p:cNvPr id="29" name="Straight Connector 28">
+            <a:extLst>
+              <a:ext uri="{FF2B5EF4-FFF2-40B4-BE49-F238E27FC236}">
+                <a16:creationId xmlns:a16="http://schemas.microsoft.com/office/drawing/2014/main" id="{994262BC-EE98-4BD6-82DB-4955E8DCC290}"/>
+              </a:ext>
+              <a:ext uri="{C183D7F6-B498-43B3-948B-1728B52AA6E4}">
+                <adec:decorative xmlns:adec="http://schemas.microsoft.com/office/drawing/2017/decorative" val="1"/>
+              </a:ext>
+            </a:extLst>
+          </p:cNvPr>
+          <p:cNvCxnSpPr>
+            <a:cxnSpLocks noGrp="1" noRot="1" noChangeAspect="1" noMove="1" noResize="1" noEditPoints="1" noAdjustHandles="1" noChangeArrowheads="1" noChangeShapeType="1"/>
+          </p:cNvCxnSpPr>
+          <p:nvPr>
+            <p:extLst>
+              <p:ext uri="{386F3935-93C4-4BCD-93E2-E3B085C9AB24}">
+                <p16:designElem xmlns:p16="http://schemas.microsoft.com/office/powerpoint/2015/main" val="1"/>
+              </p:ext>
+            </p:extLst>
+          </p:nvPr>
+        </p:nvCxnSpPr>
+        <p:spPr>
+          <a:xfrm>
+            <a:off x="8129872" y="2057401"/>
+            <a:ext cx="0" cy="2743200"/>
+          </a:xfrm>
+          <a:prstGeom prst="line">
+            <a:avLst/>
+          </a:prstGeom>
+          <a:ln w="12700">
+            <a:solidFill>
+              <a:schemeClr val="tx1">
+                <a:lumMod val="75000"/>
+                <a:lumOff val="25000"/>
+              </a:schemeClr>
+            </a:solidFill>
+          </a:ln>
+        </p:spPr>
+        <p:style>
+          <a:lnRef idx="1">
+            <a:schemeClr val="accent1"/>
+          </a:lnRef>
+          <a:fillRef idx="0">
+            <a:schemeClr val="accent1"/>
+          </a:fillRef>
+          <a:effectRef idx="0">
+            <a:schemeClr val="accent1"/>
+          </a:effectRef>
+          <a:fontRef idx="minor">
+            <a:schemeClr val="tx1"/>
+          </a:fontRef>
+        </p:style>
+      </p:cxnSp>
+    </p:spTree>
+    <p:extLst>
+      <p:ext uri="{BB962C8B-B14F-4D97-AF65-F5344CB8AC3E}">
+        <p14:creationId xmlns:p14="http://schemas.microsoft.com/office/powerpoint/2010/main" val="2622901704"/>
+      </p:ext>
+    </p:extLst>
+  </p:cSld>
+  <p:clrMapOvr>
+    <a:overrideClrMapping bg1="dk1" tx1="lt1" bg2="dk2" tx2="lt2" accent1="accent1" accent2="accent2" accent3="accent3" accent4="accent4" accent5="accent5" accent6="accent6" hlink="hlink" folHlink="folHlink"/>
+  </p:clrMapOvr>
+</p:sld>
+</file>
+
+<file path=ppt/slides/slide4.xml><?xml version="1.0" encoding="utf-8"?>
+<p:sld xmlns:a="http://schemas.openxmlformats.org/drawingml/2006/main" xmlns:r="http://schemas.openxmlformats.org/officeDocument/2006/relationships" xmlns:p="http://schemas.openxmlformats.org/presentationml/2006/main">
+  <p:cSld>
+    <p:spTree>
+      <p:nvGrpSpPr>
+        <p:cNvPr id="1" name=""/>
+        <p:cNvGrpSpPr/>
+        <p:nvPr/>
+      </p:nvGrpSpPr>
+      <p:grpSpPr>
+        <a:xfrm>
+          <a:off x="0" y="0"/>
+          <a:ext cx="0" cy="0"/>
+          <a:chOff x="0" y="0"/>
+          <a:chExt cx="0" cy="0"/>
+        </a:xfrm>
+      </p:grpSpPr>
+      <p:sp>
+        <p:nvSpPr>
+          <p:cNvPr id="2" name="Title 1">
+            <a:extLst>
+              <a:ext uri="{FF2B5EF4-FFF2-40B4-BE49-F238E27FC236}">
+                <a16:creationId xmlns:a16="http://schemas.microsoft.com/office/drawing/2014/main" id="{CC910E46-0717-4E89-BC26-A62BE2099A39}"/>
+              </a:ext>
+            </a:extLst>
+          </p:cNvPr>
+          <p:cNvSpPr>
+            <a:spLocks noGrp="1"/>
+          </p:cNvSpPr>
+          <p:nvPr>
+            <p:ph type="title"/>
+          </p:nvPr>
+        </p:nvSpPr>
+        <p:spPr/>
+        <p:txBody>
+          <a:bodyPr/>
+          <a:lstStyle/>
+          <a:p>
+            <a:r>
+              <a:rPr lang="en-US">
+                <a:latin typeface="Consolas" panose="020B0609020204030204" pitchFamily="49" charset="0"/>
+              </a:rPr>
+              <a:t>npm install mongodb</a:t>
+            </a:r>
+          </a:p>
+        </p:txBody>
+      </p:sp>
+      <p:sp>
+        <p:nvSpPr>
+          <p:cNvPr id="3" name="Content Placeholder 2">
+            <a:extLst>
+              <a:ext uri="{FF2B5EF4-FFF2-40B4-BE49-F238E27FC236}">
+                <a16:creationId xmlns:a16="http://schemas.microsoft.com/office/drawing/2014/main" id="{1E155BCF-F61C-467E-BCA3-EA075893290C}"/>
+              </a:ext>
+            </a:extLst>
+          </p:cNvPr>
+          <p:cNvSpPr>
+            <a:spLocks noGrp="1"/>
+          </p:cNvSpPr>
+          <p:nvPr>
+            <p:ph idx="1"/>
+          </p:nvPr>
+        </p:nvSpPr>
+        <p:spPr>
+          <a:xfrm>
+            <a:off x="1066800" y="2103120"/>
+            <a:ext cx="10058400" cy="3265834"/>
+          </a:xfrm>
+        </p:spPr>
+        <p:txBody>
+          <a:bodyPr>
+            <a:normAutofit/>
+          </a:bodyPr>
+          <a:lstStyle/>
+          <a:p>
+            <a:pPr marL="0" indent="0">
+              <a:buNone/>
+            </a:pPr>
+            <a:r>
+              <a:rPr lang="en-US" sz="1800"/>
+              <a:t>The official </a:t>
+            </a:r>
+            <a:r>
+              <a:rPr lang="en-US" sz="1800" b="1">
+                <a:hlinkClick r:id="rId2"/>
+              </a:rPr>
+              <a:t>MongoDB</a:t>
+            </a:r>
+            <a:r>
+              <a:rPr lang="en-US" sz="1800"/>
+              <a:t> driver for Node.</a:t>
+            </a:r>
+          </a:p>
+        </p:txBody>
+      </p:sp>
+      <p:sp>
+        <p:nvSpPr>
+          <p:cNvPr id="4" name="TextBox 3">
+            <a:extLst>
+              <a:ext uri="{FF2B5EF4-FFF2-40B4-BE49-F238E27FC236}">
+                <a16:creationId xmlns:a16="http://schemas.microsoft.com/office/drawing/2014/main" id="{EBE55B0E-CBCA-4CEE-8F08-1D52637FF1BD}"/>
+              </a:ext>
+            </a:extLst>
+          </p:cNvPr>
+          <p:cNvSpPr txBox="1"/>
+          <p:nvPr/>
+        </p:nvSpPr>
+        <p:spPr>
+          <a:xfrm>
+            <a:off x="1066800" y="5491079"/>
+            <a:ext cx="10058400" cy="923330"/>
+          </a:xfrm>
+          <a:prstGeom prst="rect">
+            <a:avLst/>
+          </a:prstGeom>
+          <a:noFill/>
+        </p:spPr>
+        <p:txBody>
+          <a:bodyPr wrap="square" rtlCol="0">
+            <a:spAutoFit/>
+          </a:bodyPr>
+          <a:lstStyle/>
+          <a:p>
+            <a:r>
+              <a:rPr lang="en-US" b="1"/>
+              <a:t>Sources</a:t>
+            </a:r>
+          </a:p>
+          <a:p>
+            <a:r>
+              <a:rPr lang="en-US">
+                <a:solidFill>
+                  <a:srgbClr val="00B0F0"/>
+                </a:solidFill>
+                <a:hlinkClick r:id="rId3">
+                  <a:extLst>
+                    <a:ext uri="{A12FA001-AC4F-418D-AE19-62706E023703}">
+                      <ahyp:hlinkClr xmlns:ahyp="http://schemas.microsoft.com/office/drawing/2018/hyperlinkcolor" val="tx"/>
+                    </a:ext>
+                  </a:extLst>
+                </a:hlinkClick>
+              </a:rPr>
+              <a:t>https://www.npmjs.com/package/mongodb</a:t>
+            </a:r>
+            <a:endParaRPr lang="en-US">
+              <a:solidFill>
+                <a:srgbClr val="00B0F0"/>
+              </a:solidFill>
+            </a:endParaRPr>
+          </a:p>
+          <a:p>
+            <a:r>
+              <a:rPr lang="en-US">
+                <a:solidFill>
+                  <a:srgbClr val="00B0F0"/>
+                </a:solidFill>
+                <a:hlinkClick r:id="rId2">
+                  <a:extLst>
+                    <a:ext uri="{A12FA001-AC4F-418D-AE19-62706E023703}">
+                      <ahyp:hlinkClr xmlns:ahyp="http://schemas.microsoft.com/office/drawing/2018/hyperlinkcolor" val="tx"/>
+                    </a:ext>
+                  </a:extLst>
+                </a:hlinkClick>
+              </a:rPr>
+              <a:t>https://docs.mongodb.com/drivers/node/</a:t>
+            </a:r>
+            <a:endParaRPr lang="en-US">
+              <a:solidFill>
+                <a:srgbClr val="00B0F0"/>
+              </a:solidFill>
+            </a:endParaRPr>
+          </a:p>
+        </p:txBody>
+      </p:sp>
+    </p:spTree>
+    <p:extLst>
+      <p:ext uri="{BB962C8B-B14F-4D97-AF65-F5344CB8AC3E}">
+        <p14:creationId xmlns:p14="http://schemas.microsoft.com/office/powerpoint/2010/main" val="4038901840"/>
+      </p:ext>
+    </p:extLst>
+  </p:cSld>
+  <p:clrMapOvr>
+    <a:masterClrMapping/>
+  </p:clrMapOvr>
+</p:sld>
+</file>
+
 <file path=ppt/slides/slide5.xml><?xml version="1.0" encoding="utf-8"?>
 <p:sld xmlns:a="http://schemas.openxmlformats.org/drawingml/2006/main" xmlns:r="http://schemas.openxmlformats.org/officeDocument/2006/relationships" xmlns:p="http://schemas.openxmlformats.org/presentationml/2006/main">
   <p:cSld>
@@ -7002,7 +8987,7 @@
           <p:cNvPr id="2" name="Title 1">
             <a:extLst>
               <a:ext uri="{FF2B5EF4-FFF2-40B4-BE49-F238E27FC236}">
-                <a16:creationId xmlns:a16="http://schemas.microsoft.com/office/drawing/2014/main" id="{7BBC9961-4BF0-445F-9AD3-90DE00185188}"/>
+                <a16:creationId xmlns:a16="http://schemas.microsoft.com/office/drawing/2014/main" id="{45B41446-3555-4F3B-9544-09EFBE2EC225}"/>
               </a:ext>
             </a:extLst>
           </p:cNvPr>
@@ -7019,8 +9004,10 @@
           <a:lstStyle/>
           <a:p>
             <a:r>
-              <a:rPr lang="en-US"/>
-              <a:t>Using config to store the connection string</a:t>
+              <a:rPr lang="en-US">
+                <a:latin typeface="Consolas" panose="020B0609020204030204" pitchFamily="49" charset="0"/>
+              </a:rPr>
+              <a:t>npm install config</a:t>
             </a:r>
           </a:p>
         </p:txBody>
@@ -7030,7 +9017,7 @@
           <p:cNvPr id="3" name="Content Placeholder 2">
             <a:extLst>
               <a:ext uri="{FF2B5EF4-FFF2-40B4-BE49-F238E27FC236}">
-                <a16:creationId xmlns:a16="http://schemas.microsoft.com/office/drawing/2014/main" id="{D04995EB-1AA3-43AF-A1AF-57A3BB47576F}"/>
+                <a16:creationId xmlns:a16="http://schemas.microsoft.com/office/drawing/2014/main" id="{6B37A386-D8E4-43CF-B363-C1D8E4630CDD}"/>
               </a:ext>
             </a:extLst>
           </p:cNvPr>
@@ -7041,21 +9028,98 @@
             <p:ph idx="1"/>
           </p:nvPr>
         </p:nvSpPr>
-        <p:spPr/>
+        <p:spPr>
+          <a:xfrm>
+            <a:off x="1066800" y="2103120"/>
+            <a:ext cx="10058400" cy="3232278"/>
+          </a:xfrm>
+        </p:spPr>
         <p:txBody>
           <a:bodyPr>
             <a:normAutofit/>
           </a:bodyPr>
           <a:lstStyle/>
           <a:p>
-            <a:endParaRPr lang="en-US" sz="2000"/>
+            <a:r>
+              <a:rPr lang="en-US" sz="1800"/>
+              <a:t>Organize your configurations in a hierarchical structure to facilitate easy app deployment.</a:t>
+            </a:r>
+          </a:p>
+          <a:p>
+            <a:r>
+              <a:rPr lang="en-US" sz="1800"/>
+              <a:t>Define a set of default parameters and extend them for different deployment environments (development, qa, staging, production, etc.)</a:t>
+            </a:r>
+          </a:p>
+          <a:p>
+            <a:r>
+              <a:rPr lang="en-US" sz="1800"/>
+              <a:t>Configurations are stored in configuration files within your application and can be overriden by environment variables.</a:t>
+            </a:r>
+          </a:p>
+        </p:txBody>
+      </p:sp>
+      <p:sp>
+        <p:nvSpPr>
+          <p:cNvPr id="4" name="TextBox 3">
+            <a:extLst>
+              <a:ext uri="{FF2B5EF4-FFF2-40B4-BE49-F238E27FC236}">
+                <a16:creationId xmlns:a16="http://schemas.microsoft.com/office/drawing/2014/main" id="{ED8B4158-E715-4101-AAF5-F8D5492F9C57}"/>
+              </a:ext>
+            </a:extLst>
+          </p:cNvPr>
+          <p:cNvSpPr txBox="1"/>
+          <p:nvPr/>
+        </p:nvSpPr>
+        <p:spPr>
+          <a:xfrm>
+            <a:off x="1066800" y="5491079"/>
+            <a:ext cx="10058400" cy="646331"/>
+          </a:xfrm>
+          <a:prstGeom prst="rect">
+            <a:avLst/>
+          </a:prstGeom>
+          <a:noFill/>
+        </p:spPr>
+        <p:txBody>
+          <a:bodyPr wrap="square" rtlCol="0">
+            <a:spAutoFit/>
+          </a:bodyPr>
+          <a:lstStyle/>
+          <a:p>
+            <a:r>
+              <a:rPr lang="en-US" b="1"/>
+              <a:t>Sources</a:t>
+            </a:r>
+          </a:p>
+          <a:p>
+            <a:r>
+              <a:rPr lang="en-US">
+                <a:solidFill>
+                  <a:srgbClr val="00B0F0"/>
+                </a:solidFill>
+                <a:hlinkClick r:id="rId2">
+                  <a:extLst>
+                    <a:ext uri="{A12FA001-AC4F-418D-AE19-62706E023703}">
+                      <ahyp:hlinkClr xmlns:ahyp="http://schemas.microsoft.com/office/drawing/2018/hyperlinkcolor" val="tx"/>
+                    </a:ext>
+                  </a:extLst>
+                </a:hlinkClick>
+              </a:rPr>
+              <a:t>https://www.npmjs.com/package/config</a:t>
+            </a:r>
+            <a:endParaRPr lang="en-US">
+              <a:solidFill>
+                <a:srgbClr val="00B0F0"/>
+              </a:solidFill>
+            </a:endParaRPr>
           </a:p>
         </p:txBody>
       </p:sp>
     </p:spTree>
     <p:extLst>
       <p:ext uri="{BB962C8B-B14F-4D97-AF65-F5344CB8AC3E}">
-        <p14:creationId xmlns:p14="http://schemas.microsoft.com/office/powerpoint/2010/main" val="1449217856"/>
+        <p14:creationId xmlns:p14="http://schemas.microsoft.com/office/powerpoint/2010/main" val="3992624664"/>
       </p:ext>
     </p:extLst>
   </p:cSld>
@@ -7100,12 +9164,18 @@
         </p:nvSpPr>
         <p:spPr/>
         <p:txBody>
-          <a:bodyPr/>
+          <a:bodyPr>
+            <a:normAutofit/>
+          </a:bodyPr>
           <a:lstStyle/>
           <a:p>
             <a:r>
-              <a:rPr lang="en-US"/>
-              <a:t>Connecting to the database</a:t>
+              <a:rPr lang="en-US" sz="3200" b="1"/>
+              <a:t>config</a:t>
+            </a:r>
+            <a:r>
+              <a:rPr lang="en-US" sz="3200"/>
+              <a:t> folder structure</a:t>
             </a:r>
           </a:p>
         </p:txBody>
@@ -7133,14 +9203,96 @@
           </a:bodyPr>
           <a:lstStyle/>
           <a:p>
-            <a:endParaRPr lang="en-US" sz="2000"/>
-          </a:p>
-        </p:txBody>
-      </p:sp>
+            <a:pPr marL="0" indent="0">
+              <a:buNone/>
+            </a:pPr>
+            <a:r>
+              <a:rPr lang="en-US" sz="1800"/>
+              <a:t>Create a folder named </a:t>
+            </a:r>
+            <a:r>
+              <a:rPr lang="en-US" sz="1800" b="1"/>
+              <a:t>config</a:t>
+            </a:r>
+            <a:r>
+              <a:rPr lang="en-US" sz="1800"/>
+              <a:t> in the root folder of your application and add the following files to it:</a:t>
+            </a:r>
+          </a:p>
+          <a:p>
+            <a:pPr marL="0" indent="0">
+              <a:buNone/>
+            </a:pPr>
+            <a:endParaRPr lang="en-US" sz="1800"/>
+          </a:p>
+          <a:p>
+            <a:r>
+              <a:rPr lang="en-US" sz="1800" b="1">
+                <a:latin typeface="Consolas" panose="020B0609020204030204" pitchFamily="49" charset="0"/>
+              </a:rPr>
+              <a:t>custom-environment-variables.json</a:t>
+            </a:r>
+          </a:p>
+          <a:p>
+            <a:r>
+              <a:rPr lang="en-US" sz="1800" b="1">
+                <a:latin typeface="Consolas" panose="020B0609020204030204" pitchFamily="49" charset="0"/>
+              </a:rPr>
+              <a:t>default.json</a:t>
+            </a:r>
+          </a:p>
+          <a:p>
+            <a:r>
+              <a:rPr lang="en-US" sz="1800" b="1">
+                <a:latin typeface="Consolas" panose="020B0609020204030204" pitchFamily="49" charset="0"/>
+              </a:rPr>
+              <a:t>development.json</a:t>
+            </a:r>
+          </a:p>
+          <a:p>
+            <a:r>
+              <a:rPr lang="en-US" sz="1800" b="1">
+                <a:latin typeface="Consolas" panose="020B0609020204030204" pitchFamily="49" charset="0"/>
+              </a:rPr>
+              <a:t>production.json</a:t>
+            </a:r>
+          </a:p>
+        </p:txBody>
+      </p:sp>
+      <p:pic>
+        <p:nvPicPr>
+          <p:cNvPr id="4" name="Picture 3">
+            <a:extLst>
+              <a:ext uri="{FF2B5EF4-FFF2-40B4-BE49-F238E27FC236}">
+                <a16:creationId xmlns:a16="http://schemas.microsoft.com/office/drawing/2014/main" id="{C17848EE-6D0F-4881-96E9-77FE9DCBDCB9}"/>
+              </a:ext>
+            </a:extLst>
+          </p:cNvPr>
+          <p:cNvPicPr>
+            <a:picLocks noChangeAspect="1"/>
+          </p:cNvPicPr>
+          <p:nvPr/>
+        </p:nvPicPr>
+        <p:blipFill>
+          <a:blip r:embed="rId2"/>
+          <a:stretch>
+            <a:fillRect/>
+          </a:stretch>
+        </p:blipFill>
+        <p:spPr>
+          <a:xfrm>
+            <a:off x="6686107" y="2835663"/>
+            <a:ext cx="4852867" cy="3117081"/>
+          </a:xfrm>
+          <a:prstGeom prst="rect">
+            <a:avLst/>
+          </a:prstGeom>
+        </p:spPr>
+      </p:pic>
     </p:spTree>
     <p:extLst>
       <p:ext uri="{BB962C8B-B14F-4D97-AF65-F5344CB8AC3E}">
-        <p14:creationId xmlns:p14="http://schemas.microsoft.com/office/powerpoint/2010/main" val="4181882923"/>
+        <p14:creationId xmlns:p14="http://schemas.microsoft.com/office/powerpoint/2010/main" val="1449217856"/>
       </p:ext>
     </p:extLst>
   </p:cSld>
@@ -7185,13 +9337,18 @@
         </p:nvSpPr>
         <p:spPr/>
         <p:txBody>
-          <a:bodyPr/>
+          <a:bodyPr>
+            <a:normAutofit/>
+          </a:bodyPr>
           <a:lstStyle/>
           <a:p>
             <a:r>
-              <a:rPr lang="en-US"/>
-              <a:t>Example: Getting all documents in a collection</a:t>
-            </a:r>
+              <a:rPr lang="en-US" sz="3200" b="1">
+                <a:latin typeface="Consolas" panose="020B0609020204030204" pitchFamily="49" charset="0"/>
+              </a:rPr>
+              <a:t>default.json</a:t>
+            </a:r>
+            <a:endParaRPr lang="en-US" sz="3200"/>
           </a:p>
         </p:txBody>
       </p:sp>
@@ -7214,18 +9371,103 @@
         <p:spPr/>
         <p:txBody>
           <a:bodyPr>
-            <a:normAutofit/>
+            <a:noAutofit/>
           </a:bodyPr>
           <a:lstStyle/>
           <a:p>
-            <a:endParaRPr lang="en-US" sz="2000"/>
+            <a:pPr marL="0" indent="0">
+              <a:buNone/>
+            </a:pPr>
+            <a:r>
+              <a:rPr lang="en-US" sz="1800" b="1"/>
+              <a:t>This file is used to specify default values for your configuration parameters.</a:t>
+            </a:r>
+          </a:p>
+          <a:p>
+            <a:pPr marL="0" indent="0">
+              <a:buNone/>
+            </a:pPr>
+            <a:r>
+              <a:rPr lang="en-US" sz="1800" b="1"/>
+              <a:t>Add the code below to the file.</a:t>
+            </a:r>
+          </a:p>
+          <a:p>
+            <a:pPr marL="0" indent="0">
+              <a:buNone/>
+            </a:pPr>
+            <a:r>
+              <a:rPr lang="en-US" sz="1800">
+                <a:latin typeface="Consolas" panose="020B0609020204030204" pitchFamily="49" charset="0"/>
+              </a:rPr>
+              <a:t>{</a:t>
+            </a:r>
+          </a:p>
+          <a:p>
+            <a:pPr marL="0" indent="0">
+              <a:buNone/>
+            </a:pPr>
+            <a:r>
+              <a:rPr lang="en-US" sz="1800">
+                <a:latin typeface="Consolas" panose="020B0609020204030204" pitchFamily="49" charset="0"/>
+              </a:rPr>
+              <a:t>  "debug": "app:*",</a:t>
+            </a:r>
+          </a:p>
+          <a:p>
+            <a:pPr marL="0" indent="0">
+              <a:buNone/>
+            </a:pPr>
+            <a:r>
+              <a:rPr lang="en-US" sz="1800">
+                <a:latin typeface="Consolas" panose="020B0609020204030204" pitchFamily="49" charset="0"/>
+              </a:rPr>
+              <a:t>  "http": { "hostname": "localhost","port": "3000" },</a:t>
+            </a:r>
+          </a:p>
+          <a:p>
+            <a:pPr marL="0" indent="0">
+              <a:buNone/>
+            </a:pPr>
+            <a:r>
+              <a:rPr lang="en-US" sz="1800">
+                <a:latin typeface="Consolas" panose="020B0609020204030204" pitchFamily="49" charset="0"/>
+              </a:rPr>
+              <a:t>  "db": { "name": "</a:t>
+            </a:r>
+            <a:r>
+              <a:rPr lang="en-US" sz="1800" b="1">
+                <a:highlight>
+                  <a:srgbClr val="FFFF00"/>
+                </a:highlight>
+                <a:latin typeface="Consolas" panose="020B0609020204030204" pitchFamily="49" charset="0"/>
+              </a:rPr>
+              <a:t>my_database_name</a:t>
+            </a:r>
+            <a:r>
+              <a:rPr lang="en-US" sz="1800">
+                <a:latin typeface="Consolas" panose="020B0609020204030204" pitchFamily="49" charset="0"/>
+              </a:rPr>
+              <a:t>", "uri": "mongodb://localhost" }</a:t>
+            </a:r>
+          </a:p>
+          <a:p>
+            <a:pPr marL="0" indent="0">
+              <a:buNone/>
+            </a:pPr>
+            <a:r>
+              <a:rPr lang="en-US" sz="1800">
+                <a:latin typeface="Consolas" panose="020B0609020204030204" pitchFamily="49" charset="0"/>
+              </a:rPr>
+              <a:t>}</a:t>
+            </a:r>
           </a:p>
         </p:txBody>
       </p:sp>
     </p:spTree>
     <p:extLst>
       <p:ext uri="{BB962C8B-B14F-4D97-AF65-F5344CB8AC3E}">
-        <p14:creationId xmlns:p14="http://schemas.microsoft.com/office/powerpoint/2010/main" val="2305014259"/>
+        <p14:creationId xmlns:p14="http://schemas.microsoft.com/office/powerpoint/2010/main" val="3231992825"/>
       </p:ext>
     </p:extLst>
   </p:cSld>
@@ -7270,13 +9512,18 @@
         </p:nvSpPr>
         <p:spPr/>
         <p:txBody>
-          <a:bodyPr/>
+          <a:bodyPr>
+            <a:normAutofit/>
+          </a:bodyPr>
           <a:lstStyle/>
           <a:p>
             <a:r>
-              <a:rPr lang="en-US"/>
-              <a:t>Example: Getting some documents from a collection</a:t>
-            </a:r>
+              <a:rPr lang="en-US" sz="3200" b="1">
+                <a:latin typeface="Consolas" panose="020B0609020204030204" pitchFamily="49" charset="0"/>
+              </a:rPr>
+              <a:t>custom-environment-variables.json</a:t>
+            </a:r>
+            <a:endParaRPr lang="en-US" sz="3200"/>
           </a:p>
         </p:txBody>
       </p:sp>
@@ -7299,18 +9546,88 @@
         <p:spPr/>
         <p:txBody>
           <a:bodyPr>
-            <a:normAutofit/>
+            <a:noAutofit/>
           </a:bodyPr>
           <a:lstStyle/>
           <a:p>
-            <a:endParaRPr lang="en-US" sz="2000"/>
+            <a:pPr marL="0" indent="0">
+              <a:buNone/>
+            </a:pPr>
+            <a:r>
+              <a:rPr lang="en-US" sz="1800" b="1"/>
+              <a:t>This file is used to specify which environment variables will override your configuration parameters. </a:t>
+            </a:r>
+          </a:p>
+          <a:p>
+            <a:pPr marL="0" indent="0">
+              <a:buNone/>
+            </a:pPr>
+            <a:r>
+              <a:rPr lang="en-US" sz="1800" b="1"/>
+              <a:t>Add the code below to the file.</a:t>
+            </a:r>
+          </a:p>
+          <a:p>
+            <a:pPr marL="0" indent="0">
+              <a:buNone/>
+            </a:pPr>
+            <a:r>
+              <a:rPr lang="en-US" sz="1800">
+                <a:latin typeface="Consolas" panose="020B0609020204030204" pitchFamily="49" charset="0"/>
+              </a:rPr>
+              <a:t>{</a:t>
+            </a:r>
+          </a:p>
+          <a:p>
+            <a:pPr marL="0" indent="0">
+              <a:buNone/>
+            </a:pPr>
+            <a:r>
+              <a:rPr lang="en-US" sz="1800">
+                <a:latin typeface="Consolas" panose="020B0609020204030204" pitchFamily="49" charset="0"/>
+              </a:rPr>
+              <a:t>  "debug": "DEBUG",</a:t>
+            </a:r>
+          </a:p>
+          <a:p>
+            <a:pPr marL="0" indent="0">
+              <a:buNone/>
+            </a:pPr>
+            <a:r>
+              <a:rPr lang="en-US" sz="1800">
+                <a:latin typeface="Consolas" panose="020B0609020204030204" pitchFamily="49" charset="0"/>
+              </a:rPr>
+              <a:t>  "http": { "hostname": "HOSTNAME","port": "PORT" },</a:t>
+            </a:r>
+          </a:p>
+          <a:p>
+            <a:pPr marL="0" indent="0">
+              <a:buNone/>
+            </a:pPr>
+            <a:r>
+              <a:rPr lang="en-US" sz="1800">
+                <a:latin typeface="Consolas" panose="020B0609020204030204" pitchFamily="49" charset="0"/>
+              </a:rPr>
+              <a:t>  "db": { "name": "DB_NAME", "uri": "DB_URI" }</a:t>
+            </a:r>
+          </a:p>
+          <a:p>
+            <a:pPr marL="0" indent="0">
+              <a:buNone/>
+            </a:pPr>
+            <a:r>
+              <a:rPr lang="en-US" sz="1800">
+                <a:latin typeface="Consolas" panose="020B0609020204030204" pitchFamily="49" charset="0"/>
+              </a:rPr>
+              <a:t>}</a:t>
+            </a:r>
           </a:p>
         </p:txBody>
       </p:sp>
     </p:spTree>
     <p:extLst>
       <p:ext uri="{BB962C8B-B14F-4D97-AF65-F5344CB8AC3E}">
-        <p14:creationId xmlns:p14="http://schemas.microsoft.com/office/powerpoint/2010/main" val="3432616808"/>
+        <p14:creationId xmlns:p14="http://schemas.microsoft.com/office/powerpoint/2010/main" val="1321495194"/>
       </p:ext>
     </p:extLst>
   </p:cSld>
@@ -7355,13 +9672,18 @@
         </p:nvSpPr>
         <p:spPr/>
         <p:txBody>
-          <a:bodyPr/>
+          <a:bodyPr>
+            <a:normAutofit/>
+          </a:bodyPr>
           <a:lstStyle/>
           <a:p>
             <a:r>
-              <a:rPr lang="en-US"/>
-              <a:t>Example: Getting one document from a collection</a:t>
-            </a:r>
+              <a:rPr lang="en-US" sz="3200" b="1">
+                <a:latin typeface="Consolas" panose="020B0609020204030204" pitchFamily="49" charset="0"/>
+              </a:rPr>
+              <a:t>development.json</a:t>
+            </a:r>
+            <a:endParaRPr lang="en-US" sz="3200"/>
           </a:p>
         </p:txBody>
       </p:sp>
@@ -7384,18 +9706,45 @@
         <p:spPr/>
         <p:txBody>
           <a:bodyPr>
-            <a:normAutofit/>
+            <a:noAutofit/>
           </a:bodyPr>
           <a:lstStyle/>
           <a:p>
-            <a:endParaRPr lang="en-US" sz="2000"/>
+            <a:pPr marL="0" indent="0">
+              <a:buNone/>
+            </a:pPr>
+            <a:r>
+              <a:rPr lang="en-US" sz="1800" b="1"/>
+              <a:t>This file is used to specify configuration parameters for your development environment.</a:t>
+            </a:r>
+          </a:p>
+          <a:p>
+            <a:pPr marL="0" indent="0">
+              <a:buNone/>
+            </a:pPr>
+            <a:r>
+              <a:rPr lang="en-US" sz="1800" b="1"/>
+              <a:t>Add the code below to the file.</a:t>
+            </a:r>
+          </a:p>
+          <a:p>
+            <a:pPr marL="0" indent="0">
+              <a:buNone/>
+            </a:pPr>
+            <a:r>
+              <a:rPr lang="en-US" sz="1800"/>
+              <a:t>{}</a:t>
+            </a:r>
+            <a:endParaRPr lang="en-US" sz="1800">
+              <a:latin typeface="Consolas" panose="020B0609020204030204" pitchFamily="49" charset="0"/>
+            </a:endParaRPr>
           </a:p>
         </p:txBody>
       </p:sp>
     </p:spTree>
     <p:extLst>
       <p:ext uri="{BB962C8B-B14F-4D97-AF65-F5344CB8AC3E}">
-        <p14:creationId xmlns:p14="http://schemas.microsoft.com/office/powerpoint/2010/main" val="3266463990"/>
+        <p14:creationId xmlns:p14="http://schemas.microsoft.com/office/powerpoint/2010/main" val="1960231317"/>
       </p:ext>
     </p:extLst>
   </p:cSld>
@@ -7691,15 +10040,6 @@
 </file>
 
 <file path=customXml/item2.xml><?xml version="1.0" encoding="utf-8"?>
-<p:properties xmlns:p="http://schemas.microsoft.com/office/2006/metadata/properties" xmlns:xsi="http://www.w3.org/2001/XMLSchema-instance" xmlns:pc="http://schemas.microsoft.com/office/infopath/2007/PartnerControls">
-  <documentManagement>
-    <Status xmlns="71af3243-3dd4-4a8d-8c0d-dd76da1f02a5">Not started</Status>
-    <MediaServiceKeyPoints xmlns="71af3243-3dd4-4a8d-8c0d-dd76da1f02a5" xsi:nil="true"/>
-  </documentManagement>
-</p:properties>
-</file>
-
-<file path=customXml/item3.xml><?xml version="1.0" encoding="utf-8"?>
 <ct:contentTypeSchema xmlns:ct="http://schemas.microsoft.com/office/2006/metadata/contentType" xmlns:ma="http://schemas.microsoft.com/office/2006/metadata/properties/metaAttributes" ct:_="" ma:_="" ma:contentTypeName="Document" ma:contentTypeID="0x01010079F111ED35F8CC479449609E8A0923A6" ma:contentTypeVersion="12" ma:contentTypeDescription="Create a new document." ma:contentTypeScope="" ma:versionID="a410dd7f93c95333ffa1b60ed6adedd1">
   <xsd:schema xmlns:xsd="http://www.w3.org/2001/XMLSchema" xmlns:xs="http://www.w3.org/2001/XMLSchema" xmlns:p="http://schemas.microsoft.com/office/2006/metadata/properties" xmlns:ns2="71af3243-3dd4-4a8d-8c0d-dd76da1f02a5" xmlns:ns3="16c05727-aa75-4e4a-9b5f-8a80a1165891" targetNamespace="http://schemas.microsoft.com/office/2006/metadata/properties" ma:root="true" ma:fieldsID="a936d9baba76aa3866493feff160faab" ns2:_="" ns3:_="">
     <xsd:import namespace="71af3243-3dd4-4a8d-8c0d-dd76da1f02a5"/>
@@ -7920,6 +10260,15 @@
 </ct:contentTypeSchema>
 </file>
 
+<file path=customXml/item3.xml><?xml version="1.0" encoding="utf-8"?>
+<p:properties xmlns:p="http://schemas.microsoft.com/office/2006/metadata/properties" xmlns:xsi="http://www.w3.org/2001/XMLSchema-instance" xmlns:pc="http://schemas.microsoft.com/office/infopath/2007/PartnerControls">
+  <documentManagement>
+    <Status xmlns="71af3243-3dd4-4a8d-8c0d-dd76da1f02a5">Not started</Status>
+    <MediaServiceKeyPoints xmlns="71af3243-3dd4-4a8d-8c0d-dd76da1f02a5" xsi:nil="true"/>
+  </documentManagement>
+</p:properties>
+</file>
+
 <file path=customXml/itemProps1.xml><?xml version="1.0" encoding="utf-8"?>
 <ds:datastoreItem xmlns:ds="http://schemas.openxmlformats.org/officeDocument/2006/customXml" ds:itemID="{7745B92C-4D89-4324-B52D-E1F5F627B790}">
   <ds:schemaRefs>
@@ -7929,16 +10278,6 @@
 </file>
 
 <file path=customXml/itemProps2.xml><?xml version="1.0" encoding="utf-8"?>
-<ds:datastoreItem xmlns:ds="http://schemas.openxmlformats.org/officeDocument/2006/customXml" ds:itemID="{E7228C0C-F774-4270-99CB-314B07EBFBE7}">
-  <ds:schemaRefs>
-    <ds:schemaRef ds:uri="http://schemas.microsoft.com/office/2006/metadata/properties"/>
-    <ds:schemaRef ds:uri="http://schemas.microsoft.com/office/infopath/2007/PartnerControls"/>
-    <ds:schemaRef ds:uri="71af3243-3dd4-4a8d-8c0d-dd76da1f02a5"/>
-  </ds:schemaRefs>
-</ds:datastoreItem>
-</file>
-
-<file path=customXml/itemProps3.xml><?xml version="1.0" encoding="utf-8"?>
 <ds:datastoreItem xmlns:ds="http://schemas.openxmlformats.org/officeDocument/2006/customXml" ds:itemID="{E4487CEA-7875-4327-875F-CA3B32E8009E}">
   <ds:schemaRefs>
     <ds:schemaRef ds:uri="http://schemas.microsoft.com/office/2006/metadata/contentType"/>
@@ -7955,4 +10294,14 @@
     <ds:schemaRef ds:uri="http://schemas.microsoft.com/internal/obd"/>
   </ds:schemaRefs>
 </ds:datastoreItem>
+</file>
+
+<file path=customXml/itemProps3.xml><?xml version="1.0" encoding="utf-8"?>
+<ds:datastoreItem xmlns:ds="http://schemas.openxmlformats.org/officeDocument/2006/customXml" ds:itemID="{E7228C0C-F774-4270-99CB-314B07EBFBE7}">
+  <ds:schemaRefs>
+    <ds:schemaRef ds:uri="http://schemas.microsoft.com/office/2006/metadata/properties"/>
+    <ds:schemaRef ds:uri="http://schemas.microsoft.com/office/infopath/2007/PartnerControls"/>
+    <ds:schemaRef ds:uri="71af3243-3dd4-4a8d-8c0d-dd76da1f02a5"/>
+  </ds:schemaRefs>
+</ds:datastoreItem>
 </file>
--- a/unit_03/slides/02 MongoDB & Node.pptx
+++ b/unit_03/slides/02 MongoDB & Node.pptx
@@ -19,15 +19,29 @@
     <p:sldId id="294" r:id="rId16"/>
     <p:sldId id="288" r:id="rId17"/>
     <p:sldId id="268" r:id="rId18"/>
-    <p:sldId id="292" r:id="rId19"/>
-    <p:sldId id="293" r:id="rId20"/>
-    <p:sldId id="295" r:id="rId21"/>
-    <p:sldId id="296" r:id="rId22"/>
-    <p:sldId id="297" r:id="rId23"/>
-    <p:sldId id="298" r:id="rId24"/>
-    <p:sldId id="299" r:id="rId25"/>
-    <p:sldId id="290" r:id="rId26"/>
-    <p:sldId id="289" r:id="rId27"/>
+    <p:sldId id="308" r:id="rId19"/>
+    <p:sldId id="292" r:id="rId20"/>
+    <p:sldId id="293" r:id="rId21"/>
+    <p:sldId id="310" r:id="rId22"/>
+    <p:sldId id="311" r:id="rId23"/>
+    <p:sldId id="295" r:id="rId24"/>
+    <p:sldId id="309" r:id="rId25"/>
+    <p:sldId id="296" r:id="rId26"/>
+    <p:sldId id="297" r:id="rId27"/>
+    <p:sldId id="298" r:id="rId28"/>
+    <p:sldId id="299" r:id="rId29"/>
+    <p:sldId id="312" r:id="rId30"/>
+    <p:sldId id="313" r:id="rId31"/>
+    <p:sldId id="314" r:id="rId32"/>
+    <p:sldId id="319" r:id="rId33"/>
+    <p:sldId id="317" r:id="rId34"/>
+    <p:sldId id="315" r:id="rId35"/>
+    <p:sldId id="322" r:id="rId36"/>
+    <p:sldId id="321" r:id="rId37"/>
+    <p:sldId id="318" r:id="rId38"/>
+    <p:sldId id="320" r:id="rId39"/>
+    <p:sldId id="290" r:id="rId40"/>
+    <p:sldId id="289" r:id="rId41"/>
   </p:sldIdLst>
   <p:sldSz cx="12192000" cy="6858000"/>
   <p:notesSz cx="6858000" cy="9144000"/>
@@ -5892,7 +5906,7 @@
           <p:nvPr>
             <p:extLst>
               <p:ext uri="{D42A27DB-BD31-4B8C-83A1-F6EECF244321}">
-                <p14:modId xmlns:p14="http://schemas.microsoft.com/office/powerpoint/2010/main" val="1898750440"/>
+                <p14:modId xmlns:p14="http://schemas.microsoft.com/office/powerpoint/2010/main" val="649949682"/>
               </p:ext>
             </p:extLst>
           </p:nvPr>
@@ -6107,7 +6121,7 @@
                     <a:p>
                       <a:pPr algn="l"/>
                       <a:r>
-                        <a:rPr lang="en-US" dirty="0"/>
+                        <a:rPr lang="en-US" b="1" dirty="0"/>
                         <a:t>find</a:t>
                       </a:r>
                     </a:p>
@@ -6241,9 +6255,10 @@
                     <a:p>
                       <a:pPr algn="l"/>
                       <a:r>
-                        <a:rPr lang="en-US" dirty="0"/>
-                        <a:t>remove</a:t>
+                        <a:rPr lang="en-US"/>
+                        <a:t>delete</a:t>
                       </a:r>
+                      <a:endParaRPr lang="en-US" dirty="0"/>
                     </a:p>
                   </a:txBody>
                   <a:tcPr/>
@@ -6288,6 +6303,14 @@
 <file path=ppt/slides/slide15.xml><?xml version="1.0" encoding="utf-8"?>
 <p:sld xmlns:a="http://schemas.openxmlformats.org/drawingml/2006/main" xmlns:r="http://schemas.openxmlformats.org/officeDocument/2006/relationships" xmlns:p="http://schemas.openxmlformats.org/presentationml/2006/main">
   <p:cSld>
+    <p:bg>
+      <p:bgPr>
+        <a:solidFill>
+          <a:schemeClr val="bg1"/>
+        </a:solidFill>
+        <a:effectLst/>
+      </p:bgPr>
+    </p:bg>
     <p:spTree>
       <p:nvGrpSpPr>
         <p:cNvPr id="1" name=""/>
@@ -6304,68 +6327,838 @@
       </p:grpSpPr>
       <p:sp>
         <p:nvSpPr>
-          <p:cNvPr id="2" name="Title 1">
+          <p:cNvPr id="10" name="Rectangle 9">
             <a:extLst>
               <a:ext uri="{FF2B5EF4-FFF2-40B4-BE49-F238E27FC236}">
-                <a16:creationId xmlns:a16="http://schemas.microsoft.com/office/drawing/2014/main" id="{7BBC9961-4BF0-445F-9AD3-90DE00185188}"/>
+                <a16:creationId xmlns:a16="http://schemas.microsoft.com/office/drawing/2014/main" id="{904DB13E-F722-4ED6-BB00-556651E95281}"/>
+              </a:ext>
+              <a:ext uri="{C183D7F6-B498-43B3-948B-1728B52AA6E4}">
+                <adec:decorative xmlns:adec="http://schemas.microsoft.com/office/drawing/2017/decorative" val="1"/>
               </a:ext>
             </a:extLst>
           </p:cNvPr>
           <p:cNvSpPr>
-            <a:spLocks noGrp="1"/>
-          </p:cNvSpPr>
-          <p:nvPr>
-            <p:ph type="title"/>
-          </p:nvPr>
-        </p:nvSpPr>
-        <p:spPr/>
+            <a:spLocks noGrp="1" noRot="1" noChangeAspect="1" noMove="1" noResize="1" noEditPoints="1" noAdjustHandles="1" noChangeArrowheads="1" noChangeShapeType="1" noTextEdit="1"/>
+          </p:cNvSpPr>
+          <p:nvPr>
+            <p:extLst>
+              <p:ext uri="{386F3935-93C4-4BCD-93E2-E3B085C9AB24}">
+                <p16:designElem xmlns:p16="http://schemas.microsoft.com/office/powerpoint/2015/main" val="1"/>
+              </p:ext>
+            </p:extLst>
+          </p:nvPr>
+        </p:nvSpPr>
+        <p:spPr>
+          <a:xfrm>
+            <a:off x="0" y="0"/>
+            <a:ext cx="12192000" cy="6858000"/>
+          </a:xfrm>
+          <a:prstGeom prst="rect">
+            <a:avLst/>
+          </a:prstGeom>
+          <a:solidFill>
+            <a:schemeClr val="tx1">
+              <a:lumMod val="65000"/>
+              <a:lumOff val="35000"/>
+            </a:schemeClr>
+          </a:solidFill>
+          <a:ln>
+            <a:noFill/>
+          </a:ln>
+        </p:spPr>
+        <p:style>
+          <a:lnRef idx="2">
+            <a:schemeClr val="accent1">
+              <a:shade val="50000"/>
+            </a:schemeClr>
+          </a:lnRef>
+          <a:fillRef idx="1">
+            <a:schemeClr val="accent1"/>
+          </a:fillRef>
+          <a:effectRef idx="0">
+            <a:schemeClr val="accent1"/>
+          </a:effectRef>
+          <a:fontRef idx="minor">
+            <a:schemeClr val="lt1"/>
+          </a:fontRef>
+        </p:style>
         <p:txBody>
-          <a:bodyPr/>
+          <a:bodyPr rtlCol="0" anchor="ctr"/>
           <a:lstStyle/>
           <a:p>
-            <a:r>
-              <a:rPr lang="en-US"/>
-              <a:t>Example: Getting all documents in a collection</a:t>
-            </a:r>
+            <a:pPr algn="ctr"/>
+            <a:endParaRPr lang="en-US"/>
           </a:p>
         </p:txBody>
       </p:sp>
-      <p:sp>
-        <p:nvSpPr>
-          <p:cNvPr id="3" name="Content Placeholder 2">
+      <p:sp useBgFill="1">
+        <p:nvSpPr>
+          <p:cNvPr id="12" name="Rectangle 11">
             <a:extLst>
               <a:ext uri="{FF2B5EF4-FFF2-40B4-BE49-F238E27FC236}">
-                <a16:creationId xmlns:a16="http://schemas.microsoft.com/office/drawing/2014/main" id="{D04995EB-1AA3-43AF-A1AF-57A3BB47576F}"/>
+                <a16:creationId xmlns:a16="http://schemas.microsoft.com/office/drawing/2014/main" id="{7B58A187-A4B1-42EB-A4C7-8635BA507BCE}"/>
+              </a:ext>
+              <a:ext uri="{C183D7F6-B498-43B3-948B-1728B52AA6E4}">
+                <adec:decorative xmlns:adec="http://schemas.microsoft.com/office/drawing/2017/decorative" val="1"/>
               </a:ext>
             </a:extLst>
           </p:cNvPr>
           <p:cNvSpPr>
+            <a:spLocks noGrp="1" noRot="1" noChangeAspect="1" noMove="1" noResize="1" noEditPoints="1" noAdjustHandles="1" noChangeArrowheads="1" noChangeShapeType="1" noTextEdit="1"/>
+          </p:cNvSpPr>
+          <p:nvPr>
+            <p:extLst>
+              <p:ext uri="{386F3935-93C4-4BCD-93E2-E3B085C9AB24}">
+                <p16:designElem xmlns:p16="http://schemas.microsoft.com/office/powerpoint/2015/main" val="1"/>
+              </p:ext>
+            </p:extLst>
+          </p:nvPr>
+        </p:nvSpPr>
+        <p:spPr>
+          <a:xfrm>
+            <a:off x="1307870" y="1267730"/>
+            <a:ext cx="9576262" cy="4307950"/>
+          </a:xfrm>
+          <a:prstGeom prst="rect">
+            <a:avLst/>
+          </a:prstGeom>
+          <a:ln w="6350" cap="flat" cmpd="sng" algn="ctr">
+            <a:noFill/>
+            <a:prstDash val="solid"/>
+          </a:ln>
+          <a:effectLst>
+            <a:outerShdw blurRad="50800" algn="ctr" rotWithShape="0">
+              <a:prstClr val="black">
+                <a:alpha val="66000"/>
+              </a:prstClr>
+            </a:outerShdw>
+            <a:softEdge rad="0"/>
+          </a:effectLst>
+        </p:spPr>
+      </p:sp>
+      <p:sp>
+        <p:nvSpPr>
+          <p:cNvPr id="14" name="Rectangle 13">
+            <a:extLst>
+              <a:ext uri="{FF2B5EF4-FFF2-40B4-BE49-F238E27FC236}">
+                <a16:creationId xmlns:a16="http://schemas.microsoft.com/office/drawing/2014/main" id="{37F14E7F-3054-458C-ACF9-A8DA1757C65C}"/>
+              </a:ext>
+              <a:ext uri="{C183D7F6-B498-43B3-948B-1728B52AA6E4}">
+                <adec:decorative xmlns:adec="http://schemas.microsoft.com/office/drawing/2017/decorative" val="1"/>
+              </a:ext>
+            </a:extLst>
+          </p:cNvPr>
+          <p:cNvSpPr>
+            <a:spLocks noGrp="1" noRot="1" noChangeAspect="1" noMove="1" noResize="1" noEditPoints="1" noAdjustHandles="1" noChangeArrowheads="1" noChangeShapeType="1" noTextEdit="1"/>
+          </p:cNvSpPr>
+          <p:nvPr>
+            <p:extLst>
+              <p:ext uri="{386F3935-93C4-4BCD-93E2-E3B085C9AB24}">
+                <p16:designElem xmlns:p16="http://schemas.microsoft.com/office/powerpoint/2015/main" val="1"/>
+              </p:ext>
+            </p:extLst>
+          </p:nvPr>
+        </p:nvSpPr>
+        <p:spPr>
+          <a:xfrm>
+            <a:off x="1447801" y="1411615"/>
+            <a:ext cx="9296400" cy="4034770"/>
+          </a:xfrm>
+          <a:prstGeom prst="rect">
+            <a:avLst/>
+          </a:prstGeom>
+          <a:noFill/>
+          <a:ln w="6350" cap="sq" cmpd="sng" algn="ctr">
+            <a:solidFill>
+              <a:schemeClr val="tx1">
+                <a:lumMod val="75000"/>
+                <a:lumOff val="25000"/>
+              </a:schemeClr>
+            </a:solidFill>
+            <a:prstDash val="solid"/>
+            <a:miter lim="800000"/>
+          </a:ln>
+          <a:effectLst/>
+        </p:spPr>
+      </p:sp>
+      <p:sp>
+        <p:nvSpPr>
+          <p:cNvPr id="16" name="Rectangle 15">
+            <a:extLst>
+              <a:ext uri="{FF2B5EF4-FFF2-40B4-BE49-F238E27FC236}">
+                <a16:creationId xmlns:a16="http://schemas.microsoft.com/office/drawing/2014/main" id="{93747C1C-97FC-4D70-A6C8-A01FBCF5A9DC}"/>
+              </a:ext>
+              <a:ext uri="{C183D7F6-B498-43B3-948B-1728B52AA6E4}">
+                <adec:decorative xmlns:adec="http://schemas.microsoft.com/office/drawing/2017/decorative" val="1"/>
+              </a:ext>
+            </a:extLst>
+          </p:cNvPr>
+          <p:cNvSpPr>
+            <a:spLocks noGrp="1" noRot="1" noChangeAspect="1" noMove="1" noResize="1" noEditPoints="1" noAdjustHandles="1" noChangeArrowheads="1" noChangeShapeType="1" noTextEdit="1"/>
+          </p:cNvSpPr>
+          <p:nvPr>
+            <p:extLst>
+              <p:ext uri="{386F3935-93C4-4BCD-93E2-E3B085C9AB24}">
+                <p16:designElem xmlns:p16="http://schemas.microsoft.com/office/powerpoint/2015/main" val="1"/>
+              </p:ext>
+            </p:extLst>
+          </p:nvPr>
+        </p:nvSpPr>
+        <p:spPr>
+          <a:xfrm>
+            <a:off x="5135880" y="1267730"/>
+            <a:ext cx="1920240" cy="731520"/>
+          </a:xfrm>
+          <a:prstGeom prst="rect">
+            <a:avLst/>
+          </a:prstGeom>
+          <a:solidFill>
+            <a:schemeClr val="accent1"/>
+          </a:solidFill>
+          <a:ln>
+            <a:noFill/>
+          </a:ln>
+        </p:spPr>
+        <p:style>
+          <a:lnRef idx="2">
+            <a:schemeClr val="accent1">
+              <a:shade val="50000"/>
+            </a:schemeClr>
+          </a:lnRef>
+          <a:fillRef idx="1">
+            <a:schemeClr val="accent1"/>
+          </a:fillRef>
+          <a:effectRef idx="0">
+            <a:schemeClr val="accent1"/>
+          </a:effectRef>
+          <a:fontRef idx="minor">
+            <a:schemeClr val="lt1"/>
+          </a:fontRef>
+        </p:style>
+      </p:sp>
+      <p:grpSp>
+        <p:nvGrpSpPr>
+          <p:cNvPr id="18" name="Group 17">
+            <a:extLst>
+              <a:ext uri="{FF2B5EF4-FFF2-40B4-BE49-F238E27FC236}">
+                <a16:creationId xmlns:a16="http://schemas.microsoft.com/office/drawing/2014/main" id="{E26428D7-C6F3-473D-A360-A3F5C3E8728C}"/>
+              </a:ext>
+              <a:ext uri="{C183D7F6-B498-43B3-948B-1728B52AA6E4}">
+                <adec:decorative xmlns:adec="http://schemas.microsoft.com/office/drawing/2017/decorative" val="1"/>
+              </a:ext>
+            </a:extLst>
+          </p:cNvPr>
+          <p:cNvGrpSpPr>
+            <a:grpSpLocks noGrp="1" noUngrp="1" noRot="1" noChangeAspect="1" noMove="1" noResize="1"/>
+          </p:cNvGrpSpPr>
+          <p:nvPr>
+            <p:extLst>
+              <p:ext uri="{386F3935-93C4-4BCD-93E2-E3B085C9AB24}">
+                <p16:designElem xmlns:p16="http://schemas.microsoft.com/office/powerpoint/2015/main" val="1"/>
+              </p:ext>
+            </p:extLst>
+          </p:nvPr>
+        </p:nvGrpSpPr>
+        <p:grpSpPr>
+          <a:xfrm>
+            <a:off x="5250180" y="1267730"/>
+            <a:ext cx="1691640" cy="615934"/>
+            <a:chOff x="5250180" y="1267730"/>
+            <a:chExt cx="1691640" cy="615934"/>
+          </a:xfrm>
+        </p:grpSpPr>
+        <p:cxnSp>
+          <p:nvCxnSpPr>
+            <p:cNvPr id="19" name="Straight Connector 18">
+              <a:extLst>
+                <a:ext uri="{FF2B5EF4-FFF2-40B4-BE49-F238E27FC236}">
+                  <a16:creationId xmlns:a16="http://schemas.microsoft.com/office/drawing/2014/main" id="{05CDC370-AE44-4300-98BA-FE204E881765}"/>
+                </a:ext>
+                <a:ext uri="{C183D7F6-B498-43B3-948B-1728B52AA6E4}">
+                  <adec:decorative xmlns:adec="http://schemas.microsoft.com/office/drawing/2017/decorative" val="1"/>
+                </a:ext>
+              </a:extLst>
+            </p:cNvPr>
+            <p:cNvCxnSpPr/>
+            <p:nvPr>
+              <p:extLst>
+                <p:ext uri="{386F3935-93C4-4BCD-93E2-E3B085C9AB24}">
+                  <p16:designElem xmlns:p16="http://schemas.microsoft.com/office/powerpoint/2015/main" val="1"/>
+                </p:ext>
+              </p:extLst>
+            </p:nvPr>
+          </p:nvCxnSpPr>
+          <p:spPr>
+            <a:xfrm>
+              <a:off x="5250180" y="1267730"/>
+              <a:ext cx="0" cy="612648"/>
+            </a:xfrm>
+            <a:prstGeom prst="line">
+              <a:avLst/>
+            </a:prstGeom>
+            <a:solidFill>
+              <a:schemeClr val="tx1">
+                <a:lumMod val="85000"/>
+                <a:lumOff val="15000"/>
+              </a:schemeClr>
+            </a:solidFill>
+            <a:ln>
+              <a:solidFill>
+                <a:srgbClr val="FFFFFF"/>
+              </a:solidFill>
+              <a:miter lim="800000"/>
+            </a:ln>
+          </p:spPr>
+          <p:style>
+            <a:lnRef idx="1">
+              <a:schemeClr val="accent1"/>
+            </a:lnRef>
+            <a:fillRef idx="0">
+              <a:schemeClr val="accent1"/>
+            </a:fillRef>
+            <a:effectRef idx="0">
+              <a:schemeClr val="accent1"/>
+            </a:effectRef>
+            <a:fontRef idx="minor">
+              <a:schemeClr val="tx1"/>
+            </a:fontRef>
+          </p:style>
+        </p:cxnSp>
+        <p:cxnSp>
+          <p:nvCxnSpPr>
+            <p:cNvPr id="20" name="Straight Connector 19">
+              <a:extLst>
+                <a:ext uri="{FF2B5EF4-FFF2-40B4-BE49-F238E27FC236}">
+                  <a16:creationId xmlns:a16="http://schemas.microsoft.com/office/drawing/2014/main" id="{47B15501-CB9A-4642-80EE-2876EF039EB8}"/>
+                </a:ext>
+                <a:ext uri="{C183D7F6-B498-43B3-948B-1728B52AA6E4}">
+                  <adec:decorative xmlns:adec="http://schemas.microsoft.com/office/drawing/2017/decorative" val="1"/>
+                </a:ext>
+              </a:extLst>
+            </p:cNvPr>
+            <p:cNvCxnSpPr/>
+            <p:nvPr>
+              <p:extLst>
+                <p:ext uri="{386F3935-93C4-4BCD-93E2-E3B085C9AB24}">
+                  <p16:designElem xmlns:p16="http://schemas.microsoft.com/office/powerpoint/2015/main" val="1"/>
+                </p:ext>
+              </p:extLst>
+            </p:nvPr>
+          </p:nvCxnSpPr>
+          <p:spPr>
+            <a:xfrm>
+              <a:off x="6941820" y="1267730"/>
+              <a:ext cx="0" cy="612648"/>
+            </a:xfrm>
+            <a:prstGeom prst="line">
+              <a:avLst/>
+            </a:prstGeom>
+            <a:solidFill>
+              <a:schemeClr val="tx1">
+                <a:lumMod val="85000"/>
+                <a:lumOff val="15000"/>
+              </a:schemeClr>
+            </a:solidFill>
+            <a:ln>
+              <a:solidFill>
+                <a:srgbClr val="FFFFFF"/>
+              </a:solidFill>
+              <a:miter lim="800000"/>
+            </a:ln>
+          </p:spPr>
+          <p:style>
+            <a:lnRef idx="1">
+              <a:schemeClr val="accent1"/>
+            </a:lnRef>
+            <a:fillRef idx="0">
+              <a:schemeClr val="accent1"/>
+            </a:fillRef>
+            <a:effectRef idx="0">
+              <a:schemeClr val="accent1"/>
+            </a:effectRef>
+            <a:fontRef idx="minor">
+              <a:schemeClr val="tx1"/>
+            </a:fontRef>
+          </p:style>
+        </p:cxnSp>
+        <p:cxnSp>
+          <p:nvCxnSpPr>
+            <p:cNvPr id="21" name="Straight Connector 20">
+              <a:extLst>
+                <a:ext uri="{FF2B5EF4-FFF2-40B4-BE49-F238E27FC236}">
+                  <a16:creationId xmlns:a16="http://schemas.microsoft.com/office/drawing/2014/main" id="{6AFF9525-325F-47B3-A63C-93C12253AD76}"/>
+                </a:ext>
+                <a:ext uri="{C183D7F6-B498-43B3-948B-1728B52AA6E4}">
+                  <adec:decorative xmlns:adec="http://schemas.microsoft.com/office/drawing/2017/decorative" val="1"/>
+                </a:ext>
+              </a:extLst>
+            </p:cNvPr>
+            <p:cNvCxnSpPr/>
+            <p:nvPr>
+              <p:extLst>
+                <p:ext uri="{386F3935-93C4-4BCD-93E2-E3B085C9AB24}">
+                  <p16:designElem xmlns:p16="http://schemas.microsoft.com/office/powerpoint/2015/main" val="1"/>
+                </p:ext>
+              </p:extLst>
+            </p:nvPr>
+          </p:nvCxnSpPr>
+          <p:spPr>
+            <a:xfrm>
+              <a:off x="5250180" y="1883664"/>
+              <a:ext cx="1691640" cy="0"/>
+            </a:xfrm>
+            <a:prstGeom prst="line">
+              <a:avLst/>
+            </a:prstGeom>
+            <a:solidFill>
+              <a:schemeClr val="tx1">
+                <a:lumMod val="85000"/>
+                <a:lumOff val="15000"/>
+              </a:schemeClr>
+            </a:solidFill>
+            <a:ln>
+              <a:solidFill>
+                <a:srgbClr val="FFFFFF"/>
+              </a:solidFill>
+              <a:miter lim="800000"/>
+            </a:ln>
+          </p:spPr>
+          <p:style>
+            <a:lnRef idx="1">
+              <a:schemeClr val="accent1"/>
+            </a:lnRef>
+            <a:fillRef idx="0">
+              <a:schemeClr val="accent1"/>
+            </a:fillRef>
+            <a:effectRef idx="0">
+              <a:schemeClr val="accent1"/>
+            </a:effectRef>
+            <a:fontRef idx="minor">
+              <a:schemeClr val="tx1"/>
+            </a:fontRef>
+          </p:style>
+        </p:cxnSp>
+      </p:grpSp>
+      <p:sp>
+        <p:nvSpPr>
+          <p:cNvPr id="23" name="Rectangle 22">
+            <a:extLst>
+              <a:ext uri="{FF2B5EF4-FFF2-40B4-BE49-F238E27FC236}">
+                <a16:creationId xmlns:a16="http://schemas.microsoft.com/office/drawing/2014/main" id="{B66F8A2C-B8CF-4B20-9A73-2ADCF6302755}"/>
+              </a:ext>
+              <a:ext uri="{C183D7F6-B498-43B3-948B-1728B52AA6E4}">
+                <adec:decorative xmlns:adec="http://schemas.microsoft.com/office/drawing/2017/decorative" val="1"/>
+              </a:ext>
+            </a:extLst>
+          </p:cNvPr>
+          <p:cNvSpPr>
+            <a:spLocks noGrp="1" noRot="1" noChangeAspect="1" noMove="1" noResize="1" noEditPoints="1" noAdjustHandles="1" noChangeArrowheads="1" noChangeShapeType="1" noTextEdit="1"/>
+          </p:cNvSpPr>
+          <p:nvPr>
+            <p:extLst>
+              <p:ext uri="{386F3935-93C4-4BCD-93E2-E3B085C9AB24}">
+                <p16:designElem xmlns:p16="http://schemas.microsoft.com/office/powerpoint/2015/main" val="1"/>
+              </p:ext>
+            </p:extLst>
+          </p:nvPr>
+        </p:nvSpPr>
+        <p:spPr>
+          <a:xfrm>
+            <a:off x="0" y="0"/>
+            <a:ext cx="12192001" cy="6858000"/>
+          </a:xfrm>
+          <a:prstGeom prst="rect">
+            <a:avLst/>
+          </a:prstGeom>
+          <a:solidFill>
+            <a:schemeClr val="tx1">
+              <a:lumMod val="85000"/>
+            </a:schemeClr>
+          </a:solidFill>
+          <a:ln>
+            <a:noFill/>
+          </a:ln>
+        </p:spPr>
+        <p:style>
+          <a:lnRef idx="2">
+            <a:schemeClr val="accent1">
+              <a:shade val="50000"/>
+            </a:schemeClr>
+          </a:lnRef>
+          <a:fillRef idx="1">
+            <a:schemeClr val="accent1"/>
+          </a:fillRef>
+          <a:effectRef idx="0">
+            <a:schemeClr val="accent1"/>
+          </a:effectRef>
+          <a:fontRef idx="minor">
+            <a:schemeClr val="lt1"/>
+          </a:fontRef>
+        </p:style>
+        <p:txBody>
+          <a:bodyPr rot="0" spcFirstLastPara="0" vert="horz" wrap="square" lIns="91440" tIns="45720" rIns="91440" bIns="45720" numCol="1" spcCol="0" rtlCol="0" fromWordArt="0" anchor="ctr" anchorCtr="0" forceAA="0" compatLnSpc="1">
+            <a:prstTxWarp prst="textNoShape">
+              <a:avLst/>
+            </a:prstTxWarp>
+            <a:noAutofit/>
+          </a:bodyPr>
+          <a:lstStyle>
+            <a:defPPr>
+              <a:defRPr lang="en-US"/>
+            </a:defPPr>
+            <a:lvl1pPr marL="0" algn="l" defTabSz="914400" rtl="0" eaLnBrk="1" latinLnBrk="0" hangingPunct="1">
+              <a:defRPr sz="1800" kern="1200">
+                <a:solidFill>
+                  <a:schemeClr val="lt1"/>
+                </a:solidFill>
+                <a:latin typeface="+mn-lt"/>
+                <a:ea typeface="+mn-ea"/>
+                <a:cs typeface="+mn-cs"/>
+              </a:defRPr>
+            </a:lvl1pPr>
+            <a:lvl2pPr marL="457200" algn="l" defTabSz="914400" rtl="0" eaLnBrk="1" latinLnBrk="0" hangingPunct="1">
+              <a:defRPr sz="1800" kern="1200">
+                <a:solidFill>
+                  <a:schemeClr val="lt1"/>
+                </a:solidFill>
+                <a:latin typeface="+mn-lt"/>
+                <a:ea typeface="+mn-ea"/>
+                <a:cs typeface="+mn-cs"/>
+              </a:defRPr>
+            </a:lvl2pPr>
+            <a:lvl3pPr marL="914400" algn="l" defTabSz="914400" rtl="0" eaLnBrk="1" latinLnBrk="0" hangingPunct="1">
+              <a:defRPr sz="1800" kern="1200">
+                <a:solidFill>
+                  <a:schemeClr val="lt1"/>
+                </a:solidFill>
+                <a:latin typeface="+mn-lt"/>
+                <a:ea typeface="+mn-ea"/>
+                <a:cs typeface="+mn-cs"/>
+              </a:defRPr>
+            </a:lvl3pPr>
+            <a:lvl4pPr marL="1371600" algn="l" defTabSz="914400" rtl="0" eaLnBrk="1" latinLnBrk="0" hangingPunct="1">
+              <a:defRPr sz="1800" kern="1200">
+                <a:solidFill>
+                  <a:schemeClr val="lt1"/>
+                </a:solidFill>
+                <a:latin typeface="+mn-lt"/>
+                <a:ea typeface="+mn-ea"/>
+                <a:cs typeface="+mn-cs"/>
+              </a:defRPr>
+            </a:lvl4pPr>
+            <a:lvl5pPr marL="1828800" algn="l" defTabSz="914400" rtl="0" eaLnBrk="1" latinLnBrk="0" hangingPunct="1">
+              <a:defRPr sz="1800" kern="1200">
+                <a:solidFill>
+                  <a:schemeClr val="lt1"/>
+                </a:solidFill>
+                <a:latin typeface="+mn-lt"/>
+                <a:ea typeface="+mn-ea"/>
+                <a:cs typeface="+mn-cs"/>
+              </a:defRPr>
+            </a:lvl5pPr>
+            <a:lvl6pPr marL="2286000" algn="l" defTabSz="914400" rtl="0" eaLnBrk="1" latinLnBrk="0" hangingPunct="1">
+              <a:defRPr sz="1800" kern="1200">
+                <a:solidFill>
+                  <a:schemeClr val="lt1"/>
+                </a:solidFill>
+                <a:latin typeface="+mn-lt"/>
+                <a:ea typeface="+mn-ea"/>
+                <a:cs typeface="+mn-cs"/>
+              </a:defRPr>
+            </a:lvl6pPr>
+            <a:lvl7pPr marL="2743200" algn="l" defTabSz="914400" rtl="0" eaLnBrk="1" latinLnBrk="0" hangingPunct="1">
+              <a:defRPr sz="1800" kern="1200">
+                <a:solidFill>
+                  <a:schemeClr val="lt1"/>
+                </a:solidFill>
+                <a:latin typeface="+mn-lt"/>
+                <a:ea typeface="+mn-ea"/>
+                <a:cs typeface="+mn-cs"/>
+              </a:defRPr>
+            </a:lvl7pPr>
+            <a:lvl8pPr marL="3200400" algn="l" defTabSz="914400" rtl="0" eaLnBrk="1" latinLnBrk="0" hangingPunct="1">
+              <a:defRPr sz="1800" kern="1200">
+                <a:solidFill>
+                  <a:schemeClr val="lt1"/>
+                </a:solidFill>
+                <a:latin typeface="+mn-lt"/>
+                <a:ea typeface="+mn-ea"/>
+                <a:cs typeface="+mn-cs"/>
+              </a:defRPr>
+            </a:lvl8pPr>
+            <a:lvl9pPr marL="3657600" algn="l" defTabSz="914400" rtl="0" eaLnBrk="1" latinLnBrk="0" hangingPunct="1">
+              <a:defRPr sz="1800" kern="1200">
+                <a:solidFill>
+                  <a:schemeClr val="lt1"/>
+                </a:solidFill>
+                <a:latin typeface="+mn-lt"/>
+                <a:ea typeface="+mn-ea"/>
+                <a:cs typeface="+mn-cs"/>
+              </a:defRPr>
+            </a:lvl9pPr>
+          </a:lstStyle>
+          <a:p>
+            <a:pPr algn="ctr"/>
+            <a:endParaRPr lang="en-US"/>
+          </a:p>
+        </p:txBody>
+      </p:sp>
+      <p:sp>
+        <p:nvSpPr>
+          <p:cNvPr id="25" name="Rectangle 24">
+            <a:extLst>
+              <a:ext uri="{FF2B5EF4-FFF2-40B4-BE49-F238E27FC236}">
+                <a16:creationId xmlns:a16="http://schemas.microsoft.com/office/drawing/2014/main" id="{B5DD78E9-DE0D-47AF-A0DB-F475221E3DC7}"/>
+              </a:ext>
+              <a:ext uri="{C183D7F6-B498-43B3-948B-1728B52AA6E4}">
+                <adec:decorative xmlns:adec="http://schemas.microsoft.com/office/drawing/2017/decorative" val="1"/>
+              </a:ext>
+            </a:extLst>
+          </p:cNvPr>
+          <p:cNvSpPr>
+            <a:spLocks noGrp="1" noRot="1" noChangeAspect="1" noMove="1" noResize="1" noEditPoints="1" noAdjustHandles="1" noChangeArrowheads="1" noChangeShapeType="1" noTextEdit="1"/>
+          </p:cNvSpPr>
+          <p:nvPr>
+            <p:extLst>
+              <p:ext uri="{386F3935-93C4-4BCD-93E2-E3B085C9AB24}">
+                <p16:designElem xmlns:p16="http://schemas.microsoft.com/office/powerpoint/2015/main" val="1"/>
+              </p:ext>
+            </p:extLst>
+          </p:nvPr>
+        </p:nvSpPr>
+        <p:spPr>
+          <a:xfrm>
+            <a:off x="632108" y="610955"/>
+            <a:ext cx="10927784" cy="5636090"/>
+          </a:xfrm>
+          <a:prstGeom prst="rect">
+            <a:avLst/>
+          </a:prstGeom>
+          <a:solidFill>
+            <a:srgbClr val="FFFFFF"/>
+          </a:solidFill>
+          <a:ln w="6350" cap="flat" cmpd="sng" algn="ctr">
+            <a:noFill/>
+            <a:prstDash val="solid"/>
+          </a:ln>
+          <a:effectLst>
+            <a:outerShdw blurRad="50800" algn="ctr" rotWithShape="0">
+              <a:prstClr val="black">
+                <a:alpha val="66000"/>
+              </a:prstClr>
+            </a:outerShdw>
+            <a:softEdge rad="0"/>
+          </a:effectLst>
+        </p:spPr>
+      </p:sp>
+      <p:sp>
+        <p:nvSpPr>
+          <p:cNvPr id="27" name="Rectangle 26">
+            <a:extLst>
+              <a:ext uri="{FF2B5EF4-FFF2-40B4-BE49-F238E27FC236}">
+                <a16:creationId xmlns:a16="http://schemas.microsoft.com/office/drawing/2014/main" id="{A118D329-2010-4A15-B57C-429FFAE35B11}"/>
+              </a:ext>
+              <a:ext uri="{C183D7F6-B498-43B3-948B-1728B52AA6E4}">
+                <adec:decorative xmlns:adec="http://schemas.microsoft.com/office/drawing/2017/decorative" val="1"/>
+              </a:ext>
+            </a:extLst>
+          </p:cNvPr>
+          <p:cNvSpPr>
+            <a:spLocks noGrp="1" noRot="1" noChangeAspect="1" noMove="1" noResize="1" noEditPoints="1" noAdjustHandles="1" noChangeArrowheads="1" noChangeShapeType="1" noTextEdit="1"/>
+          </p:cNvSpPr>
+          <p:nvPr>
+            <p:extLst>
+              <p:ext uri="{386F3935-93C4-4BCD-93E2-E3B085C9AB24}">
+                <p16:designElem xmlns:p16="http://schemas.microsoft.com/office/powerpoint/2015/main" val="1"/>
+              </p:ext>
+            </p:extLst>
+          </p:nvPr>
+        </p:nvSpPr>
+        <p:spPr>
+          <a:xfrm>
+            <a:off x="797052" y="777240"/>
+            <a:ext cx="10597896" cy="5303520"/>
+          </a:xfrm>
+          <a:prstGeom prst="rect">
+            <a:avLst/>
+          </a:prstGeom>
+          <a:solidFill>
+            <a:schemeClr val="bg1">
+              <a:lumMod val="85000"/>
+              <a:lumOff val="15000"/>
+            </a:schemeClr>
+          </a:solidFill>
+          <a:ln w="6350" cap="sq" cmpd="sng" algn="ctr">
+            <a:solidFill>
+              <a:schemeClr val="tx1"/>
+            </a:solidFill>
+            <a:prstDash val="solid"/>
+            <a:miter lim="800000"/>
+          </a:ln>
+          <a:effectLst/>
+        </p:spPr>
+      </p:sp>
+      <p:sp>
+        <p:nvSpPr>
+          <p:cNvPr id="4" name="Title 3">
+            <a:extLst>
+              <a:ext uri="{FF2B5EF4-FFF2-40B4-BE49-F238E27FC236}">
+                <a16:creationId xmlns:a16="http://schemas.microsoft.com/office/drawing/2014/main" id="{6BA491B6-34AC-4612-88A4-CFC5B0107376}"/>
+              </a:ext>
+            </a:extLst>
+          </p:cNvPr>
+          <p:cNvSpPr>
             <a:spLocks noGrp="1"/>
           </p:cNvSpPr>
           <p:nvPr>
-            <p:ph idx="1"/>
-          </p:nvPr>
-        </p:nvSpPr>
-        <p:spPr/>
+            <p:ph type="title"/>
+          </p:nvPr>
+        </p:nvSpPr>
+        <p:spPr>
+          <a:xfrm>
+            <a:off x="1263520" y="1272800"/>
+            <a:ext cx="6544620" cy="4312402"/>
+          </a:xfrm>
+        </p:spPr>
         <p:txBody>
-          <a:bodyPr>
+          <a:bodyPr vert="horz" lIns="91440" tIns="45720" rIns="91440" bIns="45720" rtlCol="0" anchor="ctr">
             <a:normAutofit/>
           </a:bodyPr>
           <a:lstStyle/>
           <a:p>
-            <a:endParaRPr lang="en-US" sz="2000"/>
+            <a:pPr algn="r"/>
+            <a:r>
+              <a:rPr lang="en-US">
+                <a:solidFill>
+                  <a:schemeClr val="tx1"/>
+                </a:solidFill>
+              </a:rPr>
+              <a:t>Find</a:t>
+            </a:r>
           </a:p>
         </p:txBody>
       </p:sp>
+      <p:sp>
+        <p:nvSpPr>
+          <p:cNvPr id="5" name="Text Placeholder 4">
+            <a:extLst>
+              <a:ext uri="{FF2B5EF4-FFF2-40B4-BE49-F238E27FC236}">
+                <a16:creationId xmlns:a16="http://schemas.microsoft.com/office/drawing/2014/main" id="{44791B1E-427A-47A6-A74A-5FBF8847B851}"/>
+              </a:ext>
+            </a:extLst>
+          </p:cNvPr>
+          <p:cNvSpPr>
+            <a:spLocks noGrp="1"/>
+          </p:cNvSpPr>
+          <p:nvPr>
+            <p:ph type="body" idx="1"/>
+          </p:nvPr>
+        </p:nvSpPr>
+        <p:spPr>
+          <a:xfrm>
+            <a:off x="8473440" y="1272800"/>
+            <a:ext cx="2902864" cy="4312402"/>
+          </a:xfrm>
+        </p:spPr>
+        <p:txBody>
+          <a:bodyPr vert="horz" lIns="91440" tIns="45720" rIns="91440" bIns="45720" rtlCol="0" anchor="ctr">
+            <a:normAutofit/>
+          </a:bodyPr>
+          <a:lstStyle/>
+          <a:p>
+            <a:pPr algn="l">
+              <a:lnSpc>
+                <a:spcPct val="100000"/>
+              </a:lnSpc>
+              <a:spcBef>
+                <a:spcPts val="0"/>
+              </a:spcBef>
+            </a:pPr>
+            <a:r>
+              <a:rPr lang="en-US" spc="80"/>
+              <a:t>Retrieving data</a:t>
+            </a:r>
+          </a:p>
+          <a:p>
+            <a:pPr algn="l">
+              <a:lnSpc>
+                <a:spcPct val="100000"/>
+              </a:lnSpc>
+              <a:spcBef>
+                <a:spcPts val="0"/>
+              </a:spcBef>
+            </a:pPr>
+            <a:r>
+              <a:rPr lang="en-US" spc="80"/>
+              <a:t>with MongoDB</a:t>
+            </a:r>
+          </a:p>
+        </p:txBody>
+      </p:sp>
+      <p:cxnSp>
+        <p:nvCxnSpPr>
+          <p:cNvPr id="29" name="Straight Connector 28">
+            <a:extLst>
+              <a:ext uri="{FF2B5EF4-FFF2-40B4-BE49-F238E27FC236}">
+                <a16:creationId xmlns:a16="http://schemas.microsoft.com/office/drawing/2014/main" id="{994262BC-EE98-4BD6-82DB-4955E8DCC290}"/>
+              </a:ext>
+              <a:ext uri="{C183D7F6-B498-43B3-948B-1728B52AA6E4}">
+                <adec:decorative xmlns:adec="http://schemas.microsoft.com/office/drawing/2017/decorative" val="1"/>
+              </a:ext>
+            </a:extLst>
+          </p:cNvPr>
+          <p:cNvCxnSpPr>
+            <a:cxnSpLocks noGrp="1" noRot="1" noChangeAspect="1" noMove="1" noResize="1" noEditPoints="1" noAdjustHandles="1" noChangeArrowheads="1" noChangeShapeType="1"/>
+          </p:cNvCxnSpPr>
+          <p:nvPr>
+            <p:extLst>
+              <p:ext uri="{386F3935-93C4-4BCD-93E2-E3B085C9AB24}">
+                <p16:designElem xmlns:p16="http://schemas.microsoft.com/office/powerpoint/2015/main" val="1"/>
+              </p:ext>
+            </p:extLst>
+          </p:nvPr>
+        </p:nvCxnSpPr>
+        <p:spPr>
+          <a:xfrm>
+            <a:off x="8129872" y="2057401"/>
+            <a:ext cx="0" cy="2743200"/>
+          </a:xfrm>
+          <a:prstGeom prst="line">
+            <a:avLst/>
+          </a:prstGeom>
+          <a:ln w="12700">
+            <a:solidFill>
+              <a:schemeClr val="tx1">
+                <a:lumMod val="75000"/>
+                <a:lumOff val="25000"/>
+              </a:schemeClr>
+            </a:solidFill>
+          </a:ln>
+        </p:spPr>
+        <p:style>
+          <a:lnRef idx="1">
+            <a:schemeClr val="accent1"/>
+          </a:lnRef>
+          <a:fillRef idx="0">
+            <a:schemeClr val="accent1"/>
+          </a:fillRef>
+          <a:effectRef idx="0">
+            <a:schemeClr val="accent1"/>
+          </a:effectRef>
+          <a:fontRef idx="minor">
+            <a:schemeClr val="tx1"/>
+          </a:fontRef>
+        </p:style>
+      </p:cxnSp>
     </p:spTree>
     <p:extLst>
       <p:ext uri="{BB962C8B-B14F-4D97-AF65-F5344CB8AC3E}">
-        <p14:creationId xmlns:p14="http://schemas.microsoft.com/office/powerpoint/2010/main" val="2305014259"/>
+        <p14:creationId xmlns:p14="http://schemas.microsoft.com/office/powerpoint/2010/main" val="2226064651"/>
       </p:ext>
     </p:extLst>
   </p:cSld>
   <p:clrMapOvr>
-    <a:masterClrMapping/>
+    <a:overrideClrMapping bg1="dk1" tx1="lt1" bg2="dk2" tx2="lt2" accent1="accent1" accent2="accent2" accent3="accent3" accent4="accent4" accent5="accent5" accent6="accent6" hlink="hlink" folHlink="folHlink"/>
   </p:clrMapOvr>
 </p:sld>
 </file>
@@ -6410,7 +7203,7 @@
           <a:p>
             <a:r>
               <a:rPr lang="en-US"/>
-              <a:t>Example: Getting some documents from a collection</a:t>
+              <a:t>Example: Find All</a:t>
             </a:r>
           </a:p>
         </p:txBody>
@@ -6438,14 +7231,97 @@
           </a:bodyPr>
           <a:lstStyle/>
           <a:p>
-            <a:endParaRPr lang="en-US" sz="2000"/>
+            <a:pPr marL="0" indent="0">
+              <a:buNone/>
+            </a:pPr>
+            <a:r>
+              <a:rPr lang="en-US" sz="2000">
+                <a:latin typeface="Consolas" panose="020B0609020204030204" pitchFamily="49" charset="0"/>
+              </a:rPr>
+              <a:t>async function getAllNotes() {</a:t>
+            </a:r>
+          </a:p>
+          <a:p>
+            <a:pPr marL="0" indent="0">
+              <a:buNone/>
+            </a:pPr>
+            <a:r>
+              <a:rPr lang="en-US" sz="2000">
+                <a:latin typeface="Consolas" panose="020B0609020204030204" pitchFamily="49" charset="0"/>
+              </a:rPr>
+              <a:t>  const db = await connect();</a:t>
+            </a:r>
+          </a:p>
+          <a:p>
+            <a:pPr marL="0" indent="0">
+              <a:buNone/>
+            </a:pPr>
+            <a:r>
+              <a:rPr lang="en-US" sz="2000">
+                <a:latin typeface="Consolas" panose="020B0609020204030204" pitchFamily="49" charset="0"/>
+              </a:rPr>
+              <a:t>  return db.collection('notes')</a:t>
+            </a:r>
+          </a:p>
+          <a:p>
+            <a:pPr marL="0" indent="0">
+              <a:buNone/>
+            </a:pPr>
+            <a:r>
+              <a:rPr lang="en-US" sz="2000">
+                <a:latin typeface="Consolas" panose="020B0609020204030204" pitchFamily="49" charset="0"/>
+              </a:rPr>
+              <a:t>           </a:t>
+            </a:r>
+            <a:r>
+              <a:rPr lang="en-US" sz="2000" b="1">
+                <a:highlight>
+                  <a:srgbClr val="FFFF00"/>
+                </a:highlight>
+                <a:latin typeface="Consolas" panose="020B0609020204030204" pitchFamily="49" charset="0"/>
+              </a:rPr>
+              <a:t>.find({})</a:t>
+            </a:r>
+          </a:p>
+          <a:p>
+            <a:pPr marL="0" indent="0">
+              <a:buNone/>
+            </a:pPr>
+            <a:r>
+              <a:rPr lang="en-US" sz="2000">
+                <a:latin typeface="Consolas" panose="020B0609020204030204" pitchFamily="49" charset="0"/>
+              </a:rPr>
+              <a:t>           .sort({ title: 1 })</a:t>
+            </a:r>
+          </a:p>
+          <a:p>
+            <a:pPr marL="0" indent="0">
+              <a:buNone/>
+            </a:pPr>
+            <a:r>
+              <a:rPr lang="en-US" sz="2000">
+                <a:latin typeface="Consolas" panose="020B0609020204030204" pitchFamily="49" charset="0"/>
+              </a:rPr>
+              <a:t>           .toArray();</a:t>
+            </a:r>
+          </a:p>
+          <a:p>
+            <a:pPr marL="0" indent="0">
+              <a:buNone/>
+            </a:pPr>
+            <a:r>
+              <a:rPr lang="en-US" sz="2000">
+                <a:latin typeface="Consolas" panose="020B0609020204030204" pitchFamily="49" charset="0"/>
+              </a:rPr>
+              <a:t>}</a:t>
+            </a:r>
           </a:p>
         </p:txBody>
       </p:sp>
     </p:spTree>
     <p:extLst>
       <p:ext uri="{BB962C8B-B14F-4D97-AF65-F5344CB8AC3E}">
-        <p14:creationId xmlns:p14="http://schemas.microsoft.com/office/powerpoint/2010/main" val="3432616808"/>
+        <p14:creationId xmlns:p14="http://schemas.microsoft.com/office/powerpoint/2010/main" val="2305014259"/>
       </p:ext>
     </p:extLst>
   </p:cSld>
@@ -6495,7 +7371,7 @@
           <a:p>
             <a:r>
               <a:rPr lang="en-US"/>
-              <a:t>Example: Getting one document from a collection</a:t>
+              <a:t>Example: Find with filter</a:t>
             </a:r>
           </a:p>
         </p:txBody>
@@ -6523,6 +7399,90 @@
           </a:bodyPr>
           <a:lstStyle/>
           <a:p>
+            <a:pPr marL="0" indent="0">
+              <a:buNone/>
+            </a:pPr>
+            <a:r>
+              <a:rPr lang="en-US" sz="2000">
+                <a:latin typeface="Consolas" panose="020B0609020204030204" pitchFamily="49" charset="0"/>
+              </a:rPr>
+              <a:t>async function getActiveNotes() {</a:t>
+            </a:r>
+          </a:p>
+          <a:p>
+            <a:pPr marL="0" indent="0">
+              <a:buNone/>
+            </a:pPr>
+            <a:r>
+              <a:rPr lang="en-US" sz="2000">
+                <a:latin typeface="Consolas" panose="020B0609020204030204" pitchFamily="49" charset="0"/>
+              </a:rPr>
+              <a:t>  const db = await connect();</a:t>
+            </a:r>
+          </a:p>
+          <a:p>
+            <a:pPr marL="0" indent="0">
+              <a:buNone/>
+            </a:pPr>
+            <a:r>
+              <a:rPr lang="en-US" sz="2000">
+                <a:latin typeface="Consolas" panose="020B0609020204030204" pitchFamily="49" charset="0"/>
+              </a:rPr>
+              <a:t>  return db.collection('notes')</a:t>
+            </a:r>
+          </a:p>
+          <a:p>
+            <a:pPr marL="0" indent="0">
+              <a:buNone/>
+            </a:pPr>
+            <a:r>
+              <a:rPr lang="en-US" sz="2000">
+                <a:latin typeface="Consolas" panose="020B0609020204030204" pitchFamily="49" charset="0"/>
+              </a:rPr>
+              <a:t>           </a:t>
+            </a:r>
+            <a:r>
+              <a:rPr lang="en-US" sz="2000" b="1">
+                <a:highlight>
+                  <a:srgbClr val="FFFF00"/>
+                </a:highlight>
+                <a:latin typeface="Consolas" panose="020B0609020204030204" pitchFamily="49" charset="0"/>
+              </a:rPr>
+              <a:t>.find({ active: true })</a:t>
+            </a:r>
+          </a:p>
+          <a:p>
+            <a:pPr marL="0" indent="0">
+              <a:buNone/>
+            </a:pPr>
+            <a:r>
+              <a:rPr lang="en-US" sz="2000">
+                <a:latin typeface="Consolas" panose="020B0609020204030204" pitchFamily="49" charset="0"/>
+              </a:rPr>
+              <a:t>           .sort({ title: 1 })</a:t>
+            </a:r>
+          </a:p>
+          <a:p>
+            <a:pPr marL="0" indent="0">
+              <a:buNone/>
+            </a:pPr>
+            <a:r>
+              <a:rPr lang="en-US" sz="2000">
+                <a:latin typeface="Consolas" panose="020B0609020204030204" pitchFamily="49" charset="0"/>
+              </a:rPr>
+              <a:t>           .toArray();</a:t>
+            </a:r>
+          </a:p>
+          <a:p>
+            <a:pPr marL="0" indent="0">
+              <a:buNone/>
+            </a:pPr>
+            <a:r>
+              <a:rPr lang="en-US" sz="2000">
+                <a:latin typeface="Consolas" panose="020B0609020204030204" pitchFamily="49" charset="0"/>
+              </a:rPr>
+              <a:t>}</a:t>
+            </a:r>
             <a:endParaRPr lang="en-US" sz="2000"/>
           </a:p>
         </p:txBody>
@@ -6530,7 +7490,7 @@
     </p:spTree>
     <p:extLst>
       <p:ext uri="{BB962C8B-B14F-4D97-AF65-F5344CB8AC3E}">
-        <p14:creationId xmlns:p14="http://schemas.microsoft.com/office/powerpoint/2010/main" val="3266463990"/>
+        <p14:creationId xmlns:p14="http://schemas.microsoft.com/office/powerpoint/2010/main" val="3432616808"/>
       </p:ext>
     </p:extLst>
   </p:cSld>
@@ -6580,7 +7540,7 @@
           <a:p>
             <a:r>
               <a:rPr lang="en-US"/>
-              <a:t>Example: Inserting Documents</a:t>
+              <a:t>Example: Find with filter #2</a:t>
             </a:r>
           </a:p>
         </p:txBody>
@@ -6608,6 +7568,90 @@
           </a:bodyPr>
           <a:lstStyle/>
           <a:p>
+            <a:pPr marL="0" indent="0">
+              <a:buNone/>
+            </a:pPr>
+            <a:r>
+              <a:rPr lang="en-US" sz="2000">
+                <a:latin typeface="Consolas" panose="020B0609020204030204" pitchFamily="49" charset="0"/>
+              </a:rPr>
+              <a:t>async function getProductsOver5() {</a:t>
+            </a:r>
+          </a:p>
+          <a:p>
+            <a:pPr marL="0" indent="0">
+              <a:buNone/>
+            </a:pPr>
+            <a:r>
+              <a:rPr lang="en-US" sz="2000">
+                <a:latin typeface="Consolas" panose="020B0609020204030204" pitchFamily="49" charset="0"/>
+              </a:rPr>
+              <a:t>  const db = await connect();</a:t>
+            </a:r>
+          </a:p>
+          <a:p>
+            <a:pPr marL="0" indent="0">
+              <a:buNone/>
+            </a:pPr>
+            <a:r>
+              <a:rPr lang="en-US" sz="2000">
+                <a:latin typeface="Consolas" panose="020B0609020204030204" pitchFamily="49" charset="0"/>
+              </a:rPr>
+              <a:t>  return db.collection('products')</a:t>
+            </a:r>
+          </a:p>
+          <a:p>
+            <a:pPr marL="0" indent="0">
+              <a:buNone/>
+            </a:pPr>
+            <a:r>
+              <a:rPr lang="en-US" sz="2000">
+                <a:latin typeface="Consolas" panose="020B0609020204030204" pitchFamily="49" charset="0"/>
+              </a:rPr>
+              <a:t>           </a:t>
+            </a:r>
+            <a:r>
+              <a:rPr lang="en-US" sz="2000" b="1">
+                <a:highlight>
+                  <a:srgbClr val="FFFF00"/>
+                </a:highlight>
+                <a:latin typeface="Consolas" panose="020B0609020204030204" pitchFamily="49" charset="0"/>
+              </a:rPr>
+              <a:t>.find({ price: { $gte: 5 } })</a:t>
+            </a:r>
+          </a:p>
+          <a:p>
+            <a:pPr marL="0" indent="0">
+              <a:buNone/>
+            </a:pPr>
+            <a:r>
+              <a:rPr lang="en-US" sz="2000">
+                <a:latin typeface="Consolas" panose="020B0609020204030204" pitchFamily="49" charset="0"/>
+              </a:rPr>
+              <a:t>           .sort({ price: -1 })</a:t>
+            </a:r>
+          </a:p>
+          <a:p>
+            <a:pPr marL="0" indent="0">
+              <a:buNone/>
+            </a:pPr>
+            <a:r>
+              <a:rPr lang="en-US" sz="2000">
+                <a:latin typeface="Consolas" panose="020B0609020204030204" pitchFamily="49" charset="0"/>
+              </a:rPr>
+              <a:t>           .toArray();</a:t>
+            </a:r>
+          </a:p>
+          <a:p>
+            <a:pPr marL="0" indent="0">
+              <a:buNone/>
+            </a:pPr>
+            <a:r>
+              <a:rPr lang="en-US" sz="2000">
+                <a:latin typeface="Consolas" panose="020B0609020204030204" pitchFamily="49" charset="0"/>
+              </a:rPr>
+              <a:t>}</a:t>
+            </a:r>
             <a:endParaRPr lang="en-US" sz="2000"/>
           </a:p>
         </p:txBody>
@@ -6615,7 +7659,7 @@
     </p:spTree>
     <p:extLst>
       <p:ext uri="{BB962C8B-B14F-4D97-AF65-F5344CB8AC3E}">
-        <p14:creationId xmlns:p14="http://schemas.microsoft.com/office/powerpoint/2010/main" val="2229891312"/>
+        <p14:creationId xmlns:p14="http://schemas.microsoft.com/office/powerpoint/2010/main" val="2309157640"/>
       </p:ext>
     </p:extLst>
   </p:cSld>
@@ -6665,7 +7709,7 @@
           <a:p>
             <a:r>
               <a:rPr lang="en-US"/>
-              <a:t>Example: Updating Documents</a:t>
+              <a:t>Example: Find with limit</a:t>
             </a:r>
           </a:p>
         </p:txBody>
@@ -6693,6 +7737,101 @@
           </a:bodyPr>
           <a:lstStyle/>
           <a:p>
+            <a:pPr marL="0" indent="0">
+              <a:buNone/>
+            </a:pPr>
+            <a:r>
+              <a:rPr lang="en-US" sz="2000">
+                <a:latin typeface="Consolas" panose="020B0609020204030204" pitchFamily="49" charset="0"/>
+              </a:rPr>
+              <a:t>async function getProductsOver5() {</a:t>
+            </a:r>
+          </a:p>
+          <a:p>
+            <a:pPr marL="0" indent="0">
+              <a:buNone/>
+            </a:pPr>
+            <a:r>
+              <a:rPr lang="en-US" sz="2000">
+                <a:latin typeface="Consolas" panose="020B0609020204030204" pitchFamily="49" charset="0"/>
+              </a:rPr>
+              <a:t>  const db = await connect();</a:t>
+            </a:r>
+          </a:p>
+          <a:p>
+            <a:pPr marL="0" indent="0">
+              <a:buNone/>
+            </a:pPr>
+            <a:r>
+              <a:rPr lang="en-US" sz="2000">
+                <a:latin typeface="Consolas" panose="020B0609020204030204" pitchFamily="49" charset="0"/>
+              </a:rPr>
+              <a:t>  return db.collection('products')</a:t>
+            </a:r>
+          </a:p>
+          <a:p>
+            <a:pPr marL="0" indent="0">
+              <a:buNone/>
+            </a:pPr>
+            <a:r>
+              <a:rPr lang="en-US" sz="2000">
+                <a:latin typeface="Consolas" panose="020B0609020204030204" pitchFamily="49" charset="0"/>
+              </a:rPr>
+              <a:t>           .find({ price: { $gte: 5 } })</a:t>
+            </a:r>
+          </a:p>
+          <a:p>
+            <a:pPr marL="0" indent="0">
+              <a:buNone/>
+            </a:pPr>
+            <a:r>
+              <a:rPr lang="en-US" sz="2000">
+                <a:latin typeface="Consolas" panose="020B0609020204030204" pitchFamily="49" charset="0"/>
+              </a:rPr>
+              <a:t>           .sort({ price: -1 })</a:t>
+            </a:r>
+          </a:p>
+          <a:p>
+            <a:pPr marL="0" indent="0">
+              <a:buNone/>
+            </a:pPr>
+            <a:r>
+              <a:rPr lang="en-US" sz="2000">
+                <a:latin typeface="Consolas" panose="020B0609020204030204" pitchFamily="49" charset="0"/>
+              </a:rPr>
+              <a:t>           </a:t>
+            </a:r>
+            <a:r>
+              <a:rPr lang="en-US" sz="2000" b="1">
+                <a:highlight>
+                  <a:srgbClr val="FFFF00"/>
+                </a:highlight>
+                <a:latin typeface="Consolas" panose="020B0609020204030204" pitchFamily="49" charset="0"/>
+              </a:rPr>
+              <a:t>.limit(10)</a:t>
+            </a:r>
+          </a:p>
+          <a:p>
+            <a:pPr marL="0" indent="0">
+              <a:buNone/>
+            </a:pPr>
+            <a:r>
+              <a:rPr lang="en-US" sz="2000">
+                <a:latin typeface="Consolas" panose="020B0609020204030204" pitchFamily="49" charset="0"/>
+              </a:rPr>
+              <a:t>           .toArray();</a:t>
+            </a:r>
+          </a:p>
+          <a:p>
+            <a:pPr marL="0" indent="0">
+              <a:buNone/>
+            </a:pPr>
+            <a:r>
+              <a:rPr lang="en-US" sz="2000">
+                <a:latin typeface="Consolas" panose="020B0609020204030204" pitchFamily="49" charset="0"/>
+              </a:rPr>
+              <a:t>}</a:t>
+            </a:r>
             <a:endParaRPr lang="en-US" sz="2000"/>
           </a:p>
         </p:txBody>
@@ -6700,7 +7839,7 @@
     </p:spTree>
     <p:extLst>
       <p:ext uri="{BB962C8B-B14F-4D97-AF65-F5344CB8AC3E}">
-        <p14:creationId xmlns:p14="http://schemas.microsoft.com/office/powerpoint/2010/main" val="2405577913"/>
+        <p14:creationId xmlns:p14="http://schemas.microsoft.com/office/powerpoint/2010/main" val="4275598265"/>
       </p:ext>
     </p:extLst>
   </p:cSld>
@@ -6833,7 +7972,7 @@
           <a:p>
             <a:r>
               <a:rPr lang="en-US"/>
-              <a:t>Example: Upsert</a:t>
+              <a:t>Example: Find One</a:t>
             </a:r>
           </a:p>
         </p:txBody>
@@ -6861,6 +8000,94 @@
           </a:bodyPr>
           <a:lstStyle/>
           <a:p>
+            <a:pPr marL="0" indent="0">
+              <a:buNone/>
+            </a:pPr>
+            <a:r>
+              <a:rPr lang="en-US" sz="2000">
+                <a:latin typeface="Consolas" panose="020B0609020204030204" pitchFamily="49" charset="0"/>
+              </a:rPr>
+              <a:t>async function findNoteById(id) {</a:t>
+            </a:r>
+          </a:p>
+          <a:p>
+            <a:pPr marL="0" indent="0">
+              <a:buNone/>
+            </a:pPr>
+            <a:r>
+              <a:rPr lang="en-US" sz="2000">
+                <a:latin typeface="Consolas" panose="020B0609020204030204" pitchFamily="49" charset="0"/>
+              </a:rPr>
+              <a:t>  </a:t>
+            </a:r>
+            <a:r>
+              <a:rPr lang="en-US" sz="2000" b="1">
+                <a:highlight>
+                  <a:srgbClr val="FFFF00"/>
+                </a:highlight>
+                <a:latin typeface="Consolas" panose="020B0609020204030204" pitchFamily="49" charset="0"/>
+              </a:rPr>
+              <a:t>id = new ObjectId(id);</a:t>
+            </a:r>
+          </a:p>
+          <a:p>
+            <a:pPr marL="0" indent="0">
+              <a:buNone/>
+            </a:pPr>
+            <a:r>
+              <a:rPr lang="en-US" sz="2000">
+                <a:latin typeface="Consolas" panose="020B0609020204030204" pitchFamily="49" charset="0"/>
+              </a:rPr>
+              <a:t>  const db = await connect();</a:t>
+            </a:r>
+          </a:p>
+          <a:p>
+            <a:pPr marL="0" indent="0">
+              <a:buNone/>
+            </a:pPr>
+            <a:r>
+              <a:rPr lang="en-US" sz="2000">
+                <a:latin typeface="Consolas" panose="020B0609020204030204" pitchFamily="49" charset="0"/>
+              </a:rPr>
+              <a:t>  return db.collection('notes')</a:t>
+            </a:r>
+          </a:p>
+          <a:p>
+            <a:pPr marL="0" indent="0">
+              <a:buNone/>
+            </a:pPr>
+            <a:r>
+              <a:rPr lang="en-US" sz="2000">
+                <a:latin typeface="Consolas" panose="020B0609020204030204" pitchFamily="49" charset="0"/>
+              </a:rPr>
+              <a:t>           </a:t>
+            </a:r>
+            <a:r>
+              <a:rPr lang="en-US" sz="2000" b="1">
+                <a:highlight>
+                  <a:srgbClr val="FFFF00"/>
+                </a:highlight>
+                <a:latin typeface="Consolas" panose="020B0609020204030204" pitchFamily="49" charset="0"/>
+              </a:rPr>
+              <a:t>.findOne({ _id: id })</a:t>
+            </a:r>
+            <a:r>
+              <a:rPr lang="en-US" sz="2000">
+                <a:latin typeface="Consolas" panose="020B0609020204030204" pitchFamily="49" charset="0"/>
+              </a:rPr>
+              <a:t>;</a:t>
+            </a:r>
+          </a:p>
+          <a:p>
+            <a:pPr marL="0" indent="0">
+              <a:buNone/>
+            </a:pPr>
+            <a:r>
+              <a:rPr lang="en-US" sz="2000">
+                <a:latin typeface="Consolas" panose="020B0609020204030204" pitchFamily="49" charset="0"/>
+              </a:rPr>
+              <a:t>}</a:t>
+            </a:r>
             <a:endParaRPr lang="en-US" sz="2000"/>
           </a:p>
         </p:txBody>
@@ -6868,7 +8095,7 @@
     </p:spTree>
     <p:extLst>
       <p:ext uri="{BB962C8B-B14F-4D97-AF65-F5344CB8AC3E}">
-        <p14:creationId xmlns:p14="http://schemas.microsoft.com/office/powerpoint/2010/main" val="3419159743"/>
+        <p14:creationId xmlns:p14="http://schemas.microsoft.com/office/powerpoint/2010/main" val="3266463990"/>
       </p:ext>
     </p:extLst>
   </p:cSld>
@@ -6879,6 +8106,869 @@
 </file>
 
 <file path=ppt/slides/slide21.xml><?xml version="1.0" encoding="utf-8"?>
+<p:sld xmlns:a="http://schemas.openxmlformats.org/drawingml/2006/main" xmlns:r="http://schemas.openxmlformats.org/officeDocument/2006/relationships" xmlns:p="http://schemas.openxmlformats.org/presentationml/2006/main">
+  <p:cSld>
+    <p:bg>
+      <p:bgPr>
+        <a:solidFill>
+          <a:schemeClr val="bg1"/>
+        </a:solidFill>
+        <a:effectLst/>
+      </p:bgPr>
+    </p:bg>
+    <p:spTree>
+      <p:nvGrpSpPr>
+        <p:cNvPr id="1" name=""/>
+        <p:cNvGrpSpPr/>
+        <p:nvPr/>
+      </p:nvGrpSpPr>
+      <p:grpSpPr>
+        <a:xfrm>
+          <a:off x="0" y="0"/>
+          <a:ext cx="0" cy="0"/>
+          <a:chOff x="0" y="0"/>
+          <a:chExt cx="0" cy="0"/>
+        </a:xfrm>
+      </p:grpSpPr>
+      <p:sp>
+        <p:nvSpPr>
+          <p:cNvPr id="10" name="Rectangle 9">
+            <a:extLst>
+              <a:ext uri="{FF2B5EF4-FFF2-40B4-BE49-F238E27FC236}">
+                <a16:creationId xmlns:a16="http://schemas.microsoft.com/office/drawing/2014/main" id="{904DB13E-F722-4ED6-BB00-556651E95281}"/>
+              </a:ext>
+              <a:ext uri="{C183D7F6-B498-43B3-948B-1728B52AA6E4}">
+                <adec:decorative xmlns:adec="http://schemas.microsoft.com/office/drawing/2017/decorative" val="1"/>
+              </a:ext>
+            </a:extLst>
+          </p:cNvPr>
+          <p:cNvSpPr>
+            <a:spLocks noGrp="1" noRot="1" noChangeAspect="1" noMove="1" noResize="1" noEditPoints="1" noAdjustHandles="1" noChangeArrowheads="1" noChangeShapeType="1" noTextEdit="1"/>
+          </p:cNvSpPr>
+          <p:nvPr>
+            <p:extLst>
+              <p:ext uri="{386F3935-93C4-4BCD-93E2-E3B085C9AB24}">
+                <p16:designElem xmlns:p16="http://schemas.microsoft.com/office/powerpoint/2015/main" val="1"/>
+              </p:ext>
+            </p:extLst>
+          </p:nvPr>
+        </p:nvSpPr>
+        <p:spPr>
+          <a:xfrm>
+            <a:off x="0" y="0"/>
+            <a:ext cx="12192000" cy="6858000"/>
+          </a:xfrm>
+          <a:prstGeom prst="rect">
+            <a:avLst/>
+          </a:prstGeom>
+          <a:solidFill>
+            <a:schemeClr val="tx1">
+              <a:lumMod val="65000"/>
+              <a:lumOff val="35000"/>
+            </a:schemeClr>
+          </a:solidFill>
+          <a:ln>
+            <a:noFill/>
+          </a:ln>
+        </p:spPr>
+        <p:style>
+          <a:lnRef idx="2">
+            <a:schemeClr val="accent1">
+              <a:shade val="50000"/>
+            </a:schemeClr>
+          </a:lnRef>
+          <a:fillRef idx="1">
+            <a:schemeClr val="accent1"/>
+          </a:fillRef>
+          <a:effectRef idx="0">
+            <a:schemeClr val="accent1"/>
+          </a:effectRef>
+          <a:fontRef idx="minor">
+            <a:schemeClr val="lt1"/>
+          </a:fontRef>
+        </p:style>
+        <p:txBody>
+          <a:bodyPr rtlCol="0" anchor="ctr"/>
+          <a:lstStyle/>
+          <a:p>
+            <a:pPr algn="ctr"/>
+            <a:endParaRPr lang="en-US"/>
+          </a:p>
+        </p:txBody>
+      </p:sp>
+      <p:sp useBgFill="1">
+        <p:nvSpPr>
+          <p:cNvPr id="12" name="Rectangle 11">
+            <a:extLst>
+              <a:ext uri="{FF2B5EF4-FFF2-40B4-BE49-F238E27FC236}">
+                <a16:creationId xmlns:a16="http://schemas.microsoft.com/office/drawing/2014/main" id="{7B58A187-A4B1-42EB-A4C7-8635BA507BCE}"/>
+              </a:ext>
+              <a:ext uri="{C183D7F6-B498-43B3-948B-1728B52AA6E4}">
+                <adec:decorative xmlns:adec="http://schemas.microsoft.com/office/drawing/2017/decorative" val="1"/>
+              </a:ext>
+            </a:extLst>
+          </p:cNvPr>
+          <p:cNvSpPr>
+            <a:spLocks noGrp="1" noRot="1" noChangeAspect="1" noMove="1" noResize="1" noEditPoints="1" noAdjustHandles="1" noChangeArrowheads="1" noChangeShapeType="1" noTextEdit="1"/>
+          </p:cNvSpPr>
+          <p:nvPr>
+            <p:extLst>
+              <p:ext uri="{386F3935-93C4-4BCD-93E2-E3B085C9AB24}">
+                <p16:designElem xmlns:p16="http://schemas.microsoft.com/office/powerpoint/2015/main" val="1"/>
+              </p:ext>
+            </p:extLst>
+          </p:nvPr>
+        </p:nvSpPr>
+        <p:spPr>
+          <a:xfrm>
+            <a:off x="1307870" y="1267730"/>
+            <a:ext cx="9576262" cy="4307950"/>
+          </a:xfrm>
+          <a:prstGeom prst="rect">
+            <a:avLst/>
+          </a:prstGeom>
+          <a:ln w="6350" cap="flat" cmpd="sng" algn="ctr">
+            <a:noFill/>
+            <a:prstDash val="solid"/>
+          </a:ln>
+          <a:effectLst>
+            <a:outerShdw blurRad="50800" algn="ctr" rotWithShape="0">
+              <a:prstClr val="black">
+                <a:alpha val="66000"/>
+              </a:prstClr>
+            </a:outerShdw>
+            <a:softEdge rad="0"/>
+          </a:effectLst>
+        </p:spPr>
+      </p:sp>
+      <p:sp>
+        <p:nvSpPr>
+          <p:cNvPr id="14" name="Rectangle 13">
+            <a:extLst>
+              <a:ext uri="{FF2B5EF4-FFF2-40B4-BE49-F238E27FC236}">
+                <a16:creationId xmlns:a16="http://schemas.microsoft.com/office/drawing/2014/main" id="{37F14E7F-3054-458C-ACF9-A8DA1757C65C}"/>
+              </a:ext>
+              <a:ext uri="{C183D7F6-B498-43B3-948B-1728B52AA6E4}">
+                <adec:decorative xmlns:adec="http://schemas.microsoft.com/office/drawing/2017/decorative" val="1"/>
+              </a:ext>
+            </a:extLst>
+          </p:cNvPr>
+          <p:cNvSpPr>
+            <a:spLocks noGrp="1" noRot="1" noChangeAspect="1" noMove="1" noResize="1" noEditPoints="1" noAdjustHandles="1" noChangeArrowheads="1" noChangeShapeType="1" noTextEdit="1"/>
+          </p:cNvSpPr>
+          <p:nvPr>
+            <p:extLst>
+              <p:ext uri="{386F3935-93C4-4BCD-93E2-E3B085C9AB24}">
+                <p16:designElem xmlns:p16="http://schemas.microsoft.com/office/powerpoint/2015/main" val="1"/>
+              </p:ext>
+            </p:extLst>
+          </p:nvPr>
+        </p:nvSpPr>
+        <p:spPr>
+          <a:xfrm>
+            <a:off x="1447801" y="1411615"/>
+            <a:ext cx="9296400" cy="4034770"/>
+          </a:xfrm>
+          <a:prstGeom prst="rect">
+            <a:avLst/>
+          </a:prstGeom>
+          <a:noFill/>
+          <a:ln w="6350" cap="sq" cmpd="sng" algn="ctr">
+            <a:solidFill>
+              <a:schemeClr val="tx1">
+                <a:lumMod val="75000"/>
+                <a:lumOff val="25000"/>
+              </a:schemeClr>
+            </a:solidFill>
+            <a:prstDash val="solid"/>
+            <a:miter lim="800000"/>
+          </a:ln>
+          <a:effectLst/>
+        </p:spPr>
+      </p:sp>
+      <p:sp>
+        <p:nvSpPr>
+          <p:cNvPr id="16" name="Rectangle 15">
+            <a:extLst>
+              <a:ext uri="{FF2B5EF4-FFF2-40B4-BE49-F238E27FC236}">
+                <a16:creationId xmlns:a16="http://schemas.microsoft.com/office/drawing/2014/main" id="{93747C1C-97FC-4D70-A6C8-A01FBCF5A9DC}"/>
+              </a:ext>
+              <a:ext uri="{C183D7F6-B498-43B3-948B-1728B52AA6E4}">
+                <adec:decorative xmlns:adec="http://schemas.microsoft.com/office/drawing/2017/decorative" val="1"/>
+              </a:ext>
+            </a:extLst>
+          </p:cNvPr>
+          <p:cNvSpPr>
+            <a:spLocks noGrp="1" noRot="1" noChangeAspect="1" noMove="1" noResize="1" noEditPoints="1" noAdjustHandles="1" noChangeArrowheads="1" noChangeShapeType="1" noTextEdit="1"/>
+          </p:cNvSpPr>
+          <p:nvPr>
+            <p:extLst>
+              <p:ext uri="{386F3935-93C4-4BCD-93E2-E3B085C9AB24}">
+                <p16:designElem xmlns:p16="http://schemas.microsoft.com/office/powerpoint/2015/main" val="1"/>
+              </p:ext>
+            </p:extLst>
+          </p:nvPr>
+        </p:nvSpPr>
+        <p:spPr>
+          <a:xfrm>
+            <a:off x="5135880" y="1267730"/>
+            <a:ext cx="1920240" cy="731520"/>
+          </a:xfrm>
+          <a:prstGeom prst="rect">
+            <a:avLst/>
+          </a:prstGeom>
+          <a:solidFill>
+            <a:schemeClr val="accent1"/>
+          </a:solidFill>
+          <a:ln>
+            <a:noFill/>
+          </a:ln>
+        </p:spPr>
+        <p:style>
+          <a:lnRef idx="2">
+            <a:schemeClr val="accent1">
+              <a:shade val="50000"/>
+            </a:schemeClr>
+          </a:lnRef>
+          <a:fillRef idx="1">
+            <a:schemeClr val="accent1"/>
+          </a:fillRef>
+          <a:effectRef idx="0">
+            <a:schemeClr val="accent1"/>
+          </a:effectRef>
+          <a:fontRef idx="minor">
+            <a:schemeClr val="lt1"/>
+          </a:fontRef>
+        </p:style>
+      </p:sp>
+      <p:grpSp>
+        <p:nvGrpSpPr>
+          <p:cNvPr id="18" name="Group 17">
+            <a:extLst>
+              <a:ext uri="{FF2B5EF4-FFF2-40B4-BE49-F238E27FC236}">
+                <a16:creationId xmlns:a16="http://schemas.microsoft.com/office/drawing/2014/main" id="{E26428D7-C6F3-473D-A360-A3F5C3E8728C}"/>
+              </a:ext>
+              <a:ext uri="{C183D7F6-B498-43B3-948B-1728B52AA6E4}">
+                <adec:decorative xmlns:adec="http://schemas.microsoft.com/office/drawing/2017/decorative" val="1"/>
+              </a:ext>
+            </a:extLst>
+          </p:cNvPr>
+          <p:cNvGrpSpPr>
+            <a:grpSpLocks noGrp="1" noUngrp="1" noRot="1" noChangeAspect="1" noMove="1" noResize="1"/>
+          </p:cNvGrpSpPr>
+          <p:nvPr>
+            <p:extLst>
+              <p:ext uri="{386F3935-93C4-4BCD-93E2-E3B085C9AB24}">
+                <p16:designElem xmlns:p16="http://schemas.microsoft.com/office/powerpoint/2015/main" val="1"/>
+              </p:ext>
+            </p:extLst>
+          </p:nvPr>
+        </p:nvGrpSpPr>
+        <p:grpSpPr>
+          <a:xfrm>
+            <a:off x="5250180" y="1267730"/>
+            <a:ext cx="1691640" cy="615934"/>
+            <a:chOff x="5250180" y="1267730"/>
+            <a:chExt cx="1691640" cy="615934"/>
+          </a:xfrm>
+        </p:grpSpPr>
+        <p:cxnSp>
+          <p:nvCxnSpPr>
+            <p:cNvPr id="19" name="Straight Connector 18">
+              <a:extLst>
+                <a:ext uri="{FF2B5EF4-FFF2-40B4-BE49-F238E27FC236}">
+                  <a16:creationId xmlns:a16="http://schemas.microsoft.com/office/drawing/2014/main" id="{05CDC370-AE44-4300-98BA-FE204E881765}"/>
+                </a:ext>
+                <a:ext uri="{C183D7F6-B498-43B3-948B-1728B52AA6E4}">
+                  <adec:decorative xmlns:adec="http://schemas.microsoft.com/office/drawing/2017/decorative" val="1"/>
+                </a:ext>
+              </a:extLst>
+            </p:cNvPr>
+            <p:cNvCxnSpPr/>
+            <p:nvPr>
+              <p:extLst>
+                <p:ext uri="{386F3935-93C4-4BCD-93E2-E3B085C9AB24}">
+                  <p16:designElem xmlns:p16="http://schemas.microsoft.com/office/powerpoint/2015/main" val="1"/>
+                </p:ext>
+              </p:extLst>
+            </p:nvPr>
+          </p:nvCxnSpPr>
+          <p:spPr>
+            <a:xfrm>
+              <a:off x="5250180" y="1267730"/>
+              <a:ext cx="0" cy="612648"/>
+            </a:xfrm>
+            <a:prstGeom prst="line">
+              <a:avLst/>
+            </a:prstGeom>
+            <a:solidFill>
+              <a:schemeClr val="tx1">
+                <a:lumMod val="85000"/>
+                <a:lumOff val="15000"/>
+              </a:schemeClr>
+            </a:solidFill>
+            <a:ln>
+              <a:solidFill>
+                <a:srgbClr val="FFFFFF"/>
+              </a:solidFill>
+              <a:miter lim="800000"/>
+            </a:ln>
+          </p:spPr>
+          <p:style>
+            <a:lnRef idx="1">
+              <a:schemeClr val="accent1"/>
+            </a:lnRef>
+            <a:fillRef idx="0">
+              <a:schemeClr val="accent1"/>
+            </a:fillRef>
+            <a:effectRef idx="0">
+              <a:schemeClr val="accent1"/>
+            </a:effectRef>
+            <a:fontRef idx="minor">
+              <a:schemeClr val="tx1"/>
+            </a:fontRef>
+          </p:style>
+        </p:cxnSp>
+        <p:cxnSp>
+          <p:nvCxnSpPr>
+            <p:cNvPr id="20" name="Straight Connector 19">
+              <a:extLst>
+                <a:ext uri="{FF2B5EF4-FFF2-40B4-BE49-F238E27FC236}">
+                  <a16:creationId xmlns:a16="http://schemas.microsoft.com/office/drawing/2014/main" id="{47B15501-CB9A-4642-80EE-2876EF039EB8}"/>
+                </a:ext>
+                <a:ext uri="{C183D7F6-B498-43B3-948B-1728B52AA6E4}">
+                  <adec:decorative xmlns:adec="http://schemas.microsoft.com/office/drawing/2017/decorative" val="1"/>
+                </a:ext>
+              </a:extLst>
+            </p:cNvPr>
+            <p:cNvCxnSpPr/>
+            <p:nvPr>
+              <p:extLst>
+                <p:ext uri="{386F3935-93C4-4BCD-93E2-E3B085C9AB24}">
+                  <p16:designElem xmlns:p16="http://schemas.microsoft.com/office/powerpoint/2015/main" val="1"/>
+                </p:ext>
+              </p:extLst>
+            </p:nvPr>
+          </p:nvCxnSpPr>
+          <p:spPr>
+            <a:xfrm>
+              <a:off x="6941820" y="1267730"/>
+              <a:ext cx="0" cy="612648"/>
+            </a:xfrm>
+            <a:prstGeom prst="line">
+              <a:avLst/>
+            </a:prstGeom>
+            <a:solidFill>
+              <a:schemeClr val="tx1">
+                <a:lumMod val="85000"/>
+                <a:lumOff val="15000"/>
+              </a:schemeClr>
+            </a:solidFill>
+            <a:ln>
+              <a:solidFill>
+                <a:srgbClr val="FFFFFF"/>
+              </a:solidFill>
+              <a:miter lim="800000"/>
+            </a:ln>
+          </p:spPr>
+          <p:style>
+            <a:lnRef idx="1">
+              <a:schemeClr val="accent1"/>
+            </a:lnRef>
+            <a:fillRef idx="0">
+              <a:schemeClr val="accent1"/>
+            </a:fillRef>
+            <a:effectRef idx="0">
+              <a:schemeClr val="accent1"/>
+            </a:effectRef>
+            <a:fontRef idx="minor">
+              <a:schemeClr val="tx1"/>
+            </a:fontRef>
+          </p:style>
+        </p:cxnSp>
+        <p:cxnSp>
+          <p:nvCxnSpPr>
+            <p:cNvPr id="21" name="Straight Connector 20">
+              <a:extLst>
+                <a:ext uri="{FF2B5EF4-FFF2-40B4-BE49-F238E27FC236}">
+                  <a16:creationId xmlns:a16="http://schemas.microsoft.com/office/drawing/2014/main" id="{6AFF9525-325F-47B3-A63C-93C12253AD76}"/>
+                </a:ext>
+                <a:ext uri="{C183D7F6-B498-43B3-948B-1728B52AA6E4}">
+                  <adec:decorative xmlns:adec="http://schemas.microsoft.com/office/drawing/2017/decorative" val="1"/>
+                </a:ext>
+              </a:extLst>
+            </p:cNvPr>
+            <p:cNvCxnSpPr/>
+            <p:nvPr>
+              <p:extLst>
+                <p:ext uri="{386F3935-93C4-4BCD-93E2-E3B085C9AB24}">
+                  <p16:designElem xmlns:p16="http://schemas.microsoft.com/office/powerpoint/2015/main" val="1"/>
+                </p:ext>
+              </p:extLst>
+            </p:nvPr>
+          </p:nvCxnSpPr>
+          <p:spPr>
+            <a:xfrm>
+              <a:off x="5250180" y="1883664"/>
+              <a:ext cx="1691640" cy="0"/>
+            </a:xfrm>
+            <a:prstGeom prst="line">
+              <a:avLst/>
+            </a:prstGeom>
+            <a:solidFill>
+              <a:schemeClr val="tx1">
+                <a:lumMod val="85000"/>
+                <a:lumOff val="15000"/>
+              </a:schemeClr>
+            </a:solidFill>
+            <a:ln>
+              <a:solidFill>
+                <a:srgbClr val="FFFFFF"/>
+              </a:solidFill>
+              <a:miter lim="800000"/>
+            </a:ln>
+          </p:spPr>
+          <p:style>
+            <a:lnRef idx="1">
+              <a:schemeClr val="accent1"/>
+            </a:lnRef>
+            <a:fillRef idx="0">
+              <a:schemeClr val="accent1"/>
+            </a:fillRef>
+            <a:effectRef idx="0">
+              <a:schemeClr val="accent1"/>
+            </a:effectRef>
+            <a:fontRef idx="minor">
+              <a:schemeClr val="tx1"/>
+            </a:fontRef>
+          </p:style>
+        </p:cxnSp>
+      </p:grpSp>
+      <p:sp>
+        <p:nvSpPr>
+          <p:cNvPr id="23" name="Rectangle 22">
+            <a:extLst>
+              <a:ext uri="{FF2B5EF4-FFF2-40B4-BE49-F238E27FC236}">
+                <a16:creationId xmlns:a16="http://schemas.microsoft.com/office/drawing/2014/main" id="{B66F8A2C-B8CF-4B20-9A73-2ADCF6302755}"/>
+              </a:ext>
+              <a:ext uri="{C183D7F6-B498-43B3-948B-1728B52AA6E4}">
+                <adec:decorative xmlns:adec="http://schemas.microsoft.com/office/drawing/2017/decorative" val="1"/>
+              </a:ext>
+            </a:extLst>
+          </p:cNvPr>
+          <p:cNvSpPr>
+            <a:spLocks noGrp="1" noRot="1" noChangeAspect="1" noMove="1" noResize="1" noEditPoints="1" noAdjustHandles="1" noChangeArrowheads="1" noChangeShapeType="1" noTextEdit="1"/>
+          </p:cNvSpPr>
+          <p:nvPr>
+            <p:extLst>
+              <p:ext uri="{386F3935-93C4-4BCD-93E2-E3B085C9AB24}">
+                <p16:designElem xmlns:p16="http://schemas.microsoft.com/office/powerpoint/2015/main" val="1"/>
+              </p:ext>
+            </p:extLst>
+          </p:nvPr>
+        </p:nvSpPr>
+        <p:spPr>
+          <a:xfrm>
+            <a:off x="0" y="0"/>
+            <a:ext cx="12192001" cy="6858000"/>
+          </a:xfrm>
+          <a:prstGeom prst="rect">
+            <a:avLst/>
+          </a:prstGeom>
+          <a:solidFill>
+            <a:schemeClr val="tx1">
+              <a:lumMod val="85000"/>
+            </a:schemeClr>
+          </a:solidFill>
+          <a:ln>
+            <a:noFill/>
+          </a:ln>
+        </p:spPr>
+        <p:style>
+          <a:lnRef idx="2">
+            <a:schemeClr val="accent1">
+              <a:shade val="50000"/>
+            </a:schemeClr>
+          </a:lnRef>
+          <a:fillRef idx="1">
+            <a:schemeClr val="accent1"/>
+          </a:fillRef>
+          <a:effectRef idx="0">
+            <a:schemeClr val="accent1"/>
+          </a:effectRef>
+          <a:fontRef idx="minor">
+            <a:schemeClr val="lt1"/>
+          </a:fontRef>
+        </p:style>
+        <p:txBody>
+          <a:bodyPr rot="0" spcFirstLastPara="0" vert="horz" wrap="square" lIns="91440" tIns="45720" rIns="91440" bIns="45720" numCol="1" spcCol="0" rtlCol="0" fromWordArt="0" anchor="ctr" anchorCtr="0" forceAA="0" compatLnSpc="1">
+            <a:prstTxWarp prst="textNoShape">
+              <a:avLst/>
+            </a:prstTxWarp>
+            <a:noAutofit/>
+          </a:bodyPr>
+          <a:lstStyle>
+            <a:defPPr>
+              <a:defRPr lang="en-US"/>
+            </a:defPPr>
+            <a:lvl1pPr marL="0" algn="l" defTabSz="914400" rtl="0" eaLnBrk="1" latinLnBrk="0" hangingPunct="1">
+              <a:defRPr sz="1800" kern="1200">
+                <a:solidFill>
+                  <a:schemeClr val="lt1"/>
+                </a:solidFill>
+                <a:latin typeface="+mn-lt"/>
+                <a:ea typeface="+mn-ea"/>
+                <a:cs typeface="+mn-cs"/>
+              </a:defRPr>
+            </a:lvl1pPr>
+            <a:lvl2pPr marL="457200" algn="l" defTabSz="914400" rtl="0" eaLnBrk="1" latinLnBrk="0" hangingPunct="1">
+              <a:defRPr sz="1800" kern="1200">
+                <a:solidFill>
+                  <a:schemeClr val="lt1"/>
+                </a:solidFill>
+                <a:latin typeface="+mn-lt"/>
+                <a:ea typeface="+mn-ea"/>
+                <a:cs typeface="+mn-cs"/>
+              </a:defRPr>
+            </a:lvl2pPr>
+            <a:lvl3pPr marL="914400" algn="l" defTabSz="914400" rtl="0" eaLnBrk="1" latinLnBrk="0" hangingPunct="1">
+              <a:defRPr sz="1800" kern="1200">
+                <a:solidFill>
+                  <a:schemeClr val="lt1"/>
+                </a:solidFill>
+                <a:latin typeface="+mn-lt"/>
+                <a:ea typeface="+mn-ea"/>
+                <a:cs typeface="+mn-cs"/>
+              </a:defRPr>
+            </a:lvl3pPr>
+            <a:lvl4pPr marL="1371600" algn="l" defTabSz="914400" rtl="0" eaLnBrk="1" latinLnBrk="0" hangingPunct="1">
+              <a:defRPr sz="1800" kern="1200">
+                <a:solidFill>
+                  <a:schemeClr val="lt1"/>
+                </a:solidFill>
+                <a:latin typeface="+mn-lt"/>
+                <a:ea typeface="+mn-ea"/>
+                <a:cs typeface="+mn-cs"/>
+              </a:defRPr>
+            </a:lvl4pPr>
+            <a:lvl5pPr marL="1828800" algn="l" defTabSz="914400" rtl="0" eaLnBrk="1" latinLnBrk="0" hangingPunct="1">
+              <a:defRPr sz="1800" kern="1200">
+                <a:solidFill>
+                  <a:schemeClr val="lt1"/>
+                </a:solidFill>
+                <a:latin typeface="+mn-lt"/>
+                <a:ea typeface="+mn-ea"/>
+                <a:cs typeface="+mn-cs"/>
+              </a:defRPr>
+            </a:lvl5pPr>
+            <a:lvl6pPr marL="2286000" algn="l" defTabSz="914400" rtl="0" eaLnBrk="1" latinLnBrk="0" hangingPunct="1">
+              <a:defRPr sz="1800" kern="1200">
+                <a:solidFill>
+                  <a:schemeClr val="lt1"/>
+                </a:solidFill>
+                <a:latin typeface="+mn-lt"/>
+                <a:ea typeface="+mn-ea"/>
+                <a:cs typeface="+mn-cs"/>
+              </a:defRPr>
+            </a:lvl6pPr>
+            <a:lvl7pPr marL="2743200" algn="l" defTabSz="914400" rtl="0" eaLnBrk="1" latinLnBrk="0" hangingPunct="1">
+              <a:defRPr sz="1800" kern="1200">
+                <a:solidFill>
+                  <a:schemeClr val="lt1"/>
+                </a:solidFill>
+                <a:latin typeface="+mn-lt"/>
+                <a:ea typeface="+mn-ea"/>
+                <a:cs typeface="+mn-cs"/>
+              </a:defRPr>
+            </a:lvl7pPr>
+            <a:lvl8pPr marL="3200400" algn="l" defTabSz="914400" rtl="0" eaLnBrk="1" latinLnBrk="0" hangingPunct="1">
+              <a:defRPr sz="1800" kern="1200">
+                <a:solidFill>
+                  <a:schemeClr val="lt1"/>
+                </a:solidFill>
+                <a:latin typeface="+mn-lt"/>
+                <a:ea typeface="+mn-ea"/>
+                <a:cs typeface="+mn-cs"/>
+              </a:defRPr>
+            </a:lvl8pPr>
+            <a:lvl9pPr marL="3657600" algn="l" defTabSz="914400" rtl="0" eaLnBrk="1" latinLnBrk="0" hangingPunct="1">
+              <a:defRPr sz="1800" kern="1200">
+                <a:solidFill>
+                  <a:schemeClr val="lt1"/>
+                </a:solidFill>
+                <a:latin typeface="+mn-lt"/>
+                <a:ea typeface="+mn-ea"/>
+                <a:cs typeface="+mn-cs"/>
+              </a:defRPr>
+            </a:lvl9pPr>
+          </a:lstStyle>
+          <a:p>
+            <a:pPr algn="ctr"/>
+            <a:endParaRPr lang="en-US"/>
+          </a:p>
+        </p:txBody>
+      </p:sp>
+      <p:sp>
+        <p:nvSpPr>
+          <p:cNvPr id="25" name="Rectangle 24">
+            <a:extLst>
+              <a:ext uri="{FF2B5EF4-FFF2-40B4-BE49-F238E27FC236}">
+                <a16:creationId xmlns:a16="http://schemas.microsoft.com/office/drawing/2014/main" id="{B5DD78E9-DE0D-47AF-A0DB-F475221E3DC7}"/>
+              </a:ext>
+              <a:ext uri="{C183D7F6-B498-43B3-948B-1728B52AA6E4}">
+                <adec:decorative xmlns:adec="http://schemas.microsoft.com/office/drawing/2017/decorative" val="1"/>
+              </a:ext>
+            </a:extLst>
+          </p:cNvPr>
+          <p:cNvSpPr>
+            <a:spLocks noGrp="1" noRot="1" noChangeAspect="1" noMove="1" noResize="1" noEditPoints="1" noAdjustHandles="1" noChangeArrowheads="1" noChangeShapeType="1" noTextEdit="1"/>
+          </p:cNvSpPr>
+          <p:nvPr>
+            <p:extLst>
+              <p:ext uri="{386F3935-93C4-4BCD-93E2-E3B085C9AB24}">
+                <p16:designElem xmlns:p16="http://schemas.microsoft.com/office/powerpoint/2015/main" val="1"/>
+              </p:ext>
+            </p:extLst>
+          </p:nvPr>
+        </p:nvSpPr>
+        <p:spPr>
+          <a:xfrm>
+            <a:off x="632108" y="610955"/>
+            <a:ext cx="10927784" cy="5636090"/>
+          </a:xfrm>
+          <a:prstGeom prst="rect">
+            <a:avLst/>
+          </a:prstGeom>
+          <a:solidFill>
+            <a:srgbClr val="FFFFFF"/>
+          </a:solidFill>
+          <a:ln w="6350" cap="flat" cmpd="sng" algn="ctr">
+            <a:noFill/>
+            <a:prstDash val="solid"/>
+          </a:ln>
+          <a:effectLst>
+            <a:outerShdw blurRad="50800" algn="ctr" rotWithShape="0">
+              <a:prstClr val="black">
+                <a:alpha val="66000"/>
+              </a:prstClr>
+            </a:outerShdw>
+            <a:softEdge rad="0"/>
+          </a:effectLst>
+        </p:spPr>
+      </p:sp>
+      <p:sp>
+        <p:nvSpPr>
+          <p:cNvPr id="27" name="Rectangle 26">
+            <a:extLst>
+              <a:ext uri="{FF2B5EF4-FFF2-40B4-BE49-F238E27FC236}">
+                <a16:creationId xmlns:a16="http://schemas.microsoft.com/office/drawing/2014/main" id="{A118D329-2010-4A15-B57C-429FFAE35B11}"/>
+              </a:ext>
+              <a:ext uri="{C183D7F6-B498-43B3-948B-1728B52AA6E4}">
+                <adec:decorative xmlns:adec="http://schemas.microsoft.com/office/drawing/2017/decorative" val="1"/>
+              </a:ext>
+            </a:extLst>
+          </p:cNvPr>
+          <p:cNvSpPr>
+            <a:spLocks noGrp="1" noRot="1" noChangeAspect="1" noMove="1" noResize="1" noEditPoints="1" noAdjustHandles="1" noChangeArrowheads="1" noChangeShapeType="1" noTextEdit="1"/>
+          </p:cNvSpPr>
+          <p:nvPr>
+            <p:extLst>
+              <p:ext uri="{386F3935-93C4-4BCD-93E2-E3B085C9AB24}">
+                <p16:designElem xmlns:p16="http://schemas.microsoft.com/office/powerpoint/2015/main" val="1"/>
+              </p:ext>
+            </p:extLst>
+          </p:nvPr>
+        </p:nvSpPr>
+        <p:spPr>
+          <a:xfrm>
+            <a:off x="797052" y="777240"/>
+            <a:ext cx="10597896" cy="5303520"/>
+          </a:xfrm>
+          <a:prstGeom prst="rect">
+            <a:avLst/>
+          </a:prstGeom>
+          <a:solidFill>
+            <a:schemeClr val="bg1">
+              <a:lumMod val="85000"/>
+              <a:lumOff val="15000"/>
+            </a:schemeClr>
+          </a:solidFill>
+          <a:ln w="6350" cap="sq" cmpd="sng" algn="ctr">
+            <a:solidFill>
+              <a:schemeClr val="tx1"/>
+            </a:solidFill>
+            <a:prstDash val="solid"/>
+            <a:miter lim="800000"/>
+          </a:ln>
+          <a:effectLst/>
+        </p:spPr>
+      </p:sp>
+      <p:sp>
+        <p:nvSpPr>
+          <p:cNvPr id="4" name="Title 3">
+            <a:extLst>
+              <a:ext uri="{FF2B5EF4-FFF2-40B4-BE49-F238E27FC236}">
+                <a16:creationId xmlns:a16="http://schemas.microsoft.com/office/drawing/2014/main" id="{6BA491B6-34AC-4612-88A4-CFC5B0107376}"/>
+              </a:ext>
+            </a:extLst>
+          </p:cNvPr>
+          <p:cNvSpPr>
+            <a:spLocks noGrp="1"/>
+          </p:cNvSpPr>
+          <p:nvPr>
+            <p:ph type="title"/>
+          </p:nvPr>
+        </p:nvSpPr>
+        <p:spPr>
+          <a:xfrm>
+            <a:off x="1263520" y="1272800"/>
+            <a:ext cx="6544620" cy="4312402"/>
+          </a:xfrm>
+        </p:spPr>
+        <p:txBody>
+          <a:bodyPr vert="horz" lIns="91440" tIns="45720" rIns="91440" bIns="45720" rtlCol="0" anchor="ctr">
+            <a:normAutofit/>
+          </a:bodyPr>
+          <a:lstStyle/>
+          <a:p>
+            <a:pPr algn="r"/>
+            <a:r>
+              <a:rPr lang="en-US" sz="4800">
+                <a:solidFill>
+                  <a:schemeClr val="tx1"/>
+                </a:solidFill>
+              </a:rPr>
+              <a:t>INSERT/UPDATE/DELETE</a:t>
+            </a:r>
+          </a:p>
+        </p:txBody>
+      </p:sp>
+      <p:sp>
+        <p:nvSpPr>
+          <p:cNvPr id="5" name="Text Placeholder 4">
+            <a:extLst>
+              <a:ext uri="{FF2B5EF4-FFF2-40B4-BE49-F238E27FC236}">
+                <a16:creationId xmlns:a16="http://schemas.microsoft.com/office/drawing/2014/main" id="{44791B1E-427A-47A6-A74A-5FBF8847B851}"/>
+              </a:ext>
+            </a:extLst>
+          </p:cNvPr>
+          <p:cNvSpPr>
+            <a:spLocks noGrp="1"/>
+          </p:cNvSpPr>
+          <p:nvPr>
+            <p:ph type="body" idx="1"/>
+          </p:nvPr>
+        </p:nvSpPr>
+        <p:spPr>
+          <a:xfrm>
+            <a:off x="8473440" y="1272800"/>
+            <a:ext cx="2902864" cy="4312402"/>
+          </a:xfrm>
+        </p:spPr>
+        <p:txBody>
+          <a:bodyPr vert="horz" lIns="91440" tIns="45720" rIns="91440" bIns="45720" rtlCol="0" anchor="ctr">
+            <a:normAutofit/>
+          </a:bodyPr>
+          <a:lstStyle/>
+          <a:p>
+            <a:pPr algn="l">
+              <a:lnSpc>
+                <a:spcPct val="100000"/>
+              </a:lnSpc>
+              <a:spcBef>
+                <a:spcPts val="0"/>
+              </a:spcBef>
+            </a:pPr>
+            <a:r>
+              <a:rPr lang="en-US" spc="80"/>
+              <a:t>Modifying data</a:t>
+            </a:r>
+          </a:p>
+          <a:p>
+            <a:pPr algn="l">
+              <a:lnSpc>
+                <a:spcPct val="100000"/>
+              </a:lnSpc>
+              <a:spcBef>
+                <a:spcPts val="0"/>
+              </a:spcBef>
+            </a:pPr>
+            <a:r>
+              <a:rPr lang="en-US" spc="80"/>
+              <a:t>with MongoDB</a:t>
+            </a:r>
+          </a:p>
+        </p:txBody>
+      </p:sp>
+      <p:cxnSp>
+        <p:nvCxnSpPr>
+          <p:cNvPr id="29" name="Straight Connector 28">
+            <a:extLst>
+              <a:ext uri="{FF2B5EF4-FFF2-40B4-BE49-F238E27FC236}">
+                <a16:creationId xmlns:a16="http://schemas.microsoft.com/office/drawing/2014/main" id="{994262BC-EE98-4BD6-82DB-4955E8DCC290}"/>
+              </a:ext>
+              <a:ext uri="{C183D7F6-B498-43B3-948B-1728B52AA6E4}">
+                <adec:decorative xmlns:adec="http://schemas.microsoft.com/office/drawing/2017/decorative" val="1"/>
+              </a:ext>
+            </a:extLst>
+          </p:cNvPr>
+          <p:cNvCxnSpPr>
+            <a:cxnSpLocks noGrp="1" noRot="1" noChangeAspect="1" noMove="1" noResize="1" noEditPoints="1" noAdjustHandles="1" noChangeArrowheads="1" noChangeShapeType="1"/>
+          </p:cNvCxnSpPr>
+          <p:nvPr>
+            <p:extLst>
+              <p:ext uri="{386F3935-93C4-4BCD-93E2-E3B085C9AB24}">
+                <p16:designElem xmlns:p16="http://schemas.microsoft.com/office/powerpoint/2015/main" val="1"/>
+              </p:ext>
+            </p:extLst>
+          </p:nvPr>
+        </p:nvCxnSpPr>
+        <p:spPr>
+          <a:xfrm>
+            <a:off x="8129872" y="2057401"/>
+            <a:ext cx="0" cy="2743200"/>
+          </a:xfrm>
+          <a:prstGeom prst="line">
+            <a:avLst/>
+          </a:prstGeom>
+          <a:ln w="12700">
+            <a:solidFill>
+              <a:schemeClr val="tx1">
+                <a:lumMod val="75000"/>
+                <a:lumOff val="25000"/>
+              </a:schemeClr>
+            </a:solidFill>
+          </a:ln>
+        </p:spPr>
+        <p:style>
+          <a:lnRef idx="1">
+            <a:schemeClr val="accent1"/>
+          </a:lnRef>
+          <a:fillRef idx="0">
+            <a:schemeClr val="accent1"/>
+          </a:fillRef>
+          <a:effectRef idx="0">
+            <a:schemeClr val="accent1"/>
+          </a:effectRef>
+          <a:fontRef idx="minor">
+            <a:schemeClr val="tx1"/>
+          </a:fontRef>
+        </p:style>
+      </p:cxnSp>
+    </p:spTree>
+    <p:extLst>
+      <p:ext uri="{BB962C8B-B14F-4D97-AF65-F5344CB8AC3E}">
+        <p14:creationId xmlns:p14="http://schemas.microsoft.com/office/powerpoint/2010/main" val="3417308871"/>
+      </p:ext>
+    </p:extLst>
+  </p:cSld>
+  <p:clrMapOvr>
+    <a:overrideClrMapping bg1="dk1" tx1="lt1" bg2="dk2" tx2="lt2" accent1="accent1" accent2="accent2" accent3="accent3" accent4="accent4" accent5="accent5" accent6="accent6" hlink="hlink" folHlink="folHlink"/>
+  </p:clrMapOvr>
+</p:sld>
+</file>
+
+<file path=ppt/slides/slide22.xml><?xml version="1.0" encoding="utf-8"?>
 <p:sld xmlns:a="http://schemas.openxmlformats.org/drawingml/2006/main" xmlns:r="http://schemas.openxmlformats.org/officeDocument/2006/relationships" xmlns:p="http://schemas.openxmlformats.org/presentationml/2006/main">
   <p:cSld>
     <p:spTree>
@@ -6918,7 +9008,7 @@
           <a:p>
             <a:r>
               <a:rPr lang="en-US"/>
-              <a:t>Example: Deleting Documents</a:t>
+              <a:t>Example: Inserting Documents</a:t>
             </a:r>
           </a:p>
         </p:txBody>
@@ -6946,7 +9036,556 @@
           </a:bodyPr>
           <a:lstStyle/>
           <a:p>
-            <a:endParaRPr lang="en-US" sz="2000"/>
+            <a:pPr marL="0" indent="0">
+              <a:buNone/>
+            </a:pPr>
+            <a:r>
+              <a:rPr lang="en-US" sz="2000">
+                <a:latin typeface="Consolas" panose="020B0609020204030204" pitchFamily="49" charset="0"/>
+              </a:rPr>
+              <a:t>async function insertOneNote(note) {</a:t>
+            </a:r>
+          </a:p>
+          <a:p>
+            <a:pPr marL="0" indent="0">
+              <a:buNone/>
+            </a:pPr>
+            <a:r>
+              <a:rPr lang="en-US" sz="2000">
+                <a:latin typeface="Consolas" panose="020B0609020204030204" pitchFamily="49" charset="0"/>
+              </a:rPr>
+              <a:t>  delete note._id;</a:t>
+            </a:r>
+          </a:p>
+          <a:p>
+            <a:pPr marL="0" indent="0">
+              <a:buNone/>
+            </a:pPr>
+            <a:r>
+              <a:rPr lang="en-US" sz="2000">
+                <a:latin typeface="Consolas" panose="020B0609020204030204" pitchFamily="49" charset="0"/>
+              </a:rPr>
+              <a:t>  const db = await connect();</a:t>
+            </a:r>
+          </a:p>
+          <a:p>
+            <a:pPr marL="0" indent="0">
+              <a:buNone/>
+            </a:pPr>
+            <a:r>
+              <a:rPr lang="en-US" sz="2000">
+                <a:latin typeface="Consolas" panose="020B0609020204030204" pitchFamily="49" charset="0"/>
+              </a:rPr>
+              <a:t>  return db.collection('notes').insertOne(note);</a:t>
+            </a:r>
+          </a:p>
+          <a:p>
+            <a:pPr marL="0" indent="0">
+              <a:buNone/>
+            </a:pPr>
+            <a:r>
+              <a:rPr lang="en-US" sz="2000">
+                <a:latin typeface="Consolas" panose="020B0609020204030204" pitchFamily="49" charset="0"/>
+              </a:rPr>
+              <a:t>}</a:t>
+            </a:r>
+          </a:p>
+        </p:txBody>
+      </p:sp>
+    </p:spTree>
+    <p:extLst>
+      <p:ext uri="{BB962C8B-B14F-4D97-AF65-F5344CB8AC3E}">
+        <p14:creationId xmlns:p14="http://schemas.microsoft.com/office/powerpoint/2010/main" val="2229891312"/>
+      </p:ext>
+    </p:extLst>
+  </p:cSld>
+  <p:clrMapOvr>
+    <a:masterClrMapping/>
+  </p:clrMapOvr>
+</p:sld>
+</file>
+
+<file path=ppt/slides/slide23.xml><?xml version="1.0" encoding="utf-8"?>
+<p:sld xmlns:a="http://schemas.openxmlformats.org/drawingml/2006/main" xmlns:r="http://schemas.openxmlformats.org/officeDocument/2006/relationships" xmlns:p="http://schemas.openxmlformats.org/presentationml/2006/main">
+  <p:cSld>
+    <p:spTree>
+      <p:nvGrpSpPr>
+        <p:cNvPr id="1" name=""/>
+        <p:cNvGrpSpPr/>
+        <p:nvPr/>
+      </p:nvGrpSpPr>
+      <p:grpSpPr>
+        <a:xfrm>
+          <a:off x="0" y="0"/>
+          <a:ext cx="0" cy="0"/>
+          <a:chOff x="0" y="0"/>
+          <a:chExt cx="0" cy="0"/>
+        </a:xfrm>
+      </p:grpSpPr>
+      <p:sp>
+        <p:nvSpPr>
+          <p:cNvPr id="2" name="Title 1">
+            <a:extLst>
+              <a:ext uri="{FF2B5EF4-FFF2-40B4-BE49-F238E27FC236}">
+                <a16:creationId xmlns:a16="http://schemas.microsoft.com/office/drawing/2014/main" id="{7BBC9961-4BF0-445F-9AD3-90DE00185188}"/>
+              </a:ext>
+            </a:extLst>
+          </p:cNvPr>
+          <p:cNvSpPr>
+            <a:spLocks noGrp="1"/>
+          </p:cNvSpPr>
+          <p:nvPr>
+            <p:ph type="title"/>
+          </p:nvPr>
+        </p:nvSpPr>
+        <p:spPr/>
+        <p:txBody>
+          <a:bodyPr/>
+          <a:lstStyle/>
+          <a:p>
+            <a:r>
+              <a:rPr lang="en-US"/>
+              <a:t>Example: Updating Documents</a:t>
+            </a:r>
+          </a:p>
+        </p:txBody>
+      </p:sp>
+      <p:sp>
+        <p:nvSpPr>
+          <p:cNvPr id="3" name="Content Placeholder 2">
+            <a:extLst>
+              <a:ext uri="{FF2B5EF4-FFF2-40B4-BE49-F238E27FC236}">
+                <a16:creationId xmlns:a16="http://schemas.microsoft.com/office/drawing/2014/main" id="{D04995EB-1AA3-43AF-A1AF-57A3BB47576F}"/>
+              </a:ext>
+            </a:extLst>
+          </p:cNvPr>
+          <p:cNvSpPr>
+            <a:spLocks noGrp="1"/>
+          </p:cNvSpPr>
+          <p:nvPr>
+            <p:ph idx="1"/>
+          </p:nvPr>
+        </p:nvSpPr>
+        <p:spPr/>
+        <p:txBody>
+          <a:bodyPr>
+            <a:normAutofit/>
+          </a:bodyPr>
+          <a:lstStyle/>
+          <a:p>
+            <a:pPr marL="0" indent="0">
+              <a:buNone/>
+            </a:pPr>
+            <a:r>
+              <a:rPr lang="en-US" sz="2000">
+                <a:latin typeface="Consolas" panose="020B0609020204030204" pitchFamily="49" charset="0"/>
+              </a:rPr>
+              <a:t>async function updateOneNote(note) {</a:t>
+            </a:r>
+          </a:p>
+          <a:p>
+            <a:pPr marL="0" indent="0">
+              <a:buNone/>
+            </a:pPr>
+            <a:r>
+              <a:rPr lang="en-US" sz="2000">
+                <a:latin typeface="Consolas" panose="020B0609020204030204" pitchFamily="49" charset="0"/>
+              </a:rPr>
+              <a:t>  note._id = new ObjectId(note._id);</a:t>
+            </a:r>
+          </a:p>
+          <a:p>
+            <a:pPr marL="0" indent="0">
+              <a:buNone/>
+            </a:pPr>
+            <a:r>
+              <a:rPr lang="en-US" sz="2000">
+                <a:latin typeface="Consolas" panose="020B0609020204030204" pitchFamily="49" charset="0"/>
+              </a:rPr>
+              <a:t>  const db = await connect();</a:t>
+            </a:r>
+          </a:p>
+          <a:p>
+            <a:pPr marL="0" indent="0">
+              <a:buNone/>
+            </a:pPr>
+            <a:r>
+              <a:rPr lang="en-US" sz="2000">
+                <a:latin typeface="Consolas" panose="020B0609020204030204" pitchFamily="49" charset="0"/>
+              </a:rPr>
+              <a:t>  return db.collection('notes').updateOne(</a:t>
+            </a:r>
+          </a:p>
+          <a:p>
+            <a:pPr marL="0" indent="0">
+              <a:buNone/>
+            </a:pPr>
+            <a:r>
+              <a:rPr lang="en-US" sz="2000">
+                <a:latin typeface="Consolas" panose="020B0609020204030204" pitchFamily="49" charset="0"/>
+              </a:rPr>
+              <a:t>      { _id: note._id }, </a:t>
+            </a:r>
+          </a:p>
+          <a:p>
+            <a:pPr marL="0" indent="0">
+              <a:buNone/>
+            </a:pPr>
+            <a:r>
+              <a:rPr lang="en-US" sz="2000">
+                <a:latin typeface="Consolas" panose="020B0609020204030204" pitchFamily="49" charset="0"/>
+              </a:rPr>
+              <a:t>      { $set: { title: note.title, body: note.body } }</a:t>
+            </a:r>
+          </a:p>
+          <a:p>
+            <a:pPr marL="0" indent="0">
+              <a:buNone/>
+            </a:pPr>
+            <a:r>
+              <a:rPr lang="en-US" sz="2000">
+                <a:latin typeface="Consolas" panose="020B0609020204030204" pitchFamily="49" charset="0"/>
+              </a:rPr>
+              <a:t>  );</a:t>
+            </a:r>
+          </a:p>
+          <a:p>
+            <a:pPr marL="0" indent="0">
+              <a:buNone/>
+            </a:pPr>
+            <a:r>
+              <a:rPr lang="en-US" sz="2000">
+                <a:latin typeface="Consolas" panose="020B0609020204030204" pitchFamily="49" charset="0"/>
+              </a:rPr>
+              <a:t>}</a:t>
+            </a:r>
+          </a:p>
+        </p:txBody>
+      </p:sp>
+    </p:spTree>
+    <p:extLst>
+      <p:ext uri="{BB962C8B-B14F-4D97-AF65-F5344CB8AC3E}">
+        <p14:creationId xmlns:p14="http://schemas.microsoft.com/office/powerpoint/2010/main" val="2405577913"/>
+      </p:ext>
+    </p:extLst>
+  </p:cSld>
+  <p:clrMapOvr>
+    <a:masterClrMapping/>
+  </p:clrMapOvr>
+</p:sld>
+</file>
+
+<file path=ppt/slides/slide24.xml><?xml version="1.0" encoding="utf-8"?>
+<p:sld xmlns:a="http://schemas.openxmlformats.org/drawingml/2006/main" xmlns:r="http://schemas.openxmlformats.org/officeDocument/2006/relationships" xmlns:p="http://schemas.openxmlformats.org/presentationml/2006/main">
+  <p:cSld>
+    <p:spTree>
+      <p:nvGrpSpPr>
+        <p:cNvPr id="1" name=""/>
+        <p:cNvGrpSpPr/>
+        <p:nvPr/>
+      </p:nvGrpSpPr>
+      <p:grpSpPr>
+        <a:xfrm>
+          <a:off x="0" y="0"/>
+          <a:ext cx="0" cy="0"/>
+          <a:chOff x="0" y="0"/>
+          <a:chExt cx="0" cy="0"/>
+        </a:xfrm>
+      </p:grpSpPr>
+      <p:sp>
+        <p:nvSpPr>
+          <p:cNvPr id="2" name="Title 1">
+            <a:extLst>
+              <a:ext uri="{FF2B5EF4-FFF2-40B4-BE49-F238E27FC236}">
+                <a16:creationId xmlns:a16="http://schemas.microsoft.com/office/drawing/2014/main" id="{7BBC9961-4BF0-445F-9AD3-90DE00185188}"/>
+              </a:ext>
+            </a:extLst>
+          </p:cNvPr>
+          <p:cNvSpPr>
+            <a:spLocks noGrp="1"/>
+          </p:cNvSpPr>
+          <p:nvPr>
+            <p:ph type="title"/>
+          </p:nvPr>
+        </p:nvSpPr>
+        <p:spPr/>
+        <p:txBody>
+          <a:bodyPr/>
+          <a:lstStyle/>
+          <a:p>
+            <a:r>
+              <a:rPr lang="en-US"/>
+              <a:t>Example: Upsert</a:t>
+            </a:r>
+          </a:p>
+        </p:txBody>
+      </p:sp>
+      <p:sp>
+        <p:nvSpPr>
+          <p:cNvPr id="3" name="Content Placeholder 2">
+            <a:extLst>
+              <a:ext uri="{FF2B5EF4-FFF2-40B4-BE49-F238E27FC236}">
+                <a16:creationId xmlns:a16="http://schemas.microsoft.com/office/drawing/2014/main" id="{D04995EB-1AA3-43AF-A1AF-57A3BB47576F}"/>
+              </a:ext>
+            </a:extLst>
+          </p:cNvPr>
+          <p:cNvSpPr>
+            <a:spLocks noGrp="1"/>
+          </p:cNvSpPr>
+          <p:nvPr>
+            <p:ph idx="1"/>
+          </p:nvPr>
+        </p:nvSpPr>
+        <p:spPr/>
+        <p:txBody>
+          <a:bodyPr>
+            <a:normAutofit/>
+          </a:bodyPr>
+          <a:lstStyle/>
+          <a:p>
+            <a:pPr marL="0" indent="0">
+              <a:buNone/>
+            </a:pPr>
+            <a:r>
+              <a:rPr lang="en-US" sz="2000">
+                <a:latin typeface="Consolas" panose="020B0609020204030204" pitchFamily="49" charset="0"/>
+              </a:rPr>
+              <a:t>async function updateOneNote(note) {</a:t>
+            </a:r>
+          </a:p>
+          <a:p>
+            <a:pPr marL="0" indent="0">
+              <a:buNone/>
+            </a:pPr>
+            <a:r>
+              <a:rPr lang="en-US" sz="2000">
+                <a:latin typeface="Consolas" panose="020B0609020204030204" pitchFamily="49" charset="0"/>
+              </a:rPr>
+              <a:t>  note._id = new ObjectId(note._id);</a:t>
+            </a:r>
+          </a:p>
+          <a:p>
+            <a:pPr marL="0" indent="0">
+              <a:buNone/>
+            </a:pPr>
+            <a:r>
+              <a:rPr lang="en-US" sz="2000">
+                <a:latin typeface="Consolas" panose="020B0609020204030204" pitchFamily="49" charset="0"/>
+              </a:rPr>
+              <a:t>  const db = await connect();</a:t>
+            </a:r>
+          </a:p>
+          <a:p>
+            <a:pPr marL="0" indent="0">
+              <a:buNone/>
+            </a:pPr>
+            <a:r>
+              <a:rPr lang="en-US" sz="2000">
+                <a:latin typeface="Consolas" panose="020B0609020204030204" pitchFamily="49" charset="0"/>
+              </a:rPr>
+              <a:t>  return db.collection('notes').updateOne(</a:t>
+            </a:r>
+          </a:p>
+          <a:p>
+            <a:pPr marL="0" indent="0">
+              <a:buNone/>
+            </a:pPr>
+            <a:r>
+              <a:rPr lang="en-US" sz="2000">
+                <a:latin typeface="Consolas" panose="020B0609020204030204" pitchFamily="49" charset="0"/>
+              </a:rPr>
+              <a:t>      { _id: note._id }, </a:t>
+            </a:r>
+          </a:p>
+          <a:p>
+            <a:pPr marL="0" indent="0">
+              <a:buNone/>
+            </a:pPr>
+            <a:r>
+              <a:rPr lang="en-US" sz="2000">
+                <a:latin typeface="Consolas" panose="020B0609020204030204" pitchFamily="49" charset="0"/>
+              </a:rPr>
+              <a:t>      { $set: { title: note.title, body: note.body } },</a:t>
+            </a:r>
+          </a:p>
+          <a:p>
+            <a:pPr marL="0" indent="0">
+              <a:buNone/>
+            </a:pPr>
+            <a:r>
+              <a:rPr lang="en-US" sz="2000">
+                <a:latin typeface="Consolas" panose="020B0609020204030204" pitchFamily="49" charset="0"/>
+              </a:rPr>
+              <a:t>      </a:t>
+            </a:r>
+            <a:r>
+              <a:rPr lang="en-US" sz="2000" b="1">
+                <a:highlight>
+                  <a:srgbClr val="FFFF00"/>
+                </a:highlight>
+                <a:latin typeface="Consolas" panose="020B0609020204030204" pitchFamily="49" charset="0"/>
+              </a:rPr>
+              <a:t>{ upsert: true }</a:t>
+            </a:r>
+          </a:p>
+          <a:p>
+            <a:pPr marL="0" indent="0">
+              <a:buNone/>
+            </a:pPr>
+            <a:r>
+              <a:rPr lang="en-US" sz="2000">
+                <a:latin typeface="Consolas" panose="020B0609020204030204" pitchFamily="49" charset="0"/>
+              </a:rPr>
+              <a:t>  );</a:t>
+            </a:r>
+          </a:p>
+          <a:p>
+            <a:pPr marL="0" indent="0">
+              <a:buNone/>
+            </a:pPr>
+            <a:r>
+              <a:rPr lang="en-US" sz="2000">
+                <a:latin typeface="Consolas" panose="020B0609020204030204" pitchFamily="49" charset="0"/>
+              </a:rPr>
+              <a:t>}</a:t>
+            </a:r>
+          </a:p>
+        </p:txBody>
+      </p:sp>
+    </p:spTree>
+    <p:extLst>
+      <p:ext uri="{BB962C8B-B14F-4D97-AF65-F5344CB8AC3E}">
+        <p14:creationId xmlns:p14="http://schemas.microsoft.com/office/powerpoint/2010/main" val="3419159743"/>
+      </p:ext>
+    </p:extLst>
+  </p:cSld>
+  <p:clrMapOvr>
+    <a:masterClrMapping/>
+  </p:clrMapOvr>
+</p:sld>
+</file>
+
+<file path=ppt/slides/slide25.xml><?xml version="1.0" encoding="utf-8"?>
+<p:sld xmlns:a="http://schemas.openxmlformats.org/drawingml/2006/main" xmlns:r="http://schemas.openxmlformats.org/officeDocument/2006/relationships" xmlns:p="http://schemas.openxmlformats.org/presentationml/2006/main">
+  <p:cSld>
+    <p:spTree>
+      <p:nvGrpSpPr>
+        <p:cNvPr id="1" name=""/>
+        <p:cNvGrpSpPr/>
+        <p:nvPr/>
+      </p:nvGrpSpPr>
+      <p:grpSpPr>
+        <a:xfrm>
+          <a:off x="0" y="0"/>
+          <a:ext cx="0" cy="0"/>
+          <a:chOff x="0" y="0"/>
+          <a:chExt cx="0" cy="0"/>
+        </a:xfrm>
+      </p:grpSpPr>
+      <p:sp>
+        <p:nvSpPr>
+          <p:cNvPr id="2" name="Title 1">
+            <a:extLst>
+              <a:ext uri="{FF2B5EF4-FFF2-40B4-BE49-F238E27FC236}">
+                <a16:creationId xmlns:a16="http://schemas.microsoft.com/office/drawing/2014/main" id="{7BBC9961-4BF0-445F-9AD3-90DE00185188}"/>
+              </a:ext>
+            </a:extLst>
+          </p:cNvPr>
+          <p:cNvSpPr>
+            <a:spLocks noGrp="1"/>
+          </p:cNvSpPr>
+          <p:nvPr>
+            <p:ph type="title"/>
+          </p:nvPr>
+        </p:nvSpPr>
+        <p:spPr/>
+        <p:txBody>
+          <a:bodyPr/>
+          <a:lstStyle/>
+          <a:p>
+            <a:r>
+              <a:rPr lang="en-US"/>
+              <a:t>Example: Deleting Documents</a:t>
+            </a:r>
+          </a:p>
+        </p:txBody>
+      </p:sp>
+      <p:sp>
+        <p:nvSpPr>
+          <p:cNvPr id="3" name="Content Placeholder 2">
+            <a:extLst>
+              <a:ext uri="{FF2B5EF4-FFF2-40B4-BE49-F238E27FC236}">
+                <a16:creationId xmlns:a16="http://schemas.microsoft.com/office/drawing/2014/main" id="{D04995EB-1AA3-43AF-A1AF-57A3BB47576F}"/>
+              </a:ext>
+            </a:extLst>
+          </p:cNvPr>
+          <p:cNvSpPr>
+            <a:spLocks noGrp="1"/>
+          </p:cNvSpPr>
+          <p:nvPr>
+            <p:ph idx="1"/>
+          </p:nvPr>
+        </p:nvSpPr>
+        <p:spPr/>
+        <p:txBody>
+          <a:bodyPr>
+            <a:normAutofit/>
+          </a:bodyPr>
+          <a:lstStyle/>
+          <a:p>
+            <a:pPr marL="0" indent="0">
+              <a:buNone/>
+            </a:pPr>
+            <a:r>
+              <a:rPr lang="en-US" sz="2000">
+                <a:latin typeface="Consolas" panose="020B0609020204030204" pitchFamily="49" charset="0"/>
+              </a:rPr>
+              <a:t>async function deleteOneNote(id) {</a:t>
+            </a:r>
+          </a:p>
+          <a:p>
+            <a:pPr marL="0" indent="0">
+              <a:buNone/>
+            </a:pPr>
+            <a:r>
+              <a:rPr lang="en-US" sz="2000">
+                <a:latin typeface="Consolas" panose="020B0609020204030204" pitchFamily="49" charset="0"/>
+              </a:rPr>
+              <a:t>  id = new ObjectId(id);</a:t>
+            </a:r>
+          </a:p>
+          <a:p>
+            <a:pPr marL="0" indent="0">
+              <a:buNone/>
+            </a:pPr>
+            <a:r>
+              <a:rPr lang="en-US" sz="2000">
+                <a:latin typeface="Consolas" panose="020B0609020204030204" pitchFamily="49" charset="0"/>
+              </a:rPr>
+              <a:t>  const db = await connect();</a:t>
+            </a:r>
+          </a:p>
+          <a:p>
+            <a:pPr marL="0" indent="0">
+              <a:buNone/>
+            </a:pPr>
+            <a:r>
+              <a:rPr lang="en-US" sz="2000">
+                <a:latin typeface="Consolas" panose="020B0609020204030204" pitchFamily="49" charset="0"/>
+              </a:rPr>
+              <a:t>  return db.collection('notes').deleteOne({ _id: id });</a:t>
+            </a:r>
+          </a:p>
+          <a:p>
+            <a:pPr marL="0" indent="0">
+              <a:buNone/>
+            </a:pPr>
+            <a:r>
+              <a:rPr lang="en-US" sz="2000">
+                <a:latin typeface="Consolas" panose="020B0609020204030204" pitchFamily="49" charset="0"/>
+              </a:rPr>
+              <a:t>}</a:t>
+            </a:r>
           </a:p>
         </p:txBody>
       </p:sp>
@@ -6963,7 +9602,4565 @@
 </p:sld>
 </file>
 
-<file path=ppt/slides/slide22.xml><?xml version="1.0" encoding="utf-8"?>
+<file path=ppt/slides/slide26.xml><?xml version="1.0" encoding="utf-8"?>
+<p:sld xmlns:a="http://schemas.openxmlformats.org/drawingml/2006/main" xmlns:r="http://schemas.openxmlformats.org/officeDocument/2006/relationships" xmlns:p="http://schemas.openxmlformats.org/presentationml/2006/main">
+  <p:cSld>
+    <p:bg>
+      <p:bgPr>
+        <a:solidFill>
+          <a:schemeClr val="bg1"/>
+        </a:solidFill>
+        <a:effectLst/>
+      </p:bgPr>
+    </p:bg>
+    <p:spTree>
+      <p:nvGrpSpPr>
+        <p:cNvPr id="1" name=""/>
+        <p:cNvGrpSpPr/>
+        <p:nvPr/>
+      </p:nvGrpSpPr>
+      <p:grpSpPr>
+        <a:xfrm>
+          <a:off x="0" y="0"/>
+          <a:ext cx="0" cy="0"/>
+          <a:chOff x="0" y="0"/>
+          <a:chExt cx="0" cy="0"/>
+        </a:xfrm>
+      </p:grpSpPr>
+      <p:sp>
+        <p:nvSpPr>
+          <p:cNvPr id="8" name="Rectangle 7">
+            <a:extLst>
+              <a:ext uri="{FF2B5EF4-FFF2-40B4-BE49-F238E27FC236}">
+                <a16:creationId xmlns:a16="http://schemas.microsoft.com/office/drawing/2014/main" id="{904DB13E-F722-4ED6-BB00-556651E95281}"/>
+              </a:ext>
+              <a:ext uri="{C183D7F6-B498-43B3-948B-1728B52AA6E4}">
+                <adec:decorative xmlns:adec="http://schemas.microsoft.com/office/drawing/2017/decorative" val="1"/>
+              </a:ext>
+            </a:extLst>
+          </p:cNvPr>
+          <p:cNvSpPr>
+            <a:spLocks noGrp="1" noRot="1" noChangeAspect="1" noMove="1" noResize="1" noEditPoints="1" noAdjustHandles="1" noChangeArrowheads="1" noChangeShapeType="1" noTextEdit="1"/>
+          </p:cNvSpPr>
+          <p:nvPr>
+            <p:extLst>
+              <p:ext uri="{386F3935-93C4-4BCD-93E2-E3B085C9AB24}">
+                <p16:designElem xmlns:p16="http://schemas.microsoft.com/office/powerpoint/2015/main" val="1"/>
+              </p:ext>
+            </p:extLst>
+          </p:nvPr>
+        </p:nvSpPr>
+        <p:spPr>
+          <a:xfrm>
+            <a:off x="0" y="0"/>
+            <a:ext cx="12192000" cy="6858000"/>
+          </a:xfrm>
+          <a:prstGeom prst="rect">
+            <a:avLst/>
+          </a:prstGeom>
+          <a:solidFill>
+            <a:schemeClr val="tx1">
+              <a:lumMod val="65000"/>
+              <a:lumOff val="35000"/>
+            </a:schemeClr>
+          </a:solidFill>
+          <a:ln>
+            <a:noFill/>
+          </a:ln>
+        </p:spPr>
+        <p:style>
+          <a:lnRef idx="2">
+            <a:schemeClr val="accent1">
+              <a:shade val="50000"/>
+            </a:schemeClr>
+          </a:lnRef>
+          <a:fillRef idx="1">
+            <a:schemeClr val="accent1"/>
+          </a:fillRef>
+          <a:effectRef idx="0">
+            <a:schemeClr val="accent1"/>
+          </a:effectRef>
+          <a:fontRef idx="minor">
+            <a:schemeClr val="lt1"/>
+          </a:fontRef>
+        </p:style>
+        <p:txBody>
+          <a:bodyPr rtlCol="0" anchor="ctr"/>
+          <a:lstStyle/>
+          <a:p>
+            <a:pPr algn="ctr"/>
+            <a:endParaRPr lang="en-US"/>
+          </a:p>
+        </p:txBody>
+      </p:sp>
+      <p:sp useBgFill="1">
+        <p:nvSpPr>
+          <p:cNvPr id="10" name="Rectangle 9">
+            <a:extLst>
+              <a:ext uri="{FF2B5EF4-FFF2-40B4-BE49-F238E27FC236}">
+                <a16:creationId xmlns:a16="http://schemas.microsoft.com/office/drawing/2014/main" id="{7B58A187-A4B1-42EB-A4C7-8635BA507BCE}"/>
+              </a:ext>
+              <a:ext uri="{C183D7F6-B498-43B3-948B-1728B52AA6E4}">
+                <adec:decorative xmlns:adec="http://schemas.microsoft.com/office/drawing/2017/decorative" val="1"/>
+              </a:ext>
+            </a:extLst>
+          </p:cNvPr>
+          <p:cNvSpPr>
+            <a:spLocks noGrp="1" noRot="1" noChangeAspect="1" noMove="1" noResize="1" noEditPoints="1" noAdjustHandles="1" noChangeArrowheads="1" noChangeShapeType="1" noTextEdit="1"/>
+          </p:cNvSpPr>
+          <p:nvPr>
+            <p:extLst>
+              <p:ext uri="{386F3935-93C4-4BCD-93E2-E3B085C9AB24}">
+                <p16:designElem xmlns:p16="http://schemas.microsoft.com/office/powerpoint/2015/main" val="1"/>
+              </p:ext>
+            </p:extLst>
+          </p:nvPr>
+        </p:nvSpPr>
+        <p:spPr>
+          <a:xfrm>
+            <a:off x="1307870" y="1267730"/>
+            <a:ext cx="9576262" cy="4307950"/>
+          </a:xfrm>
+          <a:prstGeom prst="rect">
+            <a:avLst/>
+          </a:prstGeom>
+          <a:ln w="6350" cap="flat" cmpd="sng" algn="ctr">
+            <a:noFill/>
+            <a:prstDash val="solid"/>
+          </a:ln>
+          <a:effectLst>
+            <a:outerShdw blurRad="50800" algn="ctr" rotWithShape="0">
+              <a:prstClr val="black">
+                <a:alpha val="66000"/>
+              </a:prstClr>
+            </a:outerShdw>
+            <a:softEdge rad="0"/>
+          </a:effectLst>
+        </p:spPr>
+      </p:sp>
+      <p:sp>
+        <p:nvSpPr>
+          <p:cNvPr id="12" name="Rectangle 11">
+            <a:extLst>
+              <a:ext uri="{FF2B5EF4-FFF2-40B4-BE49-F238E27FC236}">
+                <a16:creationId xmlns:a16="http://schemas.microsoft.com/office/drawing/2014/main" id="{37F14E7F-3054-458C-ACF9-A8DA1757C65C}"/>
+              </a:ext>
+              <a:ext uri="{C183D7F6-B498-43B3-948B-1728B52AA6E4}">
+                <adec:decorative xmlns:adec="http://schemas.microsoft.com/office/drawing/2017/decorative" val="1"/>
+              </a:ext>
+            </a:extLst>
+          </p:cNvPr>
+          <p:cNvSpPr>
+            <a:spLocks noGrp="1" noRot="1" noChangeAspect="1" noMove="1" noResize="1" noEditPoints="1" noAdjustHandles="1" noChangeArrowheads="1" noChangeShapeType="1" noTextEdit="1"/>
+          </p:cNvSpPr>
+          <p:nvPr>
+            <p:extLst>
+              <p:ext uri="{386F3935-93C4-4BCD-93E2-E3B085C9AB24}">
+                <p16:designElem xmlns:p16="http://schemas.microsoft.com/office/powerpoint/2015/main" val="1"/>
+              </p:ext>
+            </p:extLst>
+          </p:nvPr>
+        </p:nvSpPr>
+        <p:spPr>
+          <a:xfrm>
+            <a:off x="1447801" y="1411615"/>
+            <a:ext cx="9296400" cy="4034770"/>
+          </a:xfrm>
+          <a:prstGeom prst="rect">
+            <a:avLst/>
+          </a:prstGeom>
+          <a:noFill/>
+          <a:ln w="6350" cap="sq" cmpd="sng" algn="ctr">
+            <a:solidFill>
+              <a:schemeClr val="tx1">
+                <a:lumMod val="75000"/>
+                <a:lumOff val="25000"/>
+              </a:schemeClr>
+            </a:solidFill>
+            <a:prstDash val="solid"/>
+            <a:miter lim="800000"/>
+          </a:ln>
+          <a:effectLst/>
+        </p:spPr>
+      </p:sp>
+      <p:sp>
+        <p:nvSpPr>
+          <p:cNvPr id="14" name="Rectangle 13">
+            <a:extLst>
+              <a:ext uri="{FF2B5EF4-FFF2-40B4-BE49-F238E27FC236}">
+                <a16:creationId xmlns:a16="http://schemas.microsoft.com/office/drawing/2014/main" id="{93747C1C-97FC-4D70-A6C8-A01FBCF5A9DC}"/>
+              </a:ext>
+              <a:ext uri="{C183D7F6-B498-43B3-948B-1728B52AA6E4}">
+                <adec:decorative xmlns:adec="http://schemas.microsoft.com/office/drawing/2017/decorative" val="1"/>
+              </a:ext>
+            </a:extLst>
+          </p:cNvPr>
+          <p:cNvSpPr>
+            <a:spLocks noGrp="1" noRot="1" noChangeAspect="1" noMove="1" noResize="1" noEditPoints="1" noAdjustHandles="1" noChangeArrowheads="1" noChangeShapeType="1" noTextEdit="1"/>
+          </p:cNvSpPr>
+          <p:nvPr>
+            <p:extLst>
+              <p:ext uri="{386F3935-93C4-4BCD-93E2-E3B085C9AB24}">
+                <p16:designElem xmlns:p16="http://schemas.microsoft.com/office/powerpoint/2015/main" val="1"/>
+              </p:ext>
+            </p:extLst>
+          </p:nvPr>
+        </p:nvSpPr>
+        <p:spPr>
+          <a:xfrm>
+            <a:off x="5135880" y="1267730"/>
+            <a:ext cx="1920240" cy="731520"/>
+          </a:xfrm>
+          <a:prstGeom prst="rect">
+            <a:avLst/>
+          </a:prstGeom>
+          <a:solidFill>
+            <a:schemeClr val="accent1"/>
+          </a:solidFill>
+          <a:ln>
+            <a:noFill/>
+          </a:ln>
+        </p:spPr>
+        <p:style>
+          <a:lnRef idx="2">
+            <a:schemeClr val="accent1">
+              <a:shade val="50000"/>
+            </a:schemeClr>
+          </a:lnRef>
+          <a:fillRef idx="1">
+            <a:schemeClr val="accent1"/>
+          </a:fillRef>
+          <a:effectRef idx="0">
+            <a:schemeClr val="accent1"/>
+          </a:effectRef>
+          <a:fontRef idx="minor">
+            <a:schemeClr val="lt1"/>
+          </a:fontRef>
+        </p:style>
+      </p:sp>
+      <p:grpSp>
+        <p:nvGrpSpPr>
+          <p:cNvPr id="16" name="Group 15">
+            <a:extLst>
+              <a:ext uri="{FF2B5EF4-FFF2-40B4-BE49-F238E27FC236}">
+                <a16:creationId xmlns:a16="http://schemas.microsoft.com/office/drawing/2014/main" id="{E26428D7-C6F3-473D-A360-A3F5C3E8728C}"/>
+              </a:ext>
+              <a:ext uri="{C183D7F6-B498-43B3-948B-1728B52AA6E4}">
+                <adec:decorative xmlns:adec="http://schemas.microsoft.com/office/drawing/2017/decorative" val="1"/>
+              </a:ext>
+            </a:extLst>
+          </p:cNvPr>
+          <p:cNvGrpSpPr>
+            <a:grpSpLocks noGrp="1" noUngrp="1" noRot="1" noChangeAspect="1" noMove="1" noResize="1"/>
+          </p:cNvGrpSpPr>
+          <p:nvPr>
+            <p:extLst>
+              <p:ext uri="{386F3935-93C4-4BCD-93E2-E3B085C9AB24}">
+                <p16:designElem xmlns:p16="http://schemas.microsoft.com/office/powerpoint/2015/main" val="1"/>
+              </p:ext>
+            </p:extLst>
+          </p:nvPr>
+        </p:nvGrpSpPr>
+        <p:grpSpPr>
+          <a:xfrm>
+            <a:off x="5250180" y="1267730"/>
+            <a:ext cx="1691640" cy="615934"/>
+            <a:chOff x="5250180" y="1267730"/>
+            <a:chExt cx="1691640" cy="615934"/>
+          </a:xfrm>
+        </p:grpSpPr>
+        <p:cxnSp>
+          <p:nvCxnSpPr>
+            <p:cNvPr id="17" name="Straight Connector 16">
+              <a:extLst>
+                <a:ext uri="{FF2B5EF4-FFF2-40B4-BE49-F238E27FC236}">
+                  <a16:creationId xmlns:a16="http://schemas.microsoft.com/office/drawing/2014/main" id="{05CDC370-AE44-4300-98BA-FE204E881765}"/>
+                </a:ext>
+                <a:ext uri="{C183D7F6-B498-43B3-948B-1728B52AA6E4}">
+                  <adec:decorative xmlns:adec="http://schemas.microsoft.com/office/drawing/2017/decorative" val="1"/>
+                </a:ext>
+              </a:extLst>
+            </p:cNvPr>
+            <p:cNvCxnSpPr/>
+            <p:nvPr>
+              <p:extLst>
+                <p:ext uri="{386F3935-93C4-4BCD-93E2-E3B085C9AB24}">
+                  <p16:designElem xmlns:p16="http://schemas.microsoft.com/office/powerpoint/2015/main" val="1"/>
+                </p:ext>
+              </p:extLst>
+            </p:nvPr>
+          </p:nvCxnSpPr>
+          <p:spPr>
+            <a:xfrm>
+              <a:off x="5250180" y="1267730"/>
+              <a:ext cx="0" cy="612648"/>
+            </a:xfrm>
+            <a:prstGeom prst="line">
+              <a:avLst/>
+            </a:prstGeom>
+            <a:solidFill>
+              <a:schemeClr val="tx1">
+                <a:lumMod val="85000"/>
+                <a:lumOff val="15000"/>
+              </a:schemeClr>
+            </a:solidFill>
+            <a:ln>
+              <a:solidFill>
+                <a:srgbClr val="FFFFFF"/>
+              </a:solidFill>
+              <a:miter lim="800000"/>
+            </a:ln>
+          </p:spPr>
+          <p:style>
+            <a:lnRef idx="1">
+              <a:schemeClr val="accent1"/>
+            </a:lnRef>
+            <a:fillRef idx="0">
+              <a:schemeClr val="accent1"/>
+            </a:fillRef>
+            <a:effectRef idx="0">
+              <a:schemeClr val="accent1"/>
+            </a:effectRef>
+            <a:fontRef idx="minor">
+              <a:schemeClr val="tx1"/>
+            </a:fontRef>
+          </p:style>
+        </p:cxnSp>
+        <p:cxnSp>
+          <p:nvCxnSpPr>
+            <p:cNvPr id="18" name="Straight Connector 17">
+              <a:extLst>
+                <a:ext uri="{FF2B5EF4-FFF2-40B4-BE49-F238E27FC236}">
+                  <a16:creationId xmlns:a16="http://schemas.microsoft.com/office/drawing/2014/main" id="{47B15501-CB9A-4642-80EE-2876EF039EB8}"/>
+                </a:ext>
+                <a:ext uri="{C183D7F6-B498-43B3-948B-1728B52AA6E4}">
+                  <adec:decorative xmlns:adec="http://schemas.microsoft.com/office/drawing/2017/decorative" val="1"/>
+                </a:ext>
+              </a:extLst>
+            </p:cNvPr>
+            <p:cNvCxnSpPr/>
+            <p:nvPr>
+              <p:extLst>
+                <p:ext uri="{386F3935-93C4-4BCD-93E2-E3B085C9AB24}">
+                  <p16:designElem xmlns:p16="http://schemas.microsoft.com/office/powerpoint/2015/main" val="1"/>
+                </p:ext>
+              </p:extLst>
+            </p:nvPr>
+          </p:nvCxnSpPr>
+          <p:spPr>
+            <a:xfrm>
+              <a:off x="6941820" y="1267730"/>
+              <a:ext cx="0" cy="612648"/>
+            </a:xfrm>
+            <a:prstGeom prst="line">
+              <a:avLst/>
+            </a:prstGeom>
+            <a:solidFill>
+              <a:schemeClr val="tx1">
+                <a:lumMod val="85000"/>
+                <a:lumOff val="15000"/>
+              </a:schemeClr>
+            </a:solidFill>
+            <a:ln>
+              <a:solidFill>
+                <a:srgbClr val="FFFFFF"/>
+              </a:solidFill>
+              <a:miter lim="800000"/>
+            </a:ln>
+          </p:spPr>
+          <p:style>
+            <a:lnRef idx="1">
+              <a:schemeClr val="accent1"/>
+            </a:lnRef>
+            <a:fillRef idx="0">
+              <a:schemeClr val="accent1"/>
+            </a:fillRef>
+            <a:effectRef idx="0">
+              <a:schemeClr val="accent1"/>
+            </a:effectRef>
+            <a:fontRef idx="minor">
+              <a:schemeClr val="tx1"/>
+            </a:fontRef>
+          </p:style>
+        </p:cxnSp>
+        <p:cxnSp>
+          <p:nvCxnSpPr>
+            <p:cNvPr id="19" name="Straight Connector 18">
+              <a:extLst>
+                <a:ext uri="{FF2B5EF4-FFF2-40B4-BE49-F238E27FC236}">
+                  <a16:creationId xmlns:a16="http://schemas.microsoft.com/office/drawing/2014/main" id="{6AFF9525-325F-47B3-A63C-93C12253AD76}"/>
+                </a:ext>
+                <a:ext uri="{C183D7F6-B498-43B3-948B-1728B52AA6E4}">
+                  <adec:decorative xmlns:adec="http://schemas.microsoft.com/office/drawing/2017/decorative" val="1"/>
+                </a:ext>
+              </a:extLst>
+            </p:cNvPr>
+            <p:cNvCxnSpPr/>
+            <p:nvPr>
+              <p:extLst>
+                <p:ext uri="{386F3935-93C4-4BCD-93E2-E3B085C9AB24}">
+                  <p16:designElem xmlns:p16="http://schemas.microsoft.com/office/powerpoint/2015/main" val="1"/>
+                </p:ext>
+              </p:extLst>
+            </p:nvPr>
+          </p:nvCxnSpPr>
+          <p:spPr>
+            <a:xfrm>
+              <a:off x="5250180" y="1883664"/>
+              <a:ext cx="1691640" cy="0"/>
+            </a:xfrm>
+            <a:prstGeom prst="line">
+              <a:avLst/>
+            </a:prstGeom>
+            <a:solidFill>
+              <a:schemeClr val="tx1">
+                <a:lumMod val="85000"/>
+                <a:lumOff val="15000"/>
+              </a:schemeClr>
+            </a:solidFill>
+            <a:ln>
+              <a:solidFill>
+                <a:srgbClr val="FFFFFF"/>
+              </a:solidFill>
+              <a:miter lim="800000"/>
+            </a:ln>
+          </p:spPr>
+          <p:style>
+            <a:lnRef idx="1">
+              <a:schemeClr val="accent1"/>
+            </a:lnRef>
+            <a:fillRef idx="0">
+              <a:schemeClr val="accent1"/>
+            </a:fillRef>
+            <a:effectRef idx="0">
+              <a:schemeClr val="accent1"/>
+            </a:effectRef>
+            <a:fontRef idx="minor">
+              <a:schemeClr val="tx1"/>
+            </a:fontRef>
+          </p:style>
+        </p:cxnSp>
+      </p:grpSp>
+      <p:sp>
+        <p:nvSpPr>
+          <p:cNvPr id="21" name="Rectangle 20">
+            <a:extLst>
+              <a:ext uri="{FF2B5EF4-FFF2-40B4-BE49-F238E27FC236}">
+                <a16:creationId xmlns:a16="http://schemas.microsoft.com/office/drawing/2014/main" id="{B66F8A2C-B8CF-4B20-9A73-2ADCF6302755}"/>
+              </a:ext>
+              <a:ext uri="{C183D7F6-B498-43B3-948B-1728B52AA6E4}">
+                <adec:decorative xmlns:adec="http://schemas.microsoft.com/office/drawing/2017/decorative" val="1"/>
+              </a:ext>
+            </a:extLst>
+          </p:cNvPr>
+          <p:cNvSpPr>
+            <a:spLocks noGrp="1" noRot="1" noChangeAspect="1" noMove="1" noResize="1" noEditPoints="1" noAdjustHandles="1" noChangeArrowheads="1" noChangeShapeType="1" noTextEdit="1"/>
+          </p:cNvSpPr>
+          <p:nvPr>
+            <p:extLst>
+              <p:ext uri="{386F3935-93C4-4BCD-93E2-E3B085C9AB24}">
+                <p16:designElem xmlns:p16="http://schemas.microsoft.com/office/powerpoint/2015/main" val="1"/>
+              </p:ext>
+            </p:extLst>
+          </p:nvPr>
+        </p:nvSpPr>
+        <p:spPr>
+          <a:xfrm>
+            <a:off x="0" y="0"/>
+            <a:ext cx="12192001" cy="6858000"/>
+          </a:xfrm>
+          <a:prstGeom prst="rect">
+            <a:avLst/>
+          </a:prstGeom>
+          <a:solidFill>
+            <a:schemeClr val="tx1">
+              <a:lumMod val="85000"/>
+            </a:schemeClr>
+          </a:solidFill>
+          <a:ln>
+            <a:noFill/>
+          </a:ln>
+        </p:spPr>
+        <p:style>
+          <a:lnRef idx="2">
+            <a:schemeClr val="accent1">
+              <a:shade val="50000"/>
+            </a:schemeClr>
+          </a:lnRef>
+          <a:fillRef idx="1">
+            <a:schemeClr val="accent1"/>
+          </a:fillRef>
+          <a:effectRef idx="0">
+            <a:schemeClr val="accent1"/>
+          </a:effectRef>
+          <a:fontRef idx="minor">
+            <a:schemeClr val="lt1"/>
+          </a:fontRef>
+        </p:style>
+        <p:txBody>
+          <a:bodyPr rot="0" spcFirstLastPara="0" vert="horz" wrap="square" lIns="91440" tIns="45720" rIns="91440" bIns="45720" numCol="1" spcCol="0" rtlCol="0" fromWordArt="0" anchor="ctr" anchorCtr="0" forceAA="0" compatLnSpc="1">
+            <a:prstTxWarp prst="textNoShape">
+              <a:avLst/>
+            </a:prstTxWarp>
+            <a:noAutofit/>
+          </a:bodyPr>
+          <a:lstStyle>
+            <a:defPPr>
+              <a:defRPr lang="en-US"/>
+            </a:defPPr>
+            <a:lvl1pPr marL="0" algn="l" defTabSz="914400" rtl="0" eaLnBrk="1" latinLnBrk="0" hangingPunct="1">
+              <a:defRPr sz="1800" kern="1200">
+                <a:solidFill>
+                  <a:schemeClr val="lt1"/>
+                </a:solidFill>
+                <a:latin typeface="+mn-lt"/>
+                <a:ea typeface="+mn-ea"/>
+                <a:cs typeface="+mn-cs"/>
+              </a:defRPr>
+            </a:lvl1pPr>
+            <a:lvl2pPr marL="457200" algn="l" defTabSz="914400" rtl="0" eaLnBrk="1" latinLnBrk="0" hangingPunct="1">
+              <a:defRPr sz="1800" kern="1200">
+                <a:solidFill>
+                  <a:schemeClr val="lt1"/>
+                </a:solidFill>
+                <a:latin typeface="+mn-lt"/>
+                <a:ea typeface="+mn-ea"/>
+                <a:cs typeface="+mn-cs"/>
+              </a:defRPr>
+            </a:lvl2pPr>
+            <a:lvl3pPr marL="914400" algn="l" defTabSz="914400" rtl="0" eaLnBrk="1" latinLnBrk="0" hangingPunct="1">
+              <a:defRPr sz="1800" kern="1200">
+                <a:solidFill>
+                  <a:schemeClr val="lt1"/>
+                </a:solidFill>
+                <a:latin typeface="+mn-lt"/>
+                <a:ea typeface="+mn-ea"/>
+                <a:cs typeface="+mn-cs"/>
+              </a:defRPr>
+            </a:lvl3pPr>
+            <a:lvl4pPr marL="1371600" algn="l" defTabSz="914400" rtl="0" eaLnBrk="1" latinLnBrk="0" hangingPunct="1">
+              <a:defRPr sz="1800" kern="1200">
+                <a:solidFill>
+                  <a:schemeClr val="lt1"/>
+                </a:solidFill>
+                <a:latin typeface="+mn-lt"/>
+                <a:ea typeface="+mn-ea"/>
+                <a:cs typeface="+mn-cs"/>
+              </a:defRPr>
+            </a:lvl4pPr>
+            <a:lvl5pPr marL="1828800" algn="l" defTabSz="914400" rtl="0" eaLnBrk="1" latinLnBrk="0" hangingPunct="1">
+              <a:defRPr sz="1800" kern="1200">
+                <a:solidFill>
+                  <a:schemeClr val="lt1"/>
+                </a:solidFill>
+                <a:latin typeface="+mn-lt"/>
+                <a:ea typeface="+mn-ea"/>
+                <a:cs typeface="+mn-cs"/>
+              </a:defRPr>
+            </a:lvl5pPr>
+            <a:lvl6pPr marL="2286000" algn="l" defTabSz="914400" rtl="0" eaLnBrk="1" latinLnBrk="0" hangingPunct="1">
+              <a:defRPr sz="1800" kern="1200">
+                <a:solidFill>
+                  <a:schemeClr val="lt1"/>
+                </a:solidFill>
+                <a:latin typeface="+mn-lt"/>
+                <a:ea typeface="+mn-ea"/>
+                <a:cs typeface="+mn-cs"/>
+              </a:defRPr>
+            </a:lvl6pPr>
+            <a:lvl7pPr marL="2743200" algn="l" defTabSz="914400" rtl="0" eaLnBrk="1" latinLnBrk="0" hangingPunct="1">
+              <a:defRPr sz="1800" kern="1200">
+                <a:solidFill>
+                  <a:schemeClr val="lt1"/>
+                </a:solidFill>
+                <a:latin typeface="+mn-lt"/>
+                <a:ea typeface="+mn-ea"/>
+                <a:cs typeface="+mn-cs"/>
+              </a:defRPr>
+            </a:lvl7pPr>
+            <a:lvl8pPr marL="3200400" algn="l" defTabSz="914400" rtl="0" eaLnBrk="1" latinLnBrk="0" hangingPunct="1">
+              <a:defRPr sz="1800" kern="1200">
+                <a:solidFill>
+                  <a:schemeClr val="lt1"/>
+                </a:solidFill>
+                <a:latin typeface="+mn-lt"/>
+                <a:ea typeface="+mn-ea"/>
+                <a:cs typeface="+mn-cs"/>
+              </a:defRPr>
+            </a:lvl8pPr>
+            <a:lvl9pPr marL="3657600" algn="l" defTabSz="914400" rtl="0" eaLnBrk="1" latinLnBrk="0" hangingPunct="1">
+              <a:defRPr sz="1800" kern="1200">
+                <a:solidFill>
+                  <a:schemeClr val="lt1"/>
+                </a:solidFill>
+                <a:latin typeface="+mn-lt"/>
+                <a:ea typeface="+mn-ea"/>
+                <a:cs typeface="+mn-cs"/>
+              </a:defRPr>
+            </a:lvl9pPr>
+          </a:lstStyle>
+          <a:p>
+            <a:pPr algn="ctr"/>
+            <a:endParaRPr lang="en-US"/>
+          </a:p>
+        </p:txBody>
+      </p:sp>
+      <p:sp>
+        <p:nvSpPr>
+          <p:cNvPr id="23" name="Rectangle 22">
+            <a:extLst>
+              <a:ext uri="{FF2B5EF4-FFF2-40B4-BE49-F238E27FC236}">
+                <a16:creationId xmlns:a16="http://schemas.microsoft.com/office/drawing/2014/main" id="{B5DD78E9-DE0D-47AF-A0DB-F475221E3DC7}"/>
+              </a:ext>
+              <a:ext uri="{C183D7F6-B498-43B3-948B-1728B52AA6E4}">
+                <adec:decorative xmlns:adec="http://schemas.microsoft.com/office/drawing/2017/decorative" val="1"/>
+              </a:ext>
+            </a:extLst>
+          </p:cNvPr>
+          <p:cNvSpPr>
+            <a:spLocks noGrp="1" noRot="1" noChangeAspect="1" noMove="1" noResize="1" noEditPoints="1" noAdjustHandles="1" noChangeArrowheads="1" noChangeShapeType="1" noTextEdit="1"/>
+          </p:cNvSpPr>
+          <p:nvPr>
+            <p:extLst>
+              <p:ext uri="{386F3935-93C4-4BCD-93E2-E3B085C9AB24}">
+                <p16:designElem xmlns:p16="http://schemas.microsoft.com/office/powerpoint/2015/main" val="1"/>
+              </p:ext>
+            </p:extLst>
+          </p:nvPr>
+        </p:nvSpPr>
+        <p:spPr>
+          <a:xfrm>
+            <a:off x="632108" y="610955"/>
+            <a:ext cx="10927784" cy="5636090"/>
+          </a:xfrm>
+          <a:prstGeom prst="rect">
+            <a:avLst/>
+          </a:prstGeom>
+          <a:solidFill>
+            <a:srgbClr val="FFFFFF"/>
+          </a:solidFill>
+          <a:ln w="6350" cap="flat" cmpd="sng" algn="ctr">
+            <a:noFill/>
+            <a:prstDash val="solid"/>
+          </a:ln>
+          <a:effectLst>
+            <a:outerShdw blurRad="50800" algn="ctr" rotWithShape="0">
+              <a:prstClr val="black">
+                <a:alpha val="66000"/>
+              </a:prstClr>
+            </a:outerShdw>
+            <a:softEdge rad="0"/>
+          </a:effectLst>
+        </p:spPr>
+      </p:sp>
+      <p:sp>
+        <p:nvSpPr>
+          <p:cNvPr id="25" name="Rectangle 24">
+            <a:extLst>
+              <a:ext uri="{FF2B5EF4-FFF2-40B4-BE49-F238E27FC236}">
+                <a16:creationId xmlns:a16="http://schemas.microsoft.com/office/drawing/2014/main" id="{A118D329-2010-4A15-B57C-429FFAE35B11}"/>
+              </a:ext>
+              <a:ext uri="{C183D7F6-B498-43B3-948B-1728B52AA6E4}">
+                <adec:decorative xmlns:adec="http://schemas.microsoft.com/office/drawing/2017/decorative" val="1"/>
+              </a:ext>
+            </a:extLst>
+          </p:cNvPr>
+          <p:cNvSpPr>
+            <a:spLocks noGrp="1" noRot="1" noChangeAspect="1" noMove="1" noResize="1" noEditPoints="1" noAdjustHandles="1" noChangeArrowheads="1" noChangeShapeType="1" noTextEdit="1"/>
+          </p:cNvSpPr>
+          <p:nvPr>
+            <p:extLst>
+              <p:ext uri="{386F3935-93C4-4BCD-93E2-E3B085C9AB24}">
+                <p16:designElem xmlns:p16="http://schemas.microsoft.com/office/powerpoint/2015/main" val="1"/>
+              </p:ext>
+            </p:extLst>
+          </p:nvPr>
+        </p:nvSpPr>
+        <p:spPr>
+          <a:xfrm>
+            <a:off x="797052" y="777240"/>
+            <a:ext cx="10597896" cy="5303520"/>
+          </a:xfrm>
+          <a:prstGeom prst="rect">
+            <a:avLst/>
+          </a:prstGeom>
+          <a:solidFill>
+            <a:schemeClr val="bg1">
+              <a:lumMod val="85000"/>
+              <a:lumOff val="15000"/>
+            </a:schemeClr>
+          </a:solidFill>
+          <a:ln w="6350" cap="sq" cmpd="sng" algn="ctr">
+            <a:solidFill>
+              <a:schemeClr val="tx1"/>
+            </a:solidFill>
+            <a:prstDash val="solid"/>
+            <a:miter lim="800000"/>
+          </a:ln>
+          <a:effectLst/>
+        </p:spPr>
+      </p:sp>
+      <p:sp>
+        <p:nvSpPr>
+          <p:cNvPr id="2" name="Title 1">
+            <a:extLst>
+              <a:ext uri="{FF2B5EF4-FFF2-40B4-BE49-F238E27FC236}">
+                <a16:creationId xmlns:a16="http://schemas.microsoft.com/office/drawing/2014/main" id="{73B5FB34-A0EC-42DE-A278-4447B384DF3A}"/>
+              </a:ext>
+            </a:extLst>
+          </p:cNvPr>
+          <p:cNvSpPr>
+            <a:spLocks noGrp="1"/>
+          </p:cNvSpPr>
+          <p:nvPr>
+            <p:ph type="title"/>
+          </p:nvPr>
+        </p:nvSpPr>
+        <p:spPr>
+          <a:xfrm>
+            <a:off x="1263520" y="1272800"/>
+            <a:ext cx="6544620" cy="4312402"/>
+          </a:xfrm>
+        </p:spPr>
+        <p:txBody>
+          <a:bodyPr vert="horz" lIns="91440" tIns="45720" rIns="91440" bIns="45720" rtlCol="0" anchor="ctr">
+            <a:normAutofit/>
+          </a:bodyPr>
+          <a:lstStyle/>
+          <a:p>
+            <a:pPr algn="r"/>
+            <a:r>
+              <a:rPr lang="en-US">
+                <a:solidFill>
+                  <a:schemeClr val="tx1"/>
+                </a:solidFill>
+              </a:rPr>
+              <a:t>joi</a:t>
+            </a:r>
+          </a:p>
+        </p:txBody>
+      </p:sp>
+      <p:sp>
+        <p:nvSpPr>
+          <p:cNvPr id="3" name="Text Placeholder 2">
+            <a:extLst>
+              <a:ext uri="{FF2B5EF4-FFF2-40B4-BE49-F238E27FC236}">
+                <a16:creationId xmlns:a16="http://schemas.microsoft.com/office/drawing/2014/main" id="{2C0C0E0B-3BAB-4503-AEA3-139DAE7858FF}"/>
+              </a:ext>
+            </a:extLst>
+          </p:cNvPr>
+          <p:cNvSpPr>
+            <a:spLocks noGrp="1"/>
+          </p:cNvSpPr>
+          <p:nvPr>
+            <p:ph type="body" idx="1"/>
+          </p:nvPr>
+        </p:nvSpPr>
+        <p:spPr>
+          <a:xfrm>
+            <a:off x="8473440" y="1272800"/>
+            <a:ext cx="2481307" cy="4312402"/>
+          </a:xfrm>
+        </p:spPr>
+        <p:txBody>
+          <a:bodyPr vert="horz" lIns="91440" tIns="45720" rIns="91440" bIns="45720" rtlCol="0" anchor="ctr">
+            <a:normAutofit/>
+          </a:bodyPr>
+          <a:lstStyle/>
+          <a:p>
+            <a:pPr algn="l">
+              <a:lnSpc>
+                <a:spcPct val="100000"/>
+              </a:lnSpc>
+              <a:spcBef>
+                <a:spcPts val="0"/>
+              </a:spcBef>
+            </a:pPr>
+            <a:r>
+              <a:rPr lang="en-US" sz="2000" spc="80"/>
+              <a:t>Implementing server-side validation</a:t>
+            </a:r>
+          </a:p>
+          <a:p>
+            <a:pPr algn="l">
+              <a:lnSpc>
+                <a:spcPct val="100000"/>
+              </a:lnSpc>
+              <a:spcBef>
+                <a:spcPts val="0"/>
+              </a:spcBef>
+            </a:pPr>
+            <a:r>
+              <a:rPr lang="en-US" sz="2000" spc="80"/>
+              <a:t>w/ joi</a:t>
+            </a:r>
+          </a:p>
+        </p:txBody>
+      </p:sp>
+      <p:cxnSp>
+        <p:nvCxnSpPr>
+          <p:cNvPr id="27" name="Straight Connector 26">
+            <a:extLst>
+              <a:ext uri="{FF2B5EF4-FFF2-40B4-BE49-F238E27FC236}">
+                <a16:creationId xmlns:a16="http://schemas.microsoft.com/office/drawing/2014/main" id="{994262BC-EE98-4BD6-82DB-4955E8DCC290}"/>
+              </a:ext>
+              <a:ext uri="{C183D7F6-B498-43B3-948B-1728B52AA6E4}">
+                <adec:decorative xmlns:adec="http://schemas.microsoft.com/office/drawing/2017/decorative" val="1"/>
+              </a:ext>
+            </a:extLst>
+          </p:cNvPr>
+          <p:cNvCxnSpPr>
+            <a:cxnSpLocks noGrp="1" noRot="1" noChangeAspect="1" noMove="1" noResize="1" noEditPoints="1" noAdjustHandles="1" noChangeArrowheads="1" noChangeShapeType="1"/>
+          </p:cNvCxnSpPr>
+          <p:nvPr>
+            <p:extLst>
+              <p:ext uri="{386F3935-93C4-4BCD-93E2-E3B085C9AB24}">
+                <p16:designElem xmlns:p16="http://schemas.microsoft.com/office/powerpoint/2015/main" val="1"/>
+              </p:ext>
+            </p:extLst>
+          </p:nvPr>
+        </p:nvCxnSpPr>
+        <p:spPr>
+          <a:xfrm>
+            <a:off x="8129872" y="2057401"/>
+            <a:ext cx="0" cy="2743200"/>
+          </a:xfrm>
+          <a:prstGeom prst="line">
+            <a:avLst/>
+          </a:prstGeom>
+          <a:ln w="12700">
+            <a:solidFill>
+              <a:schemeClr val="tx1">
+                <a:lumMod val="75000"/>
+                <a:lumOff val="25000"/>
+              </a:schemeClr>
+            </a:solidFill>
+          </a:ln>
+        </p:spPr>
+        <p:style>
+          <a:lnRef idx="1">
+            <a:schemeClr val="accent1"/>
+          </a:lnRef>
+          <a:fillRef idx="0">
+            <a:schemeClr val="accent1"/>
+          </a:fillRef>
+          <a:effectRef idx="0">
+            <a:schemeClr val="accent1"/>
+          </a:effectRef>
+          <a:fontRef idx="minor">
+            <a:schemeClr val="tx1"/>
+          </a:fontRef>
+        </p:style>
+      </p:cxnSp>
+    </p:spTree>
+    <p:extLst>
+      <p:ext uri="{BB962C8B-B14F-4D97-AF65-F5344CB8AC3E}">
+        <p14:creationId xmlns:p14="http://schemas.microsoft.com/office/powerpoint/2010/main" val="4208019021"/>
+      </p:ext>
+    </p:extLst>
+  </p:cSld>
+  <p:clrMapOvr>
+    <a:overrideClrMapping bg1="dk1" tx1="lt1" bg2="dk2" tx2="lt2" accent1="accent1" accent2="accent2" accent3="accent3" accent4="accent4" accent5="accent5" accent6="accent6" hlink="hlink" folHlink="folHlink"/>
+  </p:clrMapOvr>
+</p:sld>
+</file>
+
+<file path=ppt/slides/slide27.xml><?xml version="1.0" encoding="utf-8"?>
+<p:sld xmlns:a="http://schemas.openxmlformats.org/drawingml/2006/main" xmlns:r="http://schemas.openxmlformats.org/officeDocument/2006/relationships" xmlns:p="http://schemas.openxmlformats.org/presentationml/2006/main">
+  <p:cSld>
+    <p:spTree>
+      <p:nvGrpSpPr>
+        <p:cNvPr id="1" name=""/>
+        <p:cNvGrpSpPr/>
+        <p:nvPr/>
+      </p:nvGrpSpPr>
+      <p:grpSpPr>
+        <a:xfrm>
+          <a:off x="0" y="0"/>
+          <a:ext cx="0" cy="0"/>
+          <a:chOff x="0" y="0"/>
+          <a:chExt cx="0" cy="0"/>
+        </a:xfrm>
+      </p:grpSpPr>
+      <p:sp>
+        <p:nvSpPr>
+          <p:cNvPr id="4" name="Title 3">
+            <a:extLst>
+              <a:ext uri="{FF2B5EF4-FFF2-40B4-BE49-F238E27FC236}">
+                <a16:creationId xmlns:a16="http://schemas.microsoft.com/office/drawing/2014/main" id="{1AEBB370-0AE8-481A-906A-967A61BF9969}"/>
+              </a:ext>
+            </a:extLst>
+          </p:cNvPr>
+          <p:cNvSpPr>
+            <a:spLocks noGrp="1"/>
+          </p:cNvSpPr>
+          <p:nvPr>
+            <p:ph type="title"/>
+          </p:nvPr>
+        </p:nvSpPr>
+        <p:spPr>
+          <a:xfrm>
+            <a:off x="1066800" y="412738"/>
+            <a:ext cx="10058400" cy="1371600"/>
+          </a:xfrm>
+        </p:spPr>
+        <p:txBody>
+          <a:bodyPr/>
+          <a:lstStyle/>
+          <a:p>
+            <a:r>
+              <a:rPr lang="en-US">
+                <a:latin typeface="Consolas" panose="020B0609020204030204" pitchFamily="49" charset="0"/>
+              </a:rPr>
+              <a:t>npm install @hapi/joi</a:t>
+            </a:r>
+          </a:p>
+        </p:txBody>
+      </p:sp>
+      <p:sp>
+        <p:nvSpPr>
+          <p:cNvPr id="5" name="Content Placeholder 4">
+            <a:extLst>
+              <a:ext uri="{FF2B5EF4-FFF2-40B4-BE49-F238E27FC236}">
+                <a16:creationId xmlns:a16="http://schemas.microsoft.com/office/drawing/2014/main" id="{C6C5708F-95D9-4937-B274-D2A2363A0B68}"/>
+              </a:ext>
+            </a:extLst>
+          </p:cNvPr>
+          <p:cNvSpPr>
+            <a:spLocks noGrp="1"/>
+          </p:cNvSpPr>
+          <p:nvPr>
+            <p:ph idx="1"/>
+          </p:nvPr>
+        </p:nvSpPr>
+        <p:spPr>
+          <a:xfrm>
+            <a:off x="1066800" y="1574612"/>
+            <a:ext cx="10058400" cy="5283387"/>
+          </a:xfrm>
+        </p:spPr>
+        <p:txBody>
+          <a:bodyPr>
+            <a:noAutofit/>
+          </a:bodyPr>
+          <a:lstStyle/>
+          <a:p>
+            <a:r>
+              <a:rPr lang="en-US" sz="1800" b="1"/>
+              <a:t>The most powerful schema description language and data validator for JavaScript.</a:t>
+            </a:r>
+          </a:p>
+          <a:p>
+            <a:r>
+              <a:rPr lang="en-US" sz="1800"/>
+              <a:t>Used to implement server-side validation for your API endpoints.</a:t>
+            </a:r>
+          </a:p>
+          <a:p>
+            <a:pPr marL="0" indent="0">
+              <a:buNone/>
+            </a:pPr>
+            <a:endParaRPr lang="en-US" sz="1800"/>
+          </a:p>
+          <a:p>
+            <a:pPr marL="274320" lvl="1" indent="0">
+              <a:buNone/>
+            </a:pPr>
+            <a:r>
+              <a:rPr lang="en-US" sz="1800" b="1">
+                <a:latin typeface="Consolas" panose="020B0609020204030204" pitchFamily="49" charset="0"/>
+              </a:rPr>
+              <a:t>const schema = joi.object({</a:t>
+            </a:r>
+          </a:p>
+          <a:p>
+            <a:pPr marL="274320" lvl="1" indent="0">
+              <a:buNone/>
+            </a:pPr>
+            <a:r>
+              <a:rPr lang="en-US" sz="1800" b="1">
+                <a:latin typeface="Consolas" panose="020B0609020204030204" pitchFamily="49" charset="0"/>
+              </a:rPr>
+              <a:t>  name: joi.string().required(),</a:t>
+            </a:r>
+          </a:p>
+          <a:p>
+            <a:pPr marL="274320" lvl="1" indent="0">
+              <a:buNone/>
+            </a:pPr>
+            <a:r>
+              <a:rPr lang="en-US" sz="1800" b="1">
+                <a:latin typeface="Consolas" panose="020B0609020204030204" pitchFamily="49" charset="0"/>
+              </a:rPr>
+              <a:t>  desc: joi.string(),</a:t>
+            </a:r>
+          </a:p>
+          <a:p>
+            <a:pPr marL="274320" lvl="1" indent="0">
+              <a:buNone/>
+            </a:pPr>
+            <a:r>
+              <a:rPr lang="en-US" sz="1800" b="1">
+                <a:latin typeface="Consolas" panose="020B0609020204030204" pitchFamily="49" charset="0"/>
+              </a:rPr>
+              <a:t>  price: joi.number().required().min(0).precision(2)</a:t>
+            </a:r>
+          </a:p>
+          <a:p>
+            <a:pPr marL="274320" lvl="1" indent="0">
+              <a:buNone/>
+            </a:pPr>
+            <a:r>
+              <a:rPr lang="en-US" sz="1800" b="1">
+                <a:latin typeface="Consolas" panose="020B0609020204030204" pitchFamily="49" charset="0"/>
+              </a:rPr>
+              <a:t>});</a:t>
+            </a:r>
+          </a:p>
+          <a:p>
+            <a:pPr marL="274320" lvl="1" indent="0">
+              <a:buNone/>
+            </a:pPr>
+            <a:r>
+              <a:rPr lang="en-US" sz="1800" b="1">
+                <a:latin typeface="Consolas" panose="020B0609020204030204" pitchFamily="49" charset="0"/>
+              </a:rPr>
+              <a:t>await schema.validateAsync(product);</a:t>
+            </a:r>
+          </a:p>
+          <a:p>
+            <a:pPr marL="0" indent="0">
+              <a:buNone/>
+            </a:pPr>
+            <a:endParaRPr lang="en-US" sz="1800"/>
+          </a:p>
+          <a:p>
+            <a:pPr marL="0" indent="0">
+              <a:buNone/>
+            </a:pPr>
+            <a:r>
+              <a:rPr lang="en-US" sz="1800" b="1"/>
+              <a:t>Sources</a:t>
+            </a:r>
+          </a:p>
+          <a:p>
+            <a:pPr marL="0" indent="0">
+              <a:buNone/>
+            </a:pPr>
+            <a:r>
+              <a:rPr lang="en-US" sz="1800">
+                <a:hlinkClick r:id="rId2"/>
+              </a:rPr>
+              <a:t>https://www.npmjs.com/package/@hapi/joi</a:t>
+            </a:r>
+            <a:endParaRPr lang="en-US" sz="1800"/>
+          </a:p>
+          <a:p>
+            <a:pPr marL="0" indent="0">
+              <a:buNone/>
+            </a:pPr>
+            <a:r>
+              <a:rPr lang="en-US" sz="1800">
+                <a:hlinkClick r:id="rId3"/>
+              </a:rPr>
+              <a:t>https://hapi.dev/module/joi/</a:t>
+            </a:r>
+            <a:endParaRPr lang="en-US" sz="1800"/>
+          </a:p>
+        </p:txBody>
+      </p:sp>
+    </p:spTree>
+    <p:extLst>
+      <p:ext uri="{BB962C8B-B14F-4D97-AF65-F5344CB8AC3E}">
+        <p14:creationId xmlns:p14="http://schemas.microsoft.com/office/powerpoint/2010/main" val="1355329521"/>
+      </p:ext>
+    </p:extLst>
+  </p:cSld>
+  <p:clrMapOvr>
+    <a:masterClrMapping/>
+  </p:clrMapOvr>
+</p:sld>
+</file>
+
+<file path=ppt/slides/slide28.xml><?xml version="1.0" encoding="utf-8"?>
+<p:sld xmlns:a="http://schemas.openxmlformats.org/drawingml/2006/main" xmlns:r="http://schemas.openxmlformats.org/officeDocument/2006/relationships" xmlns:p="http://schemas.openxmlformats.org/presentationml/2006/main">
+  <p:cSld>
+    <p:spTree>
+      <p:nvGrpSpPr>
+        <p:cNvPr id="1" name=""/>
+        <p:cNvGrpSpPr/>
+        <p:nvPr/>
+      </p:nvGrpSpPr>
+      <p:grpSpPr>
+        <a:xfrm>
+          <a:off x="0" y="0"/>
+          <a:ext cx="0" cy="0"/>
+          <a:chOff x="0" y="0"/>
+          <a:chExt cx="0" cy="0"/>
+        </a:xfrm>
+      </p:grpSpPr>
+      <p:sp>
+        <p:nvSpPr>
+          <p:cNvPr id="4" name="Title 3">
+            <a:extLst>
+              <a:ext uri="{FF2B5EF4-FFF2-40B4-BE49-F238E27FC236}">
+                <a16:creationId xmlns:a16="http://schemas.microsoft.com/office/drawing/2014/main" id="{1AEBB370-0AE8-481A-906A-967A61BF9969}"/>
+              </a:ext>
+            </a:extLst>
+          </p:cNvPr>
+          <p:cNvSpPr>
+            <a:spLocks noGrp="1"/>
+          </p:cNvSpPr>
+          <p:nvPr>
+            <p:ph type="title"/>
+          </p:nvPr>
+        </p:nvSpPr>
+        <p:spPr/>
+        <p:txBody>
+          <a:bodyPr/>
+          <a:lstStyle/>
+          <a:p>
+            <a:r>
+              <a:rPr lang="en-US">
+                <a:latin typeface="Consolas" panose="020B0609020204030204" pitchFamily="49" charset="0"/>
+              </a:rPr>
+              <a:t>npm install joi-objectid</a:t>
+            </a:r>
+          </a:p>
+        </p:txBody>
+      </p:sp>
+      <p:sp>
+        <p:nvSpPr>
+          <p:cNvPr id="5" name="Content Placeholder 4">
+            <a:extLst>
+              <a:ext uri="{FF2B5EF4-FFF2-40B4-BE49-F238E27FC236}">
+                <a16:creationId xmlns:a16="http://schemas.microsoft.com/office/drawing/2014/main" id="{C6C5708F-95D9-4937-B274-D2A2363A0B68}"/>
+              </a:ext>
+            </a:extLst>
+          </p:cNvPr>
+          <p:cNvSpPr>
+            <a:spLocks noGrp="1"/>
+          </p:cNvSpPr>
+          <p:nvPr>
+            <p:ph idx="1"/>
+          </p:nvPr>
+        </p:nvSpPr>
+        <p:spPr/>
+        <p:txBody>
+          <a:bodyPr>
+            <a:noAutofit/>
+          </a:bodyPr>
+          <a:lstStyle/>
+          <a:p>
+            <a:r>
+              <a:rPr lang="en-US" sz="1800"/>
+              <a:t>Adds validation for MongoDB ObjectId.</a:t>
+            </a:r>
+          </a:p>
+          <a:p>
+            <a:r>
+              <a:rPr lang="en-US" sz="1800"/>
+              <a:t>Inject it in your entry point file (typically </a:t>
+            </a:r>
+            <a:r>
+              <a:rPr lang="en-US" sz="1800" b="1"/>
+              <a:t>index.js</a:t>
+            </a:r>
+            <a:r>
+              <a:rPr lang="en-US" sz="1800"/>
+              <a:t>) with the code below:</a:t>
+            </a:r>
+          </a:p>
+          <a:p>
+            <a:pPr marL="0" indent="0">
+              <a:buNone/>
+            </a:pPr>
+            <a:endParaRPr lang="en-US" sz="1800"/>
+          </a:p>
+          <a:p>
+            <a:pPr marL="274320" lvl="1" indent="0">
+              <a:buNone/>
+            </a:pPr>
+            <a:r>
+              <a:rPr lang="en-US" sz="1800" b="1">
+                <a:latin typeface="Consolas" panose="020B0609020204030204" pitchFamily="49" charset="0"/>
+              </a:rPr>
+              <a:t>const joi = require('@hapi/joi');</a:t>
+            </a:r>
+          </a:p>
+          <a:p>
+            <a:pPr marL="274320" lvl="1" indent="0">
+              <a:buNone/>
+            </a:pPr>
+            <a:r>
+              <a:rPr lang="en-US" sz="1800" b="1">
+                <a:latin typeface="Consolas" panose="020B0609020204030204" pitchFamily="49" charset="0"/>
+              </a:rPr>
+              <a:t>joi.objectId = require('joi-objectid')(joi);</a:t>
+            </a:r>
+          </a:p>
+          <a:p>
+            <a:pPr marL="0" indent="0">
+              <a:buNone/>
+            </a:pPr>
+            <a:endParaRPr lang="en-US" sz="1800"/>
+          </a:p>
+          <a:p>
+            <a:pPr marL="0" indent="0">
+              <a:buNone/>
+            </a:pPr>
+            <a:endParaRPr lang="en-US" sz="1800"/>
+          </a:p>
+          <a:p>
+            <a:pPr marL="0" indent="0">
+              <a:buNone/>
+            </a:pPr>
+            <a:endParaRPr lang="en-US" sz="1800"/>
+          </a:p>
+          <a:p>
+            <a:pPr marL="0" indent="0">
+              <a:buNone/>
+            </a:pPr>
+            <a:r>
+              <a:rPr lang="en-US" sz="1800" b="1"/>
+              <a:t>Sources</a:t>
+            </a:r>
+          </a:p>
+          <a:p>
+            <a:pPr marL="0" indent="0">
+              <a:buNone/>
+            </a:pPr>
+            <a:r>
+              <a:rPr lang="en-US" sz="1800">
+                <a:hlinkClick r:id="rId2"/>
+              </a:rPr>
+              <a:t>https://www.npmjs.com/package/joi-objectid</a:t>
+            </a:r>
+            <a:endParaRPr lang="en-US" sz="1800"/>
+          </a:p>
+        </p:txBody>
+      </p:sp>
+    </p:spTree>
+    <p:extLst>
+      <p:ext uri="{BB962C8B-B14F-4D97-AF65-F5344CB8AC3E}">
+        <p14:creationId xmlns:p14="http://schemas.microsoft.com/office/powerpoint/2010/main" val="3229304125"/>
+      </p:ext>
+    </p:extLst>
+  </p:cSld>
+  <p:clrMapOvr>
+    <a:masterClrMapping/>
+  </p:clrMapOvr>
+</p:sld>
+</file>
+
+<file path=ppt/slides/slide29.xml><?xml version="1.0" encoding="utf-8"?>
+<p:sld xmlns:a="http://schemas.openxmlformats.org/drawingml/2006/main" xmlns:r="http://schemas.openxmlformats.org/officeDocument/2006/relationships" xmlns:p="http://schemas.openxmlformats.org/presentationml/2006/main">
+  <p:cSld>
+    <p:bg>
+      <p:bgPr>
+        <a:solidFill>
+          <a:schemeClr val="bg1"/>
+        </a:solidFill>
+        <a:effectLst/>
+      </p:bgPr>
+    </p:bg>
+    <p:spTree>
+      <p:nvGrpSpPr>
+        <p:cNvPr id="1" name=""/>
+        <p:cNvGrpSpPr/>
+        <p:nvPr/>
+      </p:nvGrpSpPr>
+      <p:grpSpPr>
+        <a:xfrm>
+          <a:off x="0" y="0"/>
+          <a:ext cx="0" cy="0"/>
+          <a:chOff x="0" y="0"/>
+          <a:chExt cx="0" cy="0"/>
+        </a:xfrm>
+      </p:grpSpPr>
+      <p:sp>
+        <p:nvSpPr>
+          <p:cNvPr id="8" name="Rectangle 7">
+            <a:extLst>
+              <a:ext uri="{FF2B5EF4-FFF2-40B4-BE49-F238E27FC236}">
+                <a16:creationId xmlns:a16="http://schemas.microsoft.com/office/drawing/2014/main" id="{904DB13E-F722-4ED6-BB00-556651E95281}"/>
+              </a:ext>
+              <a:ext uri="{C183D7F6-B498-43B3-948B-1728B52AA6E4}">
+                <adec:decorative xmlns:adec="http://schemas.microsoft.com/office/drawing/2017/decorative" val="1"/>
+              </a:ext>
+            </a:extLst>
+          </p:cNvPr>
+          <p:cNvSpPr>
+            <a:spLocks noGrp="1" noRot="1" noChangeAspect="1" noMove="1" noResize="1" noEditPoints="1" noAdjustHandles="1" noChangeArrowheads="1" noChangeShapeType="1" noTextEdit="1"/>
+          </p:cNvSpPr>
+          <p:nvPr>
+            <p:extLst>
+              <p:ext uri="{386F3935-93C4-4BCD-93E2-E3B085C9AB24}">
+                <p16:designElem xmlns:p16="http://schemas.microsoft.com/office/powerpoint/2015/main" val="1"/>
+              </p:ext>
+            </p:extLst>
+          </p:nvPr>
+        </p:nvSpPr>
+        <p:spPr>
+          <a:xfrm>
+            <a:off x="0" y="0"/>
+            <a:ext cx="12192000" cy="6858000"/>
+          </a:xfrm>
+          <a:prstGeom prst="rect">
+            <a:avLst/>
+          </a:prstGeom>
+          <a:solidFill>
+            <a:schemeClr val="tx1">
+              <a:lumMod val="65000"/>
+              <a:lumOff val="35000"/>
+            </a:schemeClr>
+          </a:solidFill>
+          <a:ln>
+            <a:noFill/>
+          </a:ln>
+        </p:spPr>
+        <p:style>
+          <a:lnRef idx="2">
+            <a:schemeClr val="accent1">
+              <a:shade val="50000"/>
+            </a:schemeClr>
+          </a:lnRef>
+          <a:fillRef idx="1">
+            <a:schemeClr val="accent1"/>
+          </a:fillRef>
+          <a:effectRef idx="0">
+            <a:schemeClr val="accent1"/>
+          </a:effectRef>
+          <a:fontRef idx="minor">
+            <a:schemeClr val="lt1"/>
+          </a:fontRef>
+        </p:style>
+        <p:txBody>
+          <a:bodyPr rtlCol="0" anchor="ctr"/>
+          <a:lstStyle/>
+          <a:p>
+            <a:pPr algn="ctr"/>
+            <a:endParaRPr lang="en-US"/>
+          </a:p>
+        </p:txBody>
+      </p:sp>
+      <p:sp useBgFill="1">
+        <p:nvSpPr>
+          <p:cNvPr id="10" name="Rectangle 9">
+            <a:extLst>
+              <a:ext uri="{FF2B5EF4-FFF2-40B4-BE49-F238E27FC236}">
+                <a16:creationId xmlns:a16="http://schemas.microsoft.com/office/drawing/2014/main" id="{7B58A187-A4B1-42EB-A4C7-8635BA507BCE}"/>
+              </a:ext>
+              <a:ext uri="{C183D7F6-B498-43B3-948B-1728B52AA6E4}">
+                <adec:decorative xmlns:adec="http://schemas.microsoft.com/office/drawing/2017/decorative" val="1"/>
+              </a:ext>
+            </a:extLst>
+          </p:cNvPr>
+          <p:cNvSpPr>
+            <a:spLocks noGrp="1" noRot="1" noChangeAspect="1" noMove="1" noResize="1" noEditPoints="1" noAdjustHandles="1" noChangeArrowheads="1" noChangeShapeType="1" noTextEdit="1"/>
+          </p:cNvSpPr>
+          <p:nvPr>
+            <p:extLst>
+              <p:ext uri="{386F3935-93C4-4BCD-93E2-E3B085C9AB24}">
+                <p16:designElem xmlns:p16="http://schemas.microsoft.com/office/powerpoint/2015/main" val="1"/>
+              </p:ext>
+            </p:extLst>
+          </p:nvPr>
+        </p:nvSpPr>
+        <p:spPr>
+          <a:xfrm>
+            <a:off x="1307870" y="1267730"/>
+            <a:ext cx="9576262" cy="4307950"/>
+          </a:xfrm>
+          <a:prstGeom prst="rect">
+            <a:avLst/>
+          </a:prstGeom>
+          <a:ln w="6350" cap="flat" cmpd="sng" algn="ctr">
+            <a:noFill/>
+            <a:prstDash val="solid"/>
+          </a:ln>
+          <a:effectLst>
+            <a:outerShdw blurRad="50800" algn="ctr" rotWithShape="0">
+              <a:prstClr val="black">
+                <a:alpha val="66000"/>
+              </a:prstClr>
+            </a:outerShdw>
+            <a:softEdge rad="0"/>
+          </a:effectLst>
+        </p:spPr>
+      </p:sp>
+      <p:sp>
+        <p:nvSpPr>
+          <p:cNvPr id="12" name="Rectangle 11">
+            <a:extLst>
+              <a:ext uri="{FF2B5EF4-FFF2-40B4-BE49-F238E27FC236}">
+                <a16:creationId xmlns:a16="http://schemas.microsoft.com/office/drawing/2014/main" id="{37F14E7F-3054-458C-ACF9-A8DA1757C65C}"/>
+              </a:ext>
+              <a:ext uri="{C183D7F6-B498-43B3-948B-1728B52AA6E4}">
+                <adec:decorative xmlns:adec="http://schemas.microsoft.com/office/drawing/2017/decorative" val="1"/>
+              </a:ext>
+            </a:extLst>
+          </p:cNvPr>
+          <p:cNvSpPr>
+            <a:spLocks noGrp="1" noRot="1" noChangeAspect="1" noMove="1" noResize="1" noEditPoints="1" noAdjustHandles="1" noChangeArrowheads="1" noChangeShapeType="1" noTextEdit="1"/>
+          </p:cNvSpPr>
+          <p:nvPr>
+            <p:extLst>
+              <p:ext uri="{386F3935-93C4-4BCD-93E2-E3B085C9AB24}">
+                <p16:designElem xmlns:p16="http://schemas.microsoft.com/office/powerpoint/2015/main" val="1"/>
+              </p:ext>
+            </p:extLst>
+          </p:nvPr>
+        </p:nvSpPr>
+        <p:spPr>
+          <a:xfrm>
+            <a:off x="1447801" y="1411615"/>
+            <a:ext cx="9296400" cy="4034770"/>
+          </a:xfrm>
+          <a:prstGeom prst="rect">
+            <a:avLst/>
+          </a:prstGeom>
+          <a:noFill/>
+          <a:ln w="6350" cap="sq" cmpd="sng" algn="ctr">
+            <a:solidFill>
+              <a:schemeClr val="tx1">
+                <a:lumMod val="75000"/>
+                <a:lumOff val="25000"/>
+              </a:schemeClr>
+            </a:solidFill>
+            <a:prstDash val="solid"/>
+            <a:miter lim="800000"/>
+          </a:ln>
+          <a:effectLst/>
+        </p:spPr>
+      </p:sp>
+      <p:sp>
+        <p:nvSpPr>
+          <p:cNvPr id="14" name="Rectangle 13">
+            <a:extLst>
+              <a:ext uri="{FF2B5EF4-FFF2-40B4-BE49-F238E27FC236}">
+                <a16:creationId xmlns:a16="http://schemas.microsoft.com/office/drawing/2014/main" id="{93747C1C-97FC-4D70-A6C8-A01FBCF5A9DC}"/>
+              </a:ext>
+              <a:ext uri="{C183D7F6-B498-43B3-948B-1728B52AA6E4}">
+                <adec:decorative xmlns:adec="http://schemas.microsoft.com/office/drawing/2017/decorative" val="1"/>
+              </a:ext>
+            </a:extLst>
+          </p:cNvPr>
+          <p:cNvSpPr>
+            <a:spLocks noGrp="1" noRot="1" noChangeAspect="1" noMove="1" noResize="1" noEditPoints="1" noAdjustHandles="1" noChangeArrowheads="1" noChangeShapeType="1" noTextEdit="1"/>
+          </p:cNvSpPr>
+          <p:nvPr>
+            <p:extLst>
+              <p:ext uri="{386F3935-93C4-4BCD-93E2-E3B085C9AB24}">
+                <p16:designElem xmlns:p16="http://schemas.microsoft.com/office/powerpoint/2015/main" val="1"/>
+              </p:ext>
+            </p:extLst>
+          </p:nvPr>
+        </p:nvSpPr>
+        <p:spPr>
+          <a:xfrm>
+            <a:off x="5135880" y="1267730"/>
+            <a:ext cx="1920240" cy="731520"/>
+          </a:xfrm>
+          <a:prstGeom prst="rect">
+            <a:avLst/>
+          </a:prstGeom>
+          <a:solidFill>
+            <a:schemeClr val="accent1"/>
+          </a:solidFill>
+          <a:ln>
+            <a:noFill/>
+          </a:ln>
+        </p:spPr>
+        <p:style>
+          <a:lnRef idx="2">
+            <a:schemeClr val="accent1">
+              <a:shade val="50000"/>
+            </a:schemeClr>
+          </a:lnRef>
+          <a:fillRef idx="1">
+            <a:schemeClr val="accent1"/>
+          </a:fillRef>
+          <a:effectRef idx="0">
+            <a:schemeClr val="accent1"/>
+          </a:effectRef>
+          <a:fontRef idx="minor">
+            <a:schemeClr val="lt1"/>
+          </a:fontRef>
+        </p:style>
+      </p:sp>
+      <p:grpSp>
+        <p:nvGrpSpPr>
+          <p:cNvPr id="16" name="Group 15">
+            <a:extLst>
+              <a:ext uri="{FF2B5EF4-FFF2-40B4-BE49-F238E27FC236}">
+                <a16:creationId xmlns:a16="http://schemas.microsoft.com/office/drawing/2014/main" id="{E26428D7-C6F3-473D-A360-A3F5C3E8728C}"/>
+              </a:ext>
+              <a:ext uri="{C183D7F6-B498-43B3-948B-1728B52AA6E4}">
+                <adec:decorative xmlns:adec="http://schemas.microsoft.com/office/drawing/2017/decorative" val="1"/>
+              </a:ext>
+            </a:extLst>
+          </p:cNvPr>
+          <p:cNvGrpSpPr>
+            <a:grpSpLocks noGrp="1" noUngrp="1" noRot="1" noChangeAspect="1" noMove="1" noResize="1"/>
+          </p:cNvGrpSpPr>
+          <p:nvPr>
+            <p:extLst>
+              <p:ext uri="{386F3935-93C4-4BCD-93E2-E3B085C9AB24}">
+                <p16:designElem xmlns:p16="http://schemas.microsoft.com/office/powerpoint/2015/main" val="1"/>
+              </p:ext>
+            </p:extLst>
+          </p:nvPr>
+        </p:nvGrpSpPr>
+        <p:grpSpPr>
+          <a:xfrm>
+            <a:off x="5250180" y="1267730"/>
+            <a:ext cx="1691640" cy="615934"/>
+            <a:chOff x="5250180" y="1267730"/>
+            <a:chExt cx="1691640" cy="615934"/>
+          </a:xfrm>
+        </p:grpSpPr>
+        <p:cxnSp>
+          <p:nvCxnSpPr>
+            <p:cNvPr id="17" name="Straight Connector 16">
+              <a:extLst>
+                <a:ext uri="{FF2B5EF4-FFF2-40B4-BE49-F238E27FC236}">
+                  <a16:creationId xmlns:a16="http://schemas.microsoft.com/office/drawing/2014/main" id="{05CDC370-AE44-4300-98BA-FE204E881765}"/>
+                </a:ext>
+                <a:ext uri="{C183D7F6-B498-43B3-948B-1728B52AA6E4}">
+                  <adec:decorative xmlns:adec="http://schemas.microsoft.com/office/drawing/2017/decorative" val="1"/>
+                </a:ext>
+              </a:extLst>
+            </p:cNvPr>
+            <p:cNvCxnSpPr/>
+            <p:nvPr>
+              <p:extLst>
+                <p:ext uri="{386F3935-93C4-4BCD-93E2-E3B085C9AB24}">
+                  <p16:designElem xmlns:p16="http://schemas.microsoft.com/office/powerpoint/2015/main" val="1"/>
+                </p:ext>
+              </p:extLst>
+            </p:nvPr>
+          </p:nvCxnSpPr>
+          <p:spPr>
+            <a:xfrm>
+              <a:off x="5250180" y="1267730"/>
+              <a:ext cx="0" cy="612648"/>
+            </a:xfrm>
+            <a:prstGeom prst="line">
+              <a:avLst/>
+            </a:prstGeom>
+            <a:solidFill>
+              <a:schemeClr val="tx1">
+                <a:lumMod val="85000"/>
+                <a:lumOff val="15000"/>
+              </a:schemeClr>
+            </a:solidFill>
+            <a:ln>
+              <a:solidFill>
+                <a:srgbClr val="FFFFFF"/>
+              </a:solidFill>
+              <a:miter lim="800000"/>
+            </a:ln>
+          </p:spPr>
+          <p:style>
+            <a:lnRef idx="1">
+              <a:schemeClr val="accent1"/>
+            </a:lnRef>
+            <a:fillRef idx="0">
+              <a:schemeClr val="accent1"/>
+            </a:fillRef>
+            <a:effectRef idx="0">
+              <a:schemeClr val="accent1"/>
+            </a:effectRef>
+            <a:fontRef idx="minor">
+              <a:schemeClr val="tx1"/>
+            </a:fontRef>
+          </p:style>
+        </p:cxnSp>
+        <p:cxnSp>
+          <p:nvCxnSpPr>
+            <p:cNvPr id="18" name="Straight Connector 17">
+              <a:extLst>
+                <a:ext uri="{FF2B5EF4-FFF2-40B4-BE49-F238E27FC236}">
+                  <a16:creationId xmlns:a16="http://schemas.microsoft.com/office/drawing/2014/main" id="{47B15501-CB9A-4642-80EE-2876EF039EB8}"/>
+                </a:ext>
+                <a:ext uri="{C183D7F6-B498-43B3-948B-1728B52AA6E4}">
+                  <adec:decorative xmlns:adec="http://schemas.microsoft.com/office/drawing/2017/decorative" val="1"/>
+                </a:ext>
+              </a:extLst>
+            </p:cNvPr>
+            <p:cNvCxnSpPr/>
+            <p:nvPr>
+              <p:extLst>
+                <p:ext uri="{386F3935-93C4-4BCD-93E2-E3B085C9AB24}">
+                  <p16:designElem xmlns:p16="http://schemas.microsoft.com/office/powerpoint/2015/main" val="1"/>
+                </p:ext>
+              </p:extLst>
+            </p:nvPr>
+          </p:nvCxnSpPr>
+          <p:spPr>
+            <a:xfrm>
+              <a:off x="6941820" y="1267730"/>
+              <a:ext cx="0" cy="612648"/>
+            </a:xfrm>
+            <a:prstGeom prst="line">
+              <a:avLst/>
+            </a:prstGeom>
+            <a:solidFill>
+              <a:schemeClr val="tx1">
+                <a:lumMod val="85000"/>
+                <a:lumOff val="15000"/>
+              </a:schemeClr>
+            </a:solidFill>
+            <a:ln>
+              <a:solidFill>
+                <a:srgbClr val="FFFFFF"/>
+              </a:solidFill>
+              <a:miter lim="800000"/>
+            </a:ln>
+          </p:spPr>
+          <p:style>
+            <a:lnRef idx="1">
+              <a:schemeClr val="accent1"/>
+            </a:lnRef>
+            <a:fillRef idx="0">
+              <a:schemeClr val="accent1"/>
+            </a:fillRef>
+            <a:effectRef idx="0">
+              <a:schemeClr val="accent1"/>
+            </a:effectRef>
+            <a:fontRef idx="minor">
+              <a:schemeClr val="tx1"/>
+            </a:fontRef>
+          </p:style>
+        </p:cxnSp>
+        <p:cxnSp>
+          <p:nvCxnSpPr>
+            <p:cNvPr id="19" name="Straight Connector 18">
+              <a:extLst>
+                <a:ext uri="{FF2B5EF4-FFF2-40B4-BE49-F238E27FC236}">
+                  <a16:creationId xmlns:a16="http://schemas.microsoft.com/office/drawing/2014/main" id="{6AFF9525-325F-47B3-A63C-93C12253AD76}"/>
+                </a:ext>
+                <a:ext uri="{C183D7F6-B498-43B3-948B-1728B52AA6E4}">
+                  <adec:decorative xmlns:adec="http://schemas.microsoft.com/office/drawing/2017/decorative" val="1"/>
+                </a:ext>
+              </a:extLst>
+            </p:cNvPr>
+            <p:cNvCxnSpPr/>
+            <p:nvPr>
+              <p:extLst>
+                <p:ext uri="{386F3935-93C4-4BCD-93E2-E3B085C9AB24}">
+                  <p16:designElem xmlns:p16="http://schemas.microsoft.com/office/powerpoint/2015/main" val="1"/>
+                </p:ext>
+              </p:extLst>
+            </p:nvPr>
+          </p:nvCxnSpPr>
+          <p:spPr>
+            <a:xfrm>
+              <a:off x="5250180" y="1883664"/>
+              <a:ext cx="1691640" cy="0"/>
+            </a:xfrm>
+            <a:prstGeom prst="line">
+              <a:avLst/>
+            </a:prstGeom>
+            <a:solidFill>
+              <a:schemeClr val="tx1">
+                <a:lumMod val="85000"/>
+                <a:lumOff val="15000"/>
+              </a:schemeClr>
+            </a:solidFill>
+            <a:ln>
+              <a:solidFill>
+                <a:srgbClr val="FFFFFF"/>
+              </a:solidFill>
+              <a:miter lim="800000"/>
+            </a:ln>
+          </p:spPr>
+          <p:style>
+            <a:lnRef idx="1">
+              <a:schemeClr val="accent1"/>
+            </a:lnRef>
+            <a:fillRef idx="0">
+              <a:schemeClr val="accent1"/>
+            </a:fillRef>
+            <a:effectRef idx="0">
+              <a:schemeClr val="accent1"/>
+            </a:effectRef>
+            <a:fontRef idx="minor">
+              <a:schemeClr val="tx1"/>
+            </a:fontRef>
+          </p:style>
+        </p:cxnSp>
+      </p:grpSp>
+      <p:sp>
+        <p:nvSpPr>
+          <p:cNvPr id="21" name="Rectangle 20">
+            <a:extLst>
+              <a:ext uri="{FF2B5EF4-FFF2-40B4-BE49-F238E27FC236}">
+                <a16:creationId xmlns:a16="http://schemas.microsoft.com/office/drawing/2014/main" id="{B66F8A2C-B8CF-4B20-9A73-2ADCF6302755}"/>
+              </a:ext>
+              <a:ext uri="{C183D7F6-B498-43B3-948B-1728B52AA6E4}">
+                <adec:decorative xmlns:adec="http://schemas.microsoft.com/office/drawing/2017/decorative" val="1"/>
+              </a:ext>
+            </a:extLst>
+          </p:cNvPr>
+          <p:cNvSpPr>
+            <a:spLocks noGrp="1" noRot="1" noChangeAspect="1" noMove="1" noResize="1" noEditPoints="1" noAdjustHandles="1" noChangeArrowheads="1" noChangeShapeType="1" noTextEdit="1"/>
+          </p:cNvSpPr>
+          <p:nvPr>
+            <p:extLst>
+              <p:ext uri="{386F3935-93C4-4BCD-93E2-E3B085C9AB24}">
+                <p16:designElem xmlns:p16="http://schemas.microsoft.com/office/powerpoint/2015/main" val="1"/>
+              </p:ext>
+            </p:extLst>
+          </p:nvPr>
+        </p:nvSpPr>
+        <p:spPr>
+          <a:xfrm>
+            <a:off x="0" y="0"/>
+            <a:ext cx="12192001" cy="6858000"/>
+          </a:xfrm>
+          <a:prstGeom prst="rect">
+            <a:avLst/>
+          </a:prstGeom>
+          <a:solidFill>
+            <a:schemeClr val="tx1">
+              <a:lumMod val="85000"/>
+            </a:schemeClr>
+          </a:solidFill>
+          <a:ln>
+            <a:noFill/>
+          </a:ln>
+        </p:spPr>
+        <p:style>
+          <a:lnRef idx="2">
+            <a:schemeClr val="accent1">
+              <a:shade val="50000"/>
+            </a:schemeClr>
+          </a:lnRef>
+          <a:fillRef idx="1">
+            <a:schemeClr val="accent1"/>
+          </a:fillRef>
+          <a:effectRef idx="0">
+            <a:schemeClr val="accent1"/>
+          </a:effectRef>
+          <a:fontRef idx="minor">
+            <a:schemeClr val="lt1"/>
+          </a:fontRef>
+        </p:style>
+        <p:txBody>
+          <a:bodyPr rot="0" spcFirstLastPara="0" vert="horz" wrap="square" lIns="91440" tIns="45720" rIns="91440" bIns="45720" numCol="1" spcCol="0" rtlCol="0" fromWordArt="0" anchor="ctr" anchorCtr="0" forceAA="0" compatLnSpc="1">
+            <a:prstTxWarp prst="textNoShape">
+              <a:avLst/>
+            </a:prstTxWarp>
+            <a:noAutofit/>
+          </a:bodyPr>
+          <a:lstStyle>
+            <a:defPPr>
+              <a:defRPr lang="en-US"/>
+            </a:defPPr>
+            <a:lvl1pPr marL="0" algn="l" defTabSz="914400" rtl="0" eaLnBrk="1" latinLnBrk="0" hangingPunct="1">
+              <a:defRPr sz="1800" kern="1200">
+                <a:solidFill>
+                  <a:schemeClr val="lt1"/>
+                </a:solidFill>
+                <a:latin typeface="+mn-lt"/>
+                <a:ea typeface="+mn-ea"/>
+                <a:cs typeface="+mn-cs"/>
+              </a:defRPr>
+            </a:lvl1pPr>
+            <a:lvl2pPr marL="457200" algn="l" defTabSz="914400" rtl="0" eaLnBrk="1" latinLnBrk="0" hangingPunct="1">
+              <a:defRPr sz="1800" kern="1200">
+                <a:solidFill>
+                  <a:schemeClr val="lt1"/>
+                </a:solidFill>
+                <a:latin typeface="+mn-lt"/>
+                <a:ea typeface="+mn-ea"/>
+                <a:cs typeface="+mn-cs"/>
+              </a:defRPr>
+            </a:lvl2pPr>
+            <a:lvl3pPr marL="914400" algn="l" defTabSz="914400" rtl="0" eaLnBrk="1" latinLnBrk="0" hangingPunct="1">
+              <a:defRPr sz="1800" kern="1200">
+                <a:solidFill>
+                  <a:schemeClr val="lt1"/>
+                </a:solidFill>
+                <a:latin typeface="+mn-lt"/>
+                <a:ea typeface="+mn-ea"/>
+                <a:cs typeface="+mn-cs"/>
+              </a:defRPr>
+            </a:lvl3pPr>
+            <a:lvl4pPr marL="1371600" algn="l" defTabSz="914400" rtl="0" eaLnBrk="1" latinLnBrk="0" hangingPunct="1">
+              <a:defRPr sz="1800" kern="1200">
+                <a:solidFill>
+                  <a:schemeClr val="lt1"/>
+                </a:solidFill>
+                <a:latin typeface="+mn-lt"/>
+                <a:ea typeface="+mn-ea"/>
+                <a:cs typeface="+mn-cs"/>
+              </a:defRPr>
+            </a:lvl4pPr>
+            <a:lvl5pPr marL="1828800" algn="l" defTabSz="914400" rtl="0" eaLnBrk="1" latinLnBrk="0" hangingPunct="1">
+              <a:defRPr sz="1800" kern="1200">
+                <a:solidFill>
+                  <a:schemeClr val="lt1"/>
+                </a:solidFill>
+                <a:latin typeface="+mn-lt"/>
+                <a:ea typeface="+mn-ea"/>
+                <a:cs typeface="+mn-cs"/>
+              </a:defRPr>
+            </a:lvl5pPr>
+            <a:lvl6pPr marL="2286000" algn="l" defTabSz="914400" rtl="0" eaLnBrk="1" latinLnBrk="0" hangingPunct="1">
+              <a:defRPr sz="1800" kern="1200">
+                <a:solidFill>
+                  <a:schemeClr val="lt1"/>
+                </a:solidFill>
+                <a:latin typeface="+mn-lt"/>
+                <a:ea typeface="+mn-ea"/>
+                <a:cs typeface="+mn-cs"/>
+              </a:defRPr>
+            </a:lvl6pPr>
+            <a:lvl7pPr marL="2743200" algn="l" defTabSz="914400" rtl="0" eaLnBrk="1" latinLnBrk="0" hangingPunct="1">
+              <a:defRPr sz="1800" kern="1200">
+                <a:solidFill>
+                  <a:schemeClr val="lt1"/>
+                </a:solidFill>
+                <a:latin typeface="+mn-lt"/>
+                <a:ea typeface="+mn-ea"/>
+                <a:cs typeface="+mn-cs"/>
+              </a:defRPr>
+            </a:lvl7pPr>
+            <a:lvl8pPr marL="3200400" algn="l" defTabSz="914400" rtl="0" eaLnBrk="1" latinLnBrk="0" hangingPunct="1">
+              <a:defRPr sz="1800" kern="1200">
+                <a:solidFill>
+                  <a:schemeClr val="lt1"/>
+                </a:solidFill>
+                <a:latin typeface="+mn-lt"/>
+                <a:ea typeface="+mn-ea"/>
+                <a:cs typeface="+mn-cs"/>
+              </a:defRPr>
+            </a:lvl8pPr>
+            <a:lvl9pPr marL="3657600" algn="l" defTabSz="914400" rtl="0" eaLnBrk="1" latinLnBrk="0" hangingPunct="1">
+              <a:defRPr sz="1800" kern="1200">
+                <a:solidFill>
+                  <a:schemeClr val="lt1"/>
+                </a:solidFill>
+                <a:latin typeface="+mn-lt"/>
+                <a:ea typeface="+mn-ea"/>
+                <a:cs typeface="+mn-cs"/>
+              </a:defRPr>
+            </a:lvl9pPr>
+          </a:lstStyle>
+          <a:p>
+            <a:pPr algn="ctr"/>
+            <a:endParaRPr lang="en-US"/>
+          </a:p>
+        </p:txBody>
+      </p:sp>
+      <p:sp>
+        <p:nvSpPr>
+          <p:cNvPr id="23" name="Rectangle 22">
+            <a:extLst>
+              <a:ext uri="{FF2B5EF4-FFF2-40B4-BE49-F238E27FC236}">
+                <a16:creationId xmlns:a16="http://schemas.microsoft.com/office/drawing/2014/main" id="{B5DD78E9-DE0D-47AF-A0DB-F475221E3DC7}"/>
+              </a:ext>
+              <a:ext uri="{C183D7F6-B498-43B3-948B-1728B52AA6E4}">
+                <adec:decorative xmlns:adec="http://schemas.microsoft.com/office/drawing/2017/decorative" val="1"/>
+              </a:ext>
+            </a:extLst>
+          </p:cNvPr>
+          <p:cNvSpPr>
+            <a:spLocks noGrp="1" noRot="1" noChangeAspect="1" noMove="1" noResize="1" noEditPoints="1" noAdjustHandles="1" noChangeArrowheads="1" noChangeShapeType="1" noTextEdit="1"/>
+          </p:cNvSpPr>
+          <p:nvPr>
+            <p:extLst>
+              <p:ext uri="{386F3935-93C4-4BCD-93E2-E3B085C9AB24}">
+                <p16:designElem xmlns:p16="http://schemas.microsoft.com/office/powerpoint/2015/main" val="1"/>
+              </p:ext>
+            </p:extLst>
+          </p:nvPr>
+        </p:nvSpPr>
+        <p:spPr>
+          <a:xfrm>
+            <a:off x="632108" y="610955"/>
+            <a:ext cx="10927784" cy="5636090"/>
+          </a:xfrm>
+          <a:prstGeom prst="rect">
+            <a:avLst/>
+          </a:prstGeom>
+          <a:solidFill>
+            <a:srgbClr val="FFFFFF"/>
+          </a:solidFill>
+          <a:ln w="6350" cap="flat" cmpd="sng" algn="ctr">
+            <a:noFill/>
+            <a:prstDash val="solid"/>
+          </a:ln>
+          <a:effectLst>
+            <a:outerShdw blurRad="50800" algn="ctr" rotWithShape="0">
+              <a:prstClr val="black">
+                <a:alpha val="66000"/>
+              </a:prstClr>
+            </a:outerShdw>
+            <a:softEdge rad="0"/>
+          </a:effectLst>
+        </p:spPr>
+      </p:sp>
+      <p:sp>
+        <p:nvSpPr>
+          <p:cNvPr id="25" name="Rectangle 24">
+            <a:extLst>
+              <a:ext uri="{FF2B5EF4-FFF2-40B4-BE49-F238E27FC236}">
+                <a16:creationId xmlns:a16="http://schemas.microsoft.com/office/drawing/2014/main" id="{A118D329-2010-4A15-B57C-429FFAE35B11}"/>
+              </a:ext>
+              <a:ext uri="{C183D7F6-B498-43B3-948B-1728B52AA6E4}">
+                <adec:decorative xmlns:adec="http://schemas.microsoft.com/office/drawing/2017/decorative" val="1"/>
+              </a:ext>
+            </a:extLst>
+          </p:cNvPr>
+          <p:cNvSpPr>
+            <a:spLocks noGrp="1" noRot="1" noChangeAspect="1" noMove="1" noResize="1" noEditPoints="1" noAdjustHandles="1" noChangeArrowheads="1" noChangeShapeType="1" noTextEdit="1"/>
+          </p:cNvSpPr>
+          <p:nvPr>
+            <p:extLst>
+              <p:ext uri="{386F3935-93C4-4BCD-93E2-E3B085C9AB24}">
+                <p16:designElem xmlns:p16="http://schemas.microsoft.com/office/powerpoint/2015/main" val="1"/>
+              </p:ext>
+            </p:extLst>
+          </p:nvPr>
+        </p:nvSpPr>
+        <p:spPr>
+          <a:xfrm>
+            <a:off x="797052" y="777240"/>
+            <a:ext cx="10597896" cy="5303520"/>
+          </a:xfrm>
+          <a:prstGeom prst="rect">
+            <a:avLst/>
+          </a:prstGeom>
+          <a:solidFill>
+            <a:schemeClr val="bg1">
+              <a:lumMod val="85000"/>
+              <a:lumOff val="15000"/>
+            </a:schemeClr>
+          </a:solidFill>
+          <a:ln w="6350" cap="sq" cmpd="sng" algn="ctr">
+            <a:solidFill>
+              <a:schemeClr val="tx1"/>
+            </a:solidFill>
+            <a:prstDash val="solid"/>
+            <a:miter lim="800000"/>
+          </a:ln>
+          <a:effectLst/>
+        </p:spPr>
+      </p:sp>
+      <p:sp>
+        <p:nvSpPr>
+          <p:cNvPr id="2" name="Title 1">
+            <a:extLst>
+              <a:ext uri="{FF2B5EF4-FFF2-40B4-BE49-F238E27FC236}">
+                <a16:creationId xmlns:a16="http://schemas.microsoft.com/office/drawing/2014/main" id="{73B5FB34-A0EC-42DE-A278-4447B384DF3A}"/>
+              </a:ext>
+            </a:extLst>
+          </p:cNvPr>
+          <p:cNvSpPr>
+            <a:spLocks noGrp="1"/>
+          </p:cNvSpPr>
+          <p:nvPr>
+            <p:ph type="title"/>
+          </p:nvPr>
+        </p:nvSpPr>
+        <p:spPr>
+          <a:xfrm>
+            <a:off x="1263520" y="1272800"/>
+            <a:ext cx="6544620" cy="4312402"/>
+          </a:xfrm>
+        </p:spPr>
+        <p:txBody>
+          <a:bodyPr vert="horz" lIns="91440" tIns="45720" rIns="91440" bIns="45720" rtlCol="0" anchor="ctr">
+            <a:normAutofit/>
+          </a:bodyPr>
+          <a:lstStyle/>
+          <a:p>
+            <a:pPr algn="r"/>
+            <a:r>
+              <a:rPr lang="en-US">
+                <a:solidFill>
+                  <a:schemeClr val="tx1"/>
+                </a:solidFill>
+              </a:rPr>
+              <a:t>API </a:t>
+            </a:r>
+          </a:p>
+        </p:txBody>
+      </p:sp>
+      <p:sp>
+        <p:nvSpPr>
+          <p:cNvPr id="3" name="Text Placeholder 2">
+            <a:extLst>
+              <a:ext uri="{FF2B5EF4-FFF2-40B4-BE49-F238E27FC236}">
+                <a16:creationId xmlns:a16="http://schemas.microsoft.com/office/drawing/2014/main" id="{2C0C0E0B-3BAB-4503-AEA3-139DAE7858FF}"/>
+              </a:ext>
+            </a:extLst>
+          </p:cNvPr>
+          <p:cNvSpPr>
+            <a:spLocks noGrp="1"/>
+          </p:cNvSpPr>
+          <p:nvPr>
+            <p:ph type="body" idx="1"/>
+          </p:nvPr>
+        </p:nvSpPr>
+        <p:spPr>
+          <a:xfrm>
+            <a:off x="8473440" y="1272800"/>
+            <a:ext cx="2481307" cy="4312402"/>
+          </a:xfrm>
+        </p:spPr>
+        <p:txBody>
+          <a:bodyPr vert="horz" lIns="91440" tIns="45720" rIns="91440" bIns="45720" rtlCol="0" anchor="ctr">
+            <a:normAutofit/>
+          </a:bodyPr>
+          <a:lstStyle/>
+          <a:p>
+            <a:pPr algn="l">
+              <a:lnSpc>
+                <a:spcPct val="100000"/>
+              </a:lnSpc>
+              <a:spcBef>
+                <a:spcPts val="0"/>
+              </a:spcBef>
+              <a:spcAft>
+                <a:spcPts val="600"/>
+              </a:spcAft>
+            </a:pPr>
+            <a:r>
+              <a:rPr lang="en-US" sz="2000" spc="80"/>
+              <a:t>Building an API module to access a MongoDB database</a:t>
+            </a:r>
+          </a:p>
+        </p:txBody>
+      </p:sp>
+      <p:cxnSp>
+        <p:nvCxnSpPr>
+          <p:cNvPr id="27" name="Straight Connector 26">
+            <a:extLst>
+              <a:ext uri="{FF2B5EF4-FFF2-40B4-BE49-F238E27FC236}">
+                <a16:creationId xmlns:a16="http://schemas.microsoft.com/office/drawing/2014/main" id="{994262BC-EE98-4BD6-82DB-4955E8DCC290}"/>
+              </a:ext>
+              <a:ext uri="{C183D7F6-B498-43B3-948B-1728B52AA6E4}">
+                <adec:decorative xmlns:adec="http://schemas.microsoft.com/office/drawing/2017/decorative" val="1"/>
+              </a:ext>
+            </a:extLst>
+          </p:cNvPr>
+          <p:cNvCxnSpPr>
+            <a:cxnSpLocks noGrp="1" noRot="1" noChangeAspect="1" noMove="1" noResize="1" noEditPoints="1" noAdjustHandles="1" noChangeArrowheads="1" noChangeShapeType="1"/>
+          </p:cNvCxnSpPr>
+          <p:nvPr>
+            <p:extLst>
+              <p:ext uri="{386F3935-93C4-4BCD-93E2-E3B085C9AB24}">
+                <p16:designElem xmlns:p16="http://schemas.microsoft.com/office/powerpoint/2015/main" val="1"/>
+              </p:ext>
+            </p:extLst>
+          </p:nvPr>
+        </p:nvCxnSpPr>
+        <p:spPr>
+          <a:xfrm>
+            <a:off x="8129872" y="2057401"/>
+            <a:ext cx="0" cy="2743200"/>
+          </a:xfrm>
+          <a:prstGeom prst="line">
+            <a:avLst/>
+          </a:prstGeom>
+          <a:ln w="12700">
+            <a:solidFill>
+              <a:schemeClr val="tx1">
+                <a:lumMod val="75000"/>
+                <a:lumOff val="25000"/>
+              </a:schemeClr>
+            </a:solidFill>
+          </a:ln>
+        </p:spPr>
+        <p:style>
+          <a:lnRef idx="1">
+            <a:schemeClr val="accent1"/>
+          </a:lnRef>
+          <a:fillRef idx="0">
+            <a:schemeClr val="accent1"/>
+          </a:fillRef>
+          <a:effectRef idx="0">
+            <a:schemeClr val="accent1"/>
+          </a:effectRef>
+          <a:fontRef idx="minor">
+            <a:schemeClr val="tx1"/>
+          </a:fontRef>
+        </p:style>
+      </p:cxnSp>
+    </p:spTree>
+    <p:extLst>
+      <p:ext uri="{BB962C8B-B14F-4D97-AF65-F5344CB8AC3E}">
+        <p14:creationId xmlns:p14="http://schemas.microsoft.com/office/powerpoint/2010/main" val="3281055568"/>
+      </p:ext>
+    </p:extLst>
+  </p:cSld>
+  <p:clrMapOvr>
+    <a:overrideClrMapping bg1="dk1" tx1="lt1" bg2="dk2" tx2="lt2" accent1="accent1" accent2="accent2" accent3="accent3" accent4="accent4" accent5="accent5" accent6="accent6" hlink="hlink" folHlink="folHlink"/>
+  </p:clrMapOvr>
+</p:sld>
+</file>
+
+<file path=ppt/slides/slide3.xml><?xml version="1.0" encoding="utf-8"?>
+<p:sld xmlns:a="http://schemas.openxmlformats.org/drawingml/2006/main" xmlns:r="http://schemas.openxmlformats.org/officeDocument/2006/relationships" xmlns:p="http://schemas.openxmlformats.org/presentationml/2006/main">
+  <p:cSld>
+    <p:bg>
+      <p:bgPr>
+        <a:solidFill>
+          <a:schemeClr val="bg1"/>
+        </a:solidFill>
+        <a:effectLst/>
+      </p:bgPr>
+    </p:bg>
+    <p:spTree>
+      <p:nvGrpSpPr>
+        <p:cNvPr id="1" name=""/>
+        <p:cNvGrpSpPr/>
+        <p:nvPr/>
+      </p:nvGrpSpPr>
+      <p:grpSpPr>
+        <a:xfrm>
+          <a:off x="0" y="0"/>
+          <a:ext cx="0" cy="0"/>
+          <a:chOff x="0" y="0"/>
+          <a:chExt cx="0" cy="0"/>
+        </a:xfrm>
+      </p:grpSpPr>
+      <p:sp>
+        <p:nvSpPr>
+          <p:cNvPr id="10" name="Rectangle 9">
+            <a:extLst>
+              <a:ext uri="{FF2B5EF4-FFF2-40B4-BE49-F238E27FC236}">
+                <a16:creationId xmlns:a16="http://schemas.microsoft.com/office/drawing/2014/main" id="{904DB13E-F722-4ED6-BB00-556651E95281}"/>
+              </a:ext>
+              <a:ext uri="{C183D7F6-B498-43B3-948B-1728B52AA6E4}">
+                <adec:decorative xmlns:adec="http://schemas.microsoft.com/office/drawing/2017/decorative" val="1"/>
+              </a:ext>
+            </a:extLst>
+          </p:cNvPr>
+          <p:cNvSpPr>
+            <a:spLocks noGrp="1" noRot="1" noChangeAspect="1" noMove="1" noResize="1" noEditPoints="1" noAdjustHandles="1" noChangeArrowheads="1" noChangeShapeType="1" noTextEdit="1"/>
+          </p:cNvSpPr>
+          <p:nvPr>
+            <p:extLst>
+              <p:ext uri="{386F3935-93C4-4BCD-93E2-E3B085C9AB24}">
+                <p16:designElem xmlns:p16="http://schemas.microsoft.com/office/powerpoint/2015/main" val="1"/>
+              </p:ext>
+            </p:extLst>
+          </p:nvPr>
+        </p:nvSpPr>
+        <p:spPr>
+          <a:xfrm>
+            <a:off x="0" y="0"/>
+            <a:ext cx="12192000" cy="6858000"/>
+          </a:xfrm>
+          <a:prstGeom prst="rect">
+            <a:avLst/>
+          </a:prstGeom>
+          <a:solidFill>
+            <a:schemeClr val="tx1">
+              <a:lumMod val="65000"/>
+              <a:lumOff val="35000"/>
+            </a:schemeClr>
+          </a:solidFill>
+          <a:ln>
+            <a:noFill/>
+          </a:ln>
+        </p:spPr>
+        <p:style>
+          <a:lnRef idx="2">
+            <a:schemeClr val="accent1">
+              <a:shade val="50000"/>
+            </a:schemeClr>
+          </a:lnRef>
+          <a:fillRef idx="1">
+            <a:schemeClr val="accent1"/>
+          </a:fillRef>
+          <a:effectRef idx="0">
+            <a:schemeClr val="accent1"/>
+          </a:effectRef>
+          <a:fontRef idx="minor">
+            <a:schemeClr val="lt1"/>
+          </a:fontRef>
+        </p:style>
+        <p:txBody>
+          <a:bodyPr rtlCol="0" anchor="ctr"/>
+          <a:lstStyle/>
+          <a:p>
+            <a:pPr algn="ctr"/>
+            <a:endParaRPr lang="en-US"/>
+          </a:p>
+        </p:txBody>
+      </p:sp>
+      <p:sp useBgFill="1">
+        <p:nvSpPr>
+          <p:cNvPr id="12" name="Rectangle 11">
+            <a:extLst>
+              <a:ext uri="{FF2B5EF4-FFF2-40B4-BE49-F238E27FC236}">
+                <a16:creationId xmlns:a16="http://schemas.microsoft.com/office/drawing/2014/main" id="{7B58A187-A4B1-42EB-A4C7-8635BA507BCE}"/>
+              </a:ext>
+              <a:ext uri="{C183D7F6-B498-43B3-948B-1728B52AA6E4}">
+                <adec:decorative xmlns:adec="http://schemas.microsoft.com/office/drawing/2017/decorative" val="1"/>
+              </a:ext>
+            </a:extLst>
+          </p:cNvPr>
+          <p:cNvSpPr>
+            <a:spLocks noGrp="1" noRot="1" noChangeAspect="1" noMove="1" noResize="1" noEditPoints="1" noAdjustHandles="1" noChangeArrowheads="1" noChangeShapeType="1" noTextEdit="1"/>
+          </p:cNvSpPr>
+          <p:nvPr>
+            <p:extLst>
+              <p:ext uri="{386F3935-93C4-4BCD-93E2-E3B085C9AB24}">
+                <p16:designElem xmlns:p16="http://schemas.microsoft.com/office/powerpoint/2015/main" val="1"/>
+              </p:ext>
+            </p:extLst>
+          </p:nvPr>
+        </p:nvSpPr>
+        <p:spPr>
+          <a:xfrm>
+            <a:off x="1307870" y="1267730"/>
+            <a:ext cx="9576262" cy="4307950"/>
+          </a:xfrm>
+          <a:prstGeom prst="rect">
+            <a:avLst/>
+          </a:prstGeom>
+          <a:ln w="6350" cap="flat" cmpd="sng" algn="ctr">
+            <a:noFill/>
+            <a:prstDash val="solid"/>
+          </a:ln>
+          <a:effectLst>
+            <a:outerShdw blurRad="50800" algn="ctr" rotWithShape="0">
+              <a:prstClr val="black">
+                <a:alpha val="66000"/>
+              </a:prstClr>
+            </a:outerShdw>
+            <a:softEdge rad="0"/>
+          </a:effectLst>
+        </p:spPr>
+      </p:sp>
+      <p:sp>
+        <p:nvSpPr>
+          <p:cNvPr id="14" name="Rectangle 13">
+            <a:extLst>
+              <a:ext uri="{FF2B5EF4-FFF2-40B4-BE49-F238E27FC236}">
+                <a16:creationId xmlns:a16="http://schemas.microsoft.com/office/drawing/2014/main" id="{37F14E7F-3054-458C-ACF9-A8DA1757C65C}"/>
+              </a:ext>
+              <a:ext uri="{C183D7F6-B498-43B3-948B-1728B52AA6E4}">
+                <adec:decorative xmlns:adec="http://schemas.microsoft.com/office/drawing/2017/decorative" val="1"/>
+              </a:ext>
+            </a:extLst>
+          </p:cNvPr>
+          <p:cNvSpPr>
+            <a:spLocks noGrp="1" noRot="1" noChangeAspect="1" noMove="1" noResize="1" noEditPoints="1" noAdjustHandles="1" noChangeArrowheads="1" noChangeShapeType="1" noTextEdit="1"/>
+          </p:cNvSpPr>
+          <p:nvPr>
+            <p:extLst>
+              <p:ext uri="{386F3935-93C4-4BCD-93E2-E3B085C9AB24}">
+                <p16:designElem xmlns:p16="http://schemas.microsoft.com/office/powerpoint/2015/main" val="1"/>
+              </p:ext>
+            </p:extLst>
+          </p:nvPr>
+        </p:nvSpPr>
+        <p:spPr>
+          <a:xfrm>
+            <a:off x="1447801" y="1411615"/>
+            <a:ext cx="9296400" cy="4034770"/>
+          </a:xfrm>
+          <a:prstGeom prst="rect">
+            <a:avLst/>
+          </a:prstGeom>
+          <a:noFill/>
+          <a:ln w="6350" cap="sq" cmpd="sng" algn="ctr">
+            <a:solidFill>
+              <a:schemeClr val="tx1">
+                <a:lumMod val="75000"/>
+                <a:lumOff val="25000"/>
+              </a:schemeClr>
+            </a:solidFill>
+            <a:prstDash val="solid"/>
+            <a:miter lim="800000"/>
+          </a:ln>
+          <a:effectLst/>
+        </p:spPr>
+      </p:sp>
+      <p:sp>
+        <p:nvSpPr>
+          <p:cNvPr id="16" name="Rectangle 15">
+            <a:extLst>
+              <a:ext uri="{FF2B5EF4-FFF2-40B4-BE49-F238E27FC236}">
+                <a16:creationId xmlns:a16="http://schemas.microsoft.com/office/drawing/2014/main" id="{93747C1C-97FC-4D70-A6C8-A01FBCF5A9DC}"/>
+              </a:ext>
+              <a:ext uri="{C183D7F6-B498-43B3-948B-1728B52AA6E4}">
+                <adec:decorative xmlns:adec="http://schemas.microsoft.com/office/drawing/2017/decorative" val="1"/>
+              </a:ext>
+            </a:extLst>
+          </p:cNvPr>
+          <p:cNvSpPr>
+            <a:spLocks noGrp="1" noRot="1" noChangeAspect="1" noMove="1" noResize="1" noEditPoints="1" noAdjustHandles="1" noChangeArrowheads="1" noChangeShapeType="1" noTextEdit="1"/>
+          </p:cNvSpPr>
+          <p:nvPr>
+            <p:extLst>
+              <p:ext uri="{386F3935-93C4-4BCD-93E2-E3B085C9AB24}">
+                <p16:designElem xmlns:p16="http://schemas.microsoft.com/office/powerpoint/2015/main" val="1"/>
+              </p:ext>
+            </p:extLst>
+          </p:nvPr>
+        </p:nvSpPr>
+        <p:spPr>
+          <a:xfrm>
+            <a:off x="5135880" y="1267730"/>
+            <a:ext cx="1920240" cy="731520"/>
+          </a:xfrm>
+          <a:prstGeom prst="rect">
+            <a:avLst/>
+          </a:prstGeom>
+          <a:solidFill>
+            <a:schemeClr val="accent1"/>
+          </a:solidFill>
+          <a:ln>
+            <a:noFill/>
+          </a:ln>
+        </p:spPr>
+        <p:style>
+          <a:lnRef idx="2">
+            <a:schemeClr val="accent1">
+              <a:shade val="50000"/>
+            </a:schemeClr>
+          </a:lnRef>
+          <a:fillRef idx="1">
+            <a:schemeClr val="accent1"/>
+          </a:fillRef>
+          <a:effectRef idx="0">
+            <a:schemeClr val="accent1"/>
+          </a:effectRef>
+          <a:fontRef idx="minor">
+            <a:schemeClr val="lt1"/>
+          </a:fontRef>
+        </p:style>
+      </p:sp>
+      <p:grpSp>
+        <p:nvGrpSpPr>
+          <p:cNvPr id="18" name="Group 17">
+            <a:extLst>
+              <a:ext uri="{FF2B5EF4-FFF2-40B4-BE49-F238E27FC236}">
+                <a16:creationId xmlns:a16="http://schemas.microsoft.com/office/drawing/2014/main" id="{E26428D7-C6F3-473D-A360-A3F5C3E8728C}"/>
+              </a:ext>
+              <a:ext uri="{C183D7F6-B498-43B3-948B-1728B52AA6E4}">
+                <adec:decorative xmlns:adec="http://schemas.microsoft.com/office/drawing/2017/decorative" val="1"/>
+              </a:ext>
+            </a:extLst>
+          </p:cNvPr>
+          <p:cNvGrpSpPr>
+            <a:grpSpLocks noGrp="1" noUngrp="1" noRot="1" noChangeAspect="1" noMove="1" noResize="1"/>
+          </p:cNvGrpSpPr>
+          <p:nvPr>
+            <p:extLst>
+              <p:ext uri="{386F3935-93C4-4BCD-93E2-E3B085C9AB24}">
+                <p16:designElem xmlns:p16="http://schemas.microsoft.com/office/powerpoint/2015/main" val="1"/>
+              </p:ext>
+            </p:extLst>
+          </p:nvPr>
+        </p:nvGrpSpPr>
+        <p:grpSpPr>
+          <a:xfrm>
+            <a:off x="5250180" y="1267730"/>
+            <a:ext cx="1691640" cy="615934"/>
+            <a:chOff x="5250180" y="1267730"/>
+            <a:chExt cx="1691640" cy="615934"/>
+          </a:xfrm>
+        </p:grpSpPr>
+        <p:cxnSp>
+          <p:nvCxnSpPr>
+            <p:cNvPr id="19" name="Straight Connector 18">
+              <a:extLst>
+                <a:ext uri="{FF2B5EF4-FFF2-40B4-BE49-F238E27FC236}">
+                  <a16:creationId xmlns:a16="http://schemas.microsoft.com/office/drawing/2014/main" id="{05CDC370-AE44-4300-98BA-FE204E881765}"/>
+                </a:ext>
+                <a:ext uri="{C183D7F6-B498-43B3-948B-1728B52AA6E4}">
+                  <adec:decorative xmlns:adec="http://schemas.microsoft.com/office/drawing/2017/decorative" val="1"/>
+                </a:ext>
+              </a:extLst>
+            </p:cNvPr>
+            <p:cNvCxnSpPr/>
+            <p:nvPr>
+              <p:extLst>
+                <p:ext uri="{386F3935-93C4-4BCD-93E2-E3B085C9AB24}">
+                  <p16:designElem xmlns:p16="http://schemas.microsoft.com/office/powerpoint/2015/main" val="1"/>
+                </p:ext>
+              </p:extLst>
+            </p:nvPr>
+          </p:nvCxnSpPr>
+          <p:spPr>
+            <a:xfrm>
+              <a:off x="5250180" y="1267730"/>
+              <a:ext cx="0" cy="612648"/>
+            </a:xfrm>
+            <a:prstGeom prst="line">
+              <a:avLst/>
+            </a:prstGeom>
+            <a:solidFill>
+              <a:schemeClr val="tx1">
+                <a:lumMod val="85000"/>
+                <a:lumOff val="15000"/>
+              </a:schemeClr>
+            </a:solidFill>
+            <a:ln>
+              <a:solidFill>
+                <a:srgbClr val="FFFFFF"/>
+              </a:solidFill>
+              <a:miter lim="800000"/>
+            </a:ln>
+          </p:spPr>
+          <p:style>
+            <a:lnRef idx="1">
+              <a:schemeClr val="accent1"/>
+            </a:lnRef>
+            <a:fillRef idx="0">
+              <a:schemeClr val="accent1"/>
+            </a:fillRef>
+            <a:effectRef idx="0">
+              <a:schemeClr val="accent1"/>
+            </a:effectRef>
+            <a:fontRef idx="minor">
+              <a:schemeClr val="tx1"/>
+            </a:fontRef>
+          </p:style>
+        </p:cxnSp>
+        <p:cxnSp>
+          <p:nvCxnSpPr>
+            <p:cNvPr id="20" name="Straight Connector 19">
+              <a:extLst>
+                <a:ext uri="{FF2B5EF4-FFF2-40B4-BE49-F238E27FC236}">
+                  <a16:creationId xmlns:a16="http://schemas.microsoft.com/office/drawing/2014/main" id="{47B15501-CB9A-4642-80EE-2876EF039EB8}"/>
+                </a:ext>
+                <a:ext uri="{C183D7F6-B498-43B3-948B-1728B52AA6E4}">
+                  <adec:decorative xmlns:adec="http://schemas.microsoft.com/office/drawing/2017/decorative" val="1"/>
+                </a:ext>
+              </a:extLst>
+            </p:cNvPr>
+            <p:cNvCxnSpPr/>
+            <p:nvPr>
+              <p:extLst>
+                <p:ext uri="{386F3935-93C4-4BCD-93E2-E3B085C9AB24}">
+                  <p16:designElem xmlns:p16="http://schemas.microsoft.com/office/powerpoint/2015/main" val="1"/>
+                </p:ext>
+              </p:extLst>
+            </p:nvPr>
+          </p:nvCxnSpPr>
+          <p:spPr>
+            <a:xfrm>
+              <a:off x="6941820" y="1267730"/>
+              <a:ext cx="0" cy="612648"/>
+            </a:xfrm>
+            <a:prstGeom prst="line">
+              <a:avLst/>
+            </a:prstGeom>
+            <a:solidFill>
+              <a:schemeClr val="tx1">
+                <a:lumMod val="85000"/>
+                <a:lumOff val="15000"/>
+              </a:schemeClr>
+            </a:solidFill>
+            <a:ln>
+              <a:solidFill>
+                <a:srgbClr val="FFFFFF"/>
+              </a:solidFill>
+              <a:miter lim="800000"/>
+            </a:ln>
+          </p:spPr>
+          <p:style>
+            <a:lnRef idx="1">
+              <a:schemeClr val="accent1"/>
+            </a:lnRef>
+            <a:fillRef idx="0">
+              <a:schemeClr val="accent1"/>
+            </a:fillRef>
+            <a:effectRef idx="0">
+              <a:schemeClr val="accent1"/>
+            </a:effectRef>
+            <a:fontRef idx="minor">
+              <a:schemeClr val="tx1"/>
+            </a:fontRef>
+          </p:style>
+        </p:cxnSp>
+        <p:cxnSp>
+          <p:nvCxnSpPr>
+            <p:cNvPr id="21" name="Straight Connector 20">
+              <a:extLst>
+                <a:ext uri="{FF2B5EF4-FFF2-40B4-BE49-F238E27FC236}">
+                  <a16:creationId xmlns:a16="http://schemas.microsoft.com/office/drawing/2014/main" id="{6AFF9525-325F-47B3-A63C-93C12253AD76}"/>
+                </a:ext>
+                <a:ext uri="{C183D7F6-B498-43B3-948B-1728B52AA6E4}">
+                  <adec:decorative xmlns:adec="http://schemas.microsoft.com/office/drawing/2017/decorative" val="1"/>
+                </a:ext>
+              </a:extLst>
+            </p:cNvPr>
+            <p:cNvCxnSpPr/>
+            <p:nvPr>
+              <p:extLst>
+                <p:ext uri="{386F3935-93C4-4BCD-93E2-E3B085C9AB24}">
+                  <p16:designElem xmlns:p16="http://schemas.microsoft.com/office/powerpoint/2015/main" val="1"/>
+                </p:ext>
+              </p:extLst>
+            </p:nvPr>
+          </p:nvCxnSpPr>
+          <p:spPr>
+            <a:xfrm>
+              <a:off x="5250180" y="1883664"/>
+              <a:ext cx="1691640" cy="0"/>
+            </a:xfrm>
+            <a:prstGeom prst="line">
+              <a:avLst/>
+            </a:prstGeom>
+            <a:solidFill>
+              <a:schemeClr val="tx1">
+                <a:lumMod val="85000"/>
+                <a:lumOff val="15000"/>
+              </a:schemeClr>
+            </a:solidFill>
+            <a:ln>
+              <a:solidFill>
+                <a:srgbClr val="FFFFFF"/>
+              </a:solidFill>
+              <a:miter lim="800000"/>
+            </a:ln>
+          </p:spPr>
+          <p:style>
+            <a:lnRef idx="1">
+              <a:schemeClr val="accent1"/>
+            </a:lnRef>
+            <a:fillRef idx="0">
+              <a:schemeClr val="accent1"/>
+            </a:fillRef>
+            <a:effectRef idx="0">
+              <a:schemeClr val="accent1"/>
+            </a:effectRef>
+            <a:fontRef idx="minor">
+              <a:schemeClr val="tx1"/>
+            </a:fontRef>
+          </p:style>
+        </p:cxnSp>
+      </p:grpSp>
+      <p:sp>
+        <p:nvSpPr>
+          <p:cNvPr id="23" name="Rectangle 22">
+            <a:extLst>
+              <a:ext uri="{FF2B5EF4-FFF2-40B4-BE49-F238E27FC236}">
+                <a16:creationId xmlns:a16="http://schemas.microsoft.com/office/drawing/2014/main" id="{B66F8A2C-B8CF-4B20-9A73-2ADCF6302755}"/>
+              </a:ext>
+              <a:ext uri="{C183D7F6-B498-43B3-948B-1728B52AA6E4}">
+                <adec:decorative xmlns:adec="http://schemas.microsoft.com/office/drawing/2017/decorative" val="1"/>
+              </a:ext>
+            </a:extLst>
+          </p:cNvPr>
+          <p:cNvSpPr>
+            <a:spLocks noGrp="1" noRot="1" noChangeAspect="1" noMove="1" noResize="1" noEditPoints="1" noAdjustHandles="1" noChangeArrowheads="1" noChangeShapeType="1" noTextEdit="1"/>
+          </p:cNvSpPr>
+          <p:nvPr>
+            <p:extLst>
+              <p:ext uri="{386F3935-93C4-4BCD-93E2-E3B085C9AB24}">
+                <p16:designElem xmlns:p16="http://schemas.microsoft.com/office/powerpoint/2015/main" val="1"/>
+              </p:ext>
+            </p:extLst>
+          </p:nvPr>
+        </p:nvSpPr>
+        <p:spPr>
+          <a:xfrm>
+            <a:off x="0" y="0"/>
+            <a:ext cx="12192001" cy="6858000"/>
+          </a:xfrm>
+          <a:prstGeom prst="rect">
+            <a:avLst/>
+          </a:prstGeom>
+          <a:solidFill>
+            <a:schemeClr val="tx1">
+              <a:lumMod val="85000"/>
+            </a:schemeClr>
+          </a:solidFill>
+          <a:ln>
+            <a:noFill/>
+          </a:ln>
+        </p:spPr>
+        <p:style>
+          <a:lnRef idx="2">
+            <a:schemeClr val="accent1">
+              <a:shade val="50000"/>
+            </a:schemeClr>
+          </a:lnRef>
+          <a:fillRef idx="1">
+            <a:schemeClr val="accent1"/>
+          </a:fillRef>
+          <a:effectRef idx="0">
+            <a:schemeClr val="accent1"/>
+          </a:effectRef>
+          <a:fontRef idx="minor">
+            <a:schemeClr val="lt1"/>
+          </a:fontRef>
+        </p:style>
+        <p:txBody>
+          <a:bodyPr rot="0" spcFirstLastPara="0" vert="horz" wrap="square" lIns="91440" tIns="45720" rIns="91440" bIns="45720" numCol="1" spcCol="0" rtlCol="0" fromWordArt="0" anchor="ctr" anchorCtr="0" forceAA="0" compatLnSpc="1">
+            <a:prstTxWarp prst="textNoShape">
+              <a:avLst/>
+            </a:prstTxWarp>
+            <a:noAutofit/>
+          </a:bodyPr>
+          <a:lstStyle>
+            <a:defPPr>
+              <a:defRPr lang="en-US"/>
+            </a:defPPr>
+            <a:lvl1pPr marL="0" algn="l" defTabSz="914400" rtl="0" eaLnBrk="1" latinLnBrk="0" hangingPunct="1">
+              <a:defRPr sz="1800" kern="1200">
+                <a:solidFill>
+                  <a:schemeClr val="lt1"/>
+                </a:solidFill>
+                <a:latin typeface="+mn-lt"/>
+                <a:ea typeface="+mn-ea"/>
+                <a:cs typeface="+mn-cs"/>
+              </a:defRPr>
+            </a:lvl1pPr>
+            <a:lvl2pPr marL="457200" algn="l" defTabSz="914400" rtl="0" eaLnBrk="1" latinLnBrk="0" hangingPunct="1">
+              <a:defRPr sz="1800" kern="1200">
+                <a:solidFill>
+                  <a:schemeClr val="lt1"/>
+                </a:solidFill>
+                <a:latin typeface="+mn-lt"/>
+                <a:ea typeface="+mn-ea"/>
+                <a:cs typeface="+mn-cs"/>
+              </a:defRPr>
+            </a:lvl2pPr>
+            <a:lvl3pPr marL="914400" algn="l" defTabSz="914400" rtl="0" eaLnBrk="1" latinLnBrk="0" hangingPunct="1">
+              <a:defRPr sz="1800" kern="1200">
+                <a:solidFill>
+                  <a:schemeClr val="lt1"/>
+                </a:solidFill>
+                <a:latin typeface="+mn-lt"/>
+                <a:ea typeface="+mn-ea"/>
+                <a:cs typeface="+mn-cs"/>
+              </a:defRPr>
+            </a:lvl3pPr>
+            <a:lvl4pPr marL="1371600" algn="l" defTabSz="914400" rtl="0" eaLnBrk="1" latinLnBrk="0" hangingPunct="1">
+              <a:defRPr sz="1800" kern="1200">
+                <a:solidFill>
+                  <a:schemeClr val="lt1"/>
+                </a:solidFill>
+                <a:latin typeface="+mn-lt"/>
+                <a:ea typeface="+mn-ea"/>
+                <a:cs typeface="+mn-cs"/>
+              </a:defRPr>
+            </a:lvl4pPr>
+            <a:lvl5pPr marL="1828800" algn="l" defTabSz="914400" rtl="0" eaLnBrk="1" latinLnBrk="0" hangingPunct="1">
+              <a:defRPr sz="1800" kern="1200">
+                <a:solidFill>
+                  <a:schemeClr val="lt1"/>
+                </a:solidFill>
+                <a:latin typeface="+mn-lt"/>
+                <a:ea typeface="+mn-ea"/>
+                <a:cs typeface="+mn-cs"/>
+              </a:defRPr>
+            </a:lvl5pPr>
+            <a:lvl6pPr marL="2286000" algn="l" defTabSz="914400" rtl="0" eaLnBrk="1" latinLnBrk="0" hangingPunct="1">
+              <a:defRPr sz="1800" kern="1200">
+                <a:solidFill>
+                  <a:schemeClr val="lt1"/>
+                </a:solidFill>
+                <a:latin typeface="+mn-lt"/>
+                <a:ea typeface="+mn-ea"/>
+                <a:cs typeface="+mn-cs"/>
+              </a:defRPr>
+            </a:lvl6pPr>
+            <a:lvl7pPr marL="2743200" algn="l" defTabSz="914400" rtl="0" eaLnBrk="1" latinLnBrk="0" hangingPunct="1">
+              <a:defRPr sz="1800" kern="1200">
+                <a:solidFill>
+                  <a:schemeClr val="lt1"/>
+                </a:solidFill>
+                <a:latin typeface="+mn-lt"/>
+                <a:ea typeface="+mn-ea"/>
+                <a:cs typeface="+mn-cs"/>
+              </a:defRPr>
+            </a:lvl7pPr>
+            <a:lvl8pPr marL="3200400" algn="l" defTabSz="914400" rtl="0" eaLnBrk="1" latinLnBrk="0" hangingPunct="1">
+              <a:defRPr sz="1800" kern="1200">
+                <a:solidFill>
+                  <a:schemeClr val="lt1"/>
+                </a:solidFill>
+                <a:latin typeface="+mn-lt"/>
+                <a:ea typeface="+mn-ea"/>
+                <a:cs typeface="+mn-cs"/>
+              </a:defRPr>
+            </a:lvl8pPr>
+            <a:lvl9pPr marL="3657600" algn="l" defTabSz="914400" rtl="0" eaLnBrk="1" latinLnBrk="0" hangingPunct="1">
+              <a:defRPr sz="1800" kern="1200">
+                <a:solidFill>
+                  <a:schemeClr val="lt1"/>
+                </a:solidFill>
+                <a:latin typeface="+mn-lt"/>
+                <a:ea typeface="+mn-ea"/>
+                <a:cs typeface="+mn-cs"/>
+              </a:defRPr>
+            </a:lvl9pPr>
+          </a:lstStyle>
+          <a:p>
+            <a:pPr algn="ctr"/>
+            <a:endParaRPr lang="en-US"/>
+          </a:p>
+        </p:txBody>
+      </p:sp>
+      <p:sp>
+        <p:nvSpPr>
+          <p:cNvPr id="25" name="Rectangle 24">
+            <a:extLst>
+              <a:ext uri="{FF2B5EF4-FFF2-40B4-BE49-F238E27FC236}">
+                <a16:creationId xmlns:a16="http://schemas.microsoft.com/office/drawing/2014/main" id="{B5DD78E9-DE0D-47AF-A0DB-F475221E3DC7}"/>
+              </a:ext>
+              <a:ext uri="{C183D7F6-B498-43B3-948B-1728B52AA6E4}">
+                <adec:decorative xmlns:adec="http://schemas.microsoft.com/office/drawing/2017/decorative" val="1"/>
+              </a:ext>
+            </a:extLst>
+          </p:cNvPr>
+          <p:cNvSpPr>
+            <a:spLocks noGrp="1" noRot="1" noChangeAspect="1" noMove="1" noResize="1" noEditPoints="1" noAdjustHandles="1" noChangeArrowheads="1" noChangeShapeType="1" noTextEdit="1"/>
+          </p:cNvSpPr>
+          <p:nvPr>
+            <p:extLst>
+              <p:ext uri="{386F3935-93C4-4BCD-93E2-E3B085C9AB24}">
+                <p16:designElem xmlns:p16="http://schemas.microsoft.com/office/powerpoint/2015/main" val="1"/>
+              </p:ext>
+            </p:extLst>
+          </p:nvPr>
+        </p:nvSpPr>
+        <p:spPr>
+          <a:xfrm>
+            <a:off x="632108" y="610955"/>
+            <a:ext cx="10927784" cy="5636090"/>
+          </a:xfrm>
+          <a:prstGeom prst="rect">
+            <a:avLst/>
+          </a:prstGeom>
+          <a:solidFill>
+            <a:srgbClr val="FFFFFF"/>
+          </a:solidFill>
+          <a:ln w="6350" cap="flat" cmpd="sng" algn="ctr">
+            <a:noFill/>
+            <a:prstDash val="solid"/>
+          </a:ln>
+          <a:effectLst>
+            <a:outerShdw blurRad="50800" algn="ctr" rotWithShape="0">
+              <a:prstClr val="black">
+                <a:alpha val="66000"/>
+              </a:prstClr>
+            </a:outerShdw>
+            <a:softEdge rad="0"/>
+          </a:effectLst>
+        </p:spPr>
+      </p:sp>
+      <p:sp>
+        <p:nvSpPr>
+          <p:cNvPr id="27" name="Rectangle 26">
+            <a:extLst>
+              <a:ext uri="{FF2B5EF4-FFF2-40B4-BE49-F238E27FC236}">
+                <a16:creationId xmlns:a16="http://schemas.microsoft.com/office/drawing/2014/main" id="{A118D329-2010-4A15-B57C-429FFAE35B11}"/>
+              </a:ext>
+              <a:ext uri="{C183D7F6-B498-43B3-948B-1728B52AA6E4}">
+                <adec:decorative xmlns:adec="http://schemas.microsoft.com/office/drawing/2017/decorative" val="1"/>
+              </a:ext>
+            </a:extLst>
+          </p:cNvPr>
+          <p:cNvSpPr>
+            <a:spLocks noGrp="1" noRot="1" noChangeAspect="1" noMove="1" noResize="1" noEditPoints="1" noAdjustHandles="1" noChangeArrowheads="1" noChangeShapeType="1" noTextEdit="1"/>
+          </p:cNvSpPr>
+          <p:nvPr>
+            <p:extLst>
+              <p:ext uri="{386F3935-93C4-4BCD-93E2-E3B085C9AB24}">
+                <p16:designElem xmlns:p16="http://schemas.microsoft.com/office/powerpoint/2015/main" val="1"/>
+              </p:ext>
+            </p:extLst>
+          </p:nvPr>
+        </p:nvSpPr>
+        <p:spPr>
+          <a:xfrm>
+            <a:off x="797052" y="777240"/>
+            <a:ext cx="10597896" cy="5303520"/>
+          </a:xfrm>
+          <a:prstGeom prst="rect">
+            <a:avLst/>
+          </a:prstGeom>
+          <a:solidFill>
+            <a:schemeClr val="bg1">
+              <a:lumMod val="85000"/>
+              <a:lumOff val="15000"/>
+            </a:schemeClr>
+          </a:solidFill>
+          <a:ln w="6350" cap="sq" cmpd="sng" algn="ctr">
+            <a:solidFill>
+              <a:schemeClr val="tx1"/>
+            </a:solidFill>
+            <a:prstDash val="solid"/>
+            <a:miter lim="800000"/>
+          </a:ln>
+          <a:effectLst/>
+        </p:spPr>
+      </p:sp>
+      <p:sp>
+        <p:nvSpPr>
+          <p:cNvPr id="4" name="Title 3">
+            <a:extLst>
+              <a:ext uri="{FF2B5EF4-FFF2-40B4-BE49-F238E27FC236}">
+                <a16:creationId xmlns:a16="http://schemas.microsoft.com/office/drawing/2014/main" id="{B0047F3A-D6AD-4322-A07D-376EAF0FFE65}"/>
+              </a:ext>
+            </a:extLst>
+          </p:cNvPr>
+          <p:cNvSpPr>
+            <a:spLocks noGrp="1"/>
+          </p:cNvSpPr>
+          <p:nvPr>
+            <p:ph type="title"/>
+          </p:nvPr>
+        </p:nvSpPr>
+        <p:spPr>
+          <a:xfrm>
+            <a:off x="1263520" y="1272800"/>
+            <a:ext cx="6544620" cy="4312402"/>
+          </a:xfrm>
+        </p:spPr>
+        <p:txBody>
+          <a:bodyPr vert="horz" lIns="91440" tIns="45720" rIns="91440" bIns="45720" rtlCol="0" anchor="ctr">
+            <a:normAutofit/>
+          </a:bodyPr>
+          <a:lstStyle/>
+          <a:p>
+            <a:pPr algn="r"/>
+            <a:r>
+              <a:rPr lang="en-US">
+                <a:solidFill>
+                  <a:schemeClr val="tx1"/>
+                </a:solidFill>
+              </a:rPr>
+              <a:t>Setup</a:t>
+            </a:r>
+          </a:p>
+        </p:txBody>
+      </p:sp>
+      <p:sp>
+        <p:nvSpPr>
+          <p:cNvPr id="5" name="Text Placeholder 4">
+            <a:extLst>
+              <a:ext uri="{FF2B5EF4-FFF2-40B4-BE49-F238E27FC236}">
+                <a16:creationId xmlns:a16="http://schemas.microsoft.com/office/drawing/2014/main" id="{FD3D6BD7-20D5-4AF3-A018-79B01D13FD8A}"/>
+              </a:ext>
+            </a:extLst>
+          </p:cNvPr>
+          <p:cNvSpPr>
+            <a:spLocks noGrp="1"/>
+          </p:cNvSpPr>
+          <p:nvPr>
+            <p:ph type="body" idx="1"/>
+          </p:nvPr>
+        </p:nvSpPr>
+        <p:spPr>
+          <a:xfrm>
+            <a:off x="8473440" y="1272800"/>
+            <a:ext cx="2902864" cy="4312402"/>
+          </a:xfrm>
+        </p:spPr>
+        <p:txBody>
+          <a:bodyPr vert="horz" lIns="91440" tIns="45720" rIns="91440" bIns="45720" rtlCol="0" anchor="ctr">
+            <a:normAutofit/>
+          </a:bodyPr>
+          <a:lstStyle/>
+          <a:p>
+            <a:pPr marL="342900" indent="-342900" algn="l">
+              <a:lnSpc>
+                <a:spcPct val="100000"/>
+              </a:lnSpc>
+              <a:spcBef>
+                <a:spcPts val="0"/>
+              </a:spcBef>
+              <a:buFont typeface="Arial" panose="020B0604020202020204" pitchFamily="34" charset="0"/>
+              <a:buChar char="•"/>
+            </a:pPr>
+            <a:r>
+              <a:rPr lang="en-US" spc="80"/>
+              <a:t>npm mongodb</a:t>
+            </a:r>
+          </a:p>
+          <a:p>
+            <a:pPr marL="342900" indent="-342900" algn="l">
+              <a:lnSpc>
+                <a:spcPct val="100000"/>
+              </a:lnSpc>
+              <a:spcBef>
+                <a:spcPts val="0"/>
+              </a:spcBef>
+              <a:buFont typeface="Arial" panose="020B0604020202020204" pitchFamily="34" charset="0"/>
+              <a:buChar char="•"/>
+            </a:pPr>
+            <a:r>
+              <a:rPr lang="en-US" spc="80"/>
+              <a:t>npm config</a:t>
+            </a:r>
+          </a:p>
+          <a:p>
+            <a:pPr marL="342900" indent="-342900" algn="l">
+              <a:lnSpc>
+                <a:spcPct val="100000"/>
+              </a:lnSpc>
+              <a:spcBef>
+                <a:spcPts val="0"/>
+              </a:spcBef>
+              <a:buFont typeface="Arial" panose="020B0604020202020204" pitchFamily="34" charset="0"/>
+              <a:buChar char="•"/>
+            </a:pPr>
+            <a:r>
+              <a:rPr lang="en-US" spc="80"/>
+              <a:t>connecting</a:t>
+            </a:r>
+          </a:p>
+        </p:txBody>
+      </p:sp>
+      <p:cxnSp>
+        <p:nvCxnSpPr>
+          <p:cNvPr id="29" name="Straight Connector 28">
+            <a:extLst>
+              <a:ext uri="{FF2B5EF4-FFF2-40B4-BE49-F238E27FC236}">
+                <a16:creationId xmlns:a16="http://schemas.microsoft.com/office/drawing/2014/main" id="{994262BC-EE98-4BD6-82DB-4955E8DCC290}"/>
+              </a:ext>
+              <a:ext uri="{C183D7F6-B498-43B3-948B-1728B52AA6E4}">
+                <adec:decorative xmlns:adec="http://schemas.microsoft.com/office/drawing/2017/decorative" val="1"/>
+              </a:ext>
+            </a:extLst>
+          </p:cNvPr>
+          <p:cNvCxnSpPr>
+            <a:cxnSpLocks noGrp="1" noRot="1" noChangeAspect="1" noMove="1" noResize="1" noEditPoints="1" noAdjustHandles="1" noChangeArrowheads="1" noChangeShapeType="1"/>
+          </p:cNvCxnSpPr>
+          <p:nvPr>
+            <p:extLst>
+              <p:ext uri="{386F3935-93C4-4BCD-93E2-E3B085C9AB24}">
+                <p16:designElem xmlns:p16="http://schemas.microsoft.com/office/powerpoint/2015/main" val="1"/>
+              </p:ext>
+            </p:extLst>
+          </p:nvPr>
+        </p:nvCxnSpPr>
+        <p:spPr>
+          <a:xfrm>
+            <a:off x="8129872" y="2057401"/>
+            <a:ext cx="0" cy="2743200"/>
+          </a:xfrm>
+          <a:prstGeom prst="line">
+            <a:avLst/>
+          </a:prstGeom>
+          <a:ln w="12700">
+            <a:solidFill>
+              <a:schemeClr val="tx1">
+                <a:lumMod val="75000"/>
+                <a:lumOff val="25000"/>
+              </a:schemeClr>
+            </a:solidFill>
+          </a:ln>
+        </p:spPr>
+        <p:style>
+          <a:lnRef idx="1">
+            <a:schemeClr val="accent1"/>
+          </a:lnRef>
+          <a:fillRef idx="0">
+            <a:schemeClr val="accent1"/>
+          </a:fillRef>
+          <a:effectRef idx="0">
+            <a:schemeClr val="accent1"/>
+          </a:effectRef>
+          <a:fontRef idx="minor">
+            <a:schemeClr val="tx1"/>
+          </a:fontRef>
+        </p:style>
+      </p:cxnSp>
+    </p:spTree>
+    <p:extLst>
+      <p:ext uri="{BB962C8B-B14F-4D97-AF65-F5344CB8AC3E}">
+        <p14:creationId xmlns:p14="http://schemas.microsoft.com/office/powerpoint/2010/main" val="2622901704"/>
+      </p:ext>
+    </p:extLst>
+  </p:cSld>
+  <p:clrMapOvr>
+    <a:overrideClrMapping bg1="dk1" tx1="lt1" bg2="dk2" tx2="lt2" accent1="accent1" accent2="accent2" accent3="accent3" accent4="accent4" accent5="accent5" accent6="accent6" hlink="hlink" folHlink="folHlink"/>
+  </p:clrMapOvr>
+</p:sld>
+</file>
+
+<file path=ppt/slides/slide30.xml><?xml version="1.0" encoding="utf-8"?>
+<p:sld xmlns:a="http://schemas.openxmlformats.org/drawingml/2006/main" xmlns:r="http://schemas.openxmlformats.org/officeDocument/2006/relationships" xmlns:p="http://schemas.openxmlformats.org/presentationml/2006/main">
+  <p:cSld>
+    <p:spTree>
+      <p:nvGrpSpPr>
+        <p:cNvPr id="1" name=""/>
+        <p:cNvGrpSpPr/>
+        <p:nvPr/>
+      </p:nvGrpSpPr>
+      <p:grpSpPr>
+        <a:xfrm>
+          <a:off x="0" y="0"/>
+          <a:ext cx="0" cy="0"/>
+          <a:chOff x="0" y="0"/>
+          <a:chExt cx="0" cy="0"/>
+        </a:xfrm>
+      </p:grpSpPr>
+      <p:sp>
+        <p:nvSpPr>
+          <p:cNvPr id="2" name="Title 1">
+            <a:extLst>
+              <a:ext uri="{FF2B5EF4-FFF2-40B4-BE49-F238E27FC236}">
+                <a16:creationId xmlns:a16="http://schemas.microsoft.com/office/drawing/2014/main" id="{A54BD249-BBFE-4186-AEB9-BE7D32D1CF1D}"/>
+              </a:ext>
+            </a:extLst>
+          </p:cNvPr>
+          <p:cNvSpPr>
+            <a:spLocks noGrp="1"/>
+          </p:cNvSpPr>
+          <p:nvPr>
+            <p:ph type="title"/>
+          </p:nvPr>
+        </p:nvSpPr>
+        <p:spPr/>
+        <p:txBody>
+          <a:bodyPr/>
+          <a:lstStyle/>
+          <a:p>
+            <a:r>
+              <a:rPr lang="en-US"/>
+              <a:t>Example: joi schema</a:t>
+            </a:r>
+          </a:p>
+        </p:txBody>
+      </p:sp>
+      <p:sp>
+        <p:nvSpPr>
+          <p:cNvPr id="3" name="Content Placeholder 2">
+            <a:extLst>
+              <a:ext uri="{FF2B5EF4-FFF2-40B4-BE49-F238E27FC236}">
+                <a16:creationId xmlns:a16="http://schemas.microsoft.com/office/drawing/2014/main" id="{D2AAFB3E-A63E-4FBC-9D98-2C4DFF96885E}"/>
+              </a:ext>
+            </a:extLst>
+          </p:cNvPr>
+          <p:cNvSpPr>
+            <a:spLocks noGrp="1"/>
+          </p:cNvSpPr>
+          <p:nvPr>
+            <p:ph idx="1"/>
+          </p:nvPr>
+        </p:nvSpPr>
+        <p:spPr/>
+        <p:txBody>
+          <a:bodyPr>
+            <a:normAutofit/>
+          </a:bodyPr>
+          <a:lstStyle/>
+          <a:p>
+            <a:pPr marL="0" indent="0">
+              <a:buNone/>
+            </a:pPr>
+            <a:r>
+              <a:rPr lang="en-US" sz="2000">
+                <a:latin typeface="Consolas" panose="020B0609020204030204" pitchFamily="49" charset="0"/>
+              </a:rPr>
+              <a:t>const NOTE_SCHEMA = joi.object({</a:t>
+            </a:r>
+          </a:p>
+          <a:p>
+            <a:pPr marL="0" indent="0">
+              <a:buNone/>
+            </a:pPr>
+            <a:r>
+              <a:rPr lang="en-US" sz="2000">
+                <a:latin typeface="Consolas" panose="020B0609020204030204" pitchFamily="49" charset="0"/>
+              </a:rPr>
+              <a:t>  _id: joi.objectId(),</a:t>
+            </a:r>
+          </a:p>
+          <a:p>
+            <a:pPr marL="0" indent="0">
+              <a:buNone/>
+            </a:pPr>
+            <a:r>
+              <a:rPr lang="en-US" sz="2000">
+                <a:latin typeface="Consolas" panose="020B0609020204030204" pitchFamily="49" charset="0"/>
+              </a:rPr>
+              <a:t>  title: joi.string().required(),</a:t>
+            </a:r>
+          </a:p>
+          <a:p>
+            <a:pPr marL="0" indent="0">
+              <a:buNone/>
+            </a:pPr>
+            <a:r>
+              <a:rPr lang="en-US" sz="2000">
+                <a:latin typeface="Consolas" panose="020B0609020204030204" pitchFamily="49" charset="0"/>
+              </a:rPr>
+              <a:t>  body: joi.string().required(),</a:t>
+            </a:r>
+          </a:p>
+          <a:p>
+            <a:pPr marL="0" indent="0">
+              <a:buNone/>
+            </a:pPr>
+            <a:r>
+              <a:rPr lang="en-US" sz="2000">
+                <a:latin typeface="Consolas" panose="020B0609020204030204" pitchFamily="49" charset="0"/>
+              </a:rPr>
+              <a:t>});</a:t>
+            </a:r>
+          </a:p>
+        </p:txBody>
+      </p:sp>
+    </p:spTree>
+    <p:extLst>
+      <p:ext uri="{BB962C8B-B14F-4D97-AF65-F5344CB8AC3E}">
+        <p14:creationId xmlns:p14="http://schemas.microsoft.com/office/powerpoint/2010/main" val="1423279639"/>
+      </p:ext>
+    </p:extLst>
+  </p:cSld>
+  <p:clrMapOvr>
+    <a:masterClrMapping/>
+  </p:clrMapOvr>
+</p:sld>
+</file>
+
+<file path=ppt/slides/slide31.xml><?xml version="1.0" encoding="utf-8"?>
+<p:sld xmlns:a="http://schemas.openxmlformats.org/drawingml/2006/main" xmlns:r="http://schemas.openxmlformats.org/officeDocument/2006/relationships" xmlns:p="http://schemas.openxmlformats.org/presentationml/2006/main">
+  <p:cSld>
+    <p:spTree>
+      <p:nvGrpSpPr>
+        <p:cNvPr id="1" name=""/>
+        <p:cNvGrpSpPr/>
+        <p:nvPr/>
+      </p:nvGrpSpPr>
+      <p:grpSpPr>
+        <a:xfrm>
+          <a:off x="0" y="0"/>
+          <a:ext cx="0" cy="0"/>
+          <a:chOff x="0" y="0"/>
+          <a:chExt cx="0" cy="0"/>
+        </a:xfrm>
+      </p:grpSpPr>
+      <p:sp>
+        <p:nvSpPr>
+          <p:cNvPr id="2" name="Title 1">
+            <a:extLst>
+              <a:ext uri="{FF2B5EF4-FFF2-40B4-BE49-F238E27FC236}">
+                <a16:creationId xmlns:a16="http://schemas.microsoft.com/office/drawing/2014/main" id="{D75D2C8B-AFD5-4493-9922-D0F8E08073BD}"/>
+              </a:ext>
+            </a:extLst>
+          </p:cNvPr>
+          <p:cNvSpPr>
+            <a:spLocks noGrp="1"/>
+          </p:cNvSpPr>
+          <p:nvPr>
+            <p:ph type="title"/>
+          </p:nvPr>
+        </p:nvSpPr>
+        <p:spPr>
+          <a:xfrm>
+            <a:off x="1066800" y="320459"/>
+            <a:ext cx="10058400" cy="1371600"/>
+          </a:xfrm>
+        </p:spPr>
+        <p:txBody>
+          <a:bodyPr/>
+          <a:lstStyle/>
+          <a:p>
+            <a:r>
+              <a:rPr lang="en-US"/>
+              <a:t>Example: API endpoint to get all</a:t>
+            </a:r>
+          </a:p>
+        </p:txBody>
+      </p:sp>
+      <p:sp>
+        <p:nvSpPr>
+          <p:cNvPr id="3" name="Content Placeholder 2">
+            <a:extLst>
+              <a:ext uri="{FF2B5EF4-FFF2-40B4-BE49-F238E27FC236}">
+                <a16:creationId xmlns:a16="http://schemas.microsoft.com/office/drawing/2014/main" id="{5A502784-FDF0-41FD-8429-B10BDECB50CF}"/>
+              </a:ext>
+            </a:extLst>
+          </p:cNvPr>
+          <p:cNvSpPr>
+            <a:spLocks noGrp="1"/>
+          </p:cNvSpPr>
+          <p:nvPr>
+            <p:ph idx="1"/>
+          </p:nvPr>
+        </p:nvSpPr>
+        <p:spPr>
+          <a:xfrm>
+            <a:off x="1066800" y="1692059"/>
+            <a:ext cx="10058400" cy="4845482"/>
+          </a:xfrm>
+        </p:spPr>
+        <p:txBody>
+          <a:bodyPr>
+            <a:noAutofit/>
+          </a:bodyPr>
+          <a:lstStyle/>
+          <a:p>
+            <a:pPr marL="0" indent="0">
+              <a:lnSpc>
+                <a:spcPct val="100000"/>
+              </a:lnSpc>
+              <a:spcBef>
+                <a:spcPts val="0"/>
+              </a:spcBef>
+              <a:buNone/>
+            </a:pPr>
+            <a:r>
+              <a:rPr lang="en-US" sz="1600" b="1">
+                <a:highlight>
+                  <a:srgbClr val="FFFF00"/>
+                </a:highlight>
+                <a:latin typeface="Consolas" panose="020B0609020204030204" pitchFamily="49" charset="0"/>
+              </a:rPr>
+              <a:t>router.get('/', async (request, response, next) =&gt; {</a:t>
+            </a:r>
+          </a:p>
+          <a:p>
+            <a:pPr marL="0" indent="0">
+              <a:lnSpc>
+                <a:spcPct val="100000"/>
+              </a:lnSpc>
+              <a:spcBef>
+                <a:spcPts val="0"/>
+              </a:spcBef>
+              <a:buNone/>
+            </a:pPr>
+            <a:r>
+              <a:rPr lang="en-US" sz="1600">
+                <a:latin typeface="Consolas" panose="020B0609020204030204" pitchFamily="49" charset="0"/>
+              </a:rPr>
+              <a:t>  try {</a:t>
+            </a:r>
+          </a:p>
+          <a:p>
+            <a:pPr marL="0" indent="0">
+              <a:lnSpc>
+                <a:spcPct val="100000"/>
+              </a:lnSpc>
+              <a:spcBef>
+                <a:spcPts val="0"/>
+              </a:spcBef>
+              <a:buNone/>
+            </a:pPr>
+            <a:r>
+              <a:rPr lang="en-US" sz="1600">
+                <a:latin typeface="Consolas" panose="020B0609020204030204" pitchFamily="49" charset="0"/>
+              </a:rPr>
+              <a:t>    </a:t>
+            </a:r>
+            <a:r>
+              <a:rPr lang="en-US" sz="1600" b="1">
+                <a:latin typeface="Consolas" panose="020B0609020204030204" pitchFamily="49" charset="0"/>
+              </a:rPr>
+              <a:t>const notes = await db.getAllNotes();</a:t>
+            </a:r>
+          </a:p>
+          <a:p>
+            <a:pPr marL="0" indent="0">
+              <a:lnSpc>
+                <a:spcPct val="100000"/>
+              </a:lnSpc>
+              <a:spcBef>
+                <a:spcPts val="0"/>
+              </a:spcBef>
+              <a:buNone/>
+            </a:pPr>
+            <a:r>
+              <a:rPr lang="en-US" sz="1600" b="1">
+                <a:latin typeface="Consolas" panose="020B0609020204030204" pitchFamily="49" charset="0"/>
+              </a:rPr>
+              <a:t>    return response.json(notes);</a:t>
+            </a:r>
+          </a:p>
+          <a:p>
+            <a:pPr marL="0" indent="0">
+              <a:lnSpc>
+                <a:spcPct val="100000"/>
+              </a:lnSpc>
+              <a:spcBef>
+                <a:spcPts val="0"/>
+              </a:spcBef>
+              <a:buNone/>
+            </a:pPr>
+            <a:r>
+              <a:rPr lang="en-US" sz="1600">
+                <a:latin typeface="Consolas" panose="020B0609020204030204" pitchFamily="49" charset="0"/>
+              </a:rPr>
+              <a:t>  } catch (err) {</a:t>
+            </a:r>
+          </a:p>
+          <a:p>
+            <a:pPr marL="0" indent="0">
+              <a:lnSpc>
+                <a:spcPct val="100000"/>
+              </a:lnSpc>
+              <a:spcBef>
+                <a:spcPts val="0"/>
+              </a:spcBef>
+              <a:buNone/>
+            </a:pPr>
+            <a:r>
+              <a:rPr lang="en-US" sz="1600">
+                <a:latin typeface="Consolas" panose="020B0609020204030204" pitchFamily="49" charset="0"/>
+              </a:rPr>
+              <a:t>    next(err);</a:t>
+            </a:r>
+          </a:p>
+          <a:p>
+            <a:pPr marL="0" indent="0">
+              <a:lnSpc>
+                <a:spcPct val="100000"/>
+              </a:lnSpc>
+              <a:spcBef>
+                <a:spcPts val="0"/>
+              </a:spcBef>
+              <a:buNone/>
+            </a:pPr>
+            <a:r>
+              <a:rPr lang="en-US" sz="1600">
+                <a:latin typeface="Consolas" panose="020B0609020204030204" pitchFamily="49" charset="0"/>
+              </a:rPr>
+              <a:t>  }</a:t>
+            </a:r>
+          </a:p>
+          <a:p>
+            <a:pPr marL="0" indent="0">
+              <a:lnSpc>
+                <a:spcPct val="100000"/>
+              </a:lnSpc>
+              <a:spcBef>
+                <a:spcPts val="0"/>
+              </a:spcBef>
+              <a:buNone/>
+            </a:pPr>
+            <a:r>
+              <a:rPr lang="en-US" sz="1600">
+                <a:latin typeface="Consolas" panose="020B0609020204030204" pitchFamily="49" charset="0"/>
+              </a:rPr>
+              <a:t>});</a:t>
+            </a:r>
+          </a:p>
+        </p:txBody>
+      </p:sp>
+    </p:spTree>
+    <p:extLst>
+      <p:ext uri="{BB962C8B-B14F-4D97-AF65-F5344CB8AC3E}">
+        <p14:creationId xmlns:p14="http://schemas.microsoft.com/office/powerpoint/2010/main" val="1059017154"/>
+      </p:ext>
+    </p:extLst>
+  </p:cSld>
+  <p:clrMapOvr>
+    <a:masterClrMapping/>
+  </p:clrMapOvr>
+</p:sld>
+</file>
+
+<file path=ppt/slides/slide32.xml><?xml version="1.0" encoding="utf-8"?>
+<p:sld xmlns:a="http://schemas.openxmlformats.org/drawingml/2006/main" xmlns:r="http://schemas.openxmlformats.org/officeDocument/2006/relationships" xmlns:p="http://schemas.openxmlformats.org/presentationml/2006/main">
+  <p:cSld>
+    <p:spTree>
+      <p:nvGrpSpPr>
+        <p:cNvPr id="1" name=""/>
+        <p:cNvGrpSpPr/>
+        <p:nvPr/>
+      </p:nvGrpSpPr>
+      <p:grpSpPr>
+        <a:xfrm>
+          <a:off x="0" y="0"/>
+          <a:ext cx="0" cy="0"/>
+          <a:chOff x="0" y="0"/>
+          <a:chExt cx="0" cy="0"/>
+        </a:xfrm>
+      </p:grpSpPr>
+      <p:sp>
+        <p:nvSpPr>
+          <p:cNvPr id="2" name="Title 1">
+            <a:extLst>
+              <a:ext uri="{FF2B5EF4-FFF2-40B4-BE49-F238E27FC236}">
+                <a16:creationId xmlns:a16="http://schemas.microsoft.com/office/drawing/2014/main" id="{D75D2C8B-AFD5-4493-9922-D0F8E08073BD}"/>
+              </a:ext>
+            </a:extLst>
+          </p:cNvPr>
+          <p:cNvSpPr>
+            <a:spLocks noGrp="1"/>
+          </p:cNvSpPr>
+          <p:nvPr>
+            <p:ph type="title"/>
+          </p:nvPr>
+        </p:nvSpPr>
+        <p:spPr>
+          <a:xfrm>
+            <a:off x="1066800" y="320459"/>
+            <a:ext cx="10058400" cy="1371600"/>
+          </a:xfrm>
+        </p:spPr>
+        <p:txBody>
+          <a:bodyPr/>
+          <a:lstStyle/>
+          <a:p>
+            <a:r>
+              <a:rPr lang="en-US"/>
+              <a:t>Example: API endpoint to get one note</a:t>
+            </a:r>
+          </a:p>
+        </p:txBody>
+      </p:sp>
+      <p:sp>
+        <p:nvSpPr>
+          <p:cNvPr id="3" name="Content Placeholder 2">
+            <a:extLst>
+              <a:ext uri="{FF2B5EF4-FFF2-40B4-BE49-F238E27FC236}">
+                <a16:creationId xmlns:a16="http://schemas.microsoft.com/office/drawing/2014/main" id="{5A502784-FDF0-41FD-8429-B10BDECB50CF}"/>
+              </a:ext>
+            </a:extLst>
+          </p:cNvPr>
+          <p:cNvSpPr>
+            <a:spLocks noGrp="1"/>
+          </p:cNvSpPr>
+          <p:nvPr>
+            <p:ph idx="1"/>
+          </p:nvPr>
+        </p:nvSpPr>
+        <p:spPr>
+          <a:xfrm>
+            <a:off x="1066800" y="1692059"/>
+            <a:ext cx="10058400" cy="4845482"/>
+          </a:xfrm>
+        </p:spPr>
+        <p:txBody>
+          <a:bodyPr>
+            <a:noAutofit/>
+          </a:bodyPr>
+          <a:lstStyle/>
+          <a:p>
+            <a:pPr marL="0" indent="0">
+              <a:lnSpc>
+                <a:spcPct val="100000"/>
+              </a:lnSpc>
+              <a:spcBef>
+                <a:spcPts val="0"/>
+              </a:spcBef>
+              <a:buNone/>
+            </a:pPr>
+            <a:r>
+              <a:rPr lang="en-US" sz="1600" b="1">
+                <a:highlight>
+                  <a:srgbClr val="FFFF00"/>
+                </a:highlight>
+                <a:latin typeface="Consolas" panose="020B0609020204030204" pitchFamily="49" charset="0"/>
+              </a:rPr>
+              <a:t>router.get('/:id', async (request, response, next) =&gt; {</a:t>
+            </a:r>
+          </a:p>
+          <a:p>
+            <a:pPr marL="0" indent="0">
+              <a:lnSpc>
+                <a:spcPct val="100000"/>
+              </a:lnSpc>
+              <a:spcBef>
+                <a:spcPts val="0"/>
+              </a:spcBef>
+              <a:buNone/>
+            </a:pPr>
+            <a:r>
+              <a:rPr lang="en-US" sz="1600">
+                <a:latin typeface="Consolas" panose="020B0609020204030204" pitchFamily="49" charset="0"/>
+              </a:rPr>
+              <a:t>  try {</a:t>
+            </a:r>
+          </a:p>
+          <a:p>
+            <a:pPr marL="0" indent="0">
+              <a:lnSpc>
+                <a:spcPct val="100000"/>
+              </a:lnSpc>
+              <a:spcBef>
+                <a:spcPts val="0"/>
+              </a:spcBef>
+              <a:buNone/>
+            </a:pPr>
+            <a:r>
+              <a:rPr lang="en-US" sz="1600">
+                <a:latin typeface="Consolas" panose="020B0609020204030204" pitchFamily="49" charset="0"/>
+              </a:rPr>
+              <a:t>    const id = request.params.id;</a:t>
+            </a:r>
+          </a:p>
+          <a:p>
+            <a:pPr marL="0" indent="0">
+              <a:lnSpc>
+                <a:spcPct val="100000"/>
+              </a:lnSpc>
+              <a:spcBef>
+                <a:spcPts val="0"/>
+              </a:spcBef>
+              <a:buNone/>
+            </a:pPr>
+            <a:r>
+              <a:rPr lang="en-US" sz="1600">
+                <a:latin typeface="Consolas" panose="020B0609020204030204" pitchFamily="49" charset="0"/>
+              </a:rPr>
+              <a:t>    if (!db.isValidId(id)) { return sendInvalidId(response); }</a:t>
+            </a:r>
+          </a:p>
+          <a:p>
+            <a:pPr marL="0" indent="0">
+              <a:lnSpc>
+                <a:spcPct val="100000"/>
+              </a:lnSpc>
+              <a:spcBef>
+                <a:spcPts val="0"/>
+              </a:spcBef>
+              <a:buNone/>
+            </a:pPr>
+            <a:endParaRPr lang="en-US" sz="1600">
+              <a:latin typeface="Consolas" panose="020B0609020204030204" pitchFamily="49" charset="0"/>
+            </a:endParaRPr>
+          </a:p>
+          <a:p>
+            <a:pPr marL="0" indent="0">
+              <a:lnSpc>
+                <a:spcPct val="100000"/>
+              </a:lnSpc>
+              <a:spcBef>
+                <a:spcPts val="0"/>
+              </a:spcBef>
+              <a:buNone/>
+            </a:pPr>
+            <a:r>
+              <a:rPr lang="en-US" sz="1600">
+                <a:latin typeface="Consolas" panose="020B0609020204030204" pitchFamily="49" charset="0"/>
+              </a:rPr>
+              <a:t>    </a:t>
+            </a:r>
+            <a:r>
+              <a:rPr lang="en-US" sz="1600" b="1">
+                <a:latin typeface="Consolas" panose="020B0609020204030204" pitchFamily="49" charset="0"/>
+              </a:rPr>
+              <a:t>const note = await db.findNoteById(id);</a:t>
+            </a:r>
+          </a:p>
+          <a:p>
+            <a:pPr marL="0" indent="0">
+              <a:lnSpc>
+                <a:spcPct val="100000"/>
+              </a:lnSpc>
+              <a:spcBef>
+                <a:spcPts val="0"/>
+              </a:spcBef>
+              <a:buNone/>
+            </a:pPr>
+            <a:r>
+              <a:rPr lang="en-US" sz="1600" b="1">
+                <a:latin typeface="Consolas" panose="020B0609020204030204" pitchFamily="49" charset="0"/>
+              </a:rPr>
+              <a:t>    return response.json(note);</a:t>
+            </a:r>
+          </a:p>
+          <a:p>
+            <a:pPr marL="0" indent="0">
+              <a:lnSpc>
+                <a:spcPct val="100000"/>
+              </a:lnSpc>
+              <a:spcBef>
+                <a:spcPts val="0"/>
+              </a:spcBef>
+              <a:buNone/>
+            </a:pPr>
+            <a:r>
+              <a:rPr lang="en-US" sz="1600">
+                <a:latin typeface="Consolas" panose="020B0609020204030204" pitchFamily="49" charset="0"/>
+              </a:rPr>
+              <a:t>  } catch (err) {</a:t>
+            </a:r>
+          </a:p>
+          <a:p>
+            <a:pPr marL="0" indent="0">
+              <a:lnSpc>
+                <a:spcPct val="100000"/>
+              </a:lnSpc>
+              <a:spcBef>
+                <a:spcPts val="0"/>
+              </a:spcBef>
+              <a:buNone/>
+            </a:pPr>
+            <a:r>
+              <a:rPr lang="en-US" sz="1600">
+                <a:latin typeface="Consolas" panose="020B0609020204030204" pitchFamily="49" charset="0"/>
+              </a:rPr>
+              <a:t>    next(err);</a:t>
+            </a:r>
+          </a:p>
+          <a:p>
+            <a:pPr marL="0" indent="0">
+              <a:lnSpc>
+                <a:spcPct val="100000"/>
+              </a:lnSpc>
+              <a:spcBef>
+                <a:spcPts val="0"/>
+              </a:spcBef>
+              <a:buNone/>
+            </a:pPr>
+            <a:r>
+              <a:rPr lang="en-US" sz="1600">
+                <a:latin typeface="Consolas" panose="020B0609020204030204" pitchFamily="49" charset="0"/>
+              </a:rPr>
+              <a:t>  }</a:t>
+            </a:r>
+          </a:p>
+          <a:p>
+            <a:pPr marL="0" indent="0">
+              <a:lnSpc>
+                <a:spcPct val="100000"/>
+              </a:lnSpc>
+              <a:spcBef>
+                <a:spcPts val="0"/>
+              </a:spcBef>
+              <a:buNone/>
+            </a:pPr>
+            <a:r>
+              <a:rPr lang="en-US" sz="1600">
+                <a:latin typeface="Consolas" panose="020B0609020204030204" pitchFamily="49" charset="0"/>
+              </a:rPr>
+              <a:t>});</a:t>
+            </a:r>
+          </a:p>
+        </p:txBody>
+      </p:sp>
+    </p:spTree>
+    <p:extLst>
+      <p:ext uri="{BB962C8B-B14F-4D97-AF65-F5344CB8AC3E}">
+        <p14:creationId xmlns:p14="http://schemas.microsoft.com/office/powerpoint/2010/main" val="2536688032"/>
+      </p:ext>
+    </p:extLst>
+  </p:cSld>
+  <p:clrMapOvr>
+    <a:masterClrMapping/>
+  </p:clrMapOvr>
+</p:sld>
+</file>
+
+<file path=ppt/slides/slide33.xml><?xml version="1.0" encoding="utf-8"?>
+<p:sld xmlns:a="http://schemas.openxmlformats.org/drawingml/2006/main" xmlns:r="http://schemas.openxmlformats.org/officeDocument/2006/relationships" xmlns:p="http://schemas.openxmlformats.org/presentationml/2006/main">
+  <p:cSld>
+    <p:spTree>
+      <p:nvGrpSpPr>
+        <p:cNvPr id="1" name=""/>
+        <p:cNvGrpSpPr/>
+        <p:nvPr/>
+      </p:nvGrpSpPr>
+      <p:grpSpPr>
+        <a:xfrm>
+          <a:off x="0" y="0"/>
+          <a:ext cx="0" cy="0"/>
+          <a:chOff x="0" y="0"/>
+          <a:chExt cx="0" cy="0"/>
+        </a:xfrm>
+      </p:grpSpPr>
+      <p:sp>
+        <p:nvSpPr>
+          <p:cNvPr id="2" name="Title 1">
+            <a:extLst>
+              <a:ext uri="{FF2B5EF4-FFF2-40B4-BE49-F238E27FC236}">
+                <a16:creationId xmlns:a16="http://schemas.microsoft.com/office/drawing/2014/main" id="{D75D2C8B-AFD5-4493-9922-D0F8E08073BD}"/>
+              </a:ext>
+            </a:extLst>
+          </p:cNvPr>
+          <p:cNvSpPr>
+            <a:spLocks noGrp="1"/>
+          </p:cNvSpPr>
+          <p:nvPr>
+            <p:ph type="title"/>
+          </p:nvPr>
+        </p:nvSpPr>
+        <p:spPr>
+          <a:xfrm>
+            <a:off x="1066800" y="320459"/>
+            <a:ext cx="10058400" cy="1371600"/>
+          </a:xfrm>
+        </p:spPr>
+        <p:txBody>
+          <a:bodyPr/>
+          <a:lstStyle/>
+          <a:p>
+            <a:r>
+              <a:rPr lang="en-US"/>
+              <a:t>Example: API endpoint for insert</a:t>
+            </a:r>
+          </a:p>
+        </p:txBody>
+      </p:sp>
+      <p:sp>
+        <p:nvSpPr>
+          <p:cNvPr id="3" name="Content Placeholder 2">
+            <a:extLst>
+              <a:ext uri="{FF2B5EF4-FFF2-40B4-BE49-F238E27FC236}">
+                <a16:creationId xmlns:a16="http://schemas.microsoft.com/office/drawing/2014/main" id="{5A502784-FDF0-41FD-8429-B10BDECB50CF}"/>
+              </a:ext>
+            </a:extLst>
+          </p:cNvPr>
+          <p:cNvSpPr>
+            <a:spLocks noGrp="1"/>
+          </p:cNvSpPr>
+          <p:nvPr>
+            <p:ph idx="1"/>
+          </p:nvPr>
+        </p:nvSpPr>
+        <p:spPr>
+          <a:xfrm>
+            <a:off x="1066800" y="1692059"/>
+            <a:ext cx="10058400" cy="4845482"/>
+          </a:xfrm>
+        </p:spPr>
+        <p:txBody>
+          <a:bodyPr>
+            <a:noAutofit/>
+          </a:bodyPr>
+          <a:lstStyle/>
+          <a:p>
+            <a:pPr marL="0" indent="0">
+              <a:lnSpc>
+                <a:spcPct val="100000"/>
+              </a:lnSpc>
+              <a:spcBef>
+                <a:spcPts val="0"/>
+              </a:spcBef>
+              <a:buNone/>
+            </a:pPr>
+            <a:r>
+              <a:rPr lang="en-US" sz="1600" b="1">
+                <a:highlight>
+                  <a:srgbClr val="FFFF00"/>
+                </a:highlight>
+                <a:latin typeface="Consolas" panose="020B0609020204030204" pitchFamily="49" charset="0"/>
+              </a:rPr>
+              <a:t>router.post('/', async (request, response, next) =&gt; {</a:t>
+            </a:r>
+          </a:p>
+          <a:p>
+            <a:pPr marL="0" indent="0">
+              <a:lnSpc>
+                <a:spcPct val="100000"/>
+              </a:lnSpc>
+              <a:spcBef>
+                <a:spcPts val="0"/>
+              </a:spcBef>
+              <a:buNone/>
+            </a:pPr>
+            <a:r>
+              <a:rPr lang="en-US" sz="1600">
+                <a:latin typeface="Consolas" panose="020B0609020204030204" pitchFamily="49" charset="0"/>
+              </a:rPr>
+              <a:t>  try {</a:t>
+            </a:r>
+          </a:p>
+          <a:p>
+            <a:pPr marL="0" indent="0">
+              <a:lnSpc>
+                <a:spcPct val="100000"/>
+              </a:lnSpc>
+              <a:spcBef>
+                <a:spcPts val="0"/>
+              </a:spcBef>
+              <a:buNone/>
+            </a:pPr>
+            <a:r>
+              <a:rPr lang="en-US" sz="1600">
+                <a:latin typeface="Consolas" panose="020B0609020204030204" pitchFamily="49" charset="0"/>
+              </a:rPr>
+              <a:t>    const note = request.body;</a:t>
+            </a:r>
+          </a:p>
+          <a:p>
+            <a:pPr marL="0" indent="0">
+              <a:lnSpc>
+                <a:spcPct val="100000"/>
+              </a:lnSpc>
+              <a:spcBef>
+                <a:spcPts val="0"/>
+              </a:spcBef>
+              <a:buNone/>
+            </a:pPr>
+            <a:r>
+              <a:rPr lang="en-US" sz="1600">
+                <a:latin typeface="Consolas" panose="020B0609020204030204" pitchFamily="49" charset="0"/>
+              </a:rPr>
+              <a:t>    note._id = db.newId();</a:t>
+            </a:r>
+          </a:p>
+          <a:p>
+            <a:pPr marL="0" indent="0">
+              <a:lnSpc>
+                <a:spcPct val="100000"/>
+              </a:lnSpc>
+              <a:spcBef>
+                <a:spcPts val="0"/>
+              </a:spcBef>
+              <a:buNone/>
+            </a:pPr>
+            <a:endParaRPr lang="en-US" sz="1600">
+              <a:latin typeface="Consolas" panose="020B0609020204030204" pitchFamily="49" charset="0"/>
+            </a:endParaRPr>
+          </a:p>
+          <a:p>
+            <a:pPr marL="0" indent="0">
+              <a:lnSpc>
+                <a:spcPct val="100000"/>
+              </a:lnSpc>
+              <a:spcBef>
+                <a:spcPts val="0"/>
+              </a:spcBef>
+              <a:buNone/>
+            </a:pPr>
+            <a:r>
+              <a:rPr lang="en-US" sz="1600">
+                <a:latin typeface="Consolas" panose="020B0609020204030204" pitchFamily="49" charset="0"/>
+              </a:rPr>
+              <a:t>    </a:t>
+            </a:r>
+            <a:r>
+              <a:rPr lang="en-US" sz="1600" b="1">
+                <a:latin typeface="Consolas" panose="020B0609020204030204" pitchFamily="49" charset="0"/>
+              </a:rPr>
+              <a:t>await NOTE_SCHEMA.validateAsync(note);</a:t>
+            </a:r>
+          </a:p>
+          <a:p>
+            <a:pPr marL="0" indent="0">
+              <a:lnSpc>
+                <a:spcPct val="100000"/>
+              </a:lnSpc>
+              <a:spcBef>
+                <a:spcPts val="0"/>
+              </a:spcBef>
+              <a:buNone/>
+            </a:pPr>
+            <a:r>
+              <a:rPr lang="en-US" sz="1600" b="1">
+                <a:latin typeface="Consolas" panose="020B0609020204030204" pitchFamily="49" charset="0"/>
+              </a:rPr>
+              <a:t>    await db.insertOneNote(note);</a:t>
+            </a:r>
+          </a:p>
+          <a:p>
+            <a:pPr marL="0" indent="0">
+              <a:lnSpc>
+                <a:spcPct val="100000"/>
+              </a:lnSpc>
+              <a:spcBef>
+                <a:spcPts val="0"/>
+              </a:spcBef>
+              <a:buNone/>
+            </a:pPr>
+            <a:r>
+              <a:rPr lang="en-US" sz="1600" b="1">
+                <a:latin typeface="Consolas" panose="020B0609020204030204" pitchFamily="49" charset="0"/>
+              </a:rPr>
+              <a:t>    return response.json(note);</a:t>
+            </a:r>
+          </a:p>
+          <a:p>
+            <a:pPr marL="0" indent="0">
+              <a:lnSpc>
+                <a:spcPct val="100000"/>
+              </a:lnSpc>
+              <a:spcBef>
+                <a:spcPts val="0"/>
+              </a:spcBef>
+              <a:buNone/>
+            </a:pPr>
+            <a:r>
+              <a:rPr lang="en-US" sz="1600">
+                <a:latin typeface="Consolas" panose="020B0609020204030204" pitchFamily="49" charset="0"/>
+              </a:rPr>
+              <a:t>  } catch (err) {</a:t>
+            </a:r>
+          </a:p>
+          <a:p>
+            <a:pPr marL="0" indent="0">
+              <a:lnSpc>
+                <a:spcPct val="100000"/>
+              </a:lnSpc>
+              <a:spcBef>
+                <a:spcPts val="0"/>
+              </a:spcBef>
+              <a:buNone/>
+            </a:pPr>
+            <a:r>
+              <a:rPr lang="en-US" sz="1600">
+                <a:latin typeface="Consolas" panose="020B0609020204030204" pitchFamily="49" charset="0"/>
+              </a:rPr>
+              <a:t>    next(err);</a:t>
+            </a:r>
+          </a:p>
+          <a:p>
+            <a:pPr marL="0" indent="0">
+              <a:lnSpc>
+                <a:spcPct val="100000"/>
+              </a:lnSpc>
+              <a:spcBef>
+                <a:spcPts val="0"/>
+              </a:spcBef>
+              <a:buNone/>
+            </a:pPr>
+            <a:r>
+              <a:rPr lang="en-US" sz="1600">
+                <a:latin typeface="Consolas" panose="020B0609020204030204" pitchFamily="49" charset="0"/>
+              </a:rPr>
+              <a:t>  }</a:t>
+            </a:r>
+          </a:p>
+          <a:p>
+            <a:pPr marL="0" indent="0">
+              <a:lnSpc>
+                <a:spcPct val="100000"/>
+              </a:lnSpc>
+              <a:spcBef>
+                <a:spcPts val="0"/>
+              </a:spcBef>
+              <a:buNone/>
+            </a:pPr>
+            <a:r>
+              <a:rPr lang="en-US" sz="1600">
+                <a:latin typeface="Consolas" panose="020B0609020204030204" pitchFamily="49" charset="0"/>
+              </a:rPr>
+              <a:t>});</a:t>
+            </a:r>
+          </a:p>
+        </p:txBody>
+      </p:sp>
+    </p:spTree>
+    <p:extLst>
+      <p:ext uri="{BB962C8B-B14F-4D97-AF65-F5344CB8AC3E}">
+        <p14:creationId xmlns:p14="http://schemas.microsoft.com/office/powerpoint/2010/main" val="2854464326"/>
+      </p:ext>
+    </p:extLst>
+  </p:cSld>
+  <p:clrMapOvr>
+    <a:masterClrMapping/>
+  </p:clrMapOvr>
+</p:sld>
+</file>
+
+<file path=ppt/slides/slide34.xml><?xml version="1.0" encoding="utf-8"?>
+<p:sld xmlns:a="http://schemas.openxmlformats.org/drawingml/2006/main" xmlns:r="http://schemas.openxmlformats.org/officeDocument/2006/relationships" xmlns:p="http://schemas.openxmlformats.org/presentationml/2006/main">
+  <p:cSld>
+    <p:spTree>
+      <p:nvGrpSpPr>
+        <p:cNvPr id="1" name=""/>
+        <p:cNvGrpSpPr/>
+        <p:nvPr/>
+      </p:nvGrpSpPr>
+      <p:grpSpPr>
+        <a:xfrm>
+          <a:off x="0" y="0"/>
+          <a:ext cx="0" cy="0"/>
+          <a:chOff x="0" y="0"/>
+          <a:chExt cx="0" cy="0"/>
+        </a:xfrm>
+      </p:grpSpPr>
+      <p:sp>
+        <p:nvSpPr>
+          <p:cNvPr id="2" name="Title 1">
+            <a:extLst>
+              <a:ext uri="{FF2B5EF4-FFF2-40B4-BE49-F238E27FC236}">
+                <a16:creationId xmlns:a16="http://schemas.microsoft.com/office/drawing/2014/main" id="{D75D2C8B-AFD5-4493-9922-D0F8E08073BD}"/>
+              </a:ext>
+            </a:extLst>
+          </p:cNvPr>
+          <p:cNvSpPr>
+            <a:spLocks noGrp="1"/>
+          </p:cNvSpPr>
+          <p:nvPr>
+            <p:ph type="title"/>
+          </p:nvPr>
+        </p:nvSpPr>
+        <p:spPr>
+          <a:xfrm>
+            <a:off x="1066800" y="320459"/>
+            <a:ext cx="10058400" cy="1371600"/>
+          </a:xfrm>
+        </p:spPr>
+        <p:txBody>
+          <a:bodyPr/>
+          <a:lstStyle/>
+          <a:p>
+            <a:r>
+              <a:rPr lang="en-US"/>
+              <a:t>Example: API endpoint for update</a:t>
+            </a:r>
+          </a:p>
+        </p:txBody>
+      </p:sp>
+      <p:sp>
+        <p:nvSpPr>
+          <p:cNvPr id="3" name="Content Placeholder 2">
+            <a:extLst>
+              <a:ext uri="{FF2B5EF4-FFF2-40B4-BE49-F238E27FC236}">
+                <a16:creationId xmlns:a16="http://schemas.microsoft.com/office/drawing/2014/main" id="{5A502784-FDF0-41FD-8429-B10BDECB50CF}"/>
+              </a:ext>
+            </a:extLst>
+          </p:cNvPr>
+          <p:cNvSpPr>
+            <a:spLocks noGrp="1"/>
+          </p:cNvSpPr>
+          <p:nvPr>
+            <p:ph idx="1"/>
+          </p:nvPr>
+        </p:nvSpPr>
+        <p:spPr>
+          <a:xfrm>
+            <a:off x="1066800" y="1692058"/>
+            <a:ext cx="10058400" cy="5165941"/>
+          </a:xfrm>
+        </p:spPr>
+        <p:txBody>
+          <a:bodyPr>
+            <a:noAutofit/>
+          </a:bodyPr>
+          <a:lstStyle/>
+          <a:p>
+            <a:pPr marL="0" indent="0">
+              <a:lnSpc>
+                <a:spcPct val="100000"/>
+              </a:lnSpc>
+              <a:spcBef>
+                <a:spcPts val="0"/>
+              </a:spcBef>
+              <a:buNone/>
+            </a:pPr>
+            <a:r>
+              <a:rPr lang="en-US" sz="1600" b="1">
+                <a:highlight>
+                  <a:srgbClr val="FFFF00"/>
+                </a:highlight>
+                <a:latin typeface="Consolas" panose="020B0609020204030204" pitchFamily="49" charset="0"/>
+              </a:rPr>
+              <a:t>router.put('/:id', async (request, response, next) =&gt; {</a:t>
+            </a:r>
+          </a:p>
+          <a:p>
+            <a:pPr marL="0" indent="0">
+              <a:lnSpc>
+                <a:spcPct val="100000"/>
+              </a:lnSpc>
+              <a:spcBef>
+                <a:spcPts val="0"/>
+              </a:spcBef>
+              <a:buNone/>
+            </a:pPr>
+            <a:r>
+              <a:rPr lang="en-US" sz="1600">
+                <a:latin typeface="Consolas" panose="020B0609020204030204" pitchFamily="49" charset="0"/>
+              </a:rPr>
+              <a:t>  try {</a:t>
+            </a:r>
+          </a:p>
+          <a:p>
+            <a:pPr marL="0" indent="0">
+              <a:lnSpc>
+                <a:spcPct val="100000"/>
+              </a:lnSpc>
+              <a:spcBef>
+                <a:spcPts val="0"/>
+              </a:spcBef>
+              <a:buNone/>
+            </a:pPr>
+            <a:r>
+              <a:rPr lang="en-US" sz="1600">
+                <a:latin typeface="Consolas" panose="020B0609020204030204" pitchFamily="49" charset="0"/>
+              </a:rPr>
+              <a:t>    const id = request.params.id;</a:t>
+            </a:r>
+          </a:p>
+          <a:p>
+            <a:pPr marL="0" indent="0">
+              <a:lnSpc>
+                <a:spcPct val="100000"/>
+              </a:lnSpc>
+              <a:spcBef>
+                <a:spcPts val="0"/>
+              </a:spcBef>
+              <a:buNone/>
+            </a:pPr>
+            <a:r>
+              <a:rPr lang="en-US" sz="1600">
+                <a:latin typeface="Consolas" panose="020B0609020204030204" pitchFamily="49" charset="0"/>
+              </a:rPr>
+              <a:t>    if (!db.isValidId(id)) { return sendInvalidId(response); }</a:t>
+            </a:r>
+          </a:p>
+          <a:p>
+            <a:pPr marL="0" indent="0">
+              <a:lnSpc>
+                <a:spcPct val="100000"/>
+              </a:lnSpc>
+              <a:spcBef>
+                <a:spcPts val="0"/>
+              </a:spcBef>
+              <a:buNone/>
+            </a:pPr>
+            <a:br>
+              <a:rPr lang="en-US" sz="1600">
+                <a:latin typeface="Consolas" panose="020B0609020204030204" pitchFamily="49" charset="0"/>
+              </a:rPr>
+            </a:br>
+            <a:r>
+              <a:rPr lang="en-US" sz="1600">
+                <a:latin typeface="Consolas" panose="020B0609020204030204" pitchFamily="49" charset="0"/>
+              </a:rPr>
+              <a:t>    const note = request.body;</a:t>
+            </a:r>
+          </a:p>
+          <a:p>
+            <a:pPr marL="0" indent="0">
+              <a:lnSpc>
+                <a:spcPct val="100000"/>
+              </a:lnSpc>
+              <a:spcBef>
+                <a:spcPts val="0"/>
+              </a:spcBef>
+              <a:buNone/>
+            </a:pPr>
+            <a:r>
+              <a:rPr lang="en-US" sz="1600">
+                <a:latin typeface="Consolas" panose="020B0609020204030204" pitchFamily="49" charset="0"/>
+              </a:rPr>
+              <a:t>    note._id = id;</a:t>
+            </a:r>
+          </a:p>
+          <a:p>
+            <a:pPr marL="0" indent="0">
+              <a:lnSpc>
+                <a:spcPct val="100000"/>
+              </a:lnSpc>
+              <a:spcBef>
+                <a:spcPts val="0"/>
+              </a:spcBef>
+              <a:buNone/>
+            </a:pPr>
+            <a:br>
+              <a:rPr lang="en-US" sz="1600">
+                <a:latin typeface="Consolas" panose="020B0609020204030204" pitchFamily="49" charset="0"/>
+              </a:rPr>
+            </a:br>
+            <a:r>
+              <a:rPr lang="en-US" sz="1600">
+                <a:latin typeface="Consolas" panose="020B0609020204030204" pitchFamily="49" charset="0"/>
+              </a:rPr>
+              <a:t>    </a:t>
+            </a:r>
+            <a:r>
+              <a:rPr lang="en-US" sz="1600" b="1">
+                <a:latin typeface="Consolas" panose="020B0609020204030204" pitchFamily="49" charset="0"/>
+              </a:rPr>
+              <a:t>await NOTE_SCHEMA.validateAsync(note);</a:t>
+            </a:r>
+          </a:p>
+          <a:p>
+            <a:pPr marL="0" indent="0">
+              <a:lnSpc>
+                <a:spcPct val="100000"/>
+              </a:lnSpc>
+              <a:spcBef>
+                <a:spcPts val="0"/>
+              </a:spcBef>
+              <a:buNone/>
+            </a:pPr>
+            <a:r>
+              <a:rPr lang="en-US" sz="1600" b="1">
+                <a:latin typeface="Consolas" panose="020B0609020204030204" pitchFamily="49" charset="0"/>
+              </a:rPr>
+              <a:t>    await db.updateOneNote(note);</a:t>
+            </a:r>
+          </a:p>
+          <a:p>
+            <a:pPr marL="0" indent="0">
+              <a:lnSpc>
+                <a:spcPct val="100000"/>
+              </a:lnSpc>
+              <a:spcBef>
+                <a:spcPts val="0"/>
+              </a:spcBef>
+              <a:buNone/>
+            </a:pPr>
+            <a:r>
+              <a:rPr lang="en-US" sz="1600" b="1">
+                <a:latin typeface="Consolas" panose="020B0609020204030204" pitchFamily="49" charset="0"/>
+              </a:rPr>
+              <a:t>    return response.json(note);</a:t>
+            </a:r>
+          </a:p>
+          <a:p>
+            <a:pPr marL="0" indent="0">
+              <a:lnSpc>
+                <a:spcPct val="100000"/>
+              </a:lnSpc>
+              <a:spcBef>
+                <a:spcPts val="0"/>
+              </a:spcBef>
+              <a:buNone/>
+            </a:pPr>
+            <a:r>
+              <a:rPr lang="en-US" sz="1600">
+                <a:latin typeface="Consolas" panose="020B0609020204030204" pitchFamily="49" charset="0"/>
+              </a:rPr>
+              <a:t>  } catch (err) {</a:t>
+            </a:r>
+          </a:p>
+          <a:p>
+            <a:pPr marL="0" indent="0">
+              <a:lnSpc>
+                <a:spcPct val="100000"/>
+              </a:lnSpc>
+              <a:spcBef>
+                <a:spcPts val="0"/>
+              </a:spcBef>
+              <a:buNone/>
+            </a:pPr>
+            <a:r>
+              <a:rPr lang="en-US" sz="1600">
+                <a:latin typeface="Consolas" panose="020B0609020204030204" pitchFamily="49" charset="0"/>
+              </a:rPr>
+              <a:t>    next(err);</a:t>
+            </a:r>
+          </a:p>
+          <a:p>
+            <a:pPr marL="0" indent="0">
+              <a:lnSpc>
+                <a:spcPct val="100000"/>
+              </a:lnSpc>
+              <a:spcBef>
+                <a:spcPts val="0"/>
+              </a:spcBef>
+              <a:buNone/>
+            </a:pPr>
+            <a:r>
+              <a:rPr lang="en-US" sz="1600">
+                <a:latin typeface="Consolas" panose="020B0609020204030204" pitchFamily="49" charset="0"/>
+              </a:rPr>
+              <a:t>  }</a:t>
+            </a:r>
+          </a:p>
+          <a:p>
+            <a:pPr marL="0" indent="0">
+              <a:lnSpc>
+                <a:spcPct val="100000"/>
+              </a:lnSpc>
+              <a:spcBef>
+                <a:spcPts val="0"/>
+              </a:spcBef>
+              <a:buNone/>
+            </a:pPr>
+            <a:r>
+              <a:rPr lang="en-US" sz="1600">
+                <a:latin typeface="Consolas" panose="020B0609020204030204" pitchFamily="49" charset="0"/>
+              </a:rPr>
+              <a:t>});</a:t>
+            </a:r>
+          </a:p>
+        </p:txBody>
+      </p:sp>
+    </p:spTree>
+    <p:extLst>
+      <p:ext uri="{BB962C8B-B14F-4D97-AF65-F5344CB8AC3E}">
+        <p14:creationId xmlns:p14="http://schemas.microsoft.com/office/powerpoint/2010/main" val="4262997063"/>
+      </p:ext>
+    </p:extLst>
+  </p:cSld>
+  <p:clrMapOvr>
+    <a:masterClrMapping/>
+  </p:clrMapOvr>
+</p:sld>
+</file>
+
+<file path=ppt/slides/slide35.xml><?xml version="1.0" encoding="utf-8"?>
+<p:sld xmlns:a="http://schemas.openxmlformats.org/drawingml/2006/main" xmlns:r="http://schemas.openxmlformats.org/officeDocument/2006/relationships" xmlns:p="http://schemas.openxmlformats.org/presentationml/2006/main">
+  <p:cSld>
+    <p:spTree>
+      <p:nvGrpSpPr>
+        <p:cNvPr id="1" name=""/>
+        <p:cNvGrpSpPr/>
+        <p:nvPr/>
+      </p:nvGrpSpPr>
+      <p:grpSpPr>
+        <a:xfrm>
+          <a:off x="0" y="0"/>
+          <a:ext cx="0" cy="0"/>
+          <a:chOff x="0" y="0"/>
+          <a:chExt cx="0" cy="0"/>
+        </a:xfrm>
+      </p:grpSpPr>
+      <p:sp>
+        <p:nvSpPr>
+          <p:cNvPr id="2" name="Title 1">
+            <a:extLst>
+              <a:ext uri="{FF2B5EF4-FFF2-40B4-BE49-F238E27FC236}">
+                <a16:creationId xmlns:a16="http://schemas.microsoft.com/office/drawing/2014/main" id="{D75D2C8B-AFD5-4493-9922-D0F8E08073BD}"/>
+              </a:ext>
+            </a:extLst>
+          </p:cNvPr>
+          <p:cNvSpPr>
+            <a:spLocks noGrp="1"/>
+          </p:cNvSpPr>
+          <p:nvPr>
+            <p:ph type="title"/>
+          </p:nvPr>
+        </p:nvSpPr>
+        <p:spPr>
+          <a:xfrm>
+            <a:off x="1066800" y="320459"/>
+            <a:ext cx="10058400" cy="1371600"/>
+          </a:xfrm>
+        </p:spPr>
+        <p:txBody>
+          <a:bodyPr/>
+          <a:lstStyle/>
+          <a:p>
+            <a:r>
+              <a:rPr lang="en-US"/>
+              <a:t>Example: API endpoint for delete</a:t>
+            </a:r>
+          </a:p>
+        </p:txBody>
+      </p:sp>
+      <p:sp>
+        <p:nvSpPr>
+          <p:cNvPr id="3" name="Content Placeholder 2">
+            <a:extLst>
+              <a:ext uri="{FF2B5EF4-FFF2-40B4-BE49-F238E27FC236}">
+                <a16:creationId xmlns:a16="http://schemas.microsoft.com/office/drawing/2014/main" id="{5A502784-FDF0-41FD-8429-B10BDECB50CF}"/>
+              </a:ext>
+            </a:extLst>
+          </p:cNvPr>
+          <p:cNvSpPr>
+            <a:spLocks noGrp="1"/>
+          </p:cNvSpPr>
+          <p:nvPr>
+            <p:ph idx="1"/>
+          </p:nvPr>
+        </p:nvSpPr>
+        <p:spPr>
+          <a:xfrm>
+            <a:off x="1066800" y="1692058"/>
+            <a:ext cx="10058400" cy="5165941"/>
+          </a:xfrm>
+        </p:spPr>
+        <p:txBody>
+          <a:bodyPr>
+            <a:noAutofit/>
+          </a:bodyPr>
+          <a:lstStyle/>
+          <a:p>
+            <a:pPr marL="0" indent="0">
+              <a:lnSpc>
+                <a:spcPct val="100000"/>
+              </a:lnSpc>
+              <a:spcBef>
+                <a:spcPts val="0"/>
+              </a:spcBef>
+              <a:buNone/>
+            </a:pPr>
+            <a:r>
+              <a:rPr lang="en-US" sz="1600" b="1">
+                <a:highlight>
+                  <a:srgbClr val="FFFF00"/>
+                </a:highlight>
+                <a:latin typeface="Consolas" panose="020B0609020204030204" pitchFamily="49" charset="0"/>
+              </a:rPr>
+              <a:t>router.delete('/:id', async (request, response, next) =&gt; {</a:t>
+            </a:r>
+          </a:p>
+          <a:p>
+            <a:pPr marL="0" indent="0">
+              <a:lnSpc>
+                <a:spcPct val="100000"/>
+              </a:lnSpc>
+              <a:spcBef>
+                <a:spcPts val="0"/>
+              </a:spcBef>
+              <a:buNone/>
+            </a:pPr>
+            <a:r>
+              <a:rPr lang="en-US" sz="1600">
+                <a:latin typeface="Consolas" panose="020B0609020204030204" pitchFamily="49" charset="0"/>
+              </a:rPr>
+              <a:t>  try {</a:t>
+            </a:r>
+          </a:p>
+          <a:p>
+            <a:pPr marL="0" indent="0">
+              <a:lnSpc>
+                <a:spcPct val="100000"/>
+              </a:lnSpc>
+              <a:spcBef>
+                <a:spcPts val="0"/>
+              </a:spcBef>
+              <a:buNone/>
+            </a:pPr>
+            <a:r>
+              <a:rPr lang="en-US" sz="1600">
+                <a:latin typeface="Consolas" panose="020B0609020204030204" pitchFamily="49" charset="0"/>
+              </a:rPr>
+              <a:t>    const id = request.params.id;</a:t>
+            </a:r>
+          </a:p>
+          <a:p>
+            <a:pPr marL="0" indent="0">
+              <a:lnSpc>
+                <a:spcPct val="100000"/>
+              </a:lnSpc>
+              <a:spcBef>
+                <a:spcPts val="0"/>
+              </a:spcBef>
+              <a:buNone/>
+            </a:pPr>
+            <a:r>
+              <a:rPr lang="en-US" sz="1600">
+                <a:latin typeface="Consolas" panose="020B0609020204030204" pitchFamily="49" charset="0"/>
+              </a:rPr>
+              <a:t>    if (!db.isValidId(id)) { return sendInvalidId(response); }</a:t>
+            </a:r>
+          </a:p>
+          <a:p>
+            <a:pPr marL="0" indent="0">
+              <a:lnSpc>
+                <a:spcPct val="100000"/>
+              </a:lnSpc>
+              <a:spcBef>
+                <a:spcPts val="0"/>
+              </a:spcBef>
+              <a:buNone/>
+            </a:pPr>
+            <a:endParaRPr lang="en-US" sz="1600">
+              <a:latin typeface="Consolas" panose="020B0609020204030204" pitchFamily="49" charset="0"/>
+            </a:endParaRPr>
+          </a:p>
+          <a:p>
+            <a:pPr marL="0" indent="0">
+              <a:lnSpc>
+                <a:spcPct val="100000"/>
+              </a:lnSpc>
+              <a:spcBef>
+                <a:spcPts val="0"/>
+              </a:spcBef>
+              <a:buNone/>
+            </a:pPr>
+            <a:r>
+              <a:rPr lang="en-US" sz="1600" b="1">
+                <a:latin typeface="Consolas" panose="020B0609020204030204" pitchFamily="49" charset="0"/>
+              </a:rPr>
+              <a:t>    await db.deleteOneNote(note);</a:t>
+            </a:r>
+          </a:p>
+          <a:p>
+            <a:pPr marL="0" indent="0">
+              <a:lnSpc>
+                <a:spcPct val="100000"/>
+              </a:lnSpc>
+              <a:spcBef>
+                <a:spcPts val="0"/>
+              </a:spcBef>
+              <a:buNone/>
+            </a:pPr>
+            <a:r>
+              <a:rPr lang="en-US" sz="1600" b="1">
+                <a:latin typeface="Consolas" panose="020B0609020204030204" pitchFamily="49" charset="0"/>
+              </a:rPr>
+              <a:t>    return response.type('text/plain').send('Note deleted.');</a:t>
+            </a:r>
+          </a:p>
+          <a:p>
+            <a:pPr marL="0" indent="0">
+              <a:lnSpc>
+                <a:spcPct val="100000"/>
+              </a:lnSpc>
+              <a:spcBef>
+                <a:spcPts val="0"/>
+              </a:spcBef>
+              <a:buNone/>
+            </a:pPr>
+            <a:r>
+              <a:rPr lang="en-US" sz="1600">
+                <a:latin typeface="Consolas" panose="020B0609020204030204" pitchFamily="49" charset="0"/>
+              </a:rPr>
+              <a:t>  } catch (err) {</a:t>
+            </a:r>
+          </a:p>
+          <a:p>
+            <a:pPr marL="0" indent="0">
+              <a:lnSpc>
+                <a:spcPct val="100000"/>
+              </a:lnSpc>
+              <a:spcBef>
+                <a:spcPts val="0"/>
+              </a:spcBef>
+              <a:buNone/>
+            </a:pPr>
+            <a:r>
+              <a:rPr lang="en-US" sz="1600">
+                <a:latin typeface="Consolas" panose="020B0609020204030204" pitchFamily="49" charset="0"/>
+              </a:rPr>
+              <a:t>    next(err);</a:t>
+            </a:r>
+          </a:p>
+          <a:p>
+            <a:pPr marL="0" indent="0">
+              <a:lnSpc>
+                <a:spcPct val="100000"/>
+              </a:lnSpc>
+              <a:spcBef>
+                <a:spcPts val="0"/>
+              </a:spcBef>
+              <a:buNone/>
+            </a:pPr>
+            <a:r>
+              <a:rPr lang="en-US" sz="1600">
+                <a:latin typeface="Consolas" panose="020B0609020204030204" pitchFamily="49" charset="0"/>
+              </a:rPr>
+              <a:t>  }</a:t>
+            </a:r>
+          </a:p>
+          <a:p>
+            <a:pPr marL="0" indent="0">
+              <a:lnSpc>
+                <a:spcPct val="100000"/>
+              </a:lnSpc>
+              <a:spcBef>
+                <a:spcPts val="0"/>
+              </a:spcBef>
+              <a:buNone/>
+            </a:pPr>
+            <a:r>
+              <a:rPr lang="en-US" sz="1600">
+                <a:latin typeface="Consolas" panose="020B0609020204030204" pitchFamily="49" charset="0"/>
+              </a:rPr>
+              <a:t>});</a:t>
+            </a:r>
+          </a:p>
+        </p:txBody>
+      </p:sp>
+    </p:spTree>
+    <p:extLst>
+      <p:ext uri="{BB962C8B-B14F-4D97-AF65-F5344CB8AC3E}">
+        <p14:creationId xmlns:p14="http://schemas.microsoft.com/office/powerpoint/2010/main" val="3606592004"/>
+      </p:ext>
+    </p:extLst>
+  </p:cSld>
+  <p:clrMapOvr>
+    <a:masterClrMapping/>
+  </p:clrMapOvr>
+</p:sld>
+</file>
+
+<file path=ppt/slides/slide36.xml><?xml version="1.0" encoding="utf-8"?>
 <p:sld xmlns:a="http://schemas.openxmlformats.org/drawingml/2006/main" xmlns:r="http://schemas.openxmlformats.org/officeDocument/2006/relationships" xmlns:p="http://schemas.openxmlformats.org/presentationml/2006/main">
   <p:cSld>
     <p:bg>
@@ -7812,7 +15009,7 @@
 </p:sld>
 </file>
 
-<file path=ppt/slides/slide23.xml><?xml version="1.0" encoding="utf-8"?>
+<file path=ppt/slides/slide37.xml><?xml version="1.0" encoding="utf-8"?>
 <p:sld xmlns:a="http://schemas.openxmlformats.org/drawingml/2006/main" xmlns:r="http://schemas.openxmlformats.org/officeDocument/2006/relationships" xmlns:p="http://schemas.openxmlformats.org/presentationml/2006/main">
   <p:cSld>
     <p:spTree>
@@ -7891,889 +15088,6 @@
   </p:cSld>
   <p:clrMapOvr>
     <a:masterClrMapping/>
-  </p:clrMapOvr>
-</p:sld>
-</file>
-
-<file path=ppt/slides/slide3.xml><?xml version="1.0" encoding="utf-8"?>
-<p:sld xmlns:a="http://schemas.openxmlformats.org/drawingml/2006/main" xmlns:r="http://schemas.openxmlformats.org/officeDocument/2006/relationships" xmlns:p="http://schemas.openxmlformats.org/presentationml/2006/main">
-  <p:cSld>
-    <p:bg>
-      <p:bgPr>
-        <a:solidFill>
-          <a:schemeClr val="bg1"/>
-        </a:solidFill>
-        <a:effectLst/>
-      </p:bgPr>
-    </p:bg>
-    <p:spTree>
-      <p:nvGrpSpPr>
-        <p:cNvPr id="1" name=""/>
-        <p:cNvGrpSpPr/>
-        <p:nvPr/>
-      </p:nvGrpSpPr>
-      <p:grpSpPr>
-        <a:xfrm>
-          <a:off x="0" y="0"/>
-          <a:ext cx="0" cy="0"/>
-          <a:chOff x="0" y="0"/>
-          <a:chExt cx="0" cy="0"/>
-        </a:xfrm>
-      </p:grpSpPr>
-      <p:sp>
-        <p:nvSpPr>
-          <p:cNvPr id="10" name="Rectangle 9">
-            <a:extLst>
-              <a:ext uri="{FF2B5EF4-FFF2-40B4-BE49-F238E27FC236}">
-                <a16:creationId xmlns:a16="http://schemas.microsoft.com/office/drawing/2014/main" id="{904DB13E-F722-4ED6-BB00-556651E95281}"/>
-              </a:ext>
-              <a:ext uri="{C183D7F6-B498-43B3-948B-1728B52AA6E4}">
-                <adec:decorative xmlns:adec="http://schemas.microsoft.com/office/drawing/2017/decorative" val="1"/>
-              </a:ext>
-            </a:extLst>
-          </p:cNvPr>
-          <p:cNvSpPr>
-            <a:spLocks noGrp="1" noRot="1" noChangeAspect="1" noMove="1" noResize="1" noEditPoints="1" noAdjustHandles="1" noChangeArrowheads="1" noChangeShapeType="1" noTextEdit="1"/>
-          </p:cNvSpPr>
-          <p:nvPr>
-            <p:extLst>
-              <p:ext uri="{386F3935-93C4-4BCD-93E2-E3B085C9AB24}">
-                <p16:designElem xmlns:p16="http://schemas.microsoft.com/office/powerpoint/2015/main" val="1"/>
-              </p:ext>
-            </p:extLst>
-          </p:nvPr>
-        </p:nvSpPr>
-        <p:spPr>
-          <a:xfrm>
-            <a:off x="0" y="0"/>
-            <a:ext cx="12192000" cy="6858000"/>
-          </a:xfrm>
-          <a:prstGeom prst="rect">
-            <a:avLst/>
-          </a:prstGeom>
-          <a:solidFill>
-            <a:schemeClr val="tx1">
-              <a:lumMod val="65000"/>
-              <a:lumOff val="35000"/>
-            </a:schemeClr>
-          </a:solidFill>
-          <a:ln>
-            <a:noFill/>
-          </a:ln>
-        </p:spPr>
-        <p:style>
-          <a:lnRef idx="2">
-            <a:schemeClr val="accent1">
-              <a:shade val="50000"/>
-            </a:schemeClr>
-          </a:lnRef>
-          <a:fillRef idx="1">
-            <a:schemeClr val="accent1"/>
-          </a:fillRef>
-          <a:effectRef idx="0">
-            <a:schemeClr val="accent1"/>
-          </a:effectRef>
-          <a:fontRef idx="minor">
-            <a:schemeClr val="lt1"/>
-          </a:fontRef>
-        </p:style>
-        <p:txBody>
-          <a:bodyPr rtlCol="0" anchor="ctr"/>
-          <a:lstStyle/>
-          <a:p>
-            <a:pPr algn="ctr"/>
-            <a:endParaRPr lang="en-US"/>
-          </a:p>
-        </p:txBody>
-      </p:sp>
-      <p:sp useBgFill="1">
-        <p:nvSpPr>
-          <p:cNvPr id="12" name="Rectangle 11">
-            <a:extLst>
-              <a:ext uri="{FF2B5EF4-FFF2-40B4-BE49-F238E27FC236}">
-                <a16:creationId xmlns:a16="http://schemas.microsoft.com/office/drawing/2014/main" id="{7B58A187-A4B1-42EB-A4C7-8635BA507BCE}"/>
-              </a:ext>
-              <a:ext uri="{C183D7F6-B498-43B3-948B-1728B52AA6E4}">
-                <adec:decorative xmlns:adec="http://schemas.microsoft.com/office/drawing/2017/decorative" val="1"/>
-              </a:ext>
-            </a:extLst>
-          </p:cNvPr>
-          <p:cNvSpPr>
-            <a:spLocks noGrp="1" noRot="1" noChangeAspect="1" noMove="1" noResize="1" noEditPoints="1" noAdjustHandles="1" noChangeArrowheads="1" noChangeShapeType="1" noTextEdit="1"/>
-          </p:cNvSpPr>
-          <p:nvPr>
-            <p:extLst>
-              <p:ext uri="{386F3935-93C4-4BCD-93E2-E3B085C9AB24}">
-                <p16:designElem xmlns:p16="http://schemas.microsoft.com/office/powerpoint/2015/main" val="1"/>
-              </p:ext>
-            </p:extLst>
-          </p:nvPr>
-        </p:nvSpPr>
-        <p:spPr>
-          <a:xfrm>
-            <a:off x="1307870" y="1267730"/>
-            <a:ext cx="9576262" cy="4307950"/>
-          </a:xfrm>
-          <a:prstGeom prst="rect">
-            <a:avLst/>
-          </a:prstGeom>
-          <a:ln w="6350" cap="flat" cmpd="sng" algn="ctr">
-            <a:noFill/>
-            <a:prstDash val="solid"/>
-          </a:ln>
-          <a:effectLst>
-            <a:outerShdw blurRad="50800" algn="ctr" rotWithShape="0">
-              <a:prstClr val="black">
-                <a:alpha val="66000"/>
-              </a:prstClr>
-            </a:outerShdw>
-            <a:softEdge rad="0"/>
-          </a:effectLst>
-        </p:spPr>
-      </p:sp>
-      <p:sp>
-        <p:nvSpPr>
-          <p:cNvPr id="14" name="Rectangle 13">
-            <a:extLst>
-              <a:ext uri="{FF2B5EF4-FFF2-40B4-BE49-F238E27FC236}">
-                <a16:creationId xmlns:a16="http://schemas.microsoft.com/office/drawing/2014/main" id="{37F14E7F-3054-458C-ACF9-A8DA1757C65C}"/>
-              </a:ext>
-              <a:ext uri="{C183D7F6-B498-43B3-948B-1728B52AA6E4}">
-                <adec:decorative xmlns:adec="http://schemas.microsoft.com/office/drawing/2017/decorative" val="1"/>
-              </a:ext>
-            </a:extLst>
-          </p:cNvPr>
-          <p:cNvSpPr>
-            <a:spLocks noGrp="1" noRot="1" noChangeAspect="1" noMove="1" noResize="1" noEditPoints="1" noAdjustHandles="1" noChangeArrowheads="1" noChangeShapeType="1" noTextEdit="1"/>
-          </p:cNvSpPr>
-          <p:nvPr>
-            <p:extLst>
-              <p:ext uri="{386F3935-93C4-4BCD-93E2-E3B085C9AB24}">
-                <p16:designElem xmlns:p16="http://schemas.microsoft.com/office/powerpoint/2015/main" val="1"/>
-              </p:ext>
-            </p:extLst>
-          </p:nvPr>
-        </p:nvSpPr>
-        <p:spPr>
-          <a:xfrm>
-            <a:off x="1447801" y="1411615"/>
-            <a:ext cx="9296400" cy="4034770"/>
-          </a:xfrm>
-          <a:prstGeom prst="rect">
-            <a:avLst/>
-          </a:prstGeom>
-          <a:noFill/>
-          <a:ln w="6350" cap="sq" cmpd="sng" algn="ctr">
-            <a:solidFill>
-              <a:schemeClr val="tx1">
-                <a:lumMod val="75000"/>
-                <a:lumOff val="25000"/>
-              </a:schemeClr>
-            </a:solidFill>
-            <a:prstDash val="solid"/>
-            <a:miter lim="800000"/>
-          </a:ln>
-          <a:effectLst/>
-        </p:spPr>
-      </p:sp>
-      <p:sp>
-        <p:nvSpPr>
-          <p:cNvPr id="16" name="Rectangle 15">
-            <a:extLst>
-              <a:ext uri="{FF2B5EF4-FFF2-40B4-BE49-F238E27FC236}">
-                <a16:creationId xmlns:a16="http://schemas.microsoft.com/office/drawing/2014/main" id="{93747C1C-97FC-4D70-A6C8-A01FBCF5A9DC}"/>
-              </a:ext>
-              <a:ext uri="{C183D7F6-B498-43B3-948B-1728B52AA6E4}">
-                <adec:decorative xmlns:adec="http://schemas.microsoft.com/office/drawing/2017/decorative" val="1"/>
-              </a:ext>
-            </a:extLst>
-          </p:cNvPr>
-          <p:cNvSpPr>
-            <a:spLocks noGrp="1" noRot="1" noChangeAspect="1" noMove="1" noResize="1" noEditPoints="1" noAdjustHandles="1" noChangeArrowheads="1" noChangeShapeType="1" noTextEdit="1"/>
-          </p:cNvSpPr>
-          <p:nvPr>
-            <p:extLst>
-              <p:ext uri="{386F3935-93C4-4BCD-93E2-E3B085C9AB24}">
-                <p16:designElem xmlns:p16="http://schemas.microsoft.com/office/powerpoint/2015/main" val="1"/>
-              </p:ext>
-            </p:extLst>
-          </p:nvPr>
-        </p:nvSpPr>
-        <p:spPr>
-          <a:xfrm>
-            <a:off x="5135880" y="1267730"/>
-            <a:ext cx="1920240" cy="731520"/>
-          </a:xfrm>
-          <a:prstGeom prst="rect">
-            <a:avLst/>
-          </a:prstGeom>
-          <a:solidFill>
-            <a:schemeClr val="accent1"/>
-          </a:solidFill>
-          <a:ln>
-            <a:noFill/>
-          </a:ln>
-        </p:spPr>
-        <p:style>
-          <a:lnRef idx="2">
-            <a:schemeClr val="accent1">
-              <a:shade val="50000"/>
-            </a:schemeClr>
-          </a:lnRef>
-          <a:fillRef idx="1">
-            <a:schemeClr val="accent1"/>
-          </a:fillRef>
-          <a:effectRef idx="0">
-            <a:schemeClr val="accent1"/>
-          </a:effectRef>
-          <a:fontRef idx="minor">
-            <a:schemeClr val="lt1"/>
-          </a:fontRef>
-        </p:style>
-      </p:sp>
-      <p:grpSp>
-        <p:nvGrpSpPr>
-          <p:cNvPr id="18" name="Group 17">
-            <a:extLst>
-              <a:ext uri="{FF2B5EF4-FFF2-40B4-BE49-F238E27FC236}">
-                <a16:creationId xmlns:a16="http://schemas.microsoft.com/office/drawing/2014/main" id="{E26428D7-C6F3-473D-A360-A3F5C3E8728C}"/>
-              </a:ext>
-              <a:ext uri="{C183D7F6-B498-43B3-948B-1728B52AA6E4}">
-                <adec:decorative xmlns:adec="http://schemas.microsoft.com/office/drawing/2017/decorative" val="1"/>
-              </a:ext>
-            </a:extLst>
-          </p:cNvPr>
-          <p:cNvGrpSpPr>
-            <a:grpSpLocks noGrp="1" noUngrp="1" noRot="1" noChangeAspect="1" noMove="1" noResize="1"/>
-          </p:cNvGrpSpPr>
-          <p:nvPr>
-            <p:extLst>
-              <p:ext uri="{386F3935-93C4-4BCD-93E2-E3B085C9AB24}">
-                <p16:designElem xmlns:p16="http://schemas.microsoft.com/office/powerpoint/2015/main" val="1"/>
-              </p:ext>
-            </p:extLst>
-          </p:nvPr>
-        </p:nvGrpSpPr>
-        <p:grpSpPr>
-          <a:xfrm>
-            <a:off x="5250180" y="1267730"/>
-            <a:ext cx="1691640" cy="615934"/>
-            <a:chOff x="5250180" y="1267730"/>
-            <a:chExt cx="1691640" cy="615934"/>
-          </a:xfrm>
-        </p:grpSpPr>
-        <p:cxnSp>
-          <p:nvCxnSpPr>
-            <p:cNvPr id="19" name="Straight Connector 18">
-              <a:extLst>
-                <a:ext uri="{FF2B5EF4-FFF2-40B4-BE49-F238E27FC236}">
-                  <a16:creationId xmlns:a16="http://schemas.microsoft.com/office/drawing/2014/main" id="{05CDC370-AE44-4300-98BA-FE204E881765}"/>
-                </a:ext>
-                <a:ext uri="{C183D7F6-B498-43B3-948B-1728B52AA6E4}">
-                  <adec:decorative xmlns:adec="http://schemas.microsoft.com/office/drawing/2017/decorative" val="1"/>
-                </a:ext>
-              </a:extLst>
-            </p:cNvPr>
-            <p:cNvCxnSpPr/>
-            <p:nvPr>
-              <p:extLst>
-                <p:ext uri="{386F3935-93C4-4BCD-93E2-E3B085C9AB24}">
-                  <p16:designElem xmlns:p16="http://schemas.microsoft.com/office/powerpoint/2015/main" val="1"/>
-                </p:ext>
-              </p:extLst>
-            </p:nvPr>
-          </p:nvCxnSpPr>
-          <p:spPr>
-            <a:xfrm>
-              <a:off x="5250180" y="1267730"/>
-              <a:ext cx="0" cy="612648"/>
-            </a:xfrm>
-            <a:prstGeom prst="line">
-              <a:avLst/>
-            </a:prstGeom>
-            <a:solidFill>
-              <a:schemeClr val="tx1">
-                <a:lumMod val="85000"/>
-                <a:lumOff val="15000"/>
-              </a:schemeClr>
-            </a:solidFill>
-            <a:ln>
-              <a:solidFill>
-                <a:srgbClr val="FFFFFF"/>
-              </a:solidFill>
-              <a:miter lim="800000"/>
-            </a:ln>
-          </p:spPr>
-          <p:style>
-            <a:lnRef idx="1">
-              <a:schemeClr val="accent1"/>
-            </a:lnRef>
-            <a:fillRef idx="0">
-              <a:schemeClr val="accent1"/>
-            </a:fillRef>
-            <a:effectRef idx="0">
-              <a:schemeClr val="accent1"/>
-            </a:effectRef>
-            <a:fontRef idx="minor">
-              <a:schemeClr val="tx1"/>
-            </a:fontRef>
-          </p:style>
-        </p:cxnSp>
-        <p:cxnSp>
-          <p:nvCxnSpPr>
-            <p:cNvPr id="20" name="Straight Connector 19">
-              <a:extLst>
-                <a:ext uri="{FF2B5EF4-FFF2-40B4-BE49-F238E27FC236}">
-                  <a16:creationId xmlns:a16="http://schemas.microsoft.com/office/drawing/2014/main" id="{47B15501-CB9A-4642-80EE-2876EF039EB8}"/>
-                </a:ext>
-                <a:ext uri="{C183D7F6-B498-43B3-948B-1728B52AA6E4}">
-                  <adec:decorative xmlns:adec="http://schemas.microsoft.com/office/drawing/2017/decorative" val="1"/>
-                </a:ext>
-              </a:extLst>
-            </p:cNvPr>
-            <p:cNvCxnSpPr/>
-            <p:nvPr>
-              <p:extLst>
-                <p:ext uri="{386F3935-93C4-4BCD-93E2-E3B085C9AB24}">
-                  <p16:designElem xmlns:p16="http://schemas.microsoft.com/office/powerpoint/2015/main" val="1"/>
-                </p:ext>
-              </p:extLst>
-            </p:nvPr>
-          </p:nvCxnSpPr>
-          <p:spPr>
-            <a:xfrm>
-              <a:off x="6941820" y="1267730"/>
-              <a:ext cx="0" cy="612648"/>
-            </a:xfrm>
-            <a:prstGeom prst="line">
-              <a:avLst/>
-            </a:prstGeom>
-            <a:solidFill>
-              <a:schemeClr val="tx1">
-                <a:lumMod val="85000"/>
-                <a:lumOff val="15000"/>
-              </a:schemeClr>
-            </a:solidFill>
-            <a:ln>
-              <a:solidFill>
-                <a:srgbClr val="FFFFFF"/>
-              </a:solidFill>
-              <a:miter lim="800000"/>
-            </a:ln>
-          </p:spPr>
-          <p:style>
-            <a:lnRef idx="1">
-              <a:schemeClr val="accent1"/>
-            </a:lnRef>
-            <a:fillRef idx="0">
-              <a:schemeClr val="accent1"/>
-            </a:fillRef>
-            <a:effectRef idx="0">
-              <a:schemeClr val="accent1"/>
-            </a:effectRef>
-            <a:fontRef idx="minor">
-              <a:schemeClr val="tx1"/>
-            </a:fontRef>
-          </p:style>
-        </p:cxnSp>
-        <p:cxnSp>
-          <p:nvCxnSpPr>
-            <p:cNvPr id="21" name="Straight Connector 20">
-              <a:extLst>
-                <a:ext uri="{FF2B5EF4-FFF2-40B4-BE49-F238E27FC236}">
-                  <a16:creationId xmlns:a16="http://schemas.microsoft.com/office/drawing/2014/main" id="{6AFF9525-325F-47B3-A63C-93C12253AD76}"/>
-                </a:ext>
-                <a:ext uri="{C183D7F6-B498-43B3-948B-1728B52AA6E4}">
-                  <adec:decorative xmlns:adec="http://schemas.microsoft.com/office/drawing/2017/decorative" val="1"/>
-                </a:ext>
-              </a:extLst>
-            </p:cNvPr>
-            <p:cNvCxnSpPr/>
-            <p:nvPr>
-              <p:extLst>
-                <p:ext uri="{386F3935-93C4-4BCD-93E2-E3B085C9AB24}">
-                  <p16:designElem xmlns:p16="http://schemas.microsoft.com/office/powerpoint/2015/main" val="1"/>
-                </p:ext>
-              </p:extLst>
-            </p:nvPr>
-          </p:nvCxnSpPr>
-          <p:spPr>
-            <a:xfrm>
-              <a:off x="5250180" y="1883664"/>
-              <a:ext cx="1691640" cy="0"/>
-            </a:xfrm>
-            <a:prstGeom prst="line">
-              <a:avLst/>
-            </a:prstGeom>
-            <a:solidFill>
-              <a:schemeClr val="tx1">
-                <a:lumMod val="85000"/>
-                <a:lumOff val="15000"/>
-              </a:schemeClr>
-            </a:solidFill>
-            <a:ln>
-              <a:solidFill>
-                <a:srgbClr val="FFFFFF"/>
-              </a:solidFill>
-              <a:miter lim="800000"/>
-            </a:ln>
-          </p:spPr>
-          <p:style>
-            <a:lnRef idx="1">
-              <a:schemeClr val="accent1"/>
-            </a:lnRef>
-            <a:fillRef idx="0">
-              <a:schemeClr val="accent1"/>
-            </a:fillRef>
-            <a:effectRef idx="0">
-              <a:schemeClr val="accent1"/>
-            </a:effectRef>
-            <a:fontRef idx="minor">
-              <a:schemeClr val="tx1"/>
-            </a:fontRef>
-          </p:style>
-        </p:cxnSp>
-      </p:grpSp>
-      <p:sp>
-        <p:nvSpPr>
-          <p:cNvPr id="23" name="Rectangle 22">
-            <a:extLst>
-              <a:ext uri="{FF2B5EF4-FFF2-40B4-BE49-F238E27FC236}">
-                <a16:creationId xmlns:a16="http://schemas.microsoft.com/office/drawing/2014/main" id="{B66F8A2C-B8CF-4B20-9A73-2ADCF6302755}"/>
-              </a:ext>
-              <a:ext uri="{C183D7F6-B498-43B3-948B-1728B52AA6E4}">
-                <adec:decorative xmlns:adec="http://schemas.microsoft.com/office/drawing/2017/decorative" val="1"/>
-              </a:ext>
-            </a:extLst>
-          </p:cNvPr>
-          <p:cNvSpPr>
-            <a:spLocks noGrp="1" noRot="1" noChangeAspect="1" noMove="1" noResize="1" noEditPoints="1" noAdjustHandles="1" noChangeArrowheads="1" noChangeShapeType="1" noTextEdit="1"/>
-          </p:cNvSpPr>
-          <p:nvPr>
-            <p:extLst>
-              <p:ext uri="{386F3935-93C4-4BCD-93E2-E3B085C9AB24}">
-                <p16:designElem xmlns:p16="http://schemas.microsoft.com/office/powerpoint/2015/main" val="1"/>
-              </p:ext>
-            </p:extLst>
-          </p:nvPr>
-        </p:nvSpPr>
-        <p:spPr>
-          <a:xfrm>
-            <a:off x="0" y="0"/>
-            <a:ext cx="12192001" cy="6858000"/>
-          </a:xfrm>
-          <a:prstGeom prst="rect">
-            <a:avLst/>
-          </a:prstGeom>
-          <a:solidFill>
-            <a:schemeClr val="tx1">
-              <a:lumMod val="85000"/>
-            </a:schemeClr>
-          </a:solidFill>
-          <a:ln>
-            <a:noFill/>
-          </a:ln>
-        </p:spPr>
-        <p:style>
-          <a:lnRef idx="2">
-            <a:schemeClr val="accent1">
-              <a:shade val="50000"/>
-            </a:schemeClr>
-          </a:lnRef>
-          <a:fillRef idx="1">
-            <a:schemeClr val="accent1"/>
-          </a:fillRef>
-          <a:effectRef idx="0">
-            <a:schemeClr val="accent1"/>
-          </a:effectRef>
-          <a:fontRef idx="minor">
-            <a:schemeClr val="lt1"/>
-          </a:fontRef>
-        </p:style>
-        <p:txBody>
-          <a:bodyPr rot="0" spcFirstLastPara="0" vert="horz" wrap="square" lIns="91440" tIns="45720" rIns="91440" bIns="45720" numCol="1" spcCol="0" rtlCol="0" fromWordArt="0" anchor="ctr" anchorCtr="0" forceAA="0" compatLnSpc="1">
-            <a:prstTxWarp prst="textNoShape">
-              <a:avLst/>
-            </a:prstTxWarp>
-            <a:noAutofit/>
-          </a:bodyPr>
-          <a:lstStyle>
-            <a:defPPr>
-              <a:defRPr lang="en-US"/>
-            </a:defPPr>
-            <a:lvl1pPr marL="0" algn="l" defTabSz="914400" rtl="0" eaLnBrk="1" latinLnBrk="0" hangingPunct="1">
-              <a:defRPr sz="1800" kern="1200">
-                <a:solidFill>
-                  <a:schemeClr val="lt1"/>
-                </a:solidFill>
-                <a:latin typeface="+mn-lt"/>
-                <a:ea typeface="+mn-ea"/>
-                <a:cs typeface="+mn-cs"/>
-              </a:defRPr>
-            </a:lvl1pPr>
-            <a:lvl2pPr marL="457200" algn="l" defTabSz="914400" rtl="0" eaLnBrk="1" latinLnBrk="0" hangingPunct="1">
-              <a:defRPr sz="1800" kern="1200">
-                <a:solidFill>
-                  <a:schemeClr val="lt1"/>
-                </a:solidFill>
-                <a:latin typeface="+mn-lt"/>
-                <a:ea typeface="+mn-ea"/>
-                <a:cs typeface="+mn-cs"/>
-              </a:defRPr>
-            </a:lvl2pPr>
-            <a:lvl3pPr marL="914400" algn="l" defTabSz="914400" rtl="0" eaLnBrk="1" latinLnBrk="0" hangingPunct="1">
-              <a:defRPr sz="1800" kern="1200">
-                <a:solidFill>
-                  <a:schemeClr val="lt1"/>
-                </a:solidFill>
-                <a:latin typeface="+mn-lt"/>
-                <a:ea typeface="+mn-ea"/>
-                <a:cs typeface="+mn-cs"/>
-              </a:defRPr>
-            </a:lvl3pPr>
-            <a:lvl4pPr marL="1371600" algn="l" defTabSz="914400" rtl="0" eaLnBrk="1" latinLnBrk="0" hangingPunct="1">
-              <a:defRPr sz="1800" kern="1200">
-                <a:solidFill>
-                  <a:schemeClr val="lt1"/>
-                </a:solidFill>
-                <a:latin typeface="+mn-lt"/>
-                <a:ea typeface="+mn-ea"/>
-                <a:cs typeface="+mn-cs"/>
-              </a:defRPr>
-            </a:lvl4pPr>
-            <a:lvl5pPr marL="1828800" algn="l" defTabSz="914400" rtl="0" eaLnBrk="1" latinLnBrk="0" hangingPunct="1">
-              <a:defRPr sz="1800" kern="1200">
-                <a:solidFill>
-                  <a:schemeClr val="lt1"/>
-                </a:solidFill>
-                <a:latin typeface="+mn-lt"/>
-                <a:ea typeface="+mn-ea"/>
-                <a:cs typeface="+mn-cs"/>
-              </a:defRPr>
-            </a:lvl5pPr>
-            <a:lvl6pPr marL="2286000" algn="l" defTabSz="914400" rtl="0" eaLnBrk="1" latinLnBrk="0" hangingPunct="1">
-              <a:defRPr sz="1800" kern="1200">
-                <a:solidFill>
-                  <a:schemeClr val="lt1"/>
-                </a:solidFill>
-                <a:latin typeface="+mn-lt"/>
-                <a:ea typeface="+mn-ea"/>
-                <a:cs typeface="+mn-cs"/>
-              </a:defRPr>
-            </a:lvl6pPr>
-            <a:lvl7pPr marL="2743200" algn="l" defTabSz="914400" rtl="0" eaLnBrk="1" latinLnBrk="0" hangingPunct="1">
-              <a:defRPr sz="1800" kern="1200">
-                <a:solidFill>
-                  <a:schemeClr val="lt1"/>
-                </a:solidFill>
-                <a:latin typeface="+mn-lt"/>
-                <a:ea typeface="+mn-ea"/>
-                <a:cs typeface="+mn-cs"/>
-              </a:defRPr>
-            </a:lvl7pPr>
-            <a:lvl8pPr marL="3200400" algn="l" defTabSz="914400" rtl="0" eaLnBrk="1" latinLnBrk="0" hangingPunct="1">
-              <a:defRPr sz="1800" kern="1200">
-                <a:solidFill>
-                  <a:schemeClr val="lt1"/>
-                </a:solidFill>
-                <a:latin typeface="+mn-lt"/>
-                <a:ea typeface="+mn-ea"/>
-                <a:cs typeface="+mn-cs"/>
-              </a:defRPr>
-            </a:lvl8pPr>
-            <a:lvl9pPr marL="3657600" algn="l" defTabSz="914400" rtl="0" eaLnBrk="1" latinLnBrk="0" hangingPunct="1">
-              <a:defRPr sz="1800" kern="1200">
-                <a:solidFill>
-                  <a:schemeClr val="lt1"/>
-                </a:solidFill>
-                <a:latin typeface="+mn-lt"/>
-                <a:ea typeface="+mn-ea"/>
-                <a:cs typeface="+mn-cs"/>
-              </a:defRPr>
-            </a:lvl9pPr>
-          </a:lstStyle>
-          <a:p>
-            <a:pPr algn="ctr"/>
-            <a:endParaRPr lang="en-US"/>
-          </a:p>
-        </p:txBody>
-      </p:sp>
-      <p:sp>
-        <p:nvSpPr>
-          <p:cNvPr id="25" name="Rectangle 24">
-            <a:extLst>
-              <a:ext uri="{FF2B5EF4-FFF2-40B4-BE49-F238E27FC236}">
-                <a16:creationId xmlns:a16="http://schemas.microsoft.com/office/drawing/2014/main" id="{B5DD78E9-DE0D-47AF-A0DB-F475221E3DC7}"/>
-              </a:ext>
-              <a:ext uri="{C183D7F6-B498-43B3-948B-1728B52AA6E4}">
-                <adec:decorative xmlns:adec="http://schemas.microsoft.com/office/drawing/2017/decorative" val="1"/>
-              </a:ext>
-            </a:extLst>
-          </p:cNvPr>
-          <p:cNvSpPr>
-            <a:spLocks noGrp="1" noRot="1" noChangeAspect="1" noMove="1" noResize="1" noEditPoints="1" noAdjustHandles="1" noChangeArrowheads="1" noChangeShapeType="1" noTextEdit="1"/>
-          </p:cNvSpPr>
-          <p:nvPr>
-            <p:extLst>
-              <p:ext uri="{386F3935-93C4-4BCD-93E2-E3B085C9AB24}">
-                <p16:designElem xmlns:p16="http://schemas.microsoft.com/office/powerpoint/2015/main" val="1"/>
-              </p:ext>
-            </p:extLst>
-          </p:nvPr>
-        </p:nvSpPr>
-        <p:spPr>
-          <a:xfrm>
-            <a:off x="632108" y="610955"/>
-            <a:ext cx="10927784" cy="5636090"/>
-          </a:xfrm>
-          <a:prstGeom prst="rect">
-            <a:avLst/>
-          </a:prstGeom>
-          <a:solidFill>
-            <a:srgbClr val="FFFFFF"/>
-          </a:solidFill>
-          <a:ln w="6350" cap="flat" cmpd="sng" algn="ctr">
-            <a:noFill/>
-            <a:prstDash val="solid"/>
-          </a:ln>
-          <a:effectLst>
-            <a:outerShdw blurRad="50800" algn="ctr" rotWithShape="0">
-              <a:prstClr val="black">
-                <a:alpha val="66000"/>
-              </a:prstClr>
-            </a:outerShdw>
-            <a:softEdge rad="0"/>
-          </a:effectLst>
-        </p:spPr>
-      </p:sp>
-      <p:sp>
-        <p:nvSpPr>
-          <p:cNvPr id="27" name="Rectangle 26">
-            <a:extLst>
-              <a:ext uri="{FF2B5EF4-FFF2-40B4-BE49-F238E27FC236}">
-                <a16:creationId xmlns:a16="http://schemas.microsoft.com/office/drawing/2014/main" id="{A118D329-2010-4A15-B57C-429FFAE35B11}"/>
-              </a:ext>
-              <a:ext uri="{C183D7F6-B498-43B3-948B-1728B52AA6E4}">
-                <adec:decorative xmlns:adec="http://schemas.microsoft.com/office/drawing/2017/decorative" val="1"/>
-              </a:ext>
-            </a:extLst>
-          </p:cNvPr>
-          <p:cNvSpPr>
-            <a:spLocks noGrp="1" noRot="1" noChangeAspect="1" noMove="1" noResize="1" noEditPoints="1" noAdjustHandles="1" noChangeArrowheads="1" noChangeShapeType="1" noTextEdit="1"/>
-          </p:cNvSpPr>
-          <p:nvPr>
-            <p:extLst>
-              <p:ext uri="{386F3935-93C4-4BCD-93E2-E3B085C9AB24}">
-                <p16:designElem xmlns:p16="http://schemas.microsoft.com/office/powerpoint/2015/main" val="1"/>
-              </p:ext>
-            </p:extLst>
-          </p:nvPr>
-        </p:nvSpPr>
-        <p:spPr>
-          <a:xfrm>
-            <a:off x="797052" y="777240"/>
-            <a:ext cx="10597896" cy="5303520"/>
-          </a:xfrm>
-          <a:prstGeom prst="rect">
-            <a:avLst/>
-          </a:prstGeom>
-          <a:solidFill>
-            <a:schemeClr val="bg1">
-              <a:lumMod val="85000"/>
-              <a:lumOff val="15000"/>
-            </a:schemeClr>
-          </a:solidFill>
-          <a:ln w="6350" cap="sq" cmpd="sng" algn="ctr">
-            <a:solidFill>
-              <a:schemeClr val="tx1"/>
-            </a:solidFill>
-            <a:prstDash val="solid"/>
-            <a:miter lim="800000"/>
-          </a:ln>
-          <a:effectLst/>
-        </p:spPr>
-      </p:sp>
-      <p:sp>
-        <p:nvSpPr>
-          <p:cNvPr id="4" name="Title 3">
-            <a:extLst>
-              <a:ext uri="{FF2B5EF4-FFF2-40B4-BE49-F238E27FC236}">
-                <a16:creationId xmlns:a16="http://schemas.microsoft.com/office/drawing/2014/main" id="{B0047F3A-D6AD-4322-A07D-376EAF0FFE65}"/>
-              </a:ext>
-            </a:extLst>
-          </p:cNvPr>
-          <p:cNvSpPr>
-            <a:spLocks noGrp="1"/>
-          </p:cNvSpPr>
-          <p:nvPr>
-            <p:ph type="title"/>
-          </p:nvPr>
-        </p:nvSpPr>
-        <p:spPr>
-          <a:xfrm>
-            <a:off x="1263520" y="1272800"/>
-            <a:ext cx="6544620" cy="4312402"/>
-          </a:xfrm>
-        </p:spPr>
-        <p:txBody>
-          <a:bodyPr vert="horz" lIns="91440" tIns="45720" rIns="91440" bIns="45720" rtlCol="0" anchor="ctr">
-            <a:normAutofit/>
-          </a:bodyPr>
-          <a:lstStyle/>
-          <a:p>
-            <a:pPr algn="r"/>
-            <a:r>
-              <a:rPr lang="en-US">
-                <a:solidFill>
-                  <a:schemeClr val="tx1"/>
-                </a:solidFill>
-              </a:rPr>
-              <a:t>Setup</a:t>
-            </a:r>
-          </a:p>
-        </p:txBody>
-      </p:sp>
-      <p:sp>
-        <p:nvSpPr>
-          <p:cNvPr id="5" name="Text Placeholder 4">
-            <a:extLst>
-              <a:ext uri="{FF2B5EF4-FFF2-40B4-BE49-F238E27FC236}">
-                <a16:creationId xmlns:a16="http://schemas.microsoft.com/office/drawing/2014/main" id="{FD3D6BD7-20D5-4AF3-A018-79B01D13FD8A}"/>
-              </a:ext>
-            </a:extLst>
-          </p:cNvPr>
-          <p:cNvSpPr>
-            <a:spLocks noGrp="1"/>
-          </p:cNvSpPr>
-          <p:nvPr>
-            <p:ph type="body" idx="1"/>
-          </p:nvPr>
-        </p:nvSpPr>
-        <p:spPr>
-          <a:xfrm>
-            <a:off x="8473440" y="1272800"/>
-            <a:ext cx="2902864" cy="4312402"/>
-          </a:xfrm>
-        </p:spPr>
-        <p:txBody>
-          <a:bodyPr vert="horz" lIns="91440" tIns="45720" rIns="91440" bIns="45720" rtlCol="0" anchor="ctr">
-            <a:normAutofit/>
-          </a:bodyPr>
-          <a:lstStyle/>
-          <a:p>
-            <a:pPr marL="342900" indent="-342900" algn="l">
-              <a:lnSpc>
-                <a:spcPct val="100000"/>
-              </a:lnSpc>
-              <a:spcBef>
-                <a:spcPts val="0"/>
-              </a:spcBef>
-              <a:buFont typeface="Arial" panose="020B0604020202020204" pitchFamily="34" charset="0"/>
-              <a:buChar char="•"/>
-            </a:pPr>
-            <a:r>
-              <a:rPr lang="en-US" spc="80"/>
-              <a:t>npm mongodb</a:t>
-            </a:r>
-          </a:p>
-          <a:p>
-            <a:pPr marL="342900" indent="-342900" algn="l">
-              <a:lnSpc>
-                <a:spcPct val="100000"/>
-              </a:lnSpc>
-              <a:spcBef>
-                <a:spcPts val="0"/>
-              </a:spcBef>
-              <a:buFont typeface="Arial" panose="020B0604020202020204" pitchFamily="34" charset="0"/>
-              <a:buChar char="•"/>
-            </a:pPr>
-            <a:r>
-              <a:rPr lang="en-US" spc="80"/>
-              <a:t>npm config</a:t>
-            </a:r>
-          </a:p>
-          <a:p>
-            <a:pPr marL="342900" indent="-342900" algn="l">
-              <a:lnSpc>
-                <a:spcPct val="100000"/>
-              </a:lnSpc>
-              <a:spcBef>
-                <a:spcPts val="0"/>
-              </a:spcBef>
-              <a:buFont typeface="Arial" panose="020B0604020202020204" pitchFamily="34" charset="0"/>
-              <a:buChar char="•"/>
-            </a:pPr>
-            <a:r>
-              <a:rPr lang="en-US" spc="80"/>
-              <a:t>connecting</a:t>
-            </a:r>
-          </a:p>
-        </p:txBody>
-      </p:sp>
-      <p:cxnSp>
-        <p:nvCxnSpPr>
-          <p:cNvPr id="29" name="Straight Connector 28">
-            <a:extLst>
-              <a:ext uri="{FF2B5EF4-FFF2-40B4-BE49-F238E27FC236}">
-                <a16:creationId xmlns:a16="http://schemas.microsoft.com/office/drawing/2014/main" id="{994262BC-EE98-4BD6-82DB-4955E8DCC290}"/>
-              </a:ext>
-              <a:ext uri="{C183D7F6-B498-43B3-948B-1728B52AA6E4}">
-                <adec:decorative xmlns:adec="http://schemas.microsoft.com/office/drawing/2017/decorative" val="1"/>
-              </a:ext>
-            </a:extLst>
-          </p:cNvPr>
-          <p:cNvCxnSpPr>
-            <a:cxnSpLocks noGrp="1" noRot="1" noChangeAspect="1" noMove="1" noResize="1" noEditPoints="1" noAdjustHandles="1" noChangeArrowheads="1" noChangeShapeType="1"/>
-          </p:cNvCxnSpPr>
-          <p:nvPr>
-            <p:extLst>
-              <p:ext uri="{386F3935-93C4-4BCD-93E2-E3B085C9AB24}">
-                <p16:designElem xmlns:p16="http://schemas.microsoft.com/office/powerpoint/2015/main" val="1"/>
-              </p:ext>
-            </p:extLst>
-          </p:nvPr>
-        </p:nvCxnSpPr>
-        <p:spPr>
-          <a:xfrm>
-            <a:off x="8129872" y="2057401"/>
-            <a:ext cx="0" cy="2743200"/>
-          </a:xfrm>
-          <a:prstGeom prst="line">
-            <a:avLst/>
-          </a:prstGeom>
-          <a:ln w="12700">
-            <a:solidFill>
-              <a:schemeClr val="tx1">
-                <a:lumMod val="75000"/>
-                <a:lumOff val="25000"/>
-              </a:schemeClr>
-            </a:solidFill>
-          </a:ln>
-        </p:spPr>
-        <p:style>
-          <a:lnRef idx="1">
-            <a:schemeClr val="accent1"/>
-          </a:lnRef>
-          <a:fillRef idx="0">
-            <a:schemeClr val="accent1"/>
-          </a:fillRef>
-          <a:effectRef idx="0">
-            <a:schemeClr val="accent1"/>
-          </a:effectRef>
-          <a:fontRef idx="minor">
-            <a:schemeClr val="tx1"/>
-          </a:fontRef>
-        </p:style>
-      </p:cxnSp>
-    </p:spTree>
-    <p:extLst>
-      <p:ext uri="{BB962C8B-B14F-4D97-AF65-F5344CB8AC3E}">
-        <p14:creationId xmlns:p14="http://schemas.microsoft.com/office/powerpoint/2010/main" val="2622901704"/>
-      </p:ext>
-    </p:extLst>
-  </p:cSld>
-  <p:clrMapOvr>
-    <a:overrideClrMapping bg1="dk1" tx1="lt1" bg2="dk2" tx2="lt2" accent1="accent1" accent2="accent2" accent3="accent3" accent4="accent4" accent5="accent5" accent6="accent6" hlink="hlink" folHlink="folHlink"/>
   </p:clrMapOvr>
 </p:sld>
 </file>
